--- a/문서/시나리오에 따른 공정 시뮬레이션 발표 - 박민준.pptx
+++ b/문서/시나리오에 따른 공정 시뮬레이션 발표 - 박민준.pptx
@@ -26,9 +26,9 @@
     <p:sldId id="307" r:id="rId17"/>
     <p:sldId id="309" r:id="rId18"/>
     <p:sldId id="305" r:id="rId19"/>
-    <p:sldId id="312" r:id="rId20"/>
-    <p:sldId id="314" r:id="rId21"/>
-    <p:sldId id="313" r:id="rId22"/>
+    <p:sldId id="317" r:id="rId20"/>
+    <p:sldId id="315" r:id="rId21"/>
+    <p:sldId id="316" r:id="rId22"/>
     <p:sldId id="311" r:id="rId23"/>
     <p:sldId id="310" r:id="rId24"/>
     <p:sldId id="277" r:id="rId25"/>
@@ -23215,44 +23215,10 @@
       </p:grpSpPr>
       <p:sp>
         <p:nvSpPr>
-          <p:cNvPr id="2" name="제목 1">
-            <a:extLst>
-              <a:ext uri="{FF2B5EF4-FFF2-40B4-BE49-F238E27FC236}">
-                <a16:creationId xmlns:a16="http://schemas.microsoft.com/office/drawing/2014/main" id="{E3C8B473-489D-17B4-FEFA-EB55970589E5}"/>
-              </a:ext>
-            </a:extLst>
-          </p:cNvPr>
-          <p:cNvSpPr>
-            <a:spLocks noGrp="1"/>
-          </p:cNvSpPr>
-          <p:nvPr>
-            <p:ph type="title"/>
-          </p:nvPr>
-        </p:nvSpPr>
-        <p:spPr>
-          <a:xfrm>
-            <a:off x="838200" y="0"/>
-            <a:ext cx="10515600" cy="1325563"/>
-          </a:xfrm>
-        </p:spPr>
-        <p:txBody>
-          <a:bodyPr/>
-          <a:lstStyle/>
-          <a:p>
-            <a:pPr algn="ctr"/>
-            <a:r>
-              <a:rPr lang="ko-KR" altLang="en-US" dirty="0"/>
-              <a:t>통합 결합 모델</a:t>
-            </a:r>
-          </a:p>
-        </p:txBody>
-      </p:sp>
-      <p:sp>
-        <p:nvSpPr>
-          <p:cNvPr id="7" name="날짜 개체 틀 6">
-            <a:extLst>
-              <a:ext uri="{FF2B5EF4-FFF2-40B4-BE49-F238E27FC236}">
-                <a16:creationId xmlns:a16="http://schemas.microsoft.com/office/drawing/2014/main" id="{92D7576E-A399-4CB9-2C6E-4F516AF02137}"/>
+          <p:cNvPr id="4" name="날짜 개체 틀 3">
+            <a:extLst>
+              <a:ext uri="{FF2B5EF4-FFF2-40B4-BE49-F238E27FC236}">
+                <a16:creationId xmlns:a16="http://schemas.microsoft.com/office/drawing/2014/main" id="{0798AFF7-49F6-5118-BF0C-AE317F333C63}"/>
               </a:ext>
             </a:extLst>
           </p:cNvPr>
@@ -23285,10 +23251,10 @@
       </p:sp>
       <p:sp>
         <p:nvSpPr>
-          <p:cNvPr id="8" name="바닥글 개체 틀 7">
-            <a:extLst>
-              <a:ext uri="{FF2B5EF4-FFF2-40B4-BE49-F238E27FC236}">
-                <a16:creationId xmlns:a16="http://schemas.microsoft.com/office/drawing/2014/main" id="{20E2B4C0-9744-8E0B-F3DA-48273DBEA1F3}"/>
+          <p:cNvPr id="5" name="바닥글 개체 틀 4">
+            <a:extLst>
+              <a:ext uri="{FF2B5EF4-FFF2-40B4-BE49-F238E27FC236}">
+                <a16:creationId xmlns:a16="http://schemas.microsoft.com/office/drawing/2014/main" id="{4060FC1C-6AB3-FA2F-D69E-C1624C1E03D6}"/>
               </a:ext>
             </a:extLst>
           </p:cNvPr>
@@ -23317,10 +23283,10 @@
       </p:sp>
       <p:sp>
         <p:nvSpPr>
-          <p:cNvPr id="9" name="슬라이드 번호 개체 틀 8">
-            <a:extLst>
-              <a:ext uri="{FF2B5EF4-FFF2-40B4-BE49-F238E27FC236}">
-                <a16:creationId xmlns:a16="http://schemas.microsoft.com/office/drawing/2014/main" id="{F92422A0-428A-5C60-0E02-2C064D665728}"/>
+          <p:cNvPr id="6" name="슬라이드 번호 개체 틀 5">
+            <a:extLst>
+              <a:ext uri="{FF2B5EF4-FFF2-40B4-BE49-F238E27FC236}">
+                <a16:creationId xmlns:a16="http://schemas.microsoft.com/office/drawing/2014/main" id="{0F8D6143-4205-B273-2A46-A5B76F792C23}"/>
               </a:ext>
             </a:extLst>
           </p:cNvPr>
@@ -23348,12 +23314,838 @@
           </a:p>
         </p:txBody>
       </p:sp>
+      <p:sp>
+        <p:nvSpPr>
+          <p:cNvPr id="8" name="날짜 개체 틀 6">
+            <a:extLst>
+              <a:ext uri="{FF2B5EF4-FFF2-40B4-BE49-F238E27FC236}">
+                <a16:creationId xmlns:a16="http://schemas.microsoft.com/office/drawing/2014/main" id="{A74D79A4-48A3-CE19-ADD4-2ECDAA89B4CC}"/>
+              </a:ext>
+            </a:extLst>
+          </p:cNvPr>
+          <p:cNvSpPr txBox="1">
+            <a:spLocks/>
+          </p:cNvSpPr>
+          <p:nvPr/>
+        </p:nvSpPr>
+        <p:spPr>
+          <a:xfrm>
+            <a:off x="838200" y="6356350"/>
+            <a:ext cx="2743200" cy="365125"/>
+          </a:xfrm>
+          <a:prstGeom prst="rect">
+            <a:avLst/>
+          </a:prstGeom>
+        </p:spPr>
+        <p:txBody>
+          <a:bodyPr vert="horz" lIns="91440" tIns="45720" rIns="91440" bIns="45720" rtlCol="0" anchor="ctr"/>
+          <a:lstStyle>
+            <a:defPPr rtl="0">
+              <a:defRPr lang="ko-KR"/>
+            </a:defPPr>
+            <a:lvl1pPr marL="0" algn="l" defTabSz="914400" rtl="0" eaLnBrk="1" latinLnBrk="0" hangingPunct="1">
+              <a:defRPr sz="900" kern="1200">
+                <a:solidFill>
+                  <a:schemeClr val="tx1">
+                    <a:tint val="75000"/>
+                  </a:schemeClr>
+                </a:solidFill>
+                <a:latin typeface="맑은 고딕" panose="020B0503020000020004" pitchFamily="50" charset="-127"/>
+                <a:ea typeface="맑은 고딕" panose="020B0503020000020004" pitchFamily="50" charset="-127"/>
+                <a:cs typeface="+mn-cs"/>
+              </a:defRPr>
+            </a:lvl1pPr>
+            <a:lvl2pPr marL="457200" algn="l" defTabSz="914400" rtl="0" eaLnBrk="1" latinLnBrk="0" hangingPunct="1">
+              <a:defRPr sz="1800" kern="1200">
+                <a:solidFill>
+                  <a:schemeClr val="tx1"/>
+                </a:solidFill>
+                <a:latin typeface="+mn-lt"/>
+                <a:ea typeface="+mn-ea"/>
+                <a:cs typeface="+mn-cs"/>
+              </a:defRPr>
+            </a:lvl2pPr>
+            <a:lvl3pPr marL="914400" algn="l" defTabSz="914400" rtl="0" eaLnBrk="1" latinLnBrk="0" hangingPunct="1">
+              <a:defRPr sz="1800" kern="1200">
+                <a:solidFill>
+                  <a:schemeClr val="tx1"/>
+                </a:solidFill>
+                <a:latin typeface="+mn-lt"/>
+                <a:ea typeface="+mn-ea"/>
+                <a:cs typeface="+mn-cs"/>
+              </a:defRPr>
+            </a:lvl3pPr>
+            <a:lvl4pPr marL="1371600" algn="l" defTabSz="914400" rtl="0" eaLnBrk="1" latinLnBrk="0" hangingPunct="1">
+              <a:defRPr sz="1800" kern="1200">
+                <a:solidFill>
+                  <a:schemeClr val="tx1"/>
+                </a:solidFill>
+                <a:latin typeface="+mn-lt"/>
+                <a:ea typeface="+mn-ea"/>
+                <a:cs typeface="+mn-cs"/>
+              </a:defRPr>
+            </a:lvl4pPr>
+            <a:lvl5pPr marL="1828800" algn="l" defTabSz="914400" rtl="0" eaLnBrk="1" latinLnBrk="0" hangingPunct="1">
+              <a:defRPr sz="1800" kern="1200">
+                <a:solidFill>
+                  <a:schemeClr val="tx1"/>
+                </a:solidFill>
+                <a:latin typeface="+mn-lt"/>
+                <a:ea typeface="+mn-ea"/>
+                <a:cs typeface="+mn-cs"/>
+              </a:defRPr>
+            </a:lvl5pPr>
+            <a:lvl6pPr marL="2286000" algn="l" defTabSz="914400" rtl="0" eaLnBrk="1" latinLnBrk="0" hangingPunct="1">
+              <a:defRPr sz="1800" kern="1200">
+                <a:solidFill>
+                  <a:schemeClr val="tx1"/>
+                </a:solidFill>
+                <a:latin typeface="+mn-lt"/>
+                <a:ea typeface="+mn-ea"/>
+                <a:cs typeface="+mn-cs"/>
+              </a:defRPr>
+            </a:lvl6pPr>
+            <a:lvl7pPr marL="2743200" algn="l" defTabSz="914400" rtl="0" eaLnBrk="1" latinLnBrk="0" hangingPunct="1">
+              <a:defRPr sz="1800" kern="1200">
+                <a:solidFill>
+                  <a:schemeClr val="tx1"/>
+                </a:solidFill>
+                <a:latin typeface="+mn-lt"/>
+                <a:ea typeface="+mn-ea"/>
+                <a:cs typeface="+mn-cs"/>
+              </a:defRPr>
+            </a:lvl7pPr>
+            <a:lvl8pPr marL="3200400" algn="l" defTabSz="914400" rtl="0" eaLnBrk="1" latinLnBrk="0" hangingPunct="1">
+              <a:defRPr sz="1800" kern="1200">
+                <a:solidFill>
+                  <a:schemeClr val="tx1"/>
+                </a:solidFill>
+                <a:latin typeface="+mn-lt"/>
+                <a:ea typeface="+mn-ea"/>
+                <a:cs typeface="+mn-cs"/>
+              </a:defRPr>
+            </a:lvl8pPr>
+            <a:lvl9pPr marL="3657600" algn="l" defTabSz="914400" rtl="0" eaLnBrk="1" latinLnBrk="0" hangingPunct="1">
+              <a:defRPr sz="1800" kern="1200">
+                <a:solidFill>
+                  <a:schemeClr val="tx1"/>
+                </a:solidFill>
+                <a:latin typeface="+mn-lt"/>
+                <a:ea typeface="+mn-ea"/>
+                <a:cs typeface="+mn-cs"/>
+              </a:defRPr>
+            </a:lvl9pPr>
+          </a:lstStyle>
+          <a:p>
+            <a:r>
+              <a:rPr lang="en-US" altLang="ko-KR"/>
+              <a:t>20XX</a:t>
+            </a:r>
+            <a:r>
+              <a:rPr lang="ko-KR" altLang="en-US"/>
+              <a:t>년</a:t>
+            </a:r>
+          </a:p>
+        </p:txBody>
+      </p:sp>
+      <p:sp>
+        <p:nvSpPr>
+          <p:cNvPr id="9" name="바닥글 개체 틀 7">
+            <a:extLst>
+              <a:ext uri="{FF2B5EF4-FFF2-40B4-BE49-F238E27FC236}">
+                <a16:creationId xmlns:a16="http://schemas.microsoft.com/office/drawing/2014/main" id="{B4FBB4B8-DCDD-8E24-667C-3F5AFEFBF22B}"/>
+              </a:ext>
+            </a:extLst>
+          </p:cNvPr>
+          <p:cNvSpPr txBox="1">
+            <a:spLocks/>
+          </p:cNvSpPr>
+          <p:nvPr/>
+        </p:nvSpPr>
+        <p:spPr>
+          <a:xfrm>
+            <a:off x="4038600" y="6356350"/>
+            <a:ext cx="4114800" cy="365125"/>
+          </a:xfrm>
+          <a:prstGeom prst="rect">
+            <a:avLst/>
+          </a:prstGeom>
+        </p:spPr>
+        <p:txBody>
+          <a:bodyPr vert="horz" lIns="91440" tIns="45720" rIns="91440" bIns="45720" rtlCol="0" anchor="ctr"/>
+          <a:lstStyle>
+            <a:defPPr rtl="0">
+              <a:defRPr lang="ko-KR"/>
+            </a:defPPr>
+            <a:lvl1pPr marL="0" algn="ctr" defTabSz="914400" rtl="0" eaLnBrk="1" latinLnBrk="0" hangingPunct="1">
+              <a:defRPr sz="900" kern="1200">
+                <a:solidFill>
+                  <a:schemeClr val="tx1">
+                    <a:tint val="75000"/>
+                  </a:schemeClr>
+                </a:solidFill>
+                <a:latin typeface="맑은 고딕" panose="020B0503020000020004" pitchFamily="50" charset="-127"/>
+                <a:ea typeface="맑은 고딕" panose="020B0503020000020004" pitchFamily="50" charset="-127"/>
+                <a:cs typeface="+mn-cs"/>
+              </a:defRPr>
+            </a:lvl1pPr>
+            <a:lvl2pPr marL="457200" algn="l" defTabSz="914400" rtl="0" eaLnBrk="1" latinLnBrk="0" hangingPunct="1">
+              <a:defRPr sz="1800" kern="1200">
+                <a:solidFill>
+                  <a:schemeClr val="tx1"/>
+                </a:solidFill>
+                <a:latin typeface="+mn-lt"/>
+                <a:ea typeface="+mn-ea"/>
+                <a:cs typeface="+mn-cs"/>
+              </a:defRPr>
+            </a:lvl2pPr>
+            <a:lvl3pPr marL="914400" algn="l" defTabSz="914400" rtl="0" eaLnBrk="1" latinLnBrk="0" hangingPunct="1">
+              <a:defRPr sz="1800" kern="1200">
+                <a:solidFill>
+                  <a:schemeClr val="tx1"/>
+                </a:solidFill>
+                <a:latin typeface="+mn-lt"/>
+                <a:ea typeface="+mn-ea"/>
+                <a:cs typeface="+mn-cs"/>
+              </a:defRPr>
+            </a:lvl3pPr>
+            <a:lvl4pPr marL="1371600" algn="l" defTabSz="914400" rtl="0" eaLnBrk="1" latinLnBrk="0" hangingPunct="1">
+              <a:defRPr sz="1800" kern="1200">
+                <a:solidFill>
+                  <a:schemeClr val="tx1"/>
+                </a:solidFill>
+                <a:latin typeface="+mn-lt"/>
+                <a:ea typeface="+mn-ea"/>
+                <a:cs typeface="+mn-cs"/>
+              </a:defRPr>
+            </a:lvl4pPr>
+            <a:lvl5pPr marL="1828800" algn="l" defTabSz="914400" rtl="0" eaLnBrk="1" latinLnBrk="0" hangingPunct="1">
+              <a:defRPr sz="1800" kern="1200">
+                <a:solidFill>
+                  <a:schemeClr val="tx1"/>
+                </a:solidFill>
+                <a:latin typeface="+mn-lt"/>
+                <a:ea typeface="+mn-ea"/>
+                <a:cs typeface="+mn-cs"/>
+              </a:defRPr>
+            </a:lvl5pPr>
+            <a:lvl6pPr marL="2286000" algn="l" defTabSz="914400" rtl="0" eaLnBrk="1" latinLnBrk="0" hangingPunct="1">
+              <a:defRPr sz="1800" kern="1200">
+                <a:solidFill>
+                  <a:schemeClr val="tx1"/>
+                </a:solidFill>
+                <a:latin typeface="+mn-lt"/>
+                <a:ea typeface="+mn-ea"/>
+                <a:cs typeface="+mn-cs"/>
+              </a:defRPr>
+            </a:lvl6pPr>
+            <a:lvl7pPr marL="2743200" algn="l" defTabSz="914400" rtl="0" eaLnBrk="1" latinLnBrk="0" hangingPunct="1">
+              <a:defRPr sz="1800" kern="1200">
+                <a:solidFill>
+                  <a:schemeClr val="tx1"/>
+                </a:solidFill>
+                <a:latin typeface="+mn-lt"/>
+                <a:ea typeface="+mn-ea"/>
+                <a:cs typeface="+mn-cs"/>
+              </a:defRPr>
+            </a:lvl7pPr>
+            <a:lvl8pPr marL="3200400" algn="l" defTabSz="914400" rtl="0" eaLnBrk="1" latinLnBrk="0" hangingPunct="1">
+              <a:defRPr sz="1800" kern="1200">
+                <a:solidFill>
+                  <a:schemeClr val="tx1"/>
+                </a:solidFill>
+                <a:latin typeface="+mn-lt"/>
+                <a:ea typeface="+mn-ea"/>
+                <a:cs typeface="+mn-cs"/>
+              </a:defRPr>
+            </a:lvl8pPr>
+            <a:lvl9pPr marL="3657600" algn="l" defTabSz="914400" rtl="0" eaLnBrk="1" latinLnBrk="0" hangingPunct="1">
+              <a:defRPr sz="1800" kern="1200">
+                <a:solidFill>
+                  <a:schemeClr val="tx1"/>
+                </a:solidFill>
+                <a:latin typeface="+mn-lt"/>
+                <a:ea typeface="+mn-ea"/>
+                <a:cs typeface="+mn-cs"/>
+              </a:defRPr>
+            </a:lvl9pPr>
+          </a:lstStyle>
+          <a:p>
+            <a:r>
+              <a:rPr lang="ko-KR" altLang="en-US"/>
+              <a:t>설명 자료</a:t>
+            </a:r>
+          </a:p>
+        </p:txBody>
+      </p:sp>
+      <p:sp>
+        <p:nvSpPr>
+          <p:cNvPr id="10" name="슬라이드 번호 개체 틀 8">
+            <a:extLst>
+              <a:ext uri="{FF2B5EF4-FFF2-40B4-BE49-F238E27FC236}">
+                <a16:creationId xmlns:a16="http://schemas.microsoft.com/office/drawing/2014/main" id="{863CB896-E382-011F-5548-7AC4CE68AEEF}"/>
+              </a:ext>
+            </a:extLst>
+          </p:cNvPr>
+          <p:cNvSpPr txBox="1">
+            <a:spLocks/>
+          </p:cNvSpPr>
+          <p:nvPr/>
+        </p:nvSpPr>
+        <p:spPr>
+          <a:xfrm>
+            <a:off x="8610600" y="6356350"/>
+            <a:ext cx="2743200" cy="365125"/>
+          </a:xfrm>
+          <a:prstGeom prst="rect">
+            <a:avLst/>
+          </a:prstGeom>
+        </p:spPr>
+        <p:txBody>
+          <a:bodyPr vert="horz" lIns="91440" tIns="45720" rIns="91440" bIns="45720" rtlCol="0" anchor="ctr"/>
+          <a:lstStyle>
+            <a:defPPr rtl="0">
+              <a:defRPr lang="ko-KR"/>
+            </a:defPPr>
+            <a:lvl1pPr marL="0" algn="r" defTabSz="914400" rtl="0" eaLnBrk="1" latinLnBrk="0" hangingPunct="1">
+              <a:defRPr sz="900" kern="1200">
+                <a:solidFill>
+                  <a:schemeClr val="tx1">
+                    <a:tint val="75000"/>
+                  </a:schemeClr>
+                </a:solidFill>
+                <a:latin typeface="맑은 고딕" panose="020B0503020000020004" pitchFamily="50" charset="-127"/>
+                <a:ea typeface="맑은 고딕" panose="020B0503020000020004" pitchFamily="50" charset="-127"/>
+                <a:cs typeface="+mn-cs"/>
+              </a:defRPr>
+            </a:lvl1pPr>
+            <a:lvl2pPr marL="457200" algn="l" defTabSz="914400" rtl="0" eaLnBrk="1" latinLnBrk="0" hangingPunct="1">
+              <a:defRPr sz="1800" kern="1200">
+                <a:solidFill>
+                  <a:schemeClr val="tx1"/>
+                </a:solidFill>
+                <a:latin typeface="+mn-lt"/>
+                <a:ea typeface="+mn-ea"/>
+                <a:cs typeface="+mn-cs"/>
+              </a:defRPr>
+            </a:lvl2pPr>
+            <a:lvl3pPr marL="914400" algn="l" defTabSz="914400" rtl="0" eaLnBrk="1" latinLnBrk="0" hangingPunct="1">
+              <a:defRPr sz="1800" kern="1200">
+                <a:solidFill>
+                  <a:schemeClr val="tx1"/>
+                </a:solidFill>
+                <a:latin typeface="+mn-lt"/>
+                <a:ea typeface="+mn-ea"/>
+                <a:cs typeface="+mn-cs"/>
+              </a:defRPr>
+            </a:lvl3pPr>
+            <a:lvl4pPr marL="1371600" algn="l" defTabSz="914400" rtl="0" eaLnBrk="1" latinLnBrk="0" hangingPunct="1">
+              <a:defRPr sz="1800" kern="1200">
+                <a:solidFill>
+                  <a:schemeClr val="tx1"/>
+                </a:solidFill>
+                <a:latin typeface="+mn-lt"/>
+                <a:ea typeface="+mn-ea"/>
+                <a:cs typeface="+mn-cs"/>
+              </a:defRPr>
+            </a:lvl4pPr>
+            <a:lvl5pPr marL="1828800" algn="l" defTabSz="914400" rtl="0" eaLnBrk="1" latinLnBrk="0" hangingPunct="1">
+              <a:defRPr sz="1800" kern="1200">
+                <a:solidFill>
+                  <a:schemeClr val="tx1"/>
+                </a:solidFill>
+                <a:latin typeface="+mn-lt"/>
+                <a:ea typeface="+mn-ea"/>
+                <a:cs typeface="+mn-cs"/>
+              </a:defRPr>
+            </a:lvl5pPr>
+            <a:lvl6pPr marL="2286000" algn="l" defTabSz="914400" rtl="0" eaLnBrk="1" latinLnBrk="0" hangingPunct="1">
+              <a:defRPr sz="1800" kern="1200">
+                <a:solidFill>
+                  <a:schemeClr val="tx1"/>
+                </a:solidFill>
+                <a:latin typeface="+mn-lt"/>
+                <a:ea typeface="+mn-ea"/>
+                <a:cs typeface="+mn-cs"/>
+              </a:defRPr>
+            </a:lvl6pPr>
+            <a:lvl7pPr marL="2743200" algn="l" defTabSz="914400" rtl="0" eaLnBrk="1" latinLnBrk="0" hangingPunct="1">
+              <a:defRPr sz="1800" kern="1200">
+                <a:solidFill>
+                  <a:schemeClr val="tx1"/>
+                </a:solidFill>
+                <a:latin typeface="+mn-lt"/>
+                <a:ea typeface="+mn-ea"/>
+                <a:cs typeface="+mn-cs"/>
+              </a:defRPr>
+            </a:lvl7pPr>
+            <a:lvl8pPr marL="3200400" algn="l" defTabSz="914400" rtl="0" eaLnBrk="1" latinLnBrk="0" hangingPunct="1">
+              <a:defRPr sz="1800" kern="1200">
+                <a:solidFill>
+                  <a:schemeClr val="tx1"/>
+                </a:solidFill>
+                <a:latin typeface="+mn-lt"/>
+                <a:ea typeface="+mn-ea"/>
+                <a:cs typeface="+mn-cs"/>
+              </a:defRPr>
+            </a:lvl8pPr>
+            <a:lvl9pPr marL="3657600" algn="l" defTabSz="914400" rtl="0" eaLnBrk="1" latinLnBrk="0" hangingPunct="1">
+              <a:defRPr sz="1800" kern="1200">
+                <a:solidFill>
+                  <a:schemeClr val="tx1"/>
+                </a:solidFill>
+                <a:latin typeface="+mn-lt"/>
+                <a:ea typeface="+mn-ea"/>
+                <a:cs typeface="+mn-cs"/>
+              </a:defRPr>
+            </a:lvl9pPr>
+          </a:lstStyle>
+          <a:p>
+            <a:fld id="{B5CEABB6-07DC-46E8-9B57-56EC44A396E5}" type="slidenum">
+              <a:rPr lang="en-US" altLang="ko-KR" smtClean="0"/>
+              <a:pPr/>
+              <a:t>16</a:t>
+            </a:fld>
+            <a:endParaRPr lang="ko-KR" altLang="en-US"/>
+          </a:p>
+        </p:txBody>
+      </p:sp>
+      <p:sp>
+        <p:nvSpPr>
+          <p:cNvPr id="15" name="제목 1">
+            <a:extLst>
+              <a:ext uri="{FF2B5EF4-FFF2-40B4-BE49-F238E27FC236}">
+                <a16:creationId xmlns:a16="http://schemas.microsoft.com/office/drawing/2014/main" id="{F7689FE7-871A-4191-EA3F-3BB5D0781B5E}"/>
+              </a:ext>
+            </a:extLst>
+          </p:cNvPr>
+          <p:cNvSpPr>
+            <a:spLocks noGrp="1"/>
+          </p:cNvSpPr>
+          <p:nvPr>
+            <p:ph type="title"/>
+          </p:nvPr>
+        </p:nvSpPr>
+        <p:spPr>
+          <a:xfrm>
+            <a:off x="838200" y="0"/>
+            <a:ext cx="10515600" cy="1325563"/>
+          </a:xfrm>
+        </p:spPr>
+        <p:txBody>
+          <a:bodyPr/>
+          <a:lstStyle/>
+          <a:p>
+            <a:pPr algn="ctr"/>
+            <a:r>
+              <a:rPr lang="ko-KR" altLang="en-US" dirty="0"/>
+              <a:t>통합 결합 모델</a:t>
+            </a:r>
+          </a:p>
+        </p:txBody>
+      </p:sp>
+      <p:sp>
+        <p:nvSpPr>
+          <p:cNvPr id="16" name="날짜 개체 틀 6">
+            <a:extLst>
+              <a:ext uri="{FF2B5EF4-FFF2-40B4-BE49-F238E27FC236}">
+                <a16:creationId xmlns:a16="http://schemas.microsoft.com/office/drawing/2014/main" id="{E814D62E-E2AF-2E57-2B86-3125E0587C38}"/>
+              </a:ext>
+            </a:extLst>
+          </p:cNvPr>
+          <p:cNvSpPr txBox="1">
+            <a:spLocks/>
+          </p:cNvSpPr>
+          <p:nvPr/>
+        </p:nvSpPr>
+        <p:spPr>
+          <a:xfrm>
+            <a:off x="838200" y="6356350"/>
+            <a:ext cx="2743200" cy="365125"/>
+          </a:xfrm>
+          <a:prstGeom prst="rect">
+            <a:avLst/>
+          </a:prstGeom>
+        </p:spPr>
+        <p:txBody>
+          <a:bodyPr vert="horz" lIns="91440" tIns="45720" rIns="91440" bIns="45720" rtlCol="0" anchor="ctr"/>
+          <a:lstStyle>
+            <a:defPPr rtl="0">
+              <a:defRPr lang="ko-KR"/>
+            </a:defPPr>
+            <a:lvl1pPr marL="0" algn="l" defTabSz="914400" rtl="0" eaLnBrk="1" latinLnBrk="0" hangingPunct="1">
+              <a:defRPr sz="900" kern="1200">
+                <a:solidFill>
+                  <a:schemeClr val="tx1">
+                    <a:tint val="75000"/>
+                  </a:schemeClr>
+                </a:solidFill>
+                <a:latin typeface="맑은 고딕" panose="020B0503020000020004" pitchFamily="50" charset="-127"/>
+                <a:ea typeface="맑은 고딕" panose="020B0503020000020004" pitchFamily="50" charset="-127"/>
+                <a:cs typeface="+mn-cs"/>
+              </a:defRPr>
+            </a:lvl1pPr>
+            <a:lvl2pPr marL="457200" algn="l" defTabSz="914400" rtl="0" eaLnBrk="1" latinLnBrk="0" hangingPunct="1">
+              <a:defRPr sz="1800" kern="1200">
+                <a:solidFill>
+                  <a:schemeClr val="tx1"/>
+                </a:solidFill>
+                <a:latin typeface="+mn-lt"/>
+                <a:ea typeface="+mn-ea"/>
+                <a:cs typeface="+mn-cs"/>
+              </a:defRPr>
+            </a:lvl2pPr>
+            <a:lvl3pPr marL="914400" algn="l" defTabSz="914400" rtl="0" eaLnBrk="1" latinLnBrk="0" hangingPunct="1">
+              <a:defRPr sz="1800" kern="1200">
+                <a:solidFill>
+                  <a:schemeClr val="tx1"/>
+                </a:solidFill>
+                <a:latin typeface="+mn-lt"/>
+                <a:ea typeface="+mn-ea"/>
+                <a:cs typeface="+mn-cs"/>
+              </a:defRPr>
+            </a:lvl3pPr>
+            <a:lvl4pPr marL="1371600" algn="l" defTabSz="914400" rtl="0" eaLnBrk="1" latinLnBrk="0" hangingPunct="1">
+              <a:defRPr sz="1800" kern="1200">
+                <a:solidFill>
+                  <a:schemeClr val="tx1"/>
+                </a:solidFill>
+                <a:latin typeface="+mn-lt"/>
+                <a:ea typeface="+mn-ea"/>
+                <a:cs typeface="+mn-cs"/>
+              </a:defRPr>
+            </a:lvl4pPr>
+            <a:lvl5pPr marL="1828800" algn="l" defTabSz="914400" rtl="0" eaLnBrk="1" latinLnBrk="0" hangingPunct="1">
+              <a:defRPr sz="1800" kern="1200">
+                <a:solidFill>
+                  <a:schemeClr val="tx1"/>
+                </a:solidFill>
+                <a:latin typeface="+mn-lt"/>
+                <a:ea typeface="+mn-ea"/>
+                <a:cs typeface="+mn-cs"/>
+              </a:defRPr>
+            </a:lvl5pPr>
+            <a:lvl6pPr marL="2286000" algn="l" defTabSz="914400" rtl="0" eaLnBrk="1" latinLnBrk="0" hangingPunct="1">
+              <a:defRPr sz="1800" kern="1200">
+                <a:solidFill>
+                  <a:schemeClr val="tx1"/>
+                </a:solidFill>
+                <a:latin typeface="+mn-lt"/>
+                <a:ea typeface="+mn-ea"/>
+                <a:cs typeface="+mn-cs"/>
+              </a:defRPr>
+            </a:lvl6pPr>
+            <a:lvl7pPr marL="2743200" algn="l" defTabSz="914400" rtl="0" eaLnBrk="1" latinLnBrk="0" hangingPunct="1">
+              <a:defRPr sz="1800" kern="1200">
+                <a:solidFill>
+                  <a:schemeClr val="tx1"/>
+                </a:solidFill>
+                <a:latin typeface="+mn-lt"/>
+                <a:ea typeface="+mn-ea"/>
+                <a:cs typeface="+mn-cs"/>
+              </a:defRPr>
+            </a:lvl7pPr>
+            <a:lvl8pPr marL="3200400" algn="l" defTabSz="914400" rtl="0" eaLnBrk="1" latinLnBrk="0" hangingPunct="1">
+              <a:defRPr sz="1800" kern="1200">
+                <a:solidFill>
+                  <a:schemeClr val="tx1"/>
+                </a:solidFill>
+                <a:latin typeface="+mn-lt"/>
+                <a:ea typeface="+mn-ea"/>
+                <a:cs typeface="+mn-cs"/>
+              </a:defRPr>
+            </a:lvl8pPr>
+            <a:lvl9pPr marL="3657600" algn="l" defTabSz="914400" rtl="0" eaLnBrk="1" latinLnBrk="0" hangingPunct="1">
+              <a:defRPr sz="1800" kern="1200">
+                <a:solidFill>
+                  <a:schemeClr val="tx1"/>
+                </a:solidFill>
+                <a:latin typeface="+mn-lt"/>
+                <a:ea typeface="+mn-ea"/>
+                <a:cs typeface="+mn-cs"/>
+              </a:defRPr>
+            </a:lvl9pPr>
+          </a:lstStyle>
+          <a:p>
+            <a:r>
+              <a:rPr lang="en-US" altLang="ko-KR"/>
+              <a:t>20XX</a:t>
+            </a:r>
+            <a:r>
+              <a:rPr lang="ko-KR" altLang="en-US"/>
+              <a:t>년</a:t>
+            </a:r>
+          </a:p>
+        </p:txBody>
+      </p:sp>
+      <p:sp>
+        <p:nvSpPr>
+          <p:cNvPr id="17" name="바닥글 개체 틀 7">
+            <a:extLst>
+              <a:ext uri="{FF2B5EF4-FFF2-40B4-BE49-F238E27FC236}">
+                <a16:creationId xmlns:a16="http://schemas.microsoft.com/office/drawing/2014/main" id="{27519C5A-B9B9-3A1F-7D47-F0503AC8E035}"/>
+              </a:ext>
+            </a:extLst>
+          </p:cNvPr>
+          <p:cNvSpPr txBox="1">
+            <a:spLocks/>
+          </p:cNvSpPr>
+          <p:nvPr/>
+        </p:nvSpPr>
+        <p:spPr>
+          <a:xfrm>
+            <a:off x="4038600" y="6356350"/>
+            <a:ext cx="4114800" cy="365125"/>
+          </a:xfrm>
+          <a:prstGeom prst="rect">
+            <a:avLst/>
+          </a:prstGeom>
+        </p:spPr>
+        <p:txBody>
+          <a:bodyPr vert="horz" lIns="91440" tIns="45720" rIns="91440" bIns="45720" rtlCol="0" anchor="ctr"/>
+          <a:lstStyle>
+            <a:defPPr rtl="0">
+              <a:defRPr lang="ko-KR"/>
+            </a:defPPr>
+            <a:lvl1pPr marL="0" algn="ctr" defTabSz="914400" rtl="0" eaLnBrk="1" latinLnBrk="0" hangingPunct="1">
+              <a:defRPr sz="900" kern="1200">
+                <a:solidFill>
+                  <a:schemeClr val="tx1">
+                    <a:tint val="75000"/>
+                  </a:schemeClr>
+                </a:solidFill>
+                <a:latin typeface="맑은 고딕" panose="020B0503020000020004" pitchFamily="50" charset="-127"/>
+                <a:ea typeface="맑은 고딕" panose="020B0503020000020004" pitchFamily="50" charset="-127"/>
+                <a:cs typeface="+mn-cs"/>
+              </a:defRPr>
+            </a:lvl1pPr>
+            <a:lvl2pPr marL="457200" algn="l" defTabSz="914400" rtl="0" eaLnBrk="1" latinLnBrk="0" hangingPunct="1">
+              <a:defRPr sz="1800" kern="1200">
+                <a:solidFill>
+                  <a:schemeClr val="tx1"/>
+                </a:solidFill>
+                <a:latin typeface="+mn-lt"/>
+                <a:ea typeface="+mn-ea"/>
+                <a:cs typeface="+mn-cs"/>
+              </a:defRPr>
+            </a:lvl2pPr>
+            <a:lvl3pPr marL="914400" algn="l" defTabSz="914400" rtl="0" eaLnBrk="1" latinLnBrk="0" hangingPunct="1">
+              <a:defRPr sz="1800" kern="1200">
+                <a:solidFill>
+                  <a:schemeClr val="tx1"/>
+                </a:solidFill>
+                <a:latin typeface="+mn-lt"/>
+                <a:ea typeface="+mn-ea"/>
+                <a:cs typeface="+mn-cs"/>
+              </a:defRPr>
+            </a:lvl3pPr>
+            <a:lvl4pPr marL="1371600" algn="l" defTabSz="914400" rtl="0" eaLnBrk="1" latinLnBrk="0" hangingPunct="1">
+              <a:defRPr sz="1800" kern="1200">
+                <a:solidFill>
+                  <a:schemeClr val="tx1"/>
+                </a:solidFill>
+                <a:latin typeface="+mn-lt"/>
+                <a:ea typeface="+mn-ea"/>
+                <a:cs typeface="+mn-cs"/>
+              </a:defRPr>
+            </a:lvl4pPr>
+            <a:lvl5pPr marL="1828800" algn="l" defTabSz="914400" rtl="0" eaLnBrk="1" latinLnBrk="0" hangingPunct="1">
+              <a:defRPr sz="1800" kern="1200">
+                <a:solidFill>
+                  <a:schemeClr val="tx1"/>
+                </a:solidFill>
+                <a:latin typeface="+mn-lt"/>
+                <a:ea typeface="+mn-ea"/>
+                <a:cs typeface="+mn-cs"/>
+              </a:defRPr>
+            </a:lvl5pPr>
+            <a:lvl6pPr marL="2286000" algn="l" defTabSz="914400" rtl="0" eaLnBrk="1" latinLnBrk="0" hangingPunct="1">
+              <a:defRPr sz="1800" kern="1200">
+                <a:solidFill>
+                  <a:schemeClr val="tx1"/>
+                </a:solidFill>
+                <a:latin typeface="+mn-lt"/>
+                <a:ea typeface="+mn-ea"/>
+                <a:cs typeface="+mn-cs"/>
+              </a:defRPr>
+            </a:lvl6pPr>
+            <a:lvl7pPr marL="2743200" algn="l" defTabSz="914400" rtl="0" eaLnBrk="1" latinLnBrk="0" hangingPunct="1">
+              <a:defRPr sz="1800" kern="1200">
+                <a:solidFill>
+                  <a:schemeClr val="tx1"/>
+                </a:solidFill>
+                <a:latin typeface="+mn-lt"/>
+                <a:ea typeface="+mn-ea"/>
+                <a:cs typeface="+mn-cs"/>
+              </a:defRPr>
+            </a:lvl7pPr>
+            <a:lvl8pPr marL="3200400" algn="l" defTabSz="914400" rtl="0" eaLnBrk="1" latinLnBrk="0" hangingPunct="1">
+              <a:defRPr sz="1800" kern="1200">
+                <a:solidFill>
+                  <a:schemeClr val="tx1"/>
+                </a:solidFill>
+                <a:latin typeface="+mn-lt"/>
+                <a:ea typeface="+mn-ea"/>
+                <a:cs typeface="+mn-cs"/>
+              </a:defRPr>
+            </a:lvl8pPr>
+            <a:lvl9pPr marL="3657600" algn="l" defTabSz="914400" rtl="0" eaLnBrk="1" latinLnBrk="0" hangingPunct="1">
+              <a:defRPr sz="1800" kern="1200">
+                <a:solidFill>
+                  <a:schemeClr val="tx1"/>
+                </a:solidFill>
+                <a:latin typeface="+mn-lt"/>
+                <a:ea typeface="+mn-ea"/>
+                <a:cs typeface="+mn-cs"/>
+              </a:defRPr>
+            </a:lvl9pPr>
+          </a:lstStyle>
+          <a:p>
+            <a:r>
+              <a:rPr lang="ko-KR" altLang="en-US"/>
+              <a:t>설명 자료</a:t>
+            </a:r>
+          </a:p>
+        </p:txBody>
+      </p:sp>
+      <p:sp>
+        <p:nvSpPr>
+          <p:cNvPr id="18" name="슬라이드 번호 개체 틀 8">
+            <a:extLst>
+              <a:ext uri="{FF2B5EF4-FFF2-40B4-BE49-F238E27FC236}">
+                <a16:creationId xmlns:a16="http://schemas.microsoft.com/office/drawing/2014/main" id="{F2411638-4AB7-01FA-6621-6677018B8AE3}"/>
+              </a:ext>
+            </a:extLst>
+          </p:cNvPr>
+          <p:cNvSpPr txBox="1">
+            <a:spLocks/>
+          </p:cNvSpPr>
+          <p:nvPr/>
+        </p:nvSpPr>
+        <p:spPr>
+          <a:xfrm>
+            <a:off x="8610600" y="6356350"/>
+            <a:ext cx="2743200" cy="365125"/>
+          </a:xfrm>
+          <a:prstGeom prst="rect">
+            <a:avLst/>
+          </a:prstGeom>
+        </p:spPr>
+        <p:txBody>
+          <a:bodyPr vert="horz" lIns="91440" tIns="45720" rIns="91440" bIns="45720" rtlCol="0" anchor="ctr"/>
+          <a:lstStyle>
+            <a:defPPr rtl="0">
+              <a:defRPr lang="ko-KR"/>
+            </a:defPPr>
+            <a:lvl1pPr marL="0" algn="r" defTabSz="914400" rtl="0" eaLnBrk="1" latinLnBrk="0" hangingPunct="1">
+              <a:defRPr sz="900" kern="1200">
+                <a:solidFill>
+                  <a:schemeClr val="tx1">
+                    <a:tint val="75000"/>
+                  </a:schemeClr>
+                </a:solidFill>
+                <a:latin typeface="맑은 고딕" panose="020B0503020000020004" pitchFamily="50" charset="-127"/>
+                <a:ea typeface="맑은 고딕" panose="020B0503020000020004" pitchFamily="50" charset="-127"/>
+                <a:cs typeface="+mn-cs"/>
+              </a:defRPr>
+            </a:lvl1pPr>
+            <a:lvl2pPr marL="457200" algn="l" defTabSz="914400" rtl="0" eaLnBrk="1" latinLnBrk="0" hangingPunct="1">
+              <a:defRPr sz="1800" kern="1200">
+                <a:solidFill>
+                  <a:schemeClr val="tx1"/>
+                </a:solidFill>
+                <a:latin typeface="+mn-lt"/>
+                <a:ea typeface="+mn-ea"/>
+                <a:cs typeface="+mn-cs"/>
+              </a:defRPr>
+            </a:lvl2pPr>
+            <a:lvl3pPr marL="914400" algn="l" defTabSz="914400" rtl="0" eaLnBrk="1" latinLnBrk="0" hangingPunct="1">
+              <a:defRPr sz="1800" kern="1200">
+                <a:solidFill>
+                  <a:schemeClr val="tx1"/>
+                </a:solidFill>
+                <a:latin typeface="+mn-lt"/>
+                <a:ea typeface="+mn-ea"/>
+                <a:cs typeface="+mn-cs"/>
+              </a:defRPr>
+            </a:lvl3pPr>
+            <a:lvl4pPr marL="1371600" algn="l" defTabSz="914400" rtl="0" eaLnBrk="1" latinLnBrk="0" hangingPunct="1">
+              <a:defRPr sz="1800" kern="1200">
+                <a:solidFill>
+                  <a:schemeClr val="tx1"/>
+                </a:solidFill>
+                <a:latin typeface="+mn-lt"/>
+                <a:ea typeface="+mn-ea"/>
+                <a:cs typeface="+mn-cs"/>
+              </a:defRPr>
+            </a:lvl4pPr>
+            <a:lvl5pPr marL="1828800" algn="l" defTabSz="914400" rtl="0" eaLnBrk="1" latinLnBrk="0" hangingPunct="1">
+              <a:defRPr sz="1800" kern="1200">
+                <a:solidFill>
+                  <a:schemeClr val="tx1"/>
+                </a:solidFill>
+                <a:latin typeface="+mn-lt"/>
+                <a:ea typeface="+mn-ea"/>
+                <a:cs typeface="+mn-cs"/>
+              </a:defRPr>
+            </a:lvl5pPr>
+            <a:lvl6pPr marL="2286000" algn="l" defTabSz="914400" rtl="0" eaLnBrk="1" latinLnBrk="0" hangingPunct="1">
+              <a:defRPr sz="1800" kern="1200">
+                <a:solidFill>
+                  <a:schemeClr val="tx1"/>
+                </a:solidFill>
+                <a:latin typeface="+mn-lt"/>
+                <a:ea typeface="+mn-ea"/>
+                <a:cs typeface="+mn-cs"/>
+              </a:defRPr>
+            </a:lvl6pPr>
+            <a:lvl7pPr marL="2743200" algn="l" defTabSz="914400" rtl="0" eaLnBrk="1" latinLnBrk="0" hangingPunct="1">
+              <a:defRPr sz="1800" kern="1200">
+                <a:solidFill>
+                  <a:schemeClr val="tx1"/>
+                </a:solidFill>
+                <a:latin typeface="+mn-lt"/>
+                <a:ea typeface="+mn-ea"/>
+                <a:cs typeface="+mn-cs"/>
+              </a:defRPr>
+            </a:lvl7pPr>
+            <a:lvl8pPr marL="3200400" algn="l" defTabSz="914400" rtl="0" eaLnBrk="1" latinLnBrk="0" hangingPunct="1">
+              <a:defRPr sz="1800" kern="1200">
+                <a:solidFill>
+                  <a:schemeClr val="tx1"/>
+                </a:solidFill>
+                <a:latin typeface="+mn-lt"/>
+                <a:ea typeface="+mn-ea"/>
+                <a:cs typeface="+mn-cs"/>
+              </a:defRPr>
+            </a:lvl8pPr>
+            <a:lvl9pPr marL="3657600" algn="l" defTabSz="914400" rtl="0" eaLnBrk="1" latinLnBrk="0" hangingPunct="1">
+              <a:defRPr sz="1800" kern="1200">
+                <a:solidFill>
+                  <a:schemeClr val="tx1"/>
+                </a:solidFill>
+                <a:latin typeface="+mn-lt"/>
+                <a:ea typeface="+mn-ea"/>
+                <a:cs typeface="+mn-cs"/>
+              </a:defRPr>
+            </a:lvl9pPr>
+          </a:lstStyle>
+          <a:p>
+            <a:fld id="{B5CEABB6-07DC-46E8-9B57-56EC44A396E5}" type="slidenum">
+              <a:rPr lang="en-US" altLang="ko-KR" smtClean="0"/>
+              <a:pPr/>
+              <a:t>16</a:t>
+            </a:fld>
+            <a:endParaRPr lang="ko-KR" altLang="en-US"/>
+          </a:p>
+        </p:txBody>
+      </p:sp>
       <p:pic>
         <p:nvPicPr>
-          <p:cNvPr id="6" name="그림 5" descr="텍스트이(가) 표시된 사진&#10;&#10;자동 생성된 설명">
-            <a:extLst>
-              <a:ext uri="{FF2B5EF4-FFF2-40B4-BE49-F238E27FC236}">
-                <a16:creationId xmlns:a16="http://schemas.microsoft.com/office/drawing/2014/main" id="{56CEB462-6715-F4C8-2B70-290CFDB98555}"/>
+          <p:cNvPr id="19" name="그림 18" descr="텍스트이(가) 표시된 사진&#10;&#10;자동 생성된 설명">
+            <a:extLst>
+              <a:ext uri="{FF2B5EF4-FFF2-40B4-BE49-F238E27FC236}">
+                <a16:creationId xmlns:a16="http://schemas.microsoft.com/office/drawing/2014/main" id="{F9917F7A-9A70-E966-B972-E51878D4CE2A}"/>
               </a:ext>
             </a:extLst>
           </p:cNvPr>
@@ -23370,8 +24162,8 @@
         </p:blipFill>
         <p:spPr>
           <a:xfrm>
-            <a:off x="4006022" y="1260760"/>
-            <a:ext cx="4261042" cy="3589823"/>
+            <a:off x="427545" y="2934047"/>
+            <a:ext cx="5137150" cy="2435159"/>
           </a:xfrm>
           <a:prstGeom prst="rect">
             <a:avLst/>
@@ -23380,10 +24172,10 @@
       </p:pic>
       <p:pic>
         <p:nvPicPr>
-          <p:cNvPr id="11" name="그림 10" descr="텍스트이(가) 표시된 사진&#10;&#10;자동 생성된 설명">
-            <a:extLst>
-              <a:ext uri="{FF2B5EF4-FFF2-40B4-BE49-F238E27FC236}">
-                <a16:creationId xmlns:a16="http://schemas.microsoft.com/office/drawing/2014/main" id="{A901DF93-40C1-55DE-70D6-CF4CAF3A8EF5}"/>
+          <p:cNvPr id="20" name="그림 19" descr="텍스트이(가) 표시된 사진&#10;&#10;자동 생성된 설명">
+            <a:extLst>
+              <a:ext uri="{FF2B5EF4-FFF2-40B4-BE49-F238E27FC236}">
+                <a16:creationId xmlns:a16="http://schemas.microsoft.com/office/drawing/2014/main" id="{37A62B73-E871-33C0-0A87-73D0148EC35A}"/>
               </a:ext>
             </a:extLst>
           </p:cNvPr>
@@ -23400,8 +24192,8 @@
         </p:blipFill>
         <p:spPr>
           <a:xfrm>
-            <a:off x="0" y="1248873"/>
-            <a:ext cx="4006022" cy="3589823"/>
+            <a:off x="465645" y="1248872"/>
+            <a:ext cx="5788590" cy="1653883"/>
           </a:xfrm>
           <a:prstGeom prst="rect">
             <a:avLst/>
@@ -23410,10 +24202,10 @@
       </p:pic>
       <p:pic>
         <p:nvPicPr>
-          <p:cNvPr id="13" name="그림 12" descr="텍스트이(가) 표시된 사진&#10;&#10;자동 생성된 설명">
-            <a:extLst>
-              <a:ext uri="{FF2B5EF4-FFF2-40B4-BE49-F238E27FC236}">
-                <a16:creationId xmlns:a16="http://schemas.microsoft.com/office/drawing/2014/main" id="{C7AB3817-3FC6-56F1-C54E-6F5BEBF60E59}"/>
+          <p:cNvPr id="21" name="그림 20" descr="텍스트이(가) 표시된 사진&#10;&#10;자동 생성된 설명">
+            <a:extLst>
+              <a:ext uri="{FF2B5EF4-FFF2-40B4-BE49-F238E27FC236}">
+                <a16:creationId xmlns:a16="http://schemas.microsoft.com/office/drawing/2014/main" id="{F961ADC8-EF9E-073D-1E5C-767D0E530091}"/>
               </a:ext>
             </a:extLst>
           </p:cNvPr>
@@ -23430,8 +24222,8 @@
         </p:blipFill>
         <p:spPr>
           <a:xfrm>
-            <a:off x="8133569" y="1260760"/>
-            <a:ext cx="4058431" cy="3601710"/>
+            <a:off x="6578601" y="1156743"/>
+            <a:ext cx="5001704" cy="4072068"/>
           </a:xfrm>
           <a:prstGeom prst="rect">
             <a:avLst/>
@@ -23440,10 +24232,10 @@
       </p:pic>
       <p:sp>
         <p:nvSpPr>
-          <p:cNvPr id="16" name="TextBox 15">
-            <a:extLst>
-              <a:ext uri="{FF2B5EF4-FFF2-40B4-BE49-F238E27FC236}">
-                <a16:creationId xmlns:a16="http://schemas.microsoft.com/office/drawing/2014/main" id="{3600EC14-8D75-97F3-307C-53FE85751DC8}"/>
+          <p:cNvPr id="22" name="TextBox 21">
+            <a:extLst>
+              <a:ext uri="{FF2B5EF4-FFF2-40B4-BE49-F238E27FC236}">
+                <a16:creationId xmlns:a16="http://schemas.microsoft.com/office/drawing/2014/main" id="{A4C3315B-87CE-9A81-15DE-B71D48B95EC7}"/>
               </a:ext>
             </a:extLst>
           </p:cNvPr>
@@ -23492,7 +24284,7 @@
     </p:spTree>
     <p:extLst>
       <p:ext uri="{BB962C8B-B14F-4D97-AF65-F5344CB8AC3E}">
-        <p14:creationId xmlns:p14="http://schemas.microsoft.com/office/powerpoint/2010/main" val="2701081544"/>
+        <p14:creationId xmlns:p14="http://schemas.microsoft.com/office/powerpoint/2010/main" val="4234656387"/>
       </p:ext>
     </p:extLst>
   </p:cSld>
@@ -23521,61 +24313,10 @@
       </p:grpSpPr>
       <p:sp>
         <p:nvSpPr>
-          <p:cNvPr id="2" name="제목 1">
-            <a:extLst>
-              <a:ext uri="{FF2B5EF4-FFF2-40B4-BE49-F238E27FC236}">
-                <a16:creationId xmlns:a16="http://schemas.microsoft.com/office/drawing/2014/main" id="{E3C8B473-489D-17B4-FEFA-EB55970589E5}"/>
-              </a:ext>
-            </a:extLst>
-          </p:cNvPr>
-          <p:cNvSpPr>
-            <a:spLocks noGrp="1"/>
-          </p:cNvSpPr>
-          <p:nvPr>
-            <p:ph type="title"/>
-          </p:nvPr>
-        </p:nvSpPr>
-        <p:spPr>
-          <a:xfrm>
-            <a:off x="838200" y="0"/>
-            <a:ext cx="10515600" cy="1325563"/>
-          </a:xfrm>
-        </p:spPr>
-        <p:txBody>
-          <a:bodyPr/>
-          <a:lstStyle/>
-          <a:p>
-            <a:pPr algn="ctr"/>
-            <a:r>
-              <a:rPr lang="ko-KR" altLang="en-US" dirty="0"/>
-              <a:t>다음 설비가 </a:t>
-            </a:r>
-            <a:r>
-              <a:rPr lang="ko-KR" altLang="en-US" dirty="0" err="1"/>
-              <a:t>받을수</a:t>
-            </a:r>
-            <a:r>
-              <a:rPr lang="ko-KR" altLang="en-US" dirty="0"/>
-              <a:t> 있는지 결정</a:t>
-            </a:r>
-            <a:r>
-              <a:rPr lang="en-US" altLang="ko-KR" dirty="0"/>
-              <a:t>? - </a:t>
-            </a:r>
-            <a:r>
-              <a:rPr lang="en-US" altLang="ko-KR" dirty="0" err="1"/>
-              <a:t>ReadyMap</a:t>
-            </a:r>
-            <a:endParaRPr lang="en-US" altLang="ko-KR" dirty="0"/>
-          </a:p>
-        </p:txBody>
-      </p:sp>
-      <p:sp>
-        <p:nvSpPr>
-          <p:cNvPr id="7" name="날짜 개체 틀 6">
-            <a:extLst>
-              <a:ext uri="{FF2B5EF4-FFF2-40B4-BE49-F238E27FC236}">
-                <a16:creationId xmlns:a16="http://schemas.microsoft.com/office/drawing/2014/main" id="{92D7576E-A399-4CB9-2C6E-4F516AF02137}"/>
+          <p:cNvPr id="4" name="날짜 개체 틀 3">
+            <a:extLst>
+              <a:ext uri="{FF2B5EF4-FFF2-40B4-BE49-F238E27FC236}">
+                <a16:creationId xmlns:a16="http://schemas.microsoft.com/office/drawing/2014/main" id="{0798AFF7-49F6-5118-BF0C-AE317F333C63}"/>
               </a:ext>
             </a:extLst>
           </p:cNvPr>
@@ -23608,10 +24349,10 @@
       </p:sp>
       <p:sp>
         <p:nvSpPr>
-          <p:cNvPr id="8" name="바닥글 개체 틀 7">
-            <a:extLst>
-              <a:ext uri="{FF2B5EF4-FFF2-40B4-BE49-F238E27FC236}">
-                <a16:creationId xmlns:a16="http://schemas.microsoft.com/office/drawing/2014/main" id="{20E2B4C0-9744-8E0B-F3DA-48273DBEA1F3}"/>
+          <p:cNvPr id="5" name="바닥글 개체 틀 4">
+            <a:extLst>
+              <a:ext uri="{FF2B5EF4-FFF2-40B4-BE49-F238E27FC236}">
+                <a16:creationId xmlns:a16="http://schemas.microsoft.com/office/drawing/2014/main" id="{4060FC1C-6AB3-FA2F-D69E-C1624C1E03D6}"/>
               </a:ext>
             </a:extLst>
           </p:cNvPr>
@@ -23640,10 +24381,10 @@
       </p:sp>
       <p:sp>
         <p:nvSpPr>
-          <p:cNvPr id="9" name="슬라이드 번호 개체 틀 8">
-            <a:extLst>
-              <a:ext uri="{FF2B5EF4-FFF2-40B4-BE49-F238E27FC236}">
-                <a16:creationId xmlns:a16="http://schemas.microsoft.com/office/drawing/2014/main" id="{F92422A0-428A-5C60-0E02-2C064D665728}"/>
+          <p:cNvPr id="6" name="슬라이드 번호 개체 틀 5">
+            <a:extLst>
+              <a:ext uri="{FF2B5EF4-FFF2-40B4-BE49-F238E27FC236}">
+                <a16:creationId xmlns:a16="http://schemas.microsoft.com/office/drawing/2014/main" id="{0F8D6143-4205-B273-2A46-A5B76F792C23}"/>
               </a:ext>
             </a:extLst>
           </p:cNvPr>
@@ -23671,12 +24412,459 @@
           </a:p>
         </p:txBody>
       </p:sp>
+      <p:sp>
+        <p:nvSpPr>
+          <p:cNvPr id="7" name="제목 1">
+            <a:extLst>
+              <a:ext uri="{FF2B5EF4-FFF2-40B4-BE49-F238E27FC236}">
+                <a16:creationId xmlns:a16="http://schemas.microsoft.com/office/drawing/2014/main" id="{6928B881-A799-DC90-0920-CA0E3A00BF5C}"/>
+              </a:ext>
+            </a:extLst>
+          </p:cNvPr>
+          <p:cNvSpPr>
+            <a:spLocks noGrp="1"/>
+          </p:cNvSpPr>
+          <p:nvPr>
+            <p:ph type="title"/>
+          </p:nvPr>
+        </p:nvSpPr>
+        <p:spPr>
+          <a:xfrm>
+            <a:off x="838200" y="0"/>
+            <a:ext cx="10515600" cy="1325563"/>
+          </a:xfrm>
+        </p:spPr>
+        <p:txBody>
+          <a:bodyPr/>
+          <a:lstStyle/>
+          <a:p>
+            <a:pPr algn="ctr"/>
+            <a:r>
+              <a:rPr lang="ko-KR" altLang="en-US" dirty="0"/>
+              <a:t>다음 설비가 </a:t>
+            </a:r>
+            <a:r>
+              <a:rPr lang="ko-KR" altLang="en-US" dirty="0" err="1"/>
+              <a:t>받을수</a:t>
+            </a:r>
+            <a:r>
+              <a:rPr lang="ko-KR" altLang="en-US" dirty="0"/>
+              <a:t> 있는지 결정</a:t>
+            </a:r>
+            <a:r>
+              <a:rPr lang="en-US" altLang="ko-KR" dirty="0"/>
+              <a:t>? - </a:t>
+            </a:r>
+            <a:r>
+              <a:rPr lang="en-US" altLang="ko-KR" dirty="0" err="1"/>
+              <a:t>ReadyMap</a:t>
+            </a:r>
+            <a:endParaRPr lang="en-US" altLang="ko-KR" dirty="0"/>
+          </a:p>
+        </p:txBody>
+      </p:sp>
+      <p:sp>
+        <p:nvSpPr>
+          <p:cNvPr id="8" name="날짜 개체 틀 6">
+            <a:extLst>
+              <a:ext uri="{FF2B5EF4-FFF2-40B4-BE49-F238E27FC236}">
+                <a16:creationId xmlns:a16="http://schemas.microsoft.com/office/drawing/2014/main" id="{A74D79A4-48A3-CE19-ADD4-2ECDAA89B4CC}"/>
+              </a:ext>
+            </a:extLst>
+          </p:cNvPr>
+          <p:cNvSpPr txBox="1">
+            <a:spLocks/>
+          </p:cNvSpPr>
+          <p:nvPr/>
+        </p:nvSpPr>
+        <p:spPr>
+          <a:xfrm>
+            <a:off x="838200" y="6356350"/>
+            <a:ext cx="2743200" cy="365125"/>
+          </a:xfrm>
+          <a:prstGeom prst="rect">
+            <a:avLst/>
+          </a:prstGeom>
+        </p:spPr>
+        <p:txBody>
+          <a:bodyPr vert="horz" lIns="91440" tIns="45720" rIns="91440" bIns="45720" rtlCol="0" anchor="ctr"/>
+          <a:lstStyle>
+            <a:defPPr rtl="0">
+              <a:defRPr lang="ko-KR"/>
+            </a:defPPr>
+            <a:lvl1pPr marL="0" algn="l" defTabSz="914400" rtl="0" eaLnBrk="1" latinLnBrk="0" hangingPunct="1">
+              <a:defRPr sz="900" kern="1200">
+                <a:solidFill>
+                  <a:schemeClr val="tx1">
+                    <a:tint val="75000"/>
+                  </a:schemeClr>
+                </a:solidFill>
+                <a:latin typeface="맑은 고딕" panose="020B0503020000020004" pitchFamily="50" charset="-127"/>
+                <a:ea typeface="맑은 고딕" panose="020B0503020000020004" pitchFamily="50" charset="-127"/>
+                <a:cs typeface="+mn-cs"/>
+              </a:defRPr>
+            </a:lvl1pPr>
+            <a:lvl2pPr marL="457200" algn="l" defTabSz="914400" rtl="0" eaLnBrk="1" latinLnBrk="0" hangingPunct="1">
+              <a:defRPr sz="1800" kern="1200">
+                <a:solidFill>
+                  <a:schemeClr val="tx1"/>
+                </a:solidFill>
+                <a:latin typeface="+mn-lt"/>
+                <a:ea typeface="+mn-ea"/>
+                <a:cs typeface="+mn-cs"/>
+              </a:defRPr>
+            </a:lvl2pPr>
+            <a:lvl3pPr marL="914400" algn="l" defTabSz="914400" rtl="0" eaLnBrk="1" latinLnBrk="0" hangingPunct="1">
+              <a:defRPr sz="1800" kern="1200">
+                <a:solidFill>
+                  <a:schemeClr val="tx1"/>
+                </a:solidFill>
+                <a:latin typeface="+mn-lt"/>
+                <a:ea typeface="+mn-ea"/>
+                <a:cs typeface="+mn-cs"/>
+              </a:defRPr>
+            </a:lvl3pPr>
+            <a:lvl4pPr marL="1371600" algn="l" defTabSz="914400" rtl="0" eaLnBrk="1" latinLnBrk="0" hangingPunct="1">
+              <a:defRPr sz="1800" kern="1200">
+                <a:solidFill>
+                  <a:schemeClr val="tx1"/>
+                </a:solidFill>
+                <a:latin typeface="+mn-lt"/>
+                <a:ea typeface="+mn-ea"/>
+                <a:cs typeface="+mn-cs"/>
+              </a:defRPr>
+            </a:lvl4pPr>
+            <a:lvl5pPr marL="1828800" algn="l" defTabSz="914400" rtl="0" eaLnBrk="1" latinLnBrk="0" hangingPunct="1">
+              <a:defRPr sz="1800" kern="1200">
+                <a:solidFill>
+                  <a:schemeClr val="tx1"/>
+                </a:solidFill>
+                <a:latin typeface="+mn-lt"/>
+                <a:ea typeface="+mn-ea"/>
+                <a:cs typeface="+mn-cs"/>
+              </a:defRPr>
+            </a:lvl5pPr>
+            <a:lvl6pPr marL="2286000" algn="l" defTabSz="914400" rtl="0" eaLnBrk="1" latinLnBrk="0" hangingPunct="1">
+              <a:defRPr sz="1800" kern="1200">
+                <a:solidFill>
+                  <a:schemeClr val="tx1"/>
+                </a:solidFill>
+                <a:latin typeface="+mn-lt"/>
+                <a:ea typeface="+mn-ea"/>
+                <a:cs typeface="+mn-cs"/>
+              </a:defRPr>
+            </a:lvl6pPr>
+            <a:lvl7pPr marL="2743200" algn="l" defTabSz="914400" rtl="0" eaLnBrk="1" latinLnBrk="0" hangingPunct="1">
+              <a:defRPr sz="1800" kern="1200">
+                <a:solidFill>
+                  <a:schemeClr val="tx1"/>
+                </a:solidFill>
+                <a:latin typeface="+mn-lt"/>
+                <a:ea typeface="+mn-ea"/>
+                <a:cs typeface="+mn-cs"/>
+              </a:defRPr>
+            </a:lvl7pPr>
+            <a:lvl8pPr marL="3200400" algn="l" defTabSz="914400" rtl="0" eaLnBrk="1" latinLnBrk="0" hangingPunct="1">
+              <a:defRPr sz="1800" kern="1200">
+                <a:solidFill>
+                  <a:schemeClr val="tx1"/>
+                </a:solidFill>
+                <a:latin typeface="+mn-lt"/>
+                <a:ea typeface="+mn-ea"/>
+                <a:cs typeface="+mn-cs"/>
+              </a:defRPr>
+            </a:lvl8pPr>
+            <a:lvl9pPr marL="3657600" algn="l" defTabSz="914400" rtl="0" eaLnBrk="1" latinLnBrk="0" hangingPunct="1">
+              <a:defRPr sz="1800" kern="1200">
+                <a:solidFill>
+                  <a:schemeClr val="tx1"/>
+                </a:solidFill>
+                <a:latin typeface="+mn-lt"/>
+                <a:ea typeface="+mn-ea"/>
+                <a:cs typeface="+mn-cs"/>
+              </a:defRPr>
+            </a:lvl9pPr>
+          </a:lstStyle>
+          <a:p>
+            <a:r>
+              <a:rPr lang="en-US" altLang="ko-KR"/>
+              <a:t>20XX</a:t>
+            </a:r>
+            <a:r>
+              <a:rPr lang="ko-KR" altLang="en-US"/>
+              <a:t>년</a:t>
+            </a:r>
+          </a:p>
+        </p:txBody>
+      </p:sp>
+      <p:sp>
+        <p:nvSpPr>
+          <p:cNvPr id="9" name="바닥글 개체 틀 7">
+            <a:extLst>
+              <a:ext uri="{FF2B5EF4-FFF2-40B4-BE49-F238E27FC236}">
+                <a16:creationId xmlns:a16="http://schemas.microsoft.com/office/drawing/2014/main" id="{B4FBB4B8-DCDD-8E24-667C-3F5AFEFBF22B}"/>
+              </a:ext>
+            </a:extLst>
+          </p:cNvPr>
+          <p:cNvSpPr txBox="1">
+            <a:spLocks/>
+          </p:cNvSpPr>
+          <p:nvPr/>
+        </p:nvSpPr>
+        <p:spPr>
+          <a:xfrm>
+            <a:off x="4038600" y="6356350"/>
+            <a:ext cx="4114800" cy="365125"/>
+          </a:xfrm>
+          <a:prstGeom prst="rect">
+            <a:avLst/>
+          </a:prstGeom>
+        </p:spPr>
+        <p:txBody>
+          <a:bodyPr vert="horz" lIns="91440" tIns="45720" rIns="91440" bIns="45720" rtlCol="0" anchor="ctr"/>
+          <a:lstStyle>
+            <a:defPPr rtl="0">
+              <a:defRPr lang="ko-KR"/>
+            </a:defPPr>
+            <a:lvl1pPr marL="0" algn="ctr" defTabSz="914400" rtl="0" eaLnBrk="1" latinLnBrk="0" hangingPunct="1">
+              <a:defRPr sz="900" kern="1200">
+                <a:solidFill>
+                  <a:schemeClr val="tx1">
+                    <a:tint val="75000"/>
+                  </a:schemeClr>
+                </a:solidFill>
+                <a:latin typeface="맑은 고딕" panose="020B0503020000020004" pitchFamily="50" charset="-127"/>
+                <a:ea typeface="맑은 고딕" panose="020B0503020000020004" pitchFamily="50" charset="-127"/>
+                <a:cs typeface="+mn-cs"/>
+              </a:defRPr>
+            </a:lvl1pPr>
+            <a:lvl2pPr marL="457200" algn="l" defTabSz="914400" rtl="0" eaLnBrk="1" latinLnBrk="0" hangingPunct="1">
+              <a:defRPr sz="1800" kern="1200">
+                <a:solidFill>
+                  <a:schemeClr val="tx1"/>
+                </a:solidFill>
+                <a:latin typeface="+mn-lt"/>
+                <a:ea typeface="+mn-ea"/>
+                <a:cs typeface="+mn-cs"/>
+              </a:defRPr>
+            </a:lvl2pPr>
+            <a:lvl3pPr marL="914400" algn="l" defTabSz="914400" rtl="0" eaLnBrk="1" latinLnBrk="0" hangingPunct="1">
+              <a:defRPr sz="1800" kern="1200">
+                <a:solidFill>
+                  <a:schemeClr val="tx1"/>
+                </a:solidFill>
+                <a:latin typeface="+mn-lt"/>
+                <a:ea typeface="+mn-ea"/>
+                <a:cs typeface="+mn-cs"/>
+              </a:defRPr>
+            </a:lvl3pPr>
+            <a:lvl4pPr marL="1371600" algn="l" defTabSz="914400" rtl="0" eaLnBrk="1" latinLnBrk="0" hangingPunct="1">
+              <a:defRPr sz="1800" kern="1200">
+                <a:solidFill>
+                  <a:schemeClr val="tx1"/>
+                </a:solidFill>
+                <a:latin typeface="+mn-lt"/>
+                <a:ea typeface="+mn-ea"/>
+                <a:cs typeface="+mn-cs"/>
+              </a:defRPr>
+            </a:lvl4pPr>
+            <a:lvl5pPr marL="1828800" algn="l" defTabSz="914400" rtl="0" eaLnBrk="1" latinLnBrk="0" hangingPunct="1">
+              <a:defRPr sz="1800" kern="1200">
+                <a:solidFill>
+                  <a:schemeClr val="tx1"/>
+                </a:solidFill>
+                <a:latin typeface="+mn-lt"/>
+                <a:ea typeface="+mn-ea"/>
+                <a:cs typeface="+mn-cs"/>
+              </a:defRPr>
+            </a:lvl5pPr>
+            <a:lvl6pPr marL="2286000" algn="l" defTabSz="914400" rtl="0" eaLnBrk="1" latinLnBrk="0" hangingPunct="1">
+              <a:defRPr sz="1800" kern="1200">
+                <a:solidFill>
+                  <a:schemeClr val="tx1"/>
+                </a:solidFill>
+                <a:latin typeface="+mn-lt"/>
+                <a:ea typeface="+mn-ea"/>
+                <a:cs typeface="+mn-cs"/>
+              </a:defRPr>
+            </a:lvl6pPr>
+            <a:lvl7pPr marL="2743200" algn="l" defTabSz="914400" rtl="0" eaLnBrk="1" latinLnBrk="0" hangingPunct="1">
+              <a:defRPr sz="1800" kern="1200">
+                <a:solidFill>
+                  <a:schemeClr val="tx1"/>
+                </a:solidFill>
+                <a:latin typeface="+mn-lt"/>
+                <a:ea typeface="+mn-ea"/>
+                <a:cs typeface="+mn-cs"/>
+              </a:defRPr>
+            </a:lvl7pPr>
+            <a:lvl8pPr marL="3200400" algn="l" defTabSz="914400" rtl="0" eaLnBrk="1" latinLnBrk="0" hangingPunct="1">
+              <a:defRPr sz="1800" kern="1200">
+                <a:solidFill>
+                  <a:schemeClr val="tx1"/>
+                </a:solidFill>
+                <a:latin typeface="+mn-lt"/>
+                <a:ea typeface="+mn-ea"/>
+                <a:cs typeface="+mn-cs"/>
+              </a:defRPr>
+            </a:lvl8pPr>
+            <a:lvl9pPr marL="3657600" algn="l" defTabSz="914400" rtl="0" eaLnBrk="1" latinLnBrk="0" hangingPunct="1">
+              <a:defRPr sz="1800" kern="1200">
+                <a:solidFill>
+                  <a:schemeClr val="tx1"/>
+                </a:solidFill>
+                <a:latin typeface="+mn-lt"/>
+                <a:ea typeface="+mn-ea"/>
+                <a:cs typeface="+mn-cs"/>
+              </a:defRPr>
+            </a:lvl9pPr>
+          </a:lstStyle>
+          <a:p>
+            <a:r>
+              <a:rPr lang="ko-KR" altLang="en-US"/>
+              <a:t>설명 자료</a:t>
+            </a:r>
+          </a:p>
+        </p:txBody>
+      </p:sp>
+      <p:sp>
+        <p:nvSpPr>
+          <p:cNvPr id="10" name="슬라이드 번호 개체 틀 8">
+            <a:extLst>
+              <a:ext uri="{FF2B5EF4-FFF2-40B4-BE49-F238E27FC236}">
+                <a16:creationId xmlns:a16="http://schemas.microsoft.com/office/drawing/2014/main" id="{863CB896-E382-011F-5548-7AC4CE68AEEF}"/>
+              </a:ext>
+            </a:extLst>
+          </p:cNvPr>
+          <p:cNvSpPr txBox="1">
+            <a:spLocks/>
+          </p:cNvSpPr>
+          <p:nvPr/>
+        </p:nvSpPr>
+        <p:spPr>
+          <a:xfrm>
+            <a:off x="8610600" y="6356350"/>
+            <a:ext cx="2743200" cy="365125"/>
+          </a:xfrm>
+          <a:prstGeom prst="rect">
+            <a:avLst/>
+          </a:prstGeom>
+        </p:spPr>
+        <p:txBody>
+          <a:bodyPr vert="horz" lIns="91440" tIns="45720" rIns="91440" bIns="45720" rtlCol="0" anchor="ctr"/>
+          <a:lstStyle>
+            <a:defPPr rtl="0">
+              <a:defRPr lang="ko-KR"/>
+            </a:defPPr>
+            <a:lvl1pPr marL="0" algn="r" defTabSz="914400" rtl="0" eaLnBrk="1" latinLnBrk="0" hangingPunct="1">
+              <a:defRPr sz="900" kern="1200">
+                <a:solidFill>
+                  <a:schemeClr val="tx1">
+                    <a:tint val="75000"/>
+                  </a:schemeClr>
+                </a:solidFill>
+                <a:latin typeface="맑은 고딕" panose="020B0503020000020004" pitchFamily="50" charset="-127"/>
+                <a:ea typeface="맑은 고딕" panose="020B0503020000020004" pitchFamily="50" charset="-127"/>
+                <a:cs typeface="+mn-cs"/>
+              </a:defRPr>
+            </a:lvl1pPr>
+            <a:lvl2pPr marL="457200" algn="l" defTabSz="914400" rtl="0" eaLnBrk="1" latinLnBrk="0" hangingPunct="1">
+              <a:defRPr sz="1800" kern="1200">
+                <a:solidFill>
+                  <a:schemeClr val="tx1"/>
+                </a:solidFill>
+                <a:latin typeface="+mn-lt"/>
+                <a:ea typeface="+mn-ea"/>
+                <a:cs typeface="+mn-cs"/>
+              </a:defRPr>
+            </a:lvl2pPr>
+            <a:lvl3pPr marL="914400" algn="l" defTabSz="914400" rtl="0" eaLnBrk="1" latinLnBrk="0" hangingPunct="1">
+              <a:defRPr sz="1800" kern="1200">
+                <a:solidFill>
+                  <a:schemeClr val="tx1"/>
+                </a:solidFill>
+                <a:latin typeface="+mn-lt"/>
+                <a:ea typeface="+mn-ea"/>
+                <a:cs typeface="+mn-cs"/>
+              </a:defRPr>
+            </a:lvl3pPr>
+            <a:lvl4pPr marL="1371600" algn="l" defTabSz="914400" rtl="0" eaLnBrk="1" latinLnBrk="0" hangingPunct="1">
+              <a:defRPr sz="1800" kern="1200">
+                <a:solidFill>
+                  <a:schemeClr val="tx1"/>
+                </a:solidFill>
+                <a:latin typeface="+mn-lt"/>
+                <a:ea typeface="+mn-ea"/>
+                <a:cs typeface="+mn-cs"/>
+              </a:defRPr>
+            </a:lvl4pPr>
+            <a:lvl5pPr marL="1828800" algn="l" defTabSz="914400" rtl="0" eaLnBrk="1" latinLnBrk="0" hangingPunct="1">
+              <a:defRPr sz="1800" kern="1200">
+                <a:solidFill>
+                  <a:schemeClr val="tx1"/>
+                </a:solidFill>
+                <a:latin typeface="+mn-lt"/>
+                <a:ea typeface="+mn-ea"/>
+                <a:cs typeface="+mn-cs"/>
+              </a:defRPr>
+            </a:lvl5pPr>
+            <a:lvl6pPr marL="2286000" algn="l" defTabSz="914400" rtl="0" eaLnBrk="1" latinLnBrk="0" hangingPunct="1">
+              <a:defRPr sz="1800" kern="1200">
+                <a:solidFill>
+                  <a:schemeClr val="tx1"/>
+                </a:solidFill>
+                <a:latin typeface="+mn-lt"/>
+                <a:ea typeface="+mn-ea"/>
+                <a:cs typeface="+mn-cs"/>
+              </a:defRPr>
+            </a:lvl6pPr>
+            <a:lvl7pPr marL="2743200" algn="l" defTabSz="914400" rtl="0" eaLnBrk="1" latinLnBrk="0" hangingPunct="1">
+              <a:defRPr sz="1800" kern="1200">
+                <a:solidFill>
+                  <a:schemeClr val="tx1"/>
+                </a:solidFill>
+                <a:latin typeface="+mn-lt"/>
+                <a:ea typeface="+mn-ea"/>
+                <a:cs typeface="+mn-cs"/>
+              </a:defRPr>
+            </a:lvl7pPr>
+            <a:lvl8pPr marL="3200400" algn="l" defTabSz="914400" rtl="0" eaLnBrk="1" latinLnBrk="0" hangingPunct="1">
+              <a:defRPr sz="1800" kern="1200">
+                <a:solidFill>
+                  <a:schemeClr val="tx1"/>
+                </a:solidFill>
+                <a:latin typeface="+mn-lt"/>
+                <a:ea typeface="+mn-ea"/>
+                <a:cs typeface="+mn-cs"/>
+              </a:defRPr>
+            </a:lvl8pPr>
+            <a:lvl9pPr marL="3657600" algn="l" defTabSz="914400" rtl="0" eaLnBrk="1" latinLnBrk="0" hangingPunct="1">
+              <a:defRPr sz="1800" kern="1200">
+                <a:solidFill>
+                  <a:schemeClr val="tx1"/>
+                </a:solidFill>
+                <a:latin typeface="+mn-lt"/>
+                <a:ea typeface="+mn-ea"/>
+                <a:cs typeface="+mn-cs"/>
+              </a:defRPr>
+            </a:lvl9pPr>
+          </a:lstStyle>
+          <a:p>
+            <a:fld id="{B5CEABB6-07DC-46E8-9B57-56EC44A396E5}" type="slidenum">
+              <a:rPr lang="en-US" altLang="ko-KR" smtClean="0"/>
+              <a:pPr/>
+              <a:t>17</a:t>
+            </a:fld>
+            <a:endParaRPr lang="ko-KR" altLang="en-US"/>
+          </a:p>
+        </p:txBody>
+      </p:sp>
       <p:pic>
         <p:nvPicPr>
-          <p:cNvPr id="4" name="그림 3" descr="텍스트이(가) 표시된 사진&#10;&#10;자동 생성된 설명">
-            <a:extLst>
-              <a:ext uri="{FF2B5EF4-FFF2-40B4-BE49-F238E27FC236}">
-                <a16:creationId xmlns:a16="http://schemas.microsoft.com/office/drawing/2014/main" id="{23267130-9D53-FEA7-9461-7DAE92D6BFC3}"/>
+          <p:cNvPr id="11" name="그림 10" descr="텍스트이(가) 표시된 사진&#10;&#10;자동 생성된 설명">
+            <a:extLst>
+              <a:ext uri="{FF2B5EF4-FFF2-40B4-BE49-F238E27FC236}">
+                <a16:creationId xmlns:a16="http://schemas.microsoft.com/office/drawing/2014/main" id="{9F47EE03-0437-AD8B-20FA-4B4142B564EC}"/>
               </a:ext>
             </a:extLst>
           </p:cNvPr>
@@ -23703,10 +24891,10 @@
       </p:pic>
       <p:pic>
         <p:nvPicPr>
-          <p:cNvPr id="10" name="그림 9" descr="텍스트이(가) 표시된 사진&#10;&#10;자동 생성된 설명">
-            <a:extLst>
-              <a:ext uri="{FF2B5EF4-FFF2-40B4-BE49-F238E27FC236}">
-                <a16:creationId xmlns:a16="http://schemas.microsoft.com/office/drawing/2014/main" id="{BABCD909-8B20-F7E4-E32D-55E589AAC044}"/>
+          <p:cNvPr id="12" name="그림 11" descr="텍스트이(가) 표시된 사진&#10;&#10;자동 생성된 설명">
+            <a:extLst>
+              <a:ext uri="{FF2B5EF4-FFF2-40B4-BE49-F238E27FC236}">
+                <a16:creationId xmlns:a16="http://schemas.microsoft.com/office/drawing/2014/main" id="{B8B0920C-A9C1-C074-85CE-29E10A650CE2}"/>
               </a:ext>
             </a:extLst>
           </p:cNvPr>
@@ -23733,10 +24921,10 @@
       </p:pic>
       <p:pic>
         <p:nvPicPr>
-          <p:cNvPr id="16" name="그림 15" descr="텍스트이(가) 표시된 사진&#10;&#10;자동 생성된 설명">
-            <a:extLst>
-              <a:ext uri="{FF2B5EF4-FFF2-40B4-BE49-F238E27FC236}">
-                <a16:creationId xmlns:a16="http://schemas.microsoft.com/office/drawing/2014/main" id="{F8ABFDD3-45D1-F7F8-37E0-AEA1FA4CE799}"/>
+          <p:cNvPr id="13" name="그림 12" descr="텍스트이(가) 표시된 사진&#10;&#10;자동 생성된 설명">
+            <a:extLst>
+              <a:ext uri="{FF2B5EF4-FFF2-40B4-BE49-F238E27FC236}">
+                <a16:creationId xmlns:a16="http://schemas.microsoft.com/office/drawing/2014/main" id="{2E3FD9D6-B5D4-D6B7-BCED-FC67D833D40D}"/>
               </a:ext>
             </a:extLst>
           </p:cNvPr>
@@ -23763,10 +24951,10 @@
       </p:pic>
       <p:sp>
         <p:nvSpPr>
-          <p:cNvPr id="17" name="TextBox 16">
-            <a:extLst>
-              <a:ext uri="{FF2B5EF4-FFF2-40B4-BE49-F238E27FC236}">
-                <a16:creationId xmlns:a16="http://schemas.microsoft.com/office/drawing/2014/main" id="{6C625767-1BD0-40BC-028E-11D619D44D98}"/>
+          <p:cNvPr id="14" name="TextBox 13">
+            <a:extLst>
+              <a:ext uri="{FF2B5EF4-FFF2-40B4-BE49-F238E27FC236}">
+                <a16:creationId xmlns:a16="http://schemas.microsoft.com/office/drawing/2014/main" id="{B9BC5320-DED6-6887-6ED0-E59D3B278C95}"/>
               </a:ext>
             </a:extLst>
           </p:cNvPr>
@@ -23831,7 +25019,7 @@
     </p:spTree>
     <p:extLst>
       <p:ext uri="{BB962C8B-B14F-4D97-AF65-F5344CB8AC3E}">
-        <p14:creationId xmlns:p14="http://schemas.microsoft.com/office/powerpoint/2010/main" val="2280958546"/>
+        <p14:creationId xmlns:p14="http://schemas.microsoft.com/office/powerpoint/2010/main" val="470802483"/>
       </p:ext>
     </p:extLst>
   </p:cSld>
@@ -23860,10 +25048,10 @@
       </p:grpSpPr>
       <p:sp>
         <p:nvSpPr>
-          <p:cNvPr id="2" name="제목 1">
-            <a:extLst>
-              <a:ext uri="{FF2B5EF4-FFF2-40B4-BE49-F238E27FC236}">
-                <a16:creationId xmlns:a16="http://schemas.microsoft.com/office/drawing/2014/main" id="{E3C8B473-489D-17B4-FEFA-EB55970589E5}"/>
+          <p:cNvPr id="15" name="제목 1">
+            <a:extLst>
+              <a:ext uri="{FF2B5EF4-FFF2-40B4-BE49-F238E27FC236}">
+                <a16:creationId xmlns:a16="http://schemas.microsoft.com/office/drawing/2014/main" id="{986F3EDD-0B41-3A86-823F-CD7D28AE3591}"/>
               </a:ext>
             </a:extLst>
           </p:cNvPr>
@@ -23902,10 +25090,10 @@
       </p:sp>
       <p:sp>
         <p:nvSpPr>
-          <p:cNvPr id="7" name="날짜 개체 틀 6">
-            <a:extLst>
-              <a:ext uri="{FF2B5EF4-FFF2-40B4-BE49-F238E27FC236}">
-                <a16:creationId xmlns:a16="http://schemas.microsoft.com/office/drawing/2014/main" id="{92D7576E-A399-4CB9-2C6E-4F516AF02137}"/>
+          <p:cNvPr id="16" name="날짜 개체 틀 6">
+            <a:extLst>
+              <a:ext uri="{FF2B5EF4-FFF2-40B4-BE49-F238E27FC236}">
+                <a16:creationId xmlns:a16="http://schemas.microsoft.com/office/drawing/2014/main" id="{A892B8D4-B171-9A5D-43CE-E2DE1F7D7A67}"/>
               </a:ext>
             </a:extLst>
           </p:cNvPr>
@@ -23916,7 +25104,12 @@
             <p:ph type="dt" sz="half" idx="10"/>
           </p:nvPr>
         </p:nvSpPr>
-        <p:spPr/>
+        <p:spPr>
+          <a:xfrm>
+            <a:off x="838200" y="6356350"/>
+            <a:ext cx="2743200" cy="365125"/>
+          </a:xfrm>
+        </p:spPr>
         <p:txBody>
           <a:bodyPr/>
           <a:lstStyle/>
@@ -23938,10 +25131,10 @@
       </p:sp>
       <p:sp>
         <p:nvSpPr>
-          <p:cNvPr id="8" name="바닥글 개체 틀 7">
-            <a:extLst>
-              <a:ext uri="{FF2B5EF4-FFF2-40B4-BE49-F238E27FC236}">
-                <a16:creationId xmlns:a16="http://schemas.microsoft.com/office/drawing/2014/main" id="{20E2B4C0-9744-8E0B-F3DA-48273DBEA1F3}"/>
+          <p:cNvPr id="17" name="바닥글 개체 틀 7">
+            <a:extLst>
+              <a:ext uri="{FF2B5EF4-FFF2-40B4-BE49-F238E27FC236}">
+                <a16:creationId xmlns:a16="http://schemas.microsoft.com/office/drawing/2014/main" id="{5A6C02ED-23BF-8B6A-34CF-B0C8C34F5C8C}"/>
               </a:ext>
             </a:extLst>
           </p:cNvPr>
@@ -23952,7 +25145,12 @@
             <p:ph type="ftr" sz="quarter" idx="11"/>
           </p:nvPr>
         </p:nvSpPr>
-        <p:spPr/>
+        <p:spPr>
+          <a:xfrm>
+            <a:off x="4038600" y="6356350"/>
+            <a:ext cx="4114800" cy="365125"/>
+          </a:xfrm>
+        </p:spPr>
         <p:txBody>
           <a:bodyPr/>
           <a:lstStyle/>
@@ -23970,10 +25168,10 @@
       </p:sp>
       <p:sp>
         <p:nvSpPr>
-          <p:cNvPr id="9" name="슬라이드 번호 개체 틀 8">
-            <a:extLst>
-              <a:ext uri="{FF2B5EF4-FFF2-40B4-BE49-F238E27FC236}">
-                <a16:creationId xmlns:a16="http://schemas.microsoft.com/office/drawing/2014/main" id="{F92422A0-428A-5C60-0E02-2C064D665728}"/>
+          <p:cNvPr id="18" name="슬라이드 번호 개체 틀 8">
+            <a:extLst>
+              <a:ext uri="{FF2B5EF4-FFF2-40B4-BE49-F238E27FC236}">
+                <a16:creationId xmlns:a16="http://schemas.microsoft.com/office/drawing/2014/main" id="{18C80236-2FA9-A509-7CF5-79B637CD21C8}"/>
               </a:ext>
             </a:extLst>
           </p:cNvPr>
@@ -23984,7 +25182,12 @@
             <p:ph type="sldNum" sz="quarter" idx="12"/>
           </p:nvPr>
         </p:nvSpPr>
-        <p:spPr/>
+        <p:spPr>
+          <a:xfrm>
+            <a:off x="8610600" y="6356350"/>
+            <a:ext cx="2743200" cy="365125"/>
+          </a:xfrm>
+        </p:spPr>
         <p:txBody>
           <a:bodyPr/>
           <a:lstStyle/>
@@ -24003,10 +25206,10 @@
       </p:sp>
       <p:pic>
         <p:nvPicPr>
-          <p:cNvPr id="4" name="그림 3" descr="텍스트이(가) 표시된 사진&#10;&#10;자동 생성된 설명">
-            <a:extLst>
-              <a:ext uri="{FF2B5EF4-FFF2-40B4-BE49-F238E27FC236}">
-                <a16:creationId xmlns:a16="http://schemas.microsoft.com/office/drawing/2014/main" id="{B633A71D-EDBE-CB34-AC08-3F49B5656918}"/>
+          <p:cNvPr id="19" name="그림 18" descr="텍스트이(가) 표시된 사진&#10;&#10;자동 생성된 설명">
+            <a:extLst>
+              <a:ext uri="{FF2B5EF4-FFF2-40B4-BE49-F238E27FC236}">
+                <a16:creationId xmlns:a16="http://schemas.microsoft.com/office/drawing/2014/main" id="{04CF8890-C007-99C2-9C7F-F344A08A6355}"/>
               </a:ext>
             </a:extLst>
           </p:cNvPr>
@@ -24023,8 +25226,8 @@
         </p:blipFill>
         <p:spPr>
           <a:xfrm>
-            <a:off x="361805" y="1070537"/>
-            <a:ext cx="5423459" cy="3548964"/>
+            <a:off x="361805" y="1070538"/>
+            <a:ext cx="5229494" cy="2956077"/>
           </a:xfrm>
           <a:prstGeom prst="rect">
             <a:avLst/>
@@ -24033,10 +25236,10 @@
       </p:pic>
       <p:pic>
         <p:nvPicPr>
-          <p:cNvPr id="10" name="그림 9" descr="텍스트이(가) 표시된 사진&#10;&#10;자동 생성된 설명">
-            <a:extLst>
-              <a:ext uri="{FF2B5EF4-FFF2-40B4-BE49-F238E27FC236}">
-                <a16:creationId xmlns:a16="http://schemas.microsoft.com/office/drawing/2014/main" id="{D209EB65-0FB8-CEFE-34F2-19B16AFB1816}"/>
+          <p:cNvPr id="20" name="그림 19" descr="텍스트이(가) 표시된 사진&#10;&#10;자동 생성된 설명">
+            <a:extLst>
+              <a:ext uri="{FF2B5EF4-FFF2-40B4-BE49-F238E27FC236}">
+                <a16:creationId xmlns:a16="http://schemas.microsoft.com/office/drawing/2014/main" id="{B1207963-81CD-3369-5578-8C23786AD457}"/>
               </a:ext>
             </a:extLst>
           </p:cNvPr>
@@ -24053,8 +25256,8 @@
         </p:blipFill>
         <p:spPr>
           <a:xfrm>
-            <a:off x="6151614" y="1070537"/>
-            <a:ext cx="5524605" cy="3548964"/>
+            <a:off x="6151614" y="1070538"/>
+            <a:ext cx="5570633" cy="2012673"/>
           </a:xfrm>
           <a:prstGeom prst="rect">
             <a:avLst/>
@@ -24063,10 +25266,10 @@
       </p:pic>
       <p:sp>
         <p:nvSpPr>
-          <p:cNvPr id="12" name="TextBox 11">
-            <a:extLst>
-              <a:ext uri="{FF2B5EF4-FFF2-40B4-BE49-F238E27FC236}">
-                <a16:creationId xmlns:a16="http://schemas.microsoft.com/office/drawing/2014/main" id="{036E46A5-844F-DC62-62E0-6C6B72183E0A}"/>
+          <p:cNvPr id="21" name="TextBox 20">
+            <a:extLst>
+              <a:ext uri="{FF2B5EF4-FFF2-40B4-BE49-F238E27FC236}">
+                <a16:creationId xmlns:a16="http://schemas.microsoft.com/office/drawing/2014/main" id="{9C334FB6-DA9B-C76E-78B0-55A7B8D1144F}"/>
               </a:ext>
             </a:extLst>
           </p:cNvPr>
@@ -24180,7 +25383,7 @@
     </p:spTree>
     <p:extLst>
       <p:ext uri="{BB962C8B-B14F-4D97-AF65-F5344CB8AC3E}">
-        <p14:creationId xmlns:p14="http://schemas.microsoft.com/office/powerpoint/2010/main" val="2098511705"/>
+        <p14:creationId xmlns:p14="http://schemas.microsoft.com/office/powerpoint/2010/main" val="3300124463"/>
       </p:ext>
     </p:extLst>
   </p:cSld>
@@ -44936,15 +46139,6 @@
 </file>
 
 <file path=customXml/item1.xml><?xml version="1.0" encoding="utf-8"?>
-<?mso-contentType ?>
-<FormTemplates xmlns="http://schemas.microsoft.com/sharepoint/v3/contenttype/forms">
-  <Display>DocumentLibraryForm</Display>
-  <Edit>DocumentLibraryForm</Edit>
-  <New>DocumentLibraryForm</New>
-</FormTemplates>
-</file>
-
-<file path=customXml/item2.xml><?xml version="1.0" encoding="utf-8"?>
 <p:properties xmlns:p="http://schemas.microsoft.com/office/2006/metadata/properties" xmlns:xsi="http://www.w3.org/2001/XMLSchema-instance" xmlns:pc="http://schemas.microsoft.com/office/infopath/2007/PartnerControls">
   <documentManagement>
     <_ip_UnifiedCompliancePolicyUIAction xmlns="http://schemas.microsoft.com/sharepoint/v3" xsi:nil="true"/>
@@ -44963,7 +46157,7 @@
 </p:properties>
 </file>
 
-<file path=customXml/item3.xml><?xml version="1.0" encoding="utf-8"?>
+<file path=customXml/item2.xml><?xml version="1.0" encoding="utf-8"?>
 <ct:contentTypeSchema xmlns:ct="http://schemas.microsoft.com/office/2006/metadata/contentType" xmlns:ma="http://schemas.microsoft.com/office/2006/metadata/properties/metaAttributes" ct:_="" ma:_="" ma:contentTypeName="Document" ma:contentTypeID="0x01010079F111ED35F8CC479449609E8A0923A6" ma:contentTypeVersion="20" ma:contentTypeDescription="Create a new document." ma:contentTypeScope="" ma:versionID="1267097ee5f5874adfcc408041ae252e">
   <xsd:schema xmlns:xsd="http://www.w3.org/2001/XMLSchema" xmlns:xs="http://www.w3.org/2001/XMLSchema" xmlns:p="http://schemas.microsoft.com/office/2006/metadata/properties" xmlns:ns1="http://schemas.microsoft.com/sharepoint/v3" xmlns:ns2="71af3243-3dd4-4a8d-8c0d-dd76da1f02a5" xmlns:ns3="16c05727-aa75-4e4a-9b5f-8a80a1165891" xmlns:ns4="230e9df3-be65-4c73-a93b-d1236ebd677e" targetNamespace="http://schemas.microsoft.com/office/2006/metadata/properties" ma:root="true" ma:fieldsID="395891a93df65b14727750f2c06c306c" ns1:_="" ns2:_="" ns3:_="" ns4:_="">
     <xsd:import namespace="http://schemas.microsoft.com/sharepoint/v3"/>
@@ -45239,15 +46433,16 @@
 </ct:contentTypeSchema>
 </file>
 
-<file path=customXml/itemProps1.xml><?xml version="1.0" encoding="utf-8"?>
-<ds:datastoreItem xmlns:ds="http://schemas.openxmlformats.org/officeDocument/2006/customXml" ds:itemID="{2D446390-8521-40A2-A462-EA068123BED9}">
-  <ds:schemaRefs>
-    <ds:schemaRef ds:uri="http://schemas.microsoft.com/sharepoint/v3/contenttype/forms"/>
-  </ds:schemaRefs>
-</ds:datastoreItem>
+<file path=customXml/item3.xml><?xml version="1.0" encoding="utf-8"?>
+<?mso-contentType ?>
+<FormTemplates xmlns="http://schemas.microsoft.com/sharepoint/v3/contenttype/forms">
+  <Display>DocumentLibraryForm</Display>
+  <Edit>DocumentLibraryForm</Edit>
+  <New>DocumentLibraryForm</New>
+</FormTemplates>
 </file>
 
-<file path=customXml/itemProps2.xml><?xml version="1.0" encoding="utf-8"?>
+<file path=customXml/itemProps1.xml><?xml version="1.0" encoding="utf-8"?>
 <ds:datastoreItem xmlns:ds="http://schemas.openxmlformats.org/officeDocument/2006/customXml" ds:itemID="{B5BA3906-9696-4247-AC0D-DD5C26B2A70A}">
   <ds:schemaRefs>
     <ds:schemaRef ds:uri="http://schemas.microsoft.com/office/2006/metadata/properties"/>
@@ -45259,7 +46454,7 @@
 </ds:datastoreItem>
 </file>
 
-<file path=customXml/itemProps3.xml><?xml version="1.0" encoding="utf-8"?>
+<file path=customXml/itemProps2.xml><?xml version="1.0" encoding="utf-8"?>
 <ds:datastoreItem xmlns:ds="http://schemas.openxmlformats.org/officeDocument/2006/customXml" ds:itemID="{01E84A1C-2814-43A7-9448-348326113A45}">
   <ds:schemaRefs>
     <ds:schemaRef ds:uri="http://schemas.microsoft.com/office/2006/metadata/contentType"/>
@@ -45280,6 +46475,14 @@
 </ds:datastoreItem>
 </file>
 
+<file path=customXml/itemProps3.xml><?xml version="1.0" encoding="utf-8"?>
+<ds:datastoreItem xmlns:ds="http://schemas.openxmlformats.org/officeDocument/2006/customXml" ds:itemID="{2D446390-8521-40A2-A462-EA068123BED9}">
+  <ds:schemaRefs>
+    <ds:schemaRef ds:uri="http://schemas.microsoft.com/sharepoint/v3/contenttype/forms"/>
+  </ds:schemaRefs>
+</ds:datastoreItem>
+</file>
+
 <file path=docMetadata/LabelInfo.xml><?xml version="1.0" encoding="utf-8"?>
 <clbl:labelList xmlns:clbl="http://schemas.microsoft.com/office/2020/mipLabelMetadata">
   <clbl:label id="{f42aa342-8706-4288-bd11-ebb85995028c}" enabled="1" method="Standard" siteId="{72f988bf-86f1-41af-91ab-2d7cd011db47}" removed="0"/>

--- a/문서/시나리오에 따른 공정 시뮬레이션 발표 - 박민준.pptx
+++ b/문서/시나리오에 따른 공정 시뮬레이션 발표 - 박민준.pptx
@@ -26,17 +26,17 @@
     <p:sldId id="307" r:id="rId17"/>
     <p:sldId id="309" r:id="rId18"/>
     <p:sldId id="305" r:id="rId19"/>
-    <p:sldId id="317" r:id="rId20"/>
+    <p:sldId id="327" r:id="rId20"/>
     <p:sldId id="318" r:id="rId21"/>
     <p:sldId id="319" r:id="rId22"/>
     <p:sldId id="320" r:id="rId23"/>
     <p:sldId id="321" r:id="rId24"/>
     <p:sldId id="322" r:id="rId25"/>
-    <p:sldId id="315" r:id="rId26"/>
+    <p:sldId id="328" r:id="rId26"/>
     <p:sldId id="323" r:id="rId27"/>
     <p:sldId id="324" r:id="rId28"/>
     <p:sldId id="325" r:id="rId29"/>
-    <p:sldId id="316" r:id="rId30"/>
+    <p:sldId id="329" r:id="rId30"/>
     <p:sldId id="326" r:id="rId31"/>
     <p:sldId id="311" r:id="rId32"/>
     <p:sldId id="310" r:id="rId33"/>
@@ -2583,7 +2583,7 @@
             <a:fld id="{D4B9A9E5-4F7F-4A7D-9DE1-899232329269}" type="slidenum">
               <a:rPr lang="en-US" altLang="ko-KR" smtClean="0"/>
               <a:pPr/>
-              <a:t>33</a:t>
+              <a:t>30</a:t>
             </a:fld>
             <a:endParaRPr lang="ko-KR" altLang="en-US">
               <a:latin typeface="+mj-ea"/>
@@ -2595,7 +2595,7 @@
     </p:spTree>
     <p:extLst>
       <p:ext uri="{BB962C8B-B14F-4D97-AF65-F5344CB8AC3E}">
-        <p14:creationId xmlns:p14="http://schemas.microsoft.com/office/powerpoint/2010/main" val="3602735084"/>
+        <p14:creationId xmlns:p14="http://schemas.microsoft.com/office/powerpoint/2010/main" val="377290812"/>
       </p:ext>
     </p:extLst>
   </p:cSld>
@@ -2646,9 +2646,10 @@
         </p:nvSpPr>
         <p:spPr/>
         <p:txBody>
-          <a:bodyPr/>
+          <a:bodyPr rtlCol="0"/>
           <a:lstStyle/>
           <a:p>
+            <a:pPr rtl="0"/>
             <a:endParaRPr lang="ko-KR" altLang="en-US" noProof="0" dirty="0"/>
           </a:p>
         </p:txBody>
@@ -2665,25 +2666,22 @@
         </p:nvSpPr>
         <p:spPr/>
         <p:txBody>
-          <a:bodyPr/>
+          <a:bodyPr rtlCol="0"/>
           <a:lstStyle/>
           <a:p>
+            <a:pPr rtl="0"/>
             <a:fld id="{D4B9A9E5-4F7F-4A7D-9DE1-899232329269}" type="slidenum">
               <a:rPr lang="en-US" altLang="ko-KR" smtClean="0"/>
-              <a:pPr/>
-              <a:t>34</a:t>
+              <a:t>31</a:t>
             </a:fld>
-            <a:endParaRPr lang="ko-KR" altLang="en-US">
-              <a:latin typeface="+mj-ea"/>
-              <a:ea typeface="+mj-ea"/>
-            </a:endParaRPr>
+            <a:endParaRPr lang="ko-KR" altLang="en-US"/>
           </a:p>
         </p:txBody>
       </p:sp>
     </p:spTree>
     <p:extLst>
       <p:ext uri="{BB962C8B-B14F-4D97-AF65-F5344CB8AC3E}">
-        <p14:creationId xmlns:p14="http://schemas.microsoft.com/office/powerpoint/2010/main" val="3438907991"/>
+        <p14:creationId xmlns:p14="http://schemas.microsoft.com/office/powerpoint/2010/main" val="3886065320"/>
       </p:ext>
     </p:extLst>
   </p:cSld>
@@ -2737,7 +2735,7 @@
           <a:bodyPr/>
           <a:lstStyle/>
           <a:p>
-            <a:endParaRPr lang="ko-KR" altLang="en-US"/>
+            <a:endParaRPr lang="ko-KR" altLang="en-US" noProof="0" dirty="0"/>
           </a:p>
         </p:txBody>
       </p:sp>
@@ -2759,7 +2757,7 @@
             <a:fld id="{D4B9A9E5-4F7F-4A7D-9DE1-899232329269}" type="slidenum">
               <a:rPr lang="en-US" altLang="ko-KR" smtClean="0"/>
               <a:pPr/>
-              <a:t>35</a:t>
+              <a:t>32</a:t>
             </a:fld>
             <a:endParaRPr lang="ko-KR" altLang="en-US">
               <a:latin typeface="+mj-ea"/>
@@ -2771,7 +2769,7 @@
     </p:spTree>
     <p:extLst>
       <p:ext uri="{BB962C8B-B14F-4D97-AF65-F5344CB8AC3E}">
-        <p14:creationId xmlns:p14="http://schemas.microsoft.com/office/powerpoint/2010/main" val="401357779"/>
+        <p14:creationId xmlns:p14="http://schemas.microsoft.com/office/powerpoint/2010/main" val="3997687406"/>
       </p:ext>
     </p:extLst>
   </p:cSld>
@@ -2847,7 +2845,7 @@
             <a:fld id="{D4B9A9E5-4F7F-4A7D-9DE1-899232329269}" type="slidenum">
               <a:rPr lang="en-US" altLang="ko-KR" smtClean="0"/>
               <a:pPr/>
-              <a:t>36</a:t>
+              <a:t>33</a:t>
             </a:fld>
             <a:endParaRPr lang="ko-KR" altLang="en-US">
               <a:latin typeface="+mj-ea"/>
@@ -2859,7 +2857,7 @@
     </p:spTree>
     <p:extLst>
       <p:ext uri="{BB962C8B-B14F-4D97-AF65-F5344CB8AC3E}">
-        <p14:creationId xmlns:p14="http://schemas.microsoft.com/office/powerpoint/2010/main" val="410973988"/>
+        <p14:creationId xmlns:p14="http://schemas.microsoft.com/office/powerpoint/2010/main" val="3602735084"/>
       </p:ext>
     </p:extLst>
   </p:cSld>
@@ -2935,7 +2933,7 @@
             <a:fld id="{D4B9A9E5-4F7F-4A7D-9DE1-899232329269}" type="slidenum">
               <a:rPr lang="en-US" altLang="ko-KR" smtClean="0"/>
               <a:pPr/>
-              <a:t>37</a:t>
+              <a:t>34</a:t>
             </a:fld>
             <a:endParaRPr lang="ko-KR" altLang="en-US">
               <a:latin typeface="+mj-ea"/>
@@ -2947,7 +2945,7 @@
     </p:spTree>
     <p:extLst>
       <p:ext uri="{BB962C8B-B14F-4D97-AF65-F5344CB8AC3E}">
-        <p14:creationId xmlns:p14="http://schemas.microsoft.com/office/powerpoint/2010/main" val="4237020315"/>
+        <p14:creationId xmlns:p14="http://schemas.microsoft.com/office/powerpoint/2010/main" val="3438907991"/>
       </p:ext>
     </p:extLst>
   </p:cSld>
@@ -3001,7 +2999,7 @@
           <a:bodyPr/>
           <a:lstStyle/>
           <a:p>
-            <a:endParaRPr lang="ko-KR" altLang="en-US" noProof="0" dirty="0"/>
+            <a:endParaRPr lang="ko-KR" altLang="en-US"/>
           </a:p>
         </p:txBody>
       </p:sp>
@@ -3023,7 +3021,7 @@
             <a:fld id="{D4B9A9E5-4F7F-4A7D-9DE1-899232329269}" type="slidenum">
               <a:rPr lang="en-US" altLang="ko-KR" smtClean="0"/>
               <a:pPr/>
-              <a:t>38</a:t>
+              <a:t>35</a:t>
             </a:fld>
             <a:endParaRPr lang="ko-KR" altLang="en-US">
               <a:latin typeface="+mj-ea"/>
@@ -3035,7 +3033,7 @@
     </p:spTree>
     <p:extLst>
       <p:ext uri="{BB962C8B-B14F-4D97-AF65-F5344CB8AC3E}">
-        <p14:creationId xmlns:p14="http://schemas.microsoft.com/office/powerpoint/2010/main" val="2826151194"/>
+        <p14:creationId xmlns:p14="http://schemas.microsoft.com/office/powerpoint/2010/main" val="401357779"/>
       </p:ext>
     </p:extLst>
   </p:cSld>
@@ -3111,7 +3109,7 @@
             <a:fld id="{D4B9A9E5-4F7F-4A7D-9DE1-899232329269}" type="slidenum">
               <a:rPr lang="en-US" altLang="ko-KR" smtClean="0"/>
               <a:pPr/>
-              <a:t>39</a:t>
+              <a:t>36</a:t>
             </a:fld>
             <a:endParaRPr lang="ko-KR" altLang="en-US">
               <a:latin typeface="+mj-ea"/>
@@ -3123,7 +3121,7 @@
     </p:spTree>
     <p:extLst>
       <p:ext uri="{BB962C8B-B14F-4D97-AF65-F5344CB8AC3E}">
-        <p14:creationId xmlns:p14="http://schemas.microsoft.com/office/powerpoint/2010/main" val="411919141"/>
+        <p14:creationId xmlns:p14="http://schemas.microsoft.com/office/powerpoint/2010/main" val="410973988"/>
       </p:ext>
     </p:extLst>
   </p:cSld>
@@ -3199,7 +3197,7 @@
             <a:fld id="{D4B9A9E5-4F7F-4A7D-9DE1-899232329269}" type="slidenum">
               <a:rPr lang="en-US" altLang="ko-KR" smtClean="0"/>
               <a:pPr/>
-              <a:t>40</a:t>
+              <a:t>37</a:t>
             </a:fld>
             <a:endParaRPr lang="ko-KR" altLang="en-US">
               <a:latin typeface="+mj-ea"/>
@@ -3211,7 +3209,7 @@
     </p:spTree>
     <p:extLst>
       <p:ext uri="{BB962C8B-B14F-4D97-AF65-F5344CB8AC3E}">
-        <p14:creationId xmlns:p14="http://schemas.microsoft.com/office/powerpoint/2010/main" val="1989052851"/>
+        <p14:creationId xmlns:p14="http://schemas.microsoft.com/office/powerpoint/2010/main" val="4237020315"/>
       </p:ext>
     </p:extLst>
   </p:cSld>
@@ -3287,7 +3285,7 @@
             <a:fld id="{D4B9A9E5-4F7F-4A7D-9DE1-899232329269}" type="slidenum">
               <a:rPr lang="en-US" altLang="ko-KR" smtClean="0"/>
               <a:pPr/>
-              <a:t>41</a:t>
+              <a:t>38</a:t>
             </a:fld>
             <a:endParaRPr lang="ko-KR" altLang="en-US">
               <a:latin typeface="+mj-ea"/>
@@ -3299,7 +3297,7 @@
     </p:spTree>
     <p:extLst>
       <p:ext uri="{BB962C8B-B14F-4D97-AF65-F5344CB8AC3E}">
-        <p14:creationId xmlns:p14="http://schemas.microsoft.com/office/powerpoint/2010/main" val="2780440650"/>
+        <p14:creationId xmlns:p14="http://schemas.microsoft.com/office/powerpoint/2010/main" val="2826151194"/>
       </p:ext>
     </p:extLst>
   </p:cSld>
@@ -3375,7 +3373,7 @@
             <a:fld id="{D4B9A9E5-4F7F-4A7D-9DE1-899232329269}" type="slidenum">
               <a:rPr lang="en-US" altLang="ko-KR" smtClean="0"/>
               <a:pPr/>
-              <a:t>42</a:t>
+              <a:t>39</a:t>
             </a:fld>
             <a:endParaRPr lang="ko-KR" altLang="en-US">
               <a:latin typeface="+mj-ea"/>
@@ -3387,7 +3385,7 @@
     </p:spTree>
     <p:extLst>
       <p:ext uri="{BB962C8B-B14F-4D97-AF65-F5344CB8AC3E}">
-        <p14:creationId xmlns:p14="http://schemas.microsoft.com/office/powerpoint/2010/main" val="2498255837"/>
+        <p14:creationId xmlns:p14="http://schemas.microsoft.com/office/powerpoint/2010/main" val="411919141"/>
       </p:ext>
     </p:extLst>
   </p:cSld>
@@ -3551,7 +3549,7 @@
             <a:fld id="{D4B9A9E5-4F7F-4A7D-9DE1-899232329269}" type="slidenum">
               <a:rPr lang="en-US" altLang="ko-KR" smtClean="0"/>
               <a:pPr/>
-              <a:t>43</a:t>
+              <a:t>40</a:t>
             </a:fld>
             <a:endParaRPr lang="ko-KR" altLang="en-US">
               <a:latin typeface="+mj-ea"/>
@@ -3563,7 +3561,7 @@
     </p:spTree>
     <p:extLst>
       <p:ext uri="{BB962C8B-B14F-4D97-AF65-F5344CB8AC3E}">
-        <p14:creationId xmlns:p14="http://schemas.microsoft.com/office/powerpoint/2010/main" val="380138494"/>
+        <p14:creationId xmlns:p14="http://schemas.microsoft.com/office/powerpoint/2010/main" val="1989052851"/>
       </p:ext>
     </p:extLst>
   </p:cSld>
@@ -3639,7 +3637,7 @@
             <a:fld id="{D4B9A9E5-4F7F-4A7D-9DE1-899232329269}" type="slidenum">
               <a:rPr lang="en-US" altLang="ko-KR" smtClean="0"/>
               <a:pPr/>
-              <a:t>44</a:t>
+              <a:t>41</a:t>
             </a:fld>
             <a:endParaRPr lang="ko-KR" altLang="en-US">
               <a:latin typeface="+mj-ea"/>
@@ -3651,7 +3649,7 @@
     </p:spTree>
     <p:extLst>
       <p:ext uri="{BB962C8B-B14F-4D97-AF65-F5344CB8AC3E}">
-        <p14:creationId xmlns:p14="http://schemas.microsoft.com/office/powerpoint/2010/main" val="2378552811"/>
+        <p14:creationId xmlns:p14="http://schemas.microsoft.com/office/powerpoint/2010/main" val="2780440650"/>
       </p:ext>
     </p:extLst>
   </p:cSld>
@@ -3727,7 +3725,7 @@
             <a:fld id="{D4B9A9E5-4F7F-4A7D-9DE1-899232329269}" type="slidenum">
               <a:rPr lang="en-US" altLang="ko-KR" smtClean="0"/>
               <a:pPr/>
-              <a:t>45</a:t>
+              <a:t>42</a:t>
             </a:fld>
             <a:endParaRPr lang="ko-KR" altLang="en-US">
               <a:latin typeface="+mj-ea"/>
@@ -3739,7 +3737,7 @@
     </p:spTree>
     <p:extLst>
       <p:ext uri="{BB962C8B-B14F-4D97-AF65-F5344CB8AC3E}">
-        <p14:creationId xmlns:p14="http://schemas.microsoft.com/office/powerpoint/2010/main" val="2413951017"/>
+        <p14:creationId xmlns:p14="http://schemas.microsoft.com/office/powerpoint/2010/main" val="2498255837"/>
       </p:ext>
     </p:extLst>
   </p:cSld>
@@ -3815,7 +3813,7 @@
             <a:fld id="{D4B9A9E5-4F7F-4A7D-9DE1-899232329269}" type="slidenum">
               <a:rPr lang="en-US" altLang="ko-KR" smtClean="0"/>
               <a:pPr/>
-              <a:t>46</a:t>
+              <a:t>43</a:t>
             </a:fld>
             <a:endParaRPr lang="ko-KR" altLang="en-US">
               <a:latin typeface="+mj-ea"/>
@@ -3827,7 +3825,7 @@
     </p:spTree>
     <p:extLst>
       <p:ext uri="{BB962C8B-B14F-4D97-AF65-F5344CB8AC3E}">
-        <p14:creationId xmlns:p14="http://schemas.microsoft.com/office/powerpoint/2010/main" val="2675529476"/>
+        <p14:creationId xmlns:p14="http://schemas.microsoft.com/office/powerpoint/2010/main" val="380138494"/>
       </p:ext>
     </p:extLst>
   </p:cSld>
@@ -3903,6 +3901,270 @@
             <a:fld id="{D4B9A9E5-4F7F-4A7D-9DE1-899232329269}" type="slidenum">
               <a:rPr lang="en-US" altLang="ko-KR" smtClean="0"/>
               <a:pPr/>
+              <a:t>44</a:t>
+            </a:fld>
+            <a:endParaRPr lang="ko-KR" altLang="en-US">
+              <a:latin typeface="+mj-ea"/>
+              <a:ea typeface="+mj-ea"/>
+            </a:endParaRPr>
+          </a:p>
+        </p:txBody>
+      </p:sp>
+    </p:spTree>
+    <p:extLst>
+      <p:ext uri="{BB962C8B-B14F-4D97-AF65-F5344CB8AC3E}">
+        <p14:creationId xmlns:p14="http://schemas.microsoft.com/office/powerpoint/2010/main" val="2378552811"/>
+      </p:ext>
+    </p:extLst>
+  </p:cSld>
+  <p:clrMapOvr>
+    <a:masterClrMapping/>
+  </p:clrMapOvr>
+</p:notes>
+</file>
+
+<file path=ppt/notesSlides/notesSlide25.xml><?xml version="1.0" encoding="utf-8"?>
+<p:notes xmlns:a="http://schemas.openxmlformats.org/drawingml/2006/main" xmlns:r="http://schemas.openxmlformats.org/officeDocument/2006/relationships" xmlns:p="http://schemas.openxmlformats.org/presentationml/2006/main">
+  <p:cSld>
+    <p:spTree>
+      <p:nvGrpSpPr>
+        <p:cNvPr id="1" name=""/>
+        <p:cNvGrpSpPr/>
+        <p:nvPr/>
+      </p:nvGrpSpPr>
+      <p:grpSpPr>
+        <a:xfrm>
+          <a:off x="0" y="0"/>
+          <a:ext cx="0" cy="0"/>
+          <a:chOff x="0" y="0"/>
+          <a:chExt cx="0" cy="0"/>
+        </a:xfrm>
+      </p:grpSpPr>
+      <p:sp>
+        <p:nvSpPr>
+          <p:cNvPr id="2" name="슬라이드 이미지 개체 틀 1"/>
+          <p:cNvSpPr>
+            <a:spLocks noGrp="1" noRot="1" noChangeAspect="1"/>
+          </p:cNvSpPr>
+          <p:nvPr>
+            <p:ph type="sldImg"/>
+          </p:nvPr>
+        </p:nvSpPr>
+        <p:spPr/>
+      </p:sp>
+      <p:sp>
+        <p:nvSpPr>
+          <p:cNvPr id="3" name="슬라이드 노트 개체 틀 2"/>
+          <p:cNvSpPr>
+            <a:spLocks noGrp="1"/>
+          </p:cNvSpPr>
+          <p:nvPr>
+            <p:ph type="body" idx="1"/>
+          </p:nvPr>
+        </p:nvSpPr>
+        <p:spPr/>
+        <p:txBody>
+          <a:bodyPr/>
+          <a:lstStyle/>
+          <a:p>
+            <a:endParaRPr lang="ko-KR" altLang="en-US" noProof="0" dirty="0"/>
+          </a:p>
+        </p:txBody>
+      </p:sp>
+      <p:sp>
+        <p:nvSpPr>
+          <p:cNvPr id="4" name="슬라이드 번호 개체 틀 3"/>
+          <p:cNvSpPr>
+            <a:spLocks noGrp="1"/>
+          </p:cNvSpPr>
+          <p:nvPr>
+            <p:ph type="sldNum" sz="quarter" idx="5"/>
+          </p:nvPr>
+        </p:nvSpPr>
+        <p:spPr/>
+        <p:txBody>
+          <a:bodyPr/>
+          <a:lstStyle/>
+          <a:p>
+            <a:fld id="{D4B9A9E5-4F7F-4A7D-9DE1-899232329269}" type="slidenum">
+              <a:rPr lang="en-US" altLang="ko-KR" smtClean="0"/>
+              <a:pPr/>
+              <a:t>45</a:t>
+            </a:fld>
+            <a:endParaRPr lang="ko-KR" altLang="en-US">
+              <a:latin typeface="+mj-ea"/>
+              <a:ea typeface="+mj-ea"/>
+            </a:endParaRPr>
+          </a:p>
+        </p:txBody>
+      </p:sp>
+    </p:spTree>
+    <p:extLst>
+      <p:ext uri="{BB962C8B-B14F-4D97-AF65-F5344CB8AC3E}">
+        <p14:creationId xmlns:p14="http://schemas.microsoft.com/office/powerpoint/2010/main" val="2413951017"/>
+      </p:ext>
+    </p:extLst>
+  </p:cSld>
+  <p:clrMapOvr>
+    <a:masterClrMapping/>
+  </p:clrMapOvr>
+</p:notes>
+</file>
+
+<file path=ppt/notesSlides/notesSlide26.xml><?xml version="1.0" encoding="utf-8"?>
+<p:notes xmlns:a="http://schemas.openxmlformats.org/drawingml/2006/main" xmlns:r="http://schemas.openxmlformats.org/officeDocument/2006/relationships" xmlns:p="http://schemas.openxmlformats.org/presentationml/2006/main">
+  <p:cSld>
+    <p:spTree>
+      <p:nvGrpSpPr>
+        <p:cNvPr id="1" name=""/>
+        <p:cNvGrpSpPr/>
+        <p:nvPr/>
+      </p:nvGrpSpPr>
+      <p:grpSpPr>
+        <a:xfrm>
+          <a:off x="0" y="0"/>
+          <a:ext cx="0" cy="0"/>
+          <a:chOff x="0" y="0"/>
+          <a:chExt cx="0" cy="0"/>
+        </a:xfrm>
+      </p:grpSpPr>
+      <p:sp>
+        <p:nvSpPr>
+          <p:cNvPr id="2" name="슬라이드 이미지 개체 틀 1"/>
+          <p:cNvSpPr>
+            <a:spLocks noGrp="1" noRot="1" noChangeAspect="1"/>
+          </p:cNvSpPr>
+          <p:nvPr>
+            <p:ph type="sldImg"/>
+          </p:nvPr>
+        </p:nvSpPr>
+        <p:spPr/>
+      </p:sp>
+      <p:sp>
+        <p:nvSpPr>
+          <p:cNvPr id="3" name="슬라이드 노트 개체 틀 2"/>
+          <p:cNvSpPr>
+            <a:spLocks noGrp="1"/>
+          </p:cNvSpPr>
+          <p:nvPr>
+            <p:ph type="body" idx="1"/>
+          </p:nvPr>
+        </p:nvSpPr>
+        <p:spPr/>
+        <p:txBody>
+          <a:bodyPr/>
+          <a:lstStyle/>
+          <a:p>
+            <a:endParaRPr lang="ko-KR" altLang="en-US" noProof="0" dirty="0"/>
+          </a:p>
+        </p:txBody>
+      </p:sp>
+      <p:sp>
+        <p:nvSpPr>
+          <p:cNvPr id="4" name="슬라이드 번호 개체 틀 3"/>
+          <p:cNvSpPr>
+            <a:spLocks noGrp="1"/>
+          </p:cNvSpPr>
+          <p:nvPr>
+            <p:ph type="sldNum" sz="quarter" idx="5"/>
+          </p:nvPr>
+        </p:nvSpPr>
+        <p:spPr/>
+        <p:txBody>
+          <a:bodyPr/>
+          <a:lstStyle/>
+          <a:p>
+            <a:fld id="{D4B9A9E5-4F7F-4A7D-9DE1-899232329269}" type="slidenum">
+              <a:rPr lang="en-US" altLang="ko-KR" smtClean="0"/>
+              <a:pPr/>
+              <a:t>46</a:t>
+            </a:fld>
+            <a:endParaRPr lang="ko-KR" altLang="en-US">
+              <a:latin typeface="+mj-ea"/>
+              <a:ea typeface="+mj-ea"/>
+            </a:endParaRPr>
+          </a:p>
+        </p:txBody>
+      </p:sp>
+    </p:spTree>
+    <p:extLst>
+      <p:ext uri="{BB962C8B-B14F-4D97-AF65-F5344CB8AC3E}">
+        <p14:creationId xmlns:p14="http://schemas.microsoft.com/office/powerpoint/2010/main" val="2675529476"/>
+      </p:ext>
+    </p:extLst>
+  </p:cSld>
+  <p:clrMapOvr>
+    <a:masterClrMapping/>
+  </p:clrMapOvr>
+</p:notes>
+</file>
+
+<file path=ppt/notesSlides/notesSlide27.xml><?xml version="1.0" encoding="utf-8"?>
+<p:notes xmlns:a="http://schemas.openxmlformats.org/drawingml/2006/main" xmlns:r="http://schemas.openxmlformats.org/officeDocument/2006/relationships" xmlns:p="http://schemas.openxmlformats.org/presentationml/2006/main">
+  <p:cSld>
+    <p:spTree>
+      <p:nvGrpSpPr>
+        <p:cNvPr id="1" name=""/>
+        <p:cNvGrpSpPr/>
+        <p:nvPr/>
+      </p:nvGrpSpPr>
+      <p:grpSpPr>
+        <a:xfrm>
+          <a:off x="0" y="0"/>
+          <a:ext cx="0" cy="0"/>
+          <a:chOff x="0" y="0"/>
+          <a:chExt cx="0" cy="0"/>
+        </a:xfrm>
+      </p:grpSpPr>
+      <p:sp>
+        <p:nvSpPr>
+          <p:cNvPr id="2" name="슬라이드 이미지 개체 틀 1"/>
+          <p:cNvSpPr>
+            <a:spLocks noGrp="1" noRot="1" noChangeAspect="1"/>
+          </p:cNvSpPr>
+          <p:nvPr>
+            <p:ph type="sldImg"/>
+          </p:nvPr>
+        </p:nvSpPr>
+        <p:spPr/>
+      </p:sp>
+      <p:sp>
+        <p:nvSpPr>
+          <p:cNvPr id="3" name="슬라이드 노트 개체 틀 2"/>
+          <p:cNvSpPr>
+            <a:spLocks noGrp="1"/>
+          </p:cNvSpPr>
+          <p:nvPr>
+            <p:ph type="body" idx="1"/>
+          </p:nvPr>
+        </p:nvSpPr>
+        <p:spPr/>
+        <p:txBody>
+          <a:bodyPr/>
+          <a:lstStyle/>
+          <a:p>
+            <a:endParaRPr lang="ko-KR" altLang="en-US" noProof="0" dirty="0"/>
+          </a:p>
+        </p:txBody>
+      </p:sp>
+      <p:sp>
+        <p:nvSpPr>
+          <p:cNvPr id="4" name="슬라이드 번호 개체 틀 3"/>
+          <p:cNvSpPr>
+            <a:spLocks noGrp="1"/>
+          </p:cNvSpPr>
+          <p:nvPr>
+            <p:ph type="sldNum" sz="quarter" idx="5"/>
+          </p:nvPr>
+        </p:nvSpPr>
+        <p:spPr/>
+        <p:txBody>
+          <a:bodyPr/>
+          <a:lstStyle/>
+          <a:p>
+            <a:fld id="{D4B9A9E5-4F7F-4A7D-9DE1-899232329269}" type="slidenum">
+              <a:rPr lang="en-US" altLang="ko-KR" smtClean="0"/>
+              <a:pPr/>
               <a:t>47</a:t>
             </a:fld>
             <a:endParaRPr lang="ko-KR" altLang="en-US">
@@ -3925,7 +4187,7 @@
 </p:notes>
 </file>
 
-<file path=ppt/notesSlides/notesSlide25.xml><?xml version="1.0" encoding="utf-8"?>
+<file path=ppt/notesSlides/notesSlide28.xml><?xml version="1.0" encoding="utf-8"?>
 <p:notes xmlns:a="http://schemas.openxmlformats.org/drawingml/2006/main" xmlns:r="http://schemas.openxmlformats.org/officeDocument/2006/relationships" xmlns:p="http://schemas.openxmlformats.org/presentationml/2006/main">
   <p:cSld>
     <p:spTree>
@@ -4255,7 +4517,7 @@
             <a:fld id="{D4B9A9E5-4F7F-4A7D-9DE1-899232329269}" type="slidenum">
               <a:rPr lang="en-US" altLang="ko-KR" smtClean="0"/>
               <a:pPr/>
-              <a:t>28</a:t>
+              <a:t>16</a:t>
             </a:fld>
             <a:endParaRPr lang="ko-KR" altLang="en-US">
               <a:latin typeface="+mj-ea"/>
@@ -4267,7 +4529,7 @@
     </p:spTree>
     <p:extLst>
       <p:ext uri="{BB962C8B-B14F-4D97-AF65-F5344CB8AC3E}">
-        <p14:creationId xmlns:p14="http://schemas.microsoft.com/office/powerpoint/2010/main" val="723057175"/>
+        <p14:creationId xmlns:p14="http://schemas.microsoft.com/office/powerpoint/2010/main" val="2713260417"/>
       </p:ext>
     </p:extLst>
   </p:cSld>
@@ -4343,7 +4605,7 @@
             <a:fld id="{D4B9A9E5-4F7F-4A7D-9DE1-899232329269}" type="slidenum">
               <a:rPr lang="en-US" altLang="ko-KR" smtClean="0"/>
               <a:pPr/>
-              <a:t>29</a:t>
+              <a:t>22</a:t>
             </a:fld>
             <a:endParaRPr lang="ko-KR" altLang="en-US">
               <a:latin typeface="+mj-ea"/>
@@ -4355,7 +4617,7 @@
     </p:spTree>
     <p:extLst>
       <p:ext uri="{BB962C8B-B14F-4D97-AF65-F5344CB8AC3E}">
-        <p14:creationId xmlns:p14="http://schemas.microsoft.com/office/powerpoint/2010/main" val="3305628334"/>
+        <p14:creationId xmlns:p14="http://schemas.microsoft.com/office/powerpoint/2010/main" val="4056486337"/>
       </p:ext>
     </p:extLst>
   </p:cSld>
@@ -4431,7 +4693,7 @@
             <a:fld id="{D4B9A9E5-4F7F-4A7D-9DE1-899232329269}" type="slidenum">
               <a:rPr lang="en-US" altLang="ko-KR" smtClean="0"/>
               <a:pPr/>
-              <a:t>30</a:t>
+              <a:t>26</a:t>
             </a:fld>
             <a:endParaRPr lang="ko-KR" altLang="en-US">
               <a:latin typeface="+mj-ea"/>
@@ -4443,7 +4705,7 @@
     </p:spTree>
     <p:extLst>
       <p:ext uri="{BB962C8B-B14F-4D97-AF65-F5344CB8AC3E}">
-        <p14:creationId xmlns:p14="http://schemas.microsoft.com/office/powerpoint/2010/main" val="377290812"/>
+        <p14:creationId xmlns:p14="http://schemas.microsoft.com/office/powerpoint/2010/main" val="2282242440"/>
       </p:ext>
     </p:extLst>
   </p:cSld>
@@ -4494,10 +4756,9 @@
         </p:nvSpPr>
         <p:spPr/>
         <p:txBody>
-          <a:bodyPr rtlCol="0"/>
+          <a:bodyPr/>
           <a:lstStyle/>
           <a:p>
-            <a:pPr rtl="0"/>
             <a:endParaRPr lang="ko-KR" altLang="en-US" noProof="0" dirty="0"/>
           </a:p>
         </p:txBody>
@@ -4514,22 +4775,25 @@
         </p:nvSpPr>
         <p:spPr/>
         <p:txBody>
-          <a:bodyPr rtlCol="0"/>
+          <a:bodyPr/>
           <a:lstStyle/>
           <a:p>
-            <a:pPr rtl="0"/>
             <a:fld id="{D4B9A9E5-4F7F-4A7D-9DE1-899232329269}" type="slidenum">
               <a:rPr lang="en-US" altLang="ko-KR" smtClean="0"/>
-              <a:t>31</a:t>
+              <a:pPr/>
+              <a:t>28</a:t>
             </a:fld>
-            <a:endParaRPr lang="ko-KR" altLang="en-US"/>
+            <a:endParaRPr lang="ko-KR" altLang="en-US">
+              <a:latin typeface="+mj-ea"/>
+              <a:ea typeface="+mj-ea"/>
+            </a:endParaRPr>
           </a:p>
         </p:txBody>
       </p:sp>
     </p:spTree>
     <p:extLst>
       <p:ext uri="{BB962C8B-B14F-4D97-AF65-F5344CB8AC3E}">
-        <p14:creationId xmlns:p14="http://schemas.microsoft.com/office/powerpoint/2010/main" val="3886065320"/>
+        <p14:creationId xmlns:p14="http://schemas.microsoft.com/office/powerpoint/2010/main" val="723057175"/>
       </p:ext>
     </p:extLst>
   </p:cSld>
@@ -4605,7 +4869,7 @@
             <a:fld id="{D4B9A9E5-4F7F-4A7D-9DE1-899232329269}" type="slidenum">
               <a:rPr lang="en-US" altLang="ko-KR" smtClean="0"/>
               <a:pPr/>
-              <a:t>32</a:t>
+              <a:t>29</a:t>
             </a:fld>
             <a:endParaRPr lang="ko-KR" altLang="en-US">
               <a:latin typeface="+mj-ea"/>
@@ -4617,7 +4881,7 @@
     </p:spTree>
     <p:extLst>
       <p:ext uri="{BB962C8B-B14F-4D97-AF65-F5344CB8AC3E}">
-        <p14:creationId xmlns:p14="http://schemas.microsoft.com/office/powerpoint/2010/main" val="3997687406"/>
+        <p14:creationId xmlns:p14="http://schemas.microsoft.com/office/powerpoint/2010/main" val="3305628334"/>
       </p:ext>
     </p:extLst>
   </p:cSld>
@@ -23224,10 +23488,118 @@
       </p:grpSpPr>
       <p:sp>
         <p:nvSpPr>
-          <p:cNvPr id="4" name="날짜 개체 틀 3">
-            <a:extLst>
-              <a:ext uri="{FF2B5EF4-FFF2-40B4-BE49-F238E27FC236}">
-                <a16:creationId xmlns:a16="http://schemas.microsoft.com/office/drawing/2014/main" id="{0798AFF7-49F6-5118-BF0C-AE317F333C63}"/>
+          <p:cNvPr id="2" name="제목 1">
+            <a:extLst>
+              <a:ext uri="{FF2B5EF4-FFF2-40B4-BE49-F238E27FC236}">
+                <a16:creationId xmlns:a16="http://schemas.microsoft.com/office/drawing/2014/main" id="{6719F29B-F233-48AF-8261-F33A4E079E3E}"/>
+              </a:ext>
+              <a:ext uri="{C183D7F6-B498-43B3-948B-1728B52AA6E4}">
+                <adec:decorative xmlns:adec="http://schemas.microsoft.com/office/drawing/2017/decorative" val="0"/>
+              </a:ext>
+            </a:extLst>
+          </p:cNvPr>
+          <p:cNvSpPr>
+            <a:spLocks noGrp="1"/>
+          </p:cNvSpPr>
+          <p:nvPr>
+            <p:ph type="title"/>
+          </p:nvPr>
+        </p:nvSpPr>
+        <p:spPr>
+          <a:xfrm>
+            <a:off x="1333499" y="1745038"/>
+            <a:ext cx="3171825" cy="600970"/>
+          </a:xfrm>
+        </p:spPr>
+        <p:txBody>
+          <a:bodyPr rtlCol="0"/>
+          <a:lstStyle/>
+          <a:p>
+            <a:pPr rtl="0"/>
+            <a:r>
+              <a:rPr lang="ko-KR" altLang="en-US" dirty="0"/>
+              <a:t>결합 자동화</a:t>
+            </a:r>
+          </a:p>
+        </p:txBody>
+      </p:sp>
+      <p:sp>
+        <p:nvSpPr>
+          <p:cNvPr id="3" name="부제목 2">
+            <a:extLst>
+              <a:ext uri="{FF2B5EF4-FFF2-40B4-BE49-F238E27FC236}">
+                <a16:creationId xmlns:a16="http://schemas.microsoft.com/office/drawing/2014/main" id="{35E3EA69-4E0E-41BD-8095-A124225A2647}"/>
+              </a:ext>
+              <a:ext uri="{C183D7F6-B498-43B3-948B-1728B52AA6E4}">
+                <adec:decorative xmlns:adec="http://schemas.microsoft.com/office/drawing/2017/decorative" val="0"/>
+              </a:ext>
+            </a:extLst>
+          </p:cNvPr>
+          <p:cNvSpPr>
+            <a:spLocks noGrp="1"/>
+          </p:cNvSpPr>
+          <p:nvPr>
+            <p:ph idx="1"/>
+          </p:nvPr>
+        </p:nvSpPr>
+        <p:spPr>
+          <a:xfrm>
+            <a:off x="610080" y="2877877"/>
+            <a:ext cx="3770936" cy="2519363"/>
+          </a:xfrm>
+        </p:spPr>
+        <p:txBody>
+          <a:bodyPr rtlCol="0">
+            <a:normAutofit/>
+          </a:bodyPr>
+          <a:lstStyle/>
+          <a:p>
+            <a:pPr algn="ctr"/>
+            <a:r>
+              <a:rPr lang="ko-KR" altLang="en-US" dirty="0"/>
+              <a:t>결합 모델을 시나리오별로 별도로 나누지 않아도 설비 현황을 나타내는</a:t>
+            </a:r>
+            <a:r>
+              <a:rPr lang="en-US" altLang="ko-KR" dirty="0" err="1"/>
+              <a:t>object_list</a:t>
+            </a:r>
+            <a:r>
+              <a:rPr lang="ko-KR" altLang="en-US" dirty="0"/>
+              <a:t>를 통해 </a:t>
+            </a:r>
+            <a:endParaRPr lang="en-US" altLang="ko-KR" dirty="0"/>
+          </a:p>
+          <a:p>
+            <a:pPr algn="ctr"/>
+            <a:r>
+              <a:rPr lang="ko-KR" altLang="en-US" dirty="0"/>
+              <a:t>설비 개수를 파악하고 설비 각각의 결합을 나타내는 데이터베이스인 </a:t>
+            </a:r>
+            <a:r>
+              <a:rPr lang="en-US" altLang="ko-KR" dirty="0" err="1"/>
+              <a:t>obj_coup_list</a:t>
+            </a:r>
+            <a:r>
+              <a:rPr lang="ko-KR" altLang="en-US" dirty="0"/>
+              <a:t>를 통해 </a:t>
+            </a:r>
+            <a:endParaRPr lang="en-US" altLang="ko-KR" dirty="0"/>
+          </a:p>
+          <a:p>
+            <a:pPr algn="ctr"/>
+            <a:r>
+              <a:rPr lang="ko-KR" altLang="en-US" dirty="0"/>
+              <a:t>자동으로 결합하도록 코드 구현</a:t>
+            </a:r>
+          </a:p>
+        </p:txBody>
+      </p:sp>
+      <p:sp>
+        <p:nvSpPr>
+          <p:cNvPr id="6" name="날짜 개체 틀 5">
+            <a:extLst>
+              <a:ext uri="{FF2B5EF4-FFF2-40B4-BE49-F238E27FC236}">
+                <a16:creationId xmlns:a16="http://schemas.microsoft.com/office/drawing/2014/main" id="{B69DF042-37C5-4E09-AA4C-AA66649C9533}"/>
               </a:ext>
             </a:extLst>
           </p:cNvPr>
@@ -23238,23 +23610,25 @@
             <p:ph type="dt" sz="half" idx="10"/>
           </p:nvPr>
         </p:nvSpPr>
-        <p:spPr/>
-        <p:txBody>
-          <a:bodyPr/>
+        <p:spPr>
+          <a:xfrm>
+            <a:off x="1333500" y="6356350"/>
+            <a:ext cx="985157" cy="365125"/>
+          </a:xfrm>
+        </p:spPr>
+        <p:txBody>
+          <a:bodyPr rtlCol="0"/>
           <a:lstStyle/>
           <a:p>
-            <a:r>
-              <a:rPr lang="en-US" altLang="ko-KR" noProof="0"/>
+            <a:pPr rtl="0"/>
+            <a:r>
+              <a:rPr lang="en-US" altLang="ko-KR"/>
               <a:t>20XX</a:t>
             </a:r>
             <a:r>
-              <a:rPr lang="ko-KR" altLang="en-US" noProof="0"/>
+              <a:rPr lang="ko-KR" altLang="en-US"/>
               <a:t>년</a:t>
             </a:r>
-            <a:endParaRPr lang="ko-KR" altLang="en-US" noProof="0">
-              <a:latin typeface="맑은 고딕" panose="020B0503020000020004" pitchFamily="50" charset="-127"/>
-              <a:ea typeface="맑은 고딕" panose="020B0503020000020004" pitchFamily="50" charset="-127"/>
-            </a:endParaRPr>
           </a:p>
         </p:txBody>
       </p:sp>
@@ -23263,7 +23637,7 @@
           <p:cNvPr id="5" name="바닥글 개체 틀 4">
             <a:extLst>
               <a:ext uri="{FF2B5EF4-FFF2-40B4-BE49-F238E27FC236}">
-                <a16:creationId xmlns:a16="http://schemas.microsoft.com/office/drawing/2014/main" id="{4060FC1C-6AB3-FA2F-D69E-C1624C1E03D6}"/>
+                <a16:creationId xmlns:a16="http://schemas.microsoft.com/office/drawing/2014/main" id="{AF29EA23-F34E-486A-B8B2-0C3019266975}"/>
               </a:ext>
             </a:extLst>
           </p:cNvPr>
@@ -23274,28 +23648,30 @@
             <p:ph type="ftr" sz="quarter" idx="11"/>
           </p:nvPr>
         </p:nvSpPr>
-        <p:spPr/>
-        <p:txBody>
-          <a:bodyPr/>
+        <p:spPr>
+          <a:xfrm>
+            <a:off x="2669886" y="6356349"/>
+            <a:ext cx="2482842" cy="365125"/>
+          </a:xfrm>
+        </p:spPr>
+        <p:txBody>
+          <a:bodyPr rtlCol="0"/>
           <a:lstStyle/>
           <a:p>
-            <a:r>
-              <a:rPr lang="ko-KR" altLang="en-US" noProof="0"/>
+            <a:pPr rtl="0"/>
+            <a:r>
+              <a:rPr lang="ko-KR" altLang="en-US"/>
               <a:t>설명 자료</a:t>
             </a:r>
-            <a:endParaRPr lang="ko-KR" altLang="en-US" noProof="0">
-              <a:latin typeface="맑은 고딕" panose="020B0503020000020004" pitchFamily="50" charset="-127"/>
-              <a:ea typeface="맑은 고딕" panose="020B0503020000020004" pitchFamily="50" charset="-127"/>
-            </a:endParaRPr>
-          </a:p>
-        </p:txBody>
-      </p:sp>
-      <p:sp>
-        <p:nvSpPr>
-          <p:cNvPr id="6" name="슬라이드 번호 개체 틀 5">
-            <a:extLst>
-              <a:ext uri="{FF2B5EF4-FFF2-40B4-BE49-F238E27FC236}">
-                <a16:creationId xmlns:a16="http://schemas.microsoft.com/office/drawing/2014/main" id="{0F8D6143-4205-B273-2A46-A5B76F792C23}"/>
+          </a:p>
+        </p:txBody>
+      </p:sp>
+      <p:sp>
+        <p:nvSpPr>
+          <p:cNvPr id="4" name="슬라이드 번호 개체 틀 3">
+            <a:extLst>
+              <a:ext uri="{FF2B5EF4-FFF2-40B4-BE49-F238E27FC236}">
+                <a16:creationId xmlns:a16="http://schemas.microsoft.com/office/drawing/2014/main" id="{328F602C-7F98-4C02-99D4-ED65E00D66A4}"/>
               </a:ext>
             </a:extLst>
           </p:cNvPr>
@@ -23306,921 +23682,30 @@
             <p:ph type="sldNum" sz="quarter" idx="12"/>
           </p:nvPr>
         </p:nvSpPr>
-        <p:spPr/>
-        <p:txBody>
-          <a:bodyPr/>
+        <p:spPr>
+          <a:xfrm>
+            <a:off x="5536305" y="6356350"/>
+            <a:ext cx="987552" cy="365125"/>
+          </a:xfrm>
+        </p:spPr>
+        <p:txBody>
+          <a:bodyPr rtlCol="0"/>
           <a:lstStyle/>
           <a:p>
-            <a:fld id="{B5CEABB6-07DC-46E8-9B57-56EC44A396E5}" type="slidenum">
-              <a:rPr lang="en-US" altLang="ko-KR" noProof="0" smtClean="0"/>
-              <a:pPr/>
+            <a:pPr rtl="0"/>
+            <a:fld id="{19B51A1E-902D-48AF-9020-955120F399B6}" type="slidenum">
+              <a:rPr lang="en-ZA" altLang="ko-KR" smtClean="0"/>
+              <a:pPr rtl="0"/>
               <a:t>16</a:t>
             </a:fld>
-            <a:endParaRPr lang="ko-KR" altLang="en-US" noProof="0">
-              <a:latin typeface="맑은 고딕" panose="020B0503020000020004" pitchFamily="50" charset="-127"/>
-              <a:ea typeface="맑은 고딕" panose="020B0503020000020004" pitchFamily="50" charset="-127"/>
-            </a:endParaRPr>
-          </a:p>
-        </p:txBody>
-      </p:sp>
-      <p:sp>
-        <p:nvSpPr>
-          <p:cNvPr id="8" name="날짜 개체 틀 6">
-            <a:extLst>
-              <a:ext uri="{FF2B5EF4-FFF2-40B4-BE49-F238E27FC236}">
-                <a16:creationId xmlns:a16="http://schemas.microsoft.com/office/drawing/2014/main" id="{A74D79A4-48A3-CE19-ADD4-2ECDAA89B4CC}"/>
-              </a:ext>
-            </a:extLst>
-          </p:cNvPr>
-          <p:cNvSpPr txBox="1">
-            <a:spLocks/>
-          </p:cNvSpPr>
-          <p:nvPr/>
-        </p:nvSpPr>
-        <p:spPr>
-          <a:xfrm>
-            <a:off x="838200" y="6356350"/>
-            <a:ext cx="2743200" cy="365125"/>
-          </a:xfrm>
-          <a:prstGeom prst="rect">
-            <a:avLst/>
-          </a:prstGeom>
-        </p:spPr>
-        <p:txBody>
-          <a:bodyPr vert="horz" lIns="91440" tIns="45720" rIns="91440" bIns="45720" rtlCol="0" anchor="ctr"/>
-          <a:lstStyle>
-            <a:defPPr rtl="0">
-              <a:defRPr lang="ko-KR"/>
-            </a:defPPr>
-            <a:lvl1pPr marL="0" algn="l" defTabSz="914400" rtl="0" eaLnBrk="1" latinLnBrk="0" hangingPunct="1">
-              <a:defRPr sz="900" kern="1200">
-                <a:solidFill>
-                  <a:schemeClr val="tx1">
-                    <a:tint val="75000"/>
-                  </a:schemeClr>
-                </a:solidFill>
-                <a:latin typeface="맑은 고딕" panose="020B0503020000020004" pitchFamily="50" charset="-127"/>
-                <a:ea typeface="맑은 고딕" panose="020B0503020000020004" pitchFamily="50" charset="-127"/>
-                <a:cs typeface="+mn-cs"/>
-              </a:defRPr>
-            </a:lvl1pPr>
-            <a:lvl2pPr marL="457200" algn="l" defTabSz="914400" rtl="0" eaLnBrk="1" latinLnBrk="0" hangingPunct="1">
-              <a:defRPr sz="1800" kern="1200">
-                <a:solidFill>
-                  <a:schemeClr val="tx1"/>
-                </a:solidFill>
-                <a:latin typeface="+mn-lt"/>
-                <a:ea typeface="+mn-ea"/>
-                <a:cs typeface="+mn-cs"/>
-              </a:defRPr>
-            </a:lvl2pPr>
-            <a:lvl3pPr marL="914400" algn="l" defTabSz="914400" rtl="0" eaLnBrk="1" latinLnBrk="0" hangingPunct="1">
-              <a:defRPr sz="1800" kern="1200">
-                <a:solidFill>
-                  <a:schemeClr val="tx1"/>
-                </a:solidFill>
-                <a:latin typeface="+mn-lt"/>
-                <a:ea typeface="+mn-ea"/>
-                <a:cs typeface="+mn-cs"/>
-              </a:defRPr>
-            </a:lvl3pPr>
-            <a:lvl4pPr marL="1371600" algn="l" defTabSz="914400" rtl="0" eaLnBrk="1" latinLnBrk="0" hangingPunct="1">
-              <a:defRPr sz="1800" kern="1200">
-                <a:solidFill>
-                  <a:schemeClr val="tx1"/>
-                </a:solidFill>
-                <a:latin typeface="+mn-lt"/>
-                <a:ea typeface="+mn-ea"/>
-                <a:cs typeface="+mn-cs"/>
-              </a:defRPr>
-            </a:lvl4pPr>
-            <a:lvl5pPr marL="1828800" algn="l" defTabSz="914400" rtl="0" eaLnBrk="1" latinLnBrk="0" hangingPunct="1">
-              <a:defRPr sz="1800" kern="1200">
-                <a:solidFill>
-                  <a:schemeClr val="tx1"/>
-                </a:solidFill>
-                <a:latin typeface="+mn-lt"/>
-                <a:ea typeface="+mn-ea"/>
-                <a:cs typeface="+mn-cs"/>
-              </a:defRPr>
-            </a:lvl5pPr>
-            <a:lvl6pPr marL="2286000" algn="l" defTabSz="914400" rtl="0" eaLnBrk="1" latinLnBrk="0" hangingPunct="1">
-              <a:defRPr sz="1800" kern="1200">
-                <a:solidFill>
-                  <a:schemeClr val="tx1"/>
-                </a:solidFill>
-                <a:latin typeface="+mn-lt"/>
-                <a:ea typeface="+mn-ea"/>
-                <a:cs typeface="+mn-cs"/>
-              </a:defRPr>
-            </a:lvl6pPr>
-            <a:lvl7pPr marL="2743200" algn="l" defTabSz="914400" rtl="0" eaLnBrk="1" latinLnBrk="0" hangingPunct="1">
-              <a:defRPr sz="1800" kern="1200">
-                <a:solidFill>
-                  <a:schemeClr val="tx1"/>
-                </a:solidFill>
-                <a:latin typeface="+mn-lt"/>
-                <a:ea typeface="+mn-ea"/>
-                <a:cs typeface="+mn-cs"/>
-              </a:defRPr>
-            </a:lvl7pPr>
-            <a:lvl8pPr marL="3200400" algn="l" defTabSz="914400" rtl="0" eaLnBrk="1" latinLnBrk="0" hangingPunct="1">
-              <a:defRPr sz="1800" kern="1200">
-                <a:solidFill>
-                  <a:schemeClr val="tx1"/>
-                </a:solidFill>
-                <a:latin typeface="+mn-lt"/>
-                <a:ea typeface="+mn-ea"/>
-                <a:cs typeface="+mn-cs"/>
-              </a:defRPr>
-            </a:lvl8pPr>
-            <a:lvl9pPr marL="3657600" algn="l" defTabSz="914400" rtl="0" eaLnBrk="1" latinLnBrk="0" hangingPunct="1">
-              <a:defRPr sz="1800" kern="1200">
-                <a:solidFill>
-                  <a:schemeClr val="tx1"/>
-                </a:solidFill>
-                <a:latin typeface="+mn-lt"/>
-                <a:ea typeface="+mn-ea"/>
-                <a:cs typeface="+mn-cs"/>
-              </a:defRPr>
-            </a:lvl9pPr>
-          </a:lstStyle>
-          <a:p>
-            <a:r>
-              <a:rPr lang="en-US" altLang="ko-KR"/>
-              <a:t>20XX</a:t>
-            </a:r>
-            <a:r>
-              <a:rPr lang="ko-KR" altLang="en-US"/>
-              <a:t>년</a:t>
-            </a:r>
-          </a:p>
-        </p:txBody>
-      </p:sp>
-      <p:sp>
-        <p:nvSpPr>
-          <p:cNvPr id="9" name="바닥글 개체 틀 7">
-            <a:extLst>
-              <a:ext uri="{FF2B5EF4-FFF2-40B4-BE49-F238E27FC236}">
-                <a16:creationId xmlns:a16="http://schemas.microsoft.com/office/drawing/2014/main" id="{B4FBB4B8-DCDD-8E24-667C-3F5AFEFBF22B}"/>
-              </a:ext>
-            </a:extLst>
-          </p:cNvPr>
-          <p:cNvSpPr txBox="1">
-            <a:spLocks/>
-          </p:cNvSpPr>
-          <p:nvPr/>
-        </p:nvSpPr>
-        <p:spPr>
-          <a:xfrm>
-            <a:off x="4038600" y="6356350"/>
-            <a:ext cx="4114800" cy="365125"/>
-          </a:xfrm>
-          <a:prstGeom prst="rect">
-            <a:avLst/>
-          </a:prstGeom>
-        </p:spPr>
-        <p:txBody>
-          <a:bodyPr vert="horz" lIns="91440" tIns="45720" rIns="91440" bIns="45720" rtlCol="0" anchor="ctr"/>
-          <a:lstStyle>
-            <a:defPPr rtl="0">
-              <a:defRPr lang="ko-KR"/>
-            </a:defPPr>
-            <a:lvl1pPr marL="0" algn="ctr" defTabSz="914400" rtl="0" eaLnBrk="1" latinLnBrk="0" hangingPunct="1">
-              <a:defRPr sz="900" kern="1200">
-                <a:solidFill>
-                  <a:schemeClr val="tx1">
-                    <a:tint val="75000"/>
-                  </a:schemeClr>
-                </a:solidFill>
-                <a:latin typeface="맑은 고딕" panose="020B0503020000020004" pitchFamily="50" charset="-127"/>
-                <a:ea typeface="맑은 고딕" panose="020B0503020000020004" pitchFamily="50" charset="-127"/>
-                <a:cs typeface="+mn-cs"/>
-              </a:defRPr>
-            </a:lvl1pPr>
-            <a:lvl2pPr marL="457200" algn="l" defTabSz="914400" rtl="0" eaLnBrk="1" latinLnBrk="0" hangingPunct="1">
-              <a:defRPr sz="1800" kern="1200">
-                <a:solidFill>
-                  <a:schemeClr val="tx1"/>
-                </a:solidFill>
-                <a:latin typeface="+mn-lt"/>
-                <a:ea typeface="+mn-ea"/>
-                <a:cs typeface="+mn-cs"/>
-              </a:defRPr>
-            </a:lvl2pPr>
-            <a:lvl3pPr marL="914400" algn="l" defTabSz="914400" rtl="0" eaLnBrk="1" latinLnBrk="0" hangingPunct="1">
-              <a:defRPr sz="1800" kern="1200">
-                <a:solidFill>
-                  <a:schemeClr val="tx1"/>
-                </a:solidFill>
-                <a:latin typeface="+mn-lt"/>
-                <a:ea typeface="+mn-ea"/>
-                <a:cs typeface="+mn-cs"/>
-              </a:defRPr>
-            </a:lvl3pPr>
-            <a:lvl4pPr marL="1371600" algn="l" defTabSz="914400" rtl="0" eaLnBrk="1" latinLnBrk="0" hangingPunct="1">
-              <a:defRPr sz="1800" kern="1200">
-                <a:solidFill>
-                  <a:schemeClr val="tx1"/>
-                </a:solidFill>
-                <a:latin typeface="+mn-lt"/>
-                <a:ea typeface="+mn-ea"/>
-                <a:cs typeface="+mn-cs"/>
-              </a:defRPr>
-            </a:lvl4pPr>
-            <a:lvl5pPr marL="1828800" algn="l" defTabSz="914400" rtl="0" eaLnBrk="1" latinLnBrk="0" hangingPunct="1">
-              <a:defRPr sz="1800" kern="1200">
-                <a:solidFill>
-                  <a:schemeClr val="tx1"/>
-                </a:solidFill>
-                <a:latin typeface="+mn-lt"/>
-                <a:ea typeface="+mn-ea"/>
-                <a:cs typeface="+mn-cs"/>
-              </a:defRPr>
-            </a:lvl5pPr>
-            <a:lvl6pPr marL="2286000" algn="l" defTabSz="914400" rtl="0" eaLnBrk="1" latinLnBrk="0" hangingPunct="1">
-              <a:defRPr sz="1800" kern="1200">
-                <a:solidFill>
-                  <a:schemeClr val="tx1"/>
-                </a:solidFill>
-                <a:latin typeface="+mn-lt"/>
-                <a:ea typeface="+mn-ea"/>
-                <a:cs typeface="+mn-cs"/>
-              </a:defRPr>
-            </a:lvl6pPr>
-            <a:lvl7pPr marL="2743200" algn="l" defTabSz="914400" rtl="0" eaLnBrk="1" latinLnBrk="0" hangingPunct="1">
-              <a:defRPr sz="1800" kern="1200">
-                <a:solidFill>
-                  <a:schemeClr val="tx1"/>
-                </a:solidFill>
-                <a:latin typeface="+mn-lt"/>
-                <a:ea typeface="+mn-ea"/>
-                <a:cs typeface="+mn-cs"/>
-              </a:defRPr>
-            </a:lvl7pPr>
-            <a:lvl8pPr marL="3200400" algn="l" defTabSz="914400" rtl="0" eaLnBrk="1" latinLnBrk="0" hangingPunct="1">
-              <a:defRPr sz="1800" kern="1200">
-                <a:solidFill>
-                  <a:schemeClr val="tx1"/>
-                </a:solidFill>
-                <a:latin typeface="+mn-lt"/>
-                <a:ea typeface="+mn-ea"/>
-                <a:cs typeface="+mn-cs"/>
-              </a:defRPr>
-            </a:lvl8pPr>
-            <a:lvl9pPr marL="3657600" algn="l" defTabSz="914400" rtl="0" eaLnBrk="1" latinLnBrk="0" hangingPunct="1">
-              <a:defRPr sz="1800" kern="1200">
-                <a:solidFill>
-                  <a:schemeClr val="tx1"/>
-                </a:solidFill>
-                <a:latin typeface="+mn-lt"/>
-                <a:ea typeface="+mn-ea"/>
-                <a:cs typeface="+mn-cs"/>
-              </a:defRPr>
-            </a:lvl9pPr>
-          </a:lstStyle>
-          <a:p>
-            <a:r>
-              <a:rPr lang="ko-KR" altLang="en-US"/>
-              <a:t>설명 자료</a:t>
-            </a:r>
-          </a:p>
-        </p:txBody>
-      </p:sp>
-      <p:sp>
-        <p:nvSpPr>
-          <p:cNvPr id="10" name="슬라이드 번호 개체 틀 8">
-            <a:extLst>
-              <a:ext uri="{FF2B5EF4-FFF2-40B4-BE49-F238E27FC236}">
-                <a16:creationId xmlns:a16="http://schemas.microsoft.com/office/drawing/2014/main" id="{863CB896-E382-011F-5548-7AC4CE68AEEF}"/>
-              </a:ext>
-            </a:extLst>
-          </p:cNvPr>
-          <p:cNvSpPr txBox="1">
-            <a:spLocks/>
-          </p:cNvSpPr>
-          <p:nvPr/>
-        </p:nvSpPr>
-        <p:spPr>
-          <a:xfrm>
-            <a:off x="8610600" y="6356350"/>
-            <a:ext cx="2743200" cy="365125"/>
-          </a:xfrm>
-          <a:prstGeom prst="rect">
-            <a:avLst/>
-          </a:prstGeom>
-        </p:spPr>
-        <p:txBody>
-          <a:bodyPr vert="horz" lIns="91440" tIns="45720" rIns="91440" bIns="45720" rtlCol="0" anchor="ctr"/>
-          <a:lstStyle>
-            <a:defPPr rtl="0">
-              <a:defRPr lang="ko-KR"/>
-            </a:defPPr>
-            <a:lvl1pPr marL="0" algn="r" defTabSz="914400" rtl="0" eaLnBrk="1" latinLnBrk="0" hangingPunct="1">
-              <a:defRPr sz="900" kern="1200">
-                <a:solidFill>
-                  <a:schemeClr val="tx1">
-                    <a:tint val="75000"/>
-                  </a:schemeClr>
-                </a:solidFill>
-                <a:latin typeface="맑은 고딕" panose="020B0503020000020004" pitchFamily="50" charset="-127"/>
-                <a:ea typeface="맑은 고딕" panose="020B0503020000020004" pitchFamily="50" charset="-127"/>
-                <a:cs typeface="+mn-cs"/>
-              </a:defRPr>
-            </a:lvl1pPr>
-            <a:lvl2pPr marL="457200" algn="l" defTabSz="914400" rtl="0" eaLnBrk="1" latinLnBrk="0" hangingPunct="1">
-              <a:defRPr sz="1800" kern="1200">
-                <a:solidFill>
-                  <a:schemeClr val="tx1"/>
-                </a:solidFill>
-                <a:latin typeface="+mn-lt"/>
-                <a:ea typeface="+mn-ea"/>
-                <a:cs typeface="+mn-cs"/>
-              </a:defRPr>
-            </a:lvl2pPr>
-            <a:lvl3pPr marL="914400" algn="l" defTabSz="914400" rtl="0" eaLnBrk="1" latinLnBrk="0" hangingPunct="1">
-              <a:defRPr sz="1800" kern="1200">
-                <a:solidFill>
-                  <a:schemeClr val="tx1"/>
-                </a:solidFill>
-                <a:latin typeface="+mn-lt"/>
-                <a:ea typeface="+mn-ea"/>
-                <a:cs typeface="+mn-cs"/>
-              </a:defRPr>
-            </a:lvl3pPr>
-            <a:lvl4pPr marL="1371600" algn="l" defTabSz="914400" rtl="0" eaLnBrk="1" latinLnBrk="0" hangingPunct="1">
-              <a:defRPr sz="1800" kern="1200">
-                <a:solidFill>
-                  <a:schemeClr val="tx1"/>
-                </a:solidFill>
-                <a:latin typeface="+mn-lt"/>
-                <a:ea typeface="+mn-ea"/>
-                <a:cs typeface="+mn-cs"/>
-              </a:defRPr>
-            </a:lvl4pPr>
-            <a:lvl5pPr marL="1828800" algn="l" defTabSz="914400" rtl="0" eaLnBrk="1" latinLnBrk="0" hangingPunct="1">
-              <a:defRPr sz="1800" kern="1200">
-                <a:solidFill>
-                  <a:schemeClr val="tx1"/>
-                </a:solidFill>
-                <a:latin typeface="+mn-lt"/>
-                <a:ea typeface="+mn-ea"/>
-                <a:cs typeface="+mn-cs"/>
-              </a:defRPr>
-            </a:lvl5pPr>
-            <a:lvl6pPr marL="2286000" algn="l" defTabSz="914400" rtl="0" eaLnBrk="1" latinLnBrk="0" hangingPunct="1">
-              <a:defRPr sz="1800" kern="1200">
-                <a:solidFill>
-                  <a:schemeClr val="tx1"/>
-                </a:solidFill>
-                <a:latin typeface="+mn-lt"/>
-                <a:ea typeface="+mn-ea"/>
-                <a:cs typeface="+mn-cs"/>
-              </a:defRPr>
-            </a:lvl6pPr>
-            <a:lvl7pPr marL="2743200" algn="l" defTabSz="914400" rtl="0" eaLnBrk="1" latinLnBrk="0" hangingPunct="1">
-              <a:defRPr sz="1800" kern="1200">
-                <a:solidFill>
-                  <a:schemeClr val="tx1"/>
-                </a:solidFill>
-                <a:latin typeface="+mn-lt"/>
-                <a:ea typeface="+mn-ea"/>
-                <a:cs typeface="+mn-cs"/>
-              </a:defRPr>
-            </a:lvl7pPr>
-            <a:lvl8pPr marL="3200400" algn="l" defTabSz="914400" rtl="0" eaLnBrk="1" latinLnBrk="0" hangingPunct="1">
-              <a:defRPr sz="1800" kern="1200">
-                <a:solidFill>
-                  <a:schemeClr val="tx1"/>
-                </a:solidFill>
-                <a:latin typeface="+mn-lt"/>
-                <a:ea typeface="+mn-ea"/>
-                <a:cs typeface="+mn-cs"/>
-              </a:defRPr>
-            </a:lvl8pPr>
-            <a:lvl9pPr marL="3657600" algn="l" defTabSz="914400" rtl="0" eaLnBrk="1" latinLnBrk="0" hangingPunct="1">
-              <a:defRPr sz="1800" kern="1200">
-                <a:solidFill>
-                  <a:schemeClr val="tx1"/>
-                </a:solidFill>
-                <a:latin typeface="+mn-lt"/>
-                <a:ea typeface="+mn-ea"/>
-                <a:cs typeface="+mn-cs"/>
-              </a:defRPr>
-            </a:lvl9pPr>
-          </a:lstStyle>
-          <a:p>
-            <a:fld id="{B5CEABB6-07DC-46E8-9B57-56EC44A396E5}" type="slidenum">
-              <a:rPr lang="en-US" altLang="ko-KR" smtClean="0"/>
-              <a:pPr/>
-              <a:t>16</a:t>
-            </a:fld>
-            <a:endParaRPr lang="ko-KR" altLang="en-US"/>
-          </a:p>
-        </p:txBody>
-      </p:sp>
-      <p:sp>
-        <p:nvSpPr>
-          <p:cNvPr id="15" name="제목 1">
-            <a:extLst>
-              <a:ext uri="{FF2B5EF4-FFF2-40B4-BE49-F238E27FC236}">
-                <a16:creationId xmlns:a16="http://schemas.microsoft.com/office/drawing/2014/main" id="{F7689FE7-871A-4191-EA3F-3BB5D0781B5E}"/>
-              </a:ext>
-            </a:extLst>
-          </p:cNvPr>
-          <p:cNvSpPr>
-            <a:spLocks noGrp="1"/>
-          </p:cNvSpPr>
-          <p:nvPr>
-            <p:ph type="title"/>
-          </p:nvPr>
-        </p:nvSpPr>
-        <p:spPr>
-          <a:xfrm>
-            <a:off x="838200" y="0"/>
-            <a:ext cx="10515600" cy="1325563"/>
-          </a:xfrm>
-        </p:spPr>
-        <p:txBody>
-          <a:bodyPr/>
-          <a:lstStyle/>
-          <a:p>
-            <a:pPr algn="ctr"/>
-            <a:r>
-              <a:rPr lang="ko-KR" altLang="en-US" dirty="0"/>
-              <a:t>결합 자동화</a:t>
-            </a:r>
-          </a:p>
-        </p:txBody>
-      </p:sp>
-      <p:sp>
-        <p:nvSpPr>
-          <p:cNvPr id="16" name="날짜 개체 틀 6">
-            <a:extLst>
-              <a:ext uri="{FF2B5EF4-FFF2-40B4-BE49-F238E27FC236}">
-                <a16:creationId xmlns:a16="http://schemas.microsoft.com/office/drawing/2014/main" id="{E814D62E-E2AF-2E57-2B86-3125E0587C38}"/>
-              </a:ext>
-            </a:extLst>
-          </p:cNvPr>
-          <p:cNvSpPr txBox="1">
-            <a:spLocks/>
-          </p:cNvSpPr>
-          <p:nvPr/>
-        </p:nvSpPr>
-        <p:spPr>
-          <a:xfrm>
-            <a:off x="838200" y="6356350"/>
-            <a:ext cx="2743200" cy="365125"/>
-          </a:xfrm>
-          <a:prstGeom prst="rect">
-            <a:avLst/>
-          </a:prstGeom>
-        </p:spPr>
-        <p:txBody>
-          <a:bodyPr vert="horz" lIns="91440" tIns="45720" rIns="91440" bIns="45720" rtlCol="0" anchor="ctr"/>
-          <a:lstStyle>
-            <a:defPPr rtl="0">
-              <a:defRPr lang="ko-KR"/>
-            </a:defPPr>
-            <a:lvl1pPr marL="0" algn="l" defTabSz="914400" rtl="0" eaLnBrk="1" latinLnBrk="0" hangingPunct="1">
-              <a:defRPr sz="900" kern="1200">
-                <a:solidFill>
-                  <a:schemeClr val="tx1">
-                    <a:tint val="75000"/>
-                  </a:schemeClr>
-                </a:solidFill>
-                <a:latin typeface="맑은 고딕" panose="020B0503020000020004" pitchFamily="50" charset="-127"/>
-                <a:ea typeface="맑은 고딕" panose="020B0503020000020004" pitchFamily="50" charset="-127"/>
-                <a:cs typeface="+mn-cs"/>
-              </a:defRPr>
-            </a:lvl1pPr>
-            <a:lvl2pPr marL="457200" algn="l" defTabSz="914400" rtl="0" eaLnBrk="1" latinLnBrk="0" hangingPunct="1">
-              <a:defRPr sz="1800" kern="1200">
-                <a:solidFill>
-                  <a:schemeClr val="tx1"/>
-                </a:solidFill>
-                <a:latin typeface="+mn-lt"/>
-                <a:ea typeface="+mn-ea"/>
-                <a:cs typeface="+mn-cs"/>
-              </a:defRPr>
-            </a:lvl2pPr>
-            <a:lvl3pPr marL="914400" algn="l" defTabSz="914400" rtl="0" eaLnBrk="1" latinLnBrk="0" hangingPunct="1">
-              <a:defRPr sz="1800" kern="1200">
-                <a:solidFill>
-                  <a:schemeClr val="tx1"/>
-                </a:solidFill>
-                <a:latin typeface="+mn-lt"/>
-                <a:ea typeface="+mn-ea"/>
-                <a:cs typeface="+mn-cs"/>
-              </a:defRPr>
-            </a:lvl3pPr>
-            <a:lvl4pPr marL="1371600" algn="l" defTabSz="914400" rtl="0" eaLnBrk="1" latinLnBrk="0" hangingPunct="1">
-              <a:defRPr sz="1800" kern="1200">
-                <a:solidFill>
-                  <a:schemeClr val="tx1"/>
-                </a:solidFill>
-                <a:latin typeface="+mn-lt"/>
-                <a:ea typeface="+mn-ea"/>
-                <a:cs typeface="+mn-cs"/>
-              </a:defRPr>
-            </a:lvl4pPr>
-            <a:lvl5pPr marL="1828800" algn="l" defTabSz="914400" rtl="0" eaLnBrk="1" latinLnBrk="0" hangingPunct="1">
-              <a:defRPr sz="1800" kern="1200">
-                <a:solidFill>
-                  <a:schemeClr val="tx1"/>
-                </a:solidFill>
-                <a:latin typeface="+mn-lt"/>
-                <a:ea typeface="+mn-ea"/>
-                <a:cs typeface="+mn-cs"/>
-              </a:defRPr>
-            </a:lvl5pPr>
-            <a:lvl6pPr marL="2286000" algn="l" defTabSz="914400" rtl="0" eaLnBrk="1" latinLnBrk="0" hangingPunct="1">
-              <a:defRPr sz="1800" kern="1200">
-                <a:solidFill>
-                  <a:schemeClr val="tx1"/>
-                </a:solidFill>
-                <a:latin typeface="+mn-lt"/>
-                <a:ea typeface="+mn-ea"/>
-                <a:cs typeface="+mn-cs"/>
-              </a:defRPr>
-            </a:lvl6pPr>
-            <a:lvl7pPr marL="2743200" algn="l" defTabSz="914400" rtl="0" eaLnBrk="1" latinLnBrk="0" hangingPunct="1">
-              <a:defRPr sz="1800" kern="1200">
-                <a:solidFill>
-                  <a:schemeClr val="tx1"/>
-                </a:solidFill>
-                <a:latin typeface="+mn-lt"/>
-                <a:ea typeface="+mn-ea"/>
-                <a:cs typeface="+mn-cs"/>
-              </a:defRPr>
-            </a:lvl7pPr>
-            <a:lvl8pPr marL="3200400" algn="l" defTabSz="914400" rtl="0" eaLnBrk="1" latinLnBrk="0" hangingPunct="1">
-              <a:defRPr sz="1800" kern="1200">
-                <a:solidFill>
-                  <a:schemeClr val="tx1"/>
-                </a:solidFill>
-                <a:latin typeface="+mn-lt"/>
-                <a:ea typeface="+mn-ea"/>
-                <a:cs typeface="+mn-cs"/>
-              </a:defRPr>
-            </a:lvl8pPr>
-            <a:lvl9pPr marL="3657600" algn="l" defTabSz="914400" rtl="0" eaLnBrk="1" latinLnBrk="0" hangingPunct="1">
-              <a:defRPr sz="1800" kern="1200">
-                <a:solidFill>
-                  <a:schemeClr val="tx1"/>
-                </a:solidFill>
-                <a:latin typeface="+mn-lt"/>
-                <a:ea typeface="+mn-ea"/>
-                <a:cs typeface="+mn-cs"/>
-              </a:defRPr>
-            </a:lvl9pPr>
-          </a:lstStyle>
-          <a:p>
-            <a:r>
-              <a:rPr lang="en-US" altLang="ko-KR"/>
-              <a:t>20XX</a:t>
-            </a:r>
-            <a:r>
-              <a:rPr lang="ko-KR" altLang="en-US"/>
-              <a:t>년</a:t>
-            </a:r>
-          </a:p>
-        </p:txBody>
-      </p:sp>
-      <p:sp>
-        <p:nvSpPr>
-          <p:cNvPr id="17" name="바닥글 개체 틀 7">
-            <a:extLst>
-              <a:ext uri="{FF2B5EF4-FFF2-40B4-BE49-F238E27FC236}">
-                <a16:creationId xmlns:a16="http://schemas.microsoft.com/office/drawing/2014/main" id="{27519C5A-B9B9-3A1F-7D47-F0503AC8E035}"/>
-              </a:ext>
-            </a:extLst>
-          </p:cNvPr>
-          <p:cNvSpPr txBox="1">
-            <a:spLocks/>
-          </p:cNvSpPr>
-          <p:nvPr/>
-        </p:nvSpPr>
-        <p:spPr>
-          <a:xfrm>
-            <a:off x="4038600" y="6356350"/>
-            <a:ext cx="4114800" cy="365125"/>
-          </a:xfrm>
-          <a:prstGeom prst="rect">
-            <a:avLst/>
-          </a:prstGeom>
-        </p:spPr>
-        <p:txBody>
-          <a:bodyPr vert="horz" lIns="91440" tIns="45720" rIns="91440" bIns="45720" rtlCol="0" anchor="ctr"/>
-          <a:lstStyle>
-            <a:defPPr rtl="0">
-              <a:defRPr lang="ko-KR"/>
-            </a:defPPr>
-            <a:lvl1pPr marL="0" algn="ctr" defTabSz="914400" rtl="0" eaLnBrk="1" latinLnBrk="0" hangingPunct="1">
-              <a:defRPr sz="900" kern="1200">
-                <a:solidFill>
-                  <a:schemeClr val="tx1">
-                    <a:tint val="75000"/>
-                  </a:schemeClr>
-                </a:solidFill>
-                <a:latin typeface="맑은 고딕" panose="020B0503020000020004" pitchFamily="50" charset="-127"/>
-                <a:ea typeface="맑은 고딕" panose="020B0503020000020004" pitchFamily="50" charset="-127"/>
-                <a:cs typeface="+mn-cs"/>
-              </a:defRPr>
-            </a:lvl1pPr>
-            <a:lvl2pPr marL="457200" algn="l" defTabSz="914400" rtl="0" eaLnBrk="1" latinLnBrk="0" hangingPunct="1">
-              <a:defRPr sz="1800" kern="1200">
-                <a:solidFill>
-                  <a:schemeClr val="tx1"/>
-                </a:solidFill>
-                <a:latin typeface="+mn-lt"/>
-                <a:ea typeface="+mn-ea"/>
-                <a:cs typeface="+mn-cs"/>
-              </a:defRPr>
-            </a:lvl2pPr>
-            <a:lvl3pPr marL="914400" algn="l" defTabSz="914400" rtl="0" eaLnBrk="1" latinLnBrk="0" hangingPunct="1">
-              <a:defRPr sz="1800" kern="1200">
-                <a:solidFill>
-                  <a:schemeClr val="tx1"/>
-                </a:solidFill>
-                <a:latin typeface="+mn-lt"/>
-                <a:ea typeface="+mn-ea"/>
-                <a:cs typeface="+mn-cs"/>
-              </a:defRPr>
-            </a:lvl3pPr>
-            <a:lvl4pPr marL="1371600" algn="l" defTabSz="914400" rtl="0" eaLnBrk="1" latinLnBrk="0" hangingPunct="1">
-              <a:defRPr sz="1800" kern="1200">
-                <a:solidFill>
-                  <a:schemeClr val="tx1"/>
-                </a:solidFill>
-                <a:latin typeface="+mn-lt"/>
-                <a:ea typeface="+mn-ea"/>
-                <a:cs typeface="+mn-cs"/>
-              </a:defRPr>
-            </a:lvl4pPr>
-            <a:lvl5pPr marL="1828800" algn="l" defTabSz="914400" rtl="0" eaLnBrk="1" latinLnBrk="0" hangingPunct="1">
-              <a:defRPr sz="1800" kern="1200">
-                <a:solidFill>
-                  <a:schemeClr val="tx1"/>
-                </a:solidFill>
-                <a:latin typeface="+mn-lt"/>
-                <a:ea typeface="+mn-ea"/>
-                <a:cs typeface="+mn-cs"/>
-              </a:defRPr>
-            </a:lvl5pPr>
-            <a:lvl6pPr marL="2286000" algn="l" defTabSz="914400" rtl="0" eaLnBrk="1" latinLnBrk="0" hangingPunct="1">
-              <a:defRPr sz="1800" kern="1200">
-                <a:solidFill>
-                  <a:schemeClr val="tx1"/>
-                </a:solidFill>
-                <a:latin typeface="+mn-lt"/>
-                <a:ea typeface="+mn-ea"/>
-                <a:cs typeface="+mn-cs"/>
-              </a:defRPr>
-            </a:lvl6pPr>
-            <a:lvl7pPr marL="2743200" algn="l" defTabSz="914400" rtl="0" eaLnBrk="1" latinLnBrk="0" hangingPunct="1">
-              <a:defRPr sz="1800" kern="1200">
-                <a:solidFill>
-                  <a:schemeClr val="tx1"/>
-                </a:solidFill>
-                <a:latin typeface="+mn-lt"/>
-                <a:ea typeface="+mn-ea"/>
-                <a:cs typeface="+mn-cs"/>
-              </a:defRPr>
-            </a:lvl7pPr>
-            <a:lvl8pPr marL="3200400" algn="l" defTabSz="914400" rtl="0" eaLnBrk="1" latinLnBrk="0" hangingPunct="1">
-              <a:defRPr sz="1800" kern="1200">
-                <a:solidFill>
-                  <a:schemeClr val="tx1"/>
-                </a:solidFill>
-                <a:latin typeface="+mn-lt"/>
-                <a:ea typeface="+mn-ea"/>
-                <a:cs typeface="+mn-cs"/>
-              </a:defRPr>
-            </a:lvl8pPr>
-            <a:lvl9pPr marL="3657600" algn="l" defTabSz="914400" rtl="0" eaLnBrk="1" latinLnBrk="0" hangingPunct="1">
-              <a:defRPr sz="1800" kern="1200">
-                <a:solidFill>
-                  <a:schemeClr val="tx1"/>
-                </a:solidFill>
-                <a:latin typeface="+mn-lt"/>
-                <a:ea typeface="+mn-ea"/>
-                <a:cs typeface="+mn-cs"/>
-              </a:defRPr>
-            </a:lvl9pPr>
-          </a:lstStyle>
-          <a:p>
-            <a:r>
-              <a:rPr lang="ko-KR" altLang="en-US"/>
-              <a:t>설명 자료</a:t>
-            </a:r>
-          </a:p>
-        </p:txBody>
-      </p:sp>
-      <p:sp>
-        <p:nvSpPr>
-          <p:cNvPr id="18" name="슬라이드 번호 개체 틀 8">
-            <a:extLst>
-              <a:ext uri="{FF2B5EF4-FFF2-40B4-BE49-F238E27FC236}">
-                <a16:creationId xmlns:a16="http://schemas.microsoft.com/office/drawing/2014/main" id="{F2411638-4AB7-01FA-6621-6677018B8AE3}"/>
-              </a:ext>
-            </a:extLst>
-          </p:cNvPr>
-          <p:cNvSpPr txBox="1">
-            <a:spLocks/>
-          </p:cNvSpPr>
-          <p:nvPr/>
-        </p:nvSpPr>
-        <p:spPr>
-          <a:xfrm>
-            <a:off x="8610600" y="6356350"/>
-            <a:ext cx="2743200" cy="365125"/>
-          </a:xfrm>
-          <a:prstGeom prst="rect">
-            <a:avLst/>
-          </a:prstGeom>
-        </p:spPr>
-        <p:txBody>
-          <a:bodyPr vert="horz" lIns="91440" tIns="45720" rIns="91440" bIns="45720" rtlCol="0" anchor="ctr"/>
-          <a:lstStyle>
-            <a:defPPr rtl="0">
-              <a:defRPr lang="ko-KR"/>
-            </a:defPPr>
-            <a:lvl1pPr marL="0" algn="r" defTabSz="914400" rtl="0" eaLnBrk="1" latinLnBrk="0" hangingPunct="1">
-              <a:defRPr sz="900" kern="1200">
-                <a:solidFill>
-                  <a:schemeClr val="tx1">
-                    <a:tint val="75000"/>
-                  </a:schemeClr>
-                </a:solidFill>
-                <a:latin typeface="맑은 고딕" panose="020B0503020000020004" pitchFamily="50" charset="-127"/>
-                <a:ea typeface="맑은 고딕" panose="020B0503020000020004" pitchFamily="50" charset="-127"/>
-                <a:cs typeface="+mn-cs"/>
-              </a:defRPr>
-            </a:lvl1pPr>
-            <a:lvl2pPr marL="457200" algn="l" defTabSz="914400" rtl="0" eaLnBrk="1" latinLnBrk="0" hangingPunct="1">
-              <a:defRPr sz="1800" kern="1200">
-                <a:solidFill>
-                  <a:schemeClr val="tx1"/>
-                </a:solidFill>
-                <a:latin typeface="+mn-lt"/>
-                <a:ea typeface="+mn-ea"/>
-                <a:cs typeface="+mn-cs"/>
-              </a:defRPr>
-            </a:lvl2pPr>
-            <a:lvl3pPr marL="914400" algn="l" defTabSz="914400" rtl="0" eaLnBrk="1" latinLnBrk="0" hangingPunct="1">
-              <a:defRPr sz="1800" kern="1200">
-                <a:solidFill>
-                  <a:schemeClr val="tx1"/>
-                </a:solidFill>
-                <a:latin typeface="+mn-lt"/>
-                <a:ea typeface="+mn-ea"/>
-                <a:cs typeface="+mn-cs"/>
-              </a:defRPr>
-            </a:lvl3pPr>
-            <a:lvl4pPr marL="1371600" algn="l" defTabSz="914400" rtl="0" eaLnBrk="1" latinLnBrk="0" hangingPunct="1">
-              <a:defRPr sz="1800" kern="1200">
-                <a:solidFill>
-                  <a:schemeClr val="tx1"/>
-                </a:solidFill>
-                <a:latin typeface="+mn-lt"/>
-                <a:ea typeface="+mn-ea"/>
-                <a:cs typeface="+mn-cs"/>
-              </a:defRPr>
-            </a:lvl4pPr>
-            <a:lvl5pPr marL="1828800" algn="l" defTabSz="914400" rtl="0" eaLnBrk="1" latinLnBrk="0" hangingPunct="1">
-              <a:defRPr sz="1800" kern="1200">
-                <a:solidFill>
-                  <a:schemeClr val="tx1"/>
-                </a:solidFill>
-                <a:latin typeface="+mn-lt"/>
-                <a:ea typeface="+mn-ea"/>
-                <a:cs typeface="+mn-cs"/>
-              </a:defRPr>
-            </a:lvl5pPr>
-            <a:lvl6pPr marL="2286000" algn="l" defTabSz="914400" rtl="0" eaLnBrk="1" latinLnBrk="0" hangingPunct="1">
-              <a:defRPr sz="1800" kern="1200">
-                <a:solidFill>
-                  <a:schemeClr val="tx1"/>
-                </a:solidFill>
-                <a:latin typeface="+mn-lt"/>
-                <a:ea typeface="+mn-ea"/>
-                <a:cs typeface="+mn-cs"/>
-              </a:defRPr>
-            </a:lvl6pPr>
-            <a:lvl7pPr marL="2743200" algn="l" defTabSz="914400" rtl="0" eaLnBrk="1" latinLnBrk="0" hangingPunct="1">
-              <a:defRPr sz="1800" kern="1200">
-                <a:solidFill>
-                  <a:schemeClr val="tx1"/>
-                </a:solidFill>
-                <a:latin typeface="+mn-lt"/>
-                <a:ea typeface="+mn-ea"/>
-                <a:cs typeface="+mn-cs"/>
-              </a:defRPr>
-            </a:lvl7pPr>
-            <a:lvl8pPr marL="3200400" algn="l" defTabSz="914400" rtl="0" eaLnBrk="1" latinLnBrk="0" hangingPunct="1">
-              <a:defRPr sz="1800" kern="1200">
-                <a:solidFill>
-                  <a:schemeClr val="tx1"/>
-                </a:solidFill>
-                <a:latin typeface="+mn-lt"/>
-                <a:ea typeface="+mn-ea"/>
-                <a:cs typeface="+mn-cs"/>
-              </a:defRPr>
-            </a:lvl8pPr>
-            <a:lvl9pPr marL="3657600" algn="l" defTabSz="914400" rtl="0" eaLnBrk="1" latinLnBrk="0" hangingPunct="1">
-              <a:defRPr sz="1800" kern="1200">
-                <a:solidFill>
-                  <a:schemeClr val="tx1"/>
-                </a:solidFill>
-                <a:latin typeface="+mn-lt"/>
-                <a:ea typeface="+mn-ea"/>
-                <a:cs typeface="+mn-cs"/>
-              </a:defRPr>
-            </a:lvl9pPr>
-          </a:lstStyle>
-          <a:p>
-            <a:fld id="{B5CEABB6-07DC-46E8-9B57-56EC44A396E5}" type="slidenum">
-              <a:rPr lang="en-US" altLang="ko-KR" smtClean="0"/>
-              <a:pPr/>
-              <a:t>16</a:t>
-            </a:fld>
-            <a:endParaRPr lang="ko-KR" altLang="en-US"/>
-          </a:p>
-        </p:txBody>
-      </p:sp>
-      <p:sp>
-        <p:nvSpPr>
-          <p:cNvPr id="22" name="TextBox 21">
-            <a:extLst>
-              <a:ext uri="{FF2B5EF4-FFF2-40B4-BE49-F238E27FC236}">
-                <a16:creationId xmlns:a16="http://schemas.microsoft.com/office/drawing/2014/main" id="{A4C3315B-87CE-9A81-15DE-B71D48B95EC7}"/>
-              </a:ext>
-            </a:extLst>
-          </p:cNvPr>
-          <p:cNvSpPr txBox="1"/>
-          <p:nvPr/>
-        </p:nvSpPr>
-        <p:spPr>
-          <a:xfrm>
-            <a:off x="0" y="1724400"/>
-            <a:ext cx="12192000" cy="923330"/>
-          </a:xfrm>
-          <a:prstGeom prst="rect">
-            <a:avLst/>
-          </a:prstGeom>
-          <a:noFill/>
-        </p:spPr>
-        <p:txBody>
-          <a:bodyPr wrap="square" rtlCol="0">
-            <a:spAutoFit/>
-          </a:bodyPr>
-          <a:lstStyle/>
-          <a:p>
-            <a:pPr algn="ctr"/>
-            <a:r>
-              <a:rPr lang="ko-KR" altLang="en-US" dirty="0"/>
-              <a:t>결합 모델을 시나리오별로 별도로 나누지 않아도 설비 현황을 나타내는 </a:t>
-            </a:r>
-            <a:r>
-              <a:rPr lang="en-US" altLang="ko-KR" dirty="0" err="1"/>
-              <a:t>object_list</a:t>
-            </a:r>
-            <a:r>
-              <a:rPr lang="ko-KR" altLang="en-US" dirty="0"/>
-              <a:t>를 통해 </a:t>
-            </a:r>
-            <a:endParaRPr lang="en-US" altLang="ko-KR" dirty="0"/>
-          </a:p>
-          <a:p>
-            <a:pPr algn="ctr"/>
-            <a:r>
-              <a:rPr lang="ko-KR" altLang="en-US" dirty="0"/>
-              <a:t>설비 개수를 파악하고 설비 각각의 결합을 나타내는 데이터베이스인 </a:t>
-            </a:r>
-            <a:r>
-              <a:rPr lang="en-US" altLang="ko-KR" dirty="0" err="1"/>
-              <a:t>obj_coup_list</a:t>
-            </a:r>
-            <a:r>
-              <a:rPr lang="ko-KR" altLang="en-US" dirty="0"/>
-              <a:t>를 통해 </a:t>
-            </a:r>
-            <a:endParaRPr lang="en-US" altLang="ko-KR" dirty="0"/>
-          </a:p>
-          <a:p>
-            <a:pPr algn="ctr"/>
-            <a:r>
-              <a:rPr lang="ko-KR" altLang="en-US" dirty="0"/>
-              <a:t>자동으로 결합하도록 코드 구현</a:t>
-            </a:r>
+            <a:endParaRPr lang="ko-KR" altLang="en-ZA"/>
           </a:p>
         </p:txBody>
       </p:sp>
     </p:spTree>
     <p:extLst>
       <p:ext uri="{BB962C8B-B14F-4D97-AF65-F5344CB8AC3E}">
-        <p14:creationId xmlns:p14="http://schemas.microsoft.com/office/powerpoint/2010/main" val="4234656387"/>
+        <p14:creationId xmlns:p14="http://schemas.microsoft.com/office/powerpoint/2010/main" val="3665140692"/>
       </p:ext>
     </p:extLst>
   </p:cSld>
@@ -29241,10 +28726,134 @@
       </p:grpSpPr>
       <p:sp>
         <p:nvSpPr>
-          <p:cNvPr id="4" name="날짜 개체 틀 3">
-            <a:extLst>
-              <a:ext uri="{FF2B5EF4-FFF2-40B4-BE49-F238E27FC236}">
-                <a16:creationId xmlns:a16="http://schemas.microsoft.com/office/drawing/2014/main" id="{0798AFF7-49F6-5118-BF0C-AE317F333C63}"/>
+          <p:cNvPr id="2" name="제목 1">
+            <a:extLst>
+              <a:ext uri="{FF2B5EF4-FFF2-40B4-BE49-F238E27FC236}">
+                <a16:creationId xmlns:a16="http://schemas.microsoft.com/office/drawing/2014/main" id="{6719F29B-F233-48AF-8261-F33A4E079E3E}"/>
+              </a:ext>
+              <a:ext uri="{C183D7F6-B498-43B3-948B-1728B52AA6E4}">
+                <adec:decorative xmlns:adec="http://schemas.microsoft.com/office/drawing/2017/decorative" val="0"/>
+              </a:ext>
+            </a:extLst>
+          </p:cNvPr>
+          <p:cNvSpPr>
+            <a:spLocks noGrp="1"/>
+          </p:cNvSpPr>
+          <p:nvPr>
+            <p:ph type="title"/>
+          </p:nvPr>
+        </p:nvSpPr>
+        <p:spPr>
+          <a:xfrm>
+            <a:off x="432000" y="1746000"/>
+            <a:ext cx="6155321" cy="970537"/>
+          </a:xfrm>
+        </p:spPr>
+        <p:txBody>
+          <a:bodyPr rtlCol="0"/>
+          <a:lstStyle/>
+          <a:p>
+            <a:pPr rtl="0"/>
+            <a:r>
+              <a:rPr lang="ko-KR" altLang="en-US" dirty="0"/>
+              <a:t>다음 설비가 </a:t>
+            </a:r>
+            <a:r>
+              <a:rPr lang="ko-KR" altLang="en-US" dirty="0" err="1"/>
+              <a:t>받을수</a:t>
+            </a:r>
+            <a:r>
+              <a:rPr lang="ko-KR" altLang="en-US" dirty="0"/>
+              <a:t> 있는지 결정</a:t>
+            </a:r>
+            <a:r>
+              <a:rPr lang="en-US" altLang="ko-KR" dirty="0"/>
+              <a:t>? - </a:t>
+            </a:r>
+            <a:r>
+              <a:rPr lang="en-US" altLang="ko-KR" dirty="0" err="1"/>
+              <a:t>ReadyMap</a:t>
+            </a:r>
+            <a:endParaRPr lang="ko-KR" altLang="en-US" dirty="0"/>
+          </a:p>
+        </p:txBody>
+      </p:sp>
+      <p:sp>
+        <p:nvSpPr>
+          <p:cNvPr id="3" name="부제목 2">
+            <a:extLst>
+              <a:ext uri="{FF2B5EF4-FFF2-40B4-BE49-F238E27FC236}">
+                <a16:creationId xmlns:a16="http://schemas.microsoft.com/office/drawing/2014/main" id="{35E3EA69-4E0E-41BD-8095-A124225A2647}"/>
+              </a:ext>
+              <a:ext uri="{C183D7F6-B498-43B3-948B-1728B52AA6E4}">
+                <adec:decorative xmlns:adec="http://schemas.microsoft.com/office/drawing/2017/decorative" val="0"/>
+              </a:ext>
+            </a:extLst>
+          </p:cNvPr>
+          <p:cNvSpPr>
+            <a:spLocks noGrp="1"/>
+          </p:cNvSpPr>
+          <p:nvPr>
+            <p:ph idx="1"/>
+          </p:nvPr>
+        </p:nvSpPr>
+        <p:spPr>
+          <a:xfrm>
+            <a:off x="610080" y="2877877"/>
+            <a:ext cx="3770936" cy="2519363"/>
+          </a:xfrm>
+        </p:spPr>
+        <p:txBody>
+          <a:bodyPr rtlCol="0">
+            <a:normAutofit/>
+          </a:bodyPr>
+          <a:lstStyle/>
+          <a:p>
+            <a:r>
+              <a:rPr lang="ko-KR" altLang="en-US" dirty="0"/>
+              <a:t>한 공정 설비에서 </a:t>
+            </a:r>
+            <a:r>
+              <a:rPr lang="en-US" altLang="ko-KR" dirty="0"/>
+              <a:t>2</a:t>
+            </a:r>
+            <a:r>
+              <a:rPr lang="ko-KR" altLang="en-US" dirty="0"/>
+              <a:t>개 이상의 통로로 보낼 때 혹은 트랙 </a:t>
+            </a:r>
+            <a:r>
+              <a:rPr lang="en-US" altLang="ko-KR" dirty="0"/>
+              <a:t>2</a:t>
+            </a:r>
+            <a:r>
+              <a:rPr lang="ko-KR" altLang="en-US" dirty="0"/>
+              <a:t>개를 받는 설비로 물건을 </a:t>
+            </a:r>
+            <a:r>
+              <a:rPr lang="ko-KR" altLang="en-US" dirty="0" err="1"/>
+              <a:t>보낼때</a:t>
+            </a:r>
+            <a:r>
+              <a:rPr lang="ko-KR" altLang="en-US" dirty="0"/>
+              <a:t> </a:t>
+            </a:r>
+            <a:r>
+              <a:rPr lang="en-US" altLang="ko-KR" dirty="0" err="1"/>
+              <a:t>ReadyMap</a:t>
+            </a:r>
+            <a:r>
+              <a:rPr lang="ko-KR" altLang="en-US" dirty="0"/>
+              <a:t>을 통해 제품을 보낼 수 있는지 파악하여 제품을 보내도록 구현</a:t>
+            </a:r>
+          </a:p>
+        </p:txBody>
+      </p:sp>
+      <p:sp>
+        <p:nvSpPr>
+          <p:cNvPr id="6" name="날짜 개체 틀 5">
+            <a:extLst>
+              <a:ext uri="{FF2B5EF4-FFF2-40B4-BE49-F238E27FC236}">
+                <a16:creationId xmlns:a16="http://schemas.microsoft.com/office/drawing/2014/main" id="{B69DF042-37C5-4E09-AA4C-AA66649C9533}"/>
               </a:ext>
             </a:extLst>
           </p:cNvPr>
@@ -29255,23 +28864,25 @@
             <p:ph type="dt" sz="half" idx="10"/>
           </p:nvPr>
         </p:nvSpPr>
-        <p:spPr/>
-        <p:txBody>
-          <a:bodyPr/>
+        <p:spPr>
+          <a:xfrm>
+            <a:off x="1333500" y="6356350"/>
+            <a:ext cx="985157" cy="365125"/>
+          </a:xfrm>
+        </p:spPr>
+        <p:txBody>
+          <a:bodyPr rtlCol="0"/>
           <a:lstStyle/>
           <a:p>
-            <a:r>
-              <a:rPr lang="en-US" altLang="ko-KR" noProof="0"/>
+            <a:pPr rtl="0"/>
+            <a:r>
+              <a:rPr lang="en-US" altLang="ko-KR"/>
               <a:t>20XX</a:t>
             </a:r>
             <a:r>
-              <a:rPr lang="ko-KR" altLang="en-US" noProof="0"/>
+              <a:rPr lang="ko-KR" altLang="en-US"/>
               <a:t>년</a:t>
             </a:r>
-            <a:endParaRPr lang="ko-KR" altLang="en-US" noProof="0">
-              <a:latin typeface="맑은 고딕" panose="020B0503020000020004" pitchFamily="50" charset="-127"/>
-              <a:ea typeface="맑은 고딕" panose="020B0503020000020004" pitchFamily="50" charset="-127"/>
-            </a:endParaRPr>
           </a:p>
         </p:txBody>
       </p:sp>
@@ -29280,7 +28891,7 @@
           <p:cNvPr id="5" name="바닥글 개체 틀 4">
             <a:extLst>
               <a:ext uri="{FF2B5EF4-FFF2-40B4-BE49-F238E27FC236}">
-                <a16:creationId xmlns:a16="http://schemas.microsoft.com/office/drawing/2014/main" id="{4060FC1C-6AB3-FA2F-D69E-C1624C1E03D6}"/>
+                <a16:creationId xmlns:a16="http://schemas.microsoft.com/office/drawing/2014/main" id="{AF29EA23-F34E-486A-B8B2-0C3019266975}"/>
               </a:ext>
             </a:extLst>
           </p:cNvPr>
@@ -29291,28 +28902,30 @@
             <p:ph type="ftr" sz="quarter" idx="11"/>
           </p:nvPr>
         </p:nvSpPr>
-        <p:spPr/>
-        <p:txBody>
-          <a:bodyPr/>
+        <p:spPr>
+          <a:xfrm>
+            <a:off x="2669886" y="6356349"/>
+            <a:ext cx="2482842" cy="365125"/>
+          </a:xfrm>
+        </p:spPr>
+        <p:txBody>
+          <a:bodyPr rtlCol="0"/>
           <a:lstStyle/>
           <a:p>
-            <a:r>
-              <a:rPr lang="ko-KR" altLang="en-US" noProof="0"/>
+            <a:pPr rtl="0"/>
+            <a:r>
+              <a:rPr lang="ko-KR" altLang="en-US"/>
               <a:t>설명 자료</a:t>
             </a:r>
-            <a:endParaRPr lang="ko-KR" altLang="en-US" noProof="0">
-              <a:latin typeface="맑은 고딕" panose="020B0503020000020004" pitchFamily="50" charset="-127"/>
-              <a:ea typeface="맑은 고딕" panose="020B0503020000020004" pitchFamily="50" charset="-127"/>
-            </a:endParaRPr>
-          </a:p>
-        </p:txBody>
-      </p:sp>
-      <p:sp>
-        <p:nvSpPr>
-          <p:cNvPr id="6" name="슬라이드 번호 개체 틀 5">
-            <a:extLst>
-              <a:ext uri="{FF2B5EF4-FFF2-40B4-BE49-F238E27FC236}">
-                <a16:creationId xmlns:a16="http://schemas.microsoft.com/office/drawing/2014/main" id="{0F8D6143-4205-B273-2A46-A5B76F792C23}"/>
+          </a:p>
+        </p:txBody>
+      </p:sp>
+      <p:sp>
+        <p:nvSpPr>
+          <p:cNvPr id="4" name="슬라이드 번호 개체 틀 3">
+            <a:extLst>
+              <a:ext uri="{FF2B5EF4-FFF2-40B4-BE49-F238E27FC236}">
+                <a16:creationId xmlns:a16="http://schemas.microsoft.com/office/drawing/2014/main" id="{328F602C-7F98-4C02-99D4-ED65E00D66A4}"/>
               </a:ext>
             </a:extLst>
           </p:cNvPr>
@@ -29323,541 +28936,30 @@
             <p:ph type="sldNum" sz="quarter" idx="12"/>
           </p:nvPr>
         </p:nvSpPr>
-        <p:spPr/>
-        <p:txBody>
-          <a:bodyPr/>
+        <p:spPr>
+          <a:xfrm>
+            <a:off x="5536305" y="6356350"/>
+            <a:ext cx="987552" cy="365125"/>
+          </a:xfrm>
+        </p:spPr>
+        <p:txBody>
+          <a:bodyPr rtlCol="0"/>
           <a:lstStyle/>
           <a:p>
-            <a:fld id="{B5CEABB6-07DC-46E8-9B57-56EC44A396E5}" type="slidenum">
-              <a:rPr lang="en-US" altLang="ko-KR" noProof="0" smtClean="0"/>
-              <a:pPr/>
+            <a:pPr rtl="0"/>
+            <a:fld id="{19B51A1E-902D-48AF-9020-955120F399B6}" type="slidenum">
+              <a:rPr lang="en-ZA" altLang="ko-KR" smtClean="0"/>
+              <a:pPr rtl="0"/>
               <a:t>22</a:t>
             </a:fld>
-            <a:endParaRPr lang="ko-KR" altLang="en-US" noProof="0">
-              <a:latin typeface="맑은 고딕" panose="020B0503020000020004" pitchFamily="50" charset="-127"/>
-              <a:ea typeface="맑은 고딕" panose="020B0503020000020004" pitchFamily="50" charset="-127"/>
-            </a:endParaRPr>
-          </a:p>
-        </p:txBody>
-      </p:sp>
-      <p:sp>
-        <p:nvSpPr>
-          <p:cNvPr id="7" name="제목 1">
-            <a:extLst>
-              <a:ext uri="{FF2B5EF4-FFF2-40B4-BE49-F238E27FC236}">
-                <a16:creationId xmlns:a16="http://schemas.microsoft.com/office/drawing/2014/main" id="{6928B881-A799-DC90-0920-CA0E3A00BF5C}"/>
-              </a:ext>
-            </a:extLst>
-          </p:cNvPr>
-          <p:cNvSpPr>
-            <a:spLocks noGrp="1"/>
-          </p:cNvSpPr>
-          <p:nvPr>
-            <p:ph type="title"/>
-          </p:nvPr>
-        </p:nvSpPr>
-        <p:spPr>
-          <a:xfrm>
-            <a:off x="838200" y="0"/>
-            <a:ext cx="10515600" cy="1325563"/>
-          </a:xfrm>
-        </p:spPr>
-        <p:txBody>
-          <a:bodyPr/>
-          <a:lstStyle/>
-          <a:p>
-            <a:pPr algn="ctr"/>
-            <a:r>
-              <a:rPr lang="ko-KR" altLang="en-US" dirty="0"/>
-              <a:t>다음 설비가 </a:t>
-            </a:r>
-            <a:r>
-              <a:rPr lang="ko-KR" altLang="en-US" dirty="0" err="1"/>
-              <a:t>받을수</a:t>
-            </a:r>
-            <a:r>
-              <a:rPr lang="ko-KR" altLang="en-US" dirty="0"/>
-              <a:t> 있는지 결정</a:t>
-            </a:r>
-            <a:r>
-              <a:rPr lang="en-US" altLang="ko-KR" dirty="0"/>
-              <a:t>? - </a:t>
-            </a:r>
-            <a:r>
-              <a:rPr lang="en-US" altLang="ko-KR" dirty="0" err="1"/>
-              <a:t>ReadyMap</a:t>
-            </a:r>
-            <a:endParaRPr lang="en-US" altLang="ko-KR" dirty="0"/>
-          </a:p>
-        </p:txBody>
-      </p:sp>
-      <p:sp>
-        <p:nvSpPr>
-          <p:cNvPr id="8" name="날짜 개체 틀 6">
-            <a:extLst>
-              <a:ext uri="{FF2B5EF4-FFF2-40B4-BE49-F238E27FC236}">
-                <a16:creationId xmlns:a16="http://schemas.microsoft.com/office/drawing/2014/main" id="{A74D79A4-48A3-CE19-ADD4-2ECDAA89B4CC}"/>
-              </a:ext>
-            </a:extLst>
-          </p:cNvPr>
-          <p:cNvSpPr txBox="1">
-            <a:spLocks/>
-          </p:cNvSpPr>
-          <p:nvPr/>
-        </p:nvSpPr>
-        <p:spPr>
-          <a:xfrm>
-            <a:off x="838200" y="6356350"/>
-            <a:ext cx="2743200" cy="365125"/>
-          </a:xfrm>
-          <a:prstGeom prst="rect">
-            <a:avLst/>
-          </a:prstGeom>
-        </p:spPr>
-        <p:txBody>
-          <a:bodyPr vert="horz" lIns="91440" tIns="45720" rIns="91440" bIns="45720" rtlCol="0" anchor="ctr"/>
-          <a:lstStyle>
-            <a:defPPr rtl="0">
-              <a:defRPr lang="ko-KR"/>
-            </a:defPPr>
-            <a:lvl1pPr marL="0" algn="l" defTabSz="914400" rtl="0" eaLnBrk="1" latinLnBrk="0" hangingPunct="1">
-              <a:defRPr sz="900" kern="1200">
-                <a:solidFill>
-                  <a:schemeClr val="tx1">
-                    <a:tint val="75000"/>
-                  </a:schemeClr>
-                </a:solidFill>
-                <a:latin typeface="맑은 고딕" panose="020B0503020000020004" pitchFamily="50" charset="-127"/>
-                <a:ea typeface="맑은 고딕" panose="020B0503020000020004" pitchFamily="50" charset="-127"/>
-                <a:cs typeface="+mn-cs"/>
-              </a:defRPr>
-            </a:lvl1pPr>
-            <a:lvl2pPr marL="457200" algn="l" defTabSz="914400" rtl="0" eaLnBrk="1" latinLnBrk="0" hangingPunct="1">
-              <a:defRPr sz="1800" kern="1200">
-                <a:solidFill>
-                  <a:schemeClr val="tx1"/>
-                </a:solidFill>
-                <a:latin typeface="+mn-lt"/>
-                <a:ea typeface="+mn-ea"/>
-                <a:cs typeface="+mn-cs"/>
-              </a:defRPr>
-            </a:lvl2pPr>
-            <a:lvl3pPr marL="914400" algn="l" defTabSz="914400" rtl="0" eaLnBrk="1" latinLnBrk="0" hangingPunct="1">
-              <a:defRPr sz="1800" kern="1200">
-                <a:solidFill>
-                  <a:schemeClr val="tx1"/>
-                </a:solidFill>
-                <a:latin typeface="+mn-lt"/>
-                <a:ea typeface="+mn-ea"/>
-                <a:cs typeface="+mn-cs"/>
-              </a:defRPr>
-            </a:lvl3pPr>
-            <a:lvl4pPr marL="1371600" algn="l" defTabSz="914400" rtl="0" eaLnBrk="1" latinLnBrk="0" hangingPunct="1">
-              <a:defRPr sz="1800" kern="1200">
-                <a:solidFill>
-                  <a:schemeClr val="tx1"/>
-                </a:solidFill>
-                <a:latin typeface="+mn-lt"/>
-                <a:ea typeface="+mn-ea"/>
-                <a:cs typeface="+mn-cs"/>
-              </a:defRPr>
-            </a:lvl4pPr>
-            <a:lvl5pPr marL="1828800" algn="l" defTabSz="914400" rtl="0" eaLnBrk="1" latinLnBrk="0" hangingPunct="1">
-              <a:defRPr sz="1800" kern="1200">
-                <a:solidFill>
-                  <a:schemeClr val="tx1"/>
-                </a:solidFill>
-                <a:latin typeface="+mn-lt"/>
-                <a:ea typeface="+mn-ea"/>
-                <a:cs typeface="+mn-cs"/>
-              </a:defRPr>
-            </a:lvl5pPr>
-            <a:lvl6pPr marL="2286000" algn="l" defTabSz="914400" rtl="0" eaLnBrk="1" latinLnBrk="0" hangingPunct="1">
-              <a:defRPr sz="1800" kern="1200">
-                <a:solidFill>
-                  <a:schemeClr val="tx1"/>
-                </a:solidFill>
-                <a:latin typeface="+mn-lt"/>
-                <a:ea typeface="+mn-ea"/>
-                <a:cs typeface="+mn-cs"/>
-              </a:defRPr>
-            </a:lvl6pPr>
-            <a:lvl7pPr marL="2743200" algn="l" defTabSz="914400" rtl="0" eaLnBrk="1" latinLnBrk="0" hangingPunct="1">
-              <a:defRPr sz="1800" kern="1200">
-                <a:solidFill>
-                  <a:schemeClr val="tx1"/>
-                </a:solidFill>
-                <a:latin typeface="+mn-lt"/>
-                <a:ea typeface="+mn-ea"/>
-                <a:cs typeface="+mn-cs"/>
-              </a:defRPr>
-            </a:lvl7pPr>
-            <a:lvl8pPr marL="3200400" algn="l" defTabSz="914400" rtl="0" eaLnBrk="1" latinLnBrk="0" hangingPunct="1">
-              <a:defRPr sz="1800" kern="1200">
-                <a:solidFill>
-                  <a:schemeClr val="tx1"/>
-                </a:solidFill>
-                <a:latin typeface="+mn-lt"/>
-                <a:ea typeface="+mn-ea"/>
-                <a:cs typeface="+mn-cs"/>
-              </a:defRPr>
-            </a:lvl8pPr>
-            <a:lvl9pPr marL="3657600" algn="l" defTabSz="914400" rtl="0" eaLnBrk="1" latinLnBrk="0" hangingPunct="1">
-              <a:defRPr sz="1800" kern="1200">
-                <a:solidFill>
-                  <a:schemeClr val="tx1"/>
-                </a:solidFill>
-                <a:latin typeface="+mn-lt"/>
-                <a:ea typeface="+mn-ea"/>
-                <a:cs typeface="+mn-cs"/>
-              </a:defRPr>
-            </a:lvl9pPr>
-          </a:lstStyle>
-          <a:p>
-            <a:r>
-              <a:rPr lang="en-US" altLang="ko-KR"/>
-              <a:t>20XX</a:t>
-            </a:r>
-            <a:r>
-              <a:rPr lang="ko-KR" altLang="en-US"/>
-              <a:t>년</a:t>
-            </a:r>
-          </a:p>
-        </p:txBody>
-      </p:sp>
-      <p:sp>
-        <p:nvSpPr>
-          <p:cNvPr id="9" name="바닥글 개체 틀 7">
-            <a:extLst>
-              <a:ext uri="{FF2B5EF4-FFF2-40B4-BE49-F238E27FC236}">
-                <a16:creationId xmlns:a16="http://schemas.microsoft.com/office/drawing/2014/main" id="{B4FBB4B8-DCDD-8E24-667C-3F5AFEFBF22B}"/>
-              </a:ext>
-            </a:extLst>
-          </p:cNvPr>
-          <p:cNvSpPr txBox="1">
-            <a:spLocks/>
-          </p:cNvSpPr>
-          <p:nvPr/>
-        </p:nvSpPr>
-        <p:spPr>
-          <a:xfrm>
-            <a:off x="4038600" y="6356350"/>
-            <a:ext cx="4114800" cy="365125"/>
-          </a:xfrm>
-          <a:prstGeom prst="rect">
-            <a:avLst/>
-          </a:prstGeom>
-        </p:spPr>
-        <p:txBody>
-          <a:bodyPr vert="horz" lIns="91440" tIns="45720" rIns="91440" bIns="45720" rtlCol="0" anchor="ctr"/>
-          <a:lstStyle>
-            <a:defPPr rtl="0">
-              <a:defRPr lang="ko-KR"/>
-            </a:defPPr>
-            <a:lvl1pPr marL="0" algn="ctr" defTabSz="914400" rtl="0" eaLnBrk="1" latinLnBrk="0" hangingPunct="1">
-              <a:defRPr sz="900" kern="1200">
-                <a:solidFill>
-                  <a:schemeClr val="tx1">
-                    <a:tint val="75000"/>
-                  </a:schemeClr>
-                </a:solidFill>
-                <a:latin typeface="맑은 고딕" panose="020B0503020000020004" pitchFamily="50" charset="-127"/>
-                <a:ea typeface="맑은 고딕" panose="020B0503020000020004" pitchFamily="50" charset="-127"/>
-                <a:cs typeface="+mn-cs"/>
-              </a:defRPr>
-            </a:lvl1pPr>
-            <a:lvl2pPr marL="457200" algn="l" defTabSz="914400" rtl="0" eaLnBrk="1" latinLnBrk="0" hangingPunct="1">
-              <a:defRPr sz="1800" kern="1200">
-                <a:solidFill>
-                  <a:schemeClr val="tx1"/>
-                </a:solidFill>
-                <a:latin typeface="+mn-lt"/>
-                <a:ea typeface="+mn-ea"/>
-                <a:cs typeface="+mn-cs"/>
-              </a:defRPr>
-            </a:lvl2pPr>
-            <a:lvl3pPr marL="914400" algn="l" defTabSz="914400" rtl="0" eaLnBrk="1" latinLnBrk="0" hangingPunct="1">
-              <a:defRPr sz="1800" kern="1200">
-                <a:solidFill>
-                  <a:schemeClr val="tx1"/>
-                </a:solidFill>
-                <a:latin typeface="+mn-lt"/>
-                <a:ea typeface="+mn-ea"/>
-                <a:cs typeface="+mn-cs"/>
-              </a:defRPr>
-            </a:lvl3pPr>
-            <a:lvl4pPr marL="1371600" algn="l" defTabSz="914400" rtl="0" eaLnBrk="1" latinLnBrk="0" hangingPunct="1">
-              <a:defRPr sz="1800" kern="1200">
-                <a:solidFill>
-                  <a:schemeClr val="tx1"/>
-                </a:solidFill>
-                <a:latin typeface="+mn-lt"/>
-                <a:ea typeface="+mn-ea"/>
-                <a:cs typeface="+mn-cs"/>
-              </a:defRPr>
-            </a:lvl4pPr>
-            <a:lvl5pPr marL="1828800" algn="l" defTabSz="914400" rtl="0" eaLnBrk="1" latinLnBrk="0" hangingPunct="1">
-              <a:defRPr sz="1800" kern="1200">
-                <a:solidFill>
-                  <a:schemeClr val="tx1"/>
-                </a:solidFill>
-                <a:latin typeface="+mn-lt"/>
-                <a:ea typeface="+mn-ea"/>
-                <a:cs typeface="+mn-cs"/>
-              </a:defRPr>
-            </a:lvl5pPr>
-            <a:lvl6pPr marL="2286000" algn="l" defTabSz="914400" rtl="0" eaLnBrk="1" latinLnBrk="0" hangingPunct="1">
-              <a:defRPr sz="1800" kern="1200">
-                <a:solidFill>
-                  <a:schemeClr val="tx1"/>
-                </a:solidFill>
-                <a:latin typeface="+mn-lt"/>
-                <a:ea typeface="+mn-ea"/>
-                <a:cs typeface="+mn-cs"/>
-              </a:defRPr>
-            </a:lvl6pPr>
-            <a:lvl7pPr marL="2743200" algn="l" defTabSz="914400" rtl="0" eaLnBrk="1" latinLnBrk="0" hangingPunct="1">
-              <a:defRPr sz="1800" kern="1200">
-                <a:solidFill>
-                  <a:schemeClr val="tx1"/>
-                </a:solidFill>
-                <a:latin typeface="+mn-lt"/>
-                <a:ea typeface="+mn-ea"/>
-                <a:cs typeface="+mn-cs"/>
-              </a:defRPr>
-            </a:lvl7pPr>
-            <a:lvl8pPr marL="3200400" algn="l" defTabSz="914400" rtl="0" eaLnBrk="1" latinLnBrk="0" hangingPunct="1">
-              <a:defRPr sz="1800" kern="1200">
-                <a:solidFill>
-                  <a:schemeClr val="tx1"/>
-                </a:solidFill>
-                <a:latin typeface="+mn-lt"/>
-                <a:ea typeface="+mn-ea"/>
-                <a:cs typeface="+mn-cs"/>
-              </a:defRPr>
-            </a:lvl8pPr>
-            <a:lvl9pPr marL="3657600" algn="l" defTabSz="914400" rtl="0" eaLnBrk="1" latinLnBrk="0" hangingPunct="1">
-              <a:defRPr sz="1800" kern="1200">
-                <a:solidFill>
-                  <a:schemeClr val="tx1"/>
-                </a:solidFill>
-                <a:latin typeface="+mn-lt"/>
-                <a:ea typeface="+mn-ea"/>
-                <a:cs typeface="+mn-cs"/>
-              </a:defRPr>
-            </a:lvl9pPr>
-          </a:lstStyle>
-          <a:p>
-            <a:r>
-              <a:rPr lang="ko-KR" altLang="en-US"/>
-              <a:t>설명 자료</a:t>
-            </a:r>
-          </a:p>
-        </p:txBody>
-      </p:sp>
-      <p:sp>
-        <p:nvSpPr>
-          <p:cNvPr id="10" name="슬라이드 번호 개체 틀 8">
-            <a:extLst>
-              <a:ext uri="{FF2B5EF4-FFF2-40B4-BE49-F238E27FC236}">
-                <a16:creationId xmlns:a16="http://schemas.microsoft.com/office/drawing/2014/main" id="{863CB896-E382-011F-5548-7AC4CE68AEEF}"/>
-              </a:ext>
-            </a:extLst>
-          </p:cNvPr>
-          <p:cNvSpPr txBox="1">
-            <a:spLocks/>
-          </p:cNvSpPr>
-          <p:nvPr/>
-        </p:nvSpPr>
-        <p:spPr>
-          <a:xfrm>
-            <a:off x="8610600" y="6356350"/>
-            <a:ext cx="2743200" cy="365125"/>
-          </a:xfrm>
-          <a:prstGeom prst="rect">
-            <a:avLst/>
-          </a:prstGeom>
-        </p:spPr>
-        <p:txBody>
-          <a:bodyPr vert="horz" lIns="91440" tIns="45720" rIns="91440" bIns="45720" rtlCol="0" anchor="ctr"/>
-          <a:lstStyle>
-            <a:defPPr rtl="0">
-              <a:defRPr lang="ko-KR"/>
-            </a:defPPr>
-            <a:lvl1pPr marL="0" algn="r" defTabSz="914400" rtl="0" eaLnBrk="1" latinLnBrk="0" hangingPunct="1">
-              <a:defRPr sz="900" kern="1200">
-                <a:solidFill>
-                  <a:schemeClr val="tx1">
-                    <a:tint val="75000"/>
-                  </a:schemeClr>
-                </a:solidFill>
-                <a:latin typeface="맑은 고딕" panose="020B0503020000020004" pitchFamily="50" charset="-127"/>
-                <a:ea typeface="맑은 고딕" panose="020B0503020000020004" pitchFamily="50" charset="-127"/>
-                <a:cs typeface="+mn-cs"/>
-              </a:defRPr>
-            </a:lvl1pPr>
-            <a:lvl2pPr marL="457200" algn="l" defTabSz="914400" rtl="0" eaLnBrk="1" latinLnBrk="0" hangingPunct="1">
-              <a:defRPr sz="1800" kern="1200">
-                <a:solidFill>
-                  <a:schemeClr val="tx1"/>
-                </a:solidFill>
-                <a:latin typeface="+mn-lt"/>
-                <a:ea typeface="+mn-ea"/>
-                <a:cs typeface="+mn-cs"/>
-              </a:defRPr>
-            </a:lvl2pPr>
-            <a:lvl3pPr marL="914400" algn="l" defTabSz="914400" rtl="0" eaLnBrk="1" latinLnBrk="0" hangingPunct="1">
-              <a:defRPr sz="1800" kern="1200">
-                <a:solidFill>
-                  <a:schemeClr val="tx1"/>
-                </a:solidFill>
-                <a:latin typeface="+mn-lt"/>
-                <a:ea typeface="+mn-ea"/>
-                <a:cs typeface="+mn-cs"/>
-              </a:defRPr>
-            </a:lvl3pPr>
-            <a:lvl4pPr marL="1371600" algn="l" defTabSz="914400" rtl="0" eaLnBrk="1" latinLnBrk="0" hangingPunct="1">
-              <a:defRPr sz="1800" kern="1200">
-                <a:solidFill>
-                  <a:schemeClr val="tx1"/>
-                </a:solidFill>
-                <a:latin typeface="+mn-lt"/>
-                <a:ea typeface="+mn-ea"/>
-                <a:cs typeface="+mn-cs"/>
-              </a:defRPr>
-            </a:lvl4pPr>
-            <a:lvl5pPr marL="1828800" algn="l" defTabSz="914400" rtl="0" eaLnBrk="1" latinLnBrk="0" hangingPunct="1">
-              <a:defRPr sz="1800" kern="1200">
-                <a:solidFill>
-                  <a:schemeClr val="tx1"/>
-                </a:solidFill>
-                <a:latin typeface="+mn-lt"/>
-                <a:ea typeface="+mn-ea"/>
-                <a:cs typeface="+mn-cs"/>
-              </a:defRPr>
-            </a:lvl5pPr>
-            <a:lvl6pPr marL="2286000" algn="l" defTabSz="914400" rtl="0" eaLnBrk="1" latinLnBrk="0" hangingPunct="1">
-              <a:defRPr sz="1800" kern="1200">
-                <a:solidFill>
-                  <a:schemeClr val="tx1"/>
-                </a:solidFill>
-                <a:latin typeface="+mn-lt"/>
-                <a:ea typeface="+mn-ea"/>
-                <a:cs typeface="+mn-cs"/>
-              </a:defRPr>
-            </a:lvl6pPr>
-            <a:lvl7pPr marL="2743200" algn="l" defTabSz="914400" rtl="0" eaLnBrk="1" latinLnBrk="0" hangingPunct="1">
-              <a:defRPr sz="1800" kern="1200">
-                <a:solidFill>
-                  <a:schemeClr val="tx1"/>
-                </a:solidFill>
-                <a:latin typeface="+mn-lt"/>
-                <a:ea typeface="+mn-ea"/>
-                <a:cs typeface="+mn-cs"/>
-              </a:defRPr>
-            </a:lvl7pPr>
-            <a:lvl8pPr marL="3200400" algn="l" defTabSz="914400" rtl="0" eaLnBrk="1" latinLnBrk="0" hangingPunct="1">
-              <a:defRPr sz="1800" kern="1200">
-                <a:solidFill>
-                  <a:schemeClr val="tx1"/>
-                </a:solidFill>
-                <a:latin typeface="+mn-lt"/>
-                <a:ea typeface="+mn-ea"/>
-                <a:cs typeface="+mn-cs"/>
-              </a:defRPr>
-            </a:lvl8pPr>
-            <a:lvl9pPr marL="3657600" algn="l" defTabSz="914400" rtl="0" eaLnBrk="1" latinLnBrk="0" hangingPunct="1">
-              <a:defRPr sz="1800" kern="1200">
-                <a:solidFill>
-                  <a:schemeClr val="tx1"/>
-                </a:solidFill>
-                <a:latin typeface="+mn-lt"/>
-                <a:ea typeface="+mn-ea"/>
-                <a:cs typeface="+mn-cs"/>
-              </a:defRPr>
-            </a:lvl9pPr>
-          </a:lstStyle>
-          <a:p>
-            <a:fld id="{B5CEABB6-07DC-46E8-9B57-56EC44A396E5}" type="slidenum">
-              <a:rPr lang="en-US" altLang="ko-KR" smtClean="0"/>
-              <a:pPr/>
-              <a:t>22</a:t>
-            </a:fld>
-            <a:endParaRPr lang="ko-KR" altLang="en-US"/>
-          </a:p>
-        </p:txBody>
-      </p:sp>
-      <p:sp>
-        <p:nvSpPr>
-          <p:cNvPr id="14" name="TextBox 13">
-            <a:extLst>
-              <a:ext uri="{FF2B5EF4-FFF2-40B4-BE49-F238E27FC236}">
-                <a16:creationId xmlns:a16="http://schemas.microsoft.com/office/drawing/2014/main" id="{B9BC5320-DED6-6887-6ED0-E59D3B278C95}"/>
-              </a:ext>
-            </a:extLst>
-          </p:cNvPr>
-          <p:cNvSpPr txBox="1"/>
-          <p:nvPr/>
-        </p:nvSpPr>
-        <p:spPr>
-          <a:xfrm>
-            <a:off x="369125" y="3105834"/>
-            <a:ext cx="11453750" cy="646331"/>
-          </a:xfrm>
-          <a:prstGeom prst="rect">
-            <a:avLst/>
-          </a:prstGeom>
-          <a:noFill/>
-        </p:spPr>
-        <p:txBody>
-          <a:bodyPr wrap="square" rtlCol="0">
-            <a:spAutoFit/>
-          </a:bodyPr>
-          <a:lstStyle/>
-          <a:p>
-            <a:r>
-              <a:rPr lang="ko-KR" altLang="en-US" dirty="0"/>
-              <a:t>한 공정 설비에서 </a:t>
-            </a:r>
-            <a:r>
-              <a:rPr lang="en-US" altLang="ko-KR" dirty="0"/>
-              <a:t>2</a:t>
-            </a:r>
-            <a:r>
-              <a:rPr lang="ko-KR" altLang="en-US" dirty="0"/>
-              <a:t>개 이상의 통로로 보낼 때 혹은 트랙 </a:t>
-            </a:r>
-            <a:r>
-              <a:rPr lang="en-US" altLang="ko-KR" dirty="0"/>
-              <a:t>2</a:t>
-            </a:r>
-            <a:r>
-              <a:rPr lang="ko-KR" altLang="en-US" dirty="0"/>
-              <a:t>개를 받는 설비로 물건을 </a:t>
-            </a:r>
-            <a:r>
-              <a:rPr lang="ko-KR" altLang="en-US" dirty="0" err="1"/>
-              <a:t>보낼때</a:t>
-            </a:r>
-            <a:r>
-              <a:rPr lang="ko-KR" altLang="en-US" dirty="0"/>
-              <a:t> </a:t>
-            </a:r>
-            <a:r>
-              <a:rPr lang="en-US" altLang="ko-KR" dirty="0" err="1"/>
-              <a:t>ReadyMap</a:t>
-            </a:r>
-            <a:r>
-              <a:rPr lang="ko-KR" altLang="en-US" dirty="0"/>
-              <a:t>을 통해 제품을 보낼 수 있는지 파악하여 제품을 보내도록 구현</a:t>
-            </a:r>
+            <a:endParaRPr lang="ko-KR" altLang="en-ZA"/>
           </a:p>
         </p:txBody>
       </p:sp>
     </p:spTree>
     <p:extLst>
       <p:ext uri="{BB962C8B-B14F-4D97-AF65-F5344CB8AC3E}">
-        <p14:creationId xmlns:p14="http://schemas.microsoft.com/office/powerpoint/2010/main" val="470802483"/>
+        <p14:creationId xmlns:p14="http://schemas.microsoft.com/office/powerpoint/2010/main" val="2122881571"/>
       </p:ext>
     </p:extLst>
   </p:cSld>
@@ -31811,10 +30913,13 @@
       </p:grpSpPr>
       <p:sp>
         <p:nvSpPr>
-          <p:cNvPr id="15" name="제목 1">
-            <a:extLst>
-              <a:ext uri="{FF2B5EF4-FFF2-40B4-BE49-F238E27FC236}">
-                <a16:creationId xmlns:a16="http://schemas.microsoft.com/office/drawing/2014/main" id="{986F3EDD-0B41-3A86-823F-CD7D28AE3591}"/>
+          <p:cNvPr id="2" name="제목 1">
+            <a:extLst>
+              <a:ext uri="{FF2B5EF4-FFF2-40B4-BE49-F238E27FC236}">
+                <a16:creationId xmlns:a16="http://schemas.microsoft.com/office/drawing/2014/main" id="{6719F29B-F233-48AF-8261-F33A4E079E3E}"/>
+              </a:ext>
+              <a:ext uri="{C183D7F6-B498-43B3-948B-1728B52AA6E4}">
+                <adec:decorative xmlns:adec="http://schemas.microsoft.com/office/drawing/2017/decorative" val="0"/>
               </a:ext>
             </a:extLst>
           </p:cNvPr>
@@ -31827,14 +30932,15 @@
         </p:nvSpPr>
         <p:spPr>
           <a:xfrm>
-            <a:off x="838800" y="0"/>
-            <a:ext cx="10515600" cy="1325563"/>
-          </a:xfrm>
-        </p:spPr>
-        <p:txBody>
-          <a:bodyPr/>
+            <a:off x="432000" y="1746000"/>
+            <a:ext cx="6155321" cy="970537"/>
+          </a:xfrm>
+        </p:spPr>
+        <p:txBody>
+          <a:bodyPr rtlCol="0"/>
           <a:lstStyle/>
           <a:p>
+            <a:pPr rtl="0"/>
             <a:r>
               <a:rPr lang="ko-KR" altLang="en-US" dirty="0"/>
               <a:t>현재 설비에서 다음 설비 결정</a:t>
@@ -31847,16 +30953,138 @@
               <a:rPr lang="en-US" altLang="ko-KR" dirty="0" err="1"/>
               <a:t>m_whereTargetPk</a:t>
             </a:r>
-            <a:endParaRPr lang="en-US" altLang="ko-KR" dirty="0"/>
-          </a:p>
-        </p:txBody>
-      </p:sp>
-      <p:sp>
-        <p:nvSpPr>
-          <p:cNvPr id="16" name="날짜 개체 틀 6">
-            <a:extLst>
-              <a:ext uri="{FF2B5EF4-FFF2-40B4-BE49-F238E27FC236}">
-                <a16:creationId xmlns:a16="http://schemas.microsoft.com/office/drawing/2014/main" id="{A892B8D4-B171-9A5D-43CE-E2DE1F7D7A67}"/>
+            <a:endParaRPr lang="ko-KR" altLang="en-US" dirty="0"/>
+          </a:p>
+        </p:txBody>
+      </p:sp>
+      <p:sp>
+        <p:nvSpPr>
+          <p:cNvPr id="3" name="부제목 2">
+            <a:extLst>
+              <a:ext uri="{FF2B5EF4-FFF2-40B4-BE49-F238E27FC236}">
+                <a16:creationId xmlns:a16="http://schemas.microsoft.com/office/drawing/2014/main" id="{35E3EA69-4E0E-41BD-8095-A124225A2647}"/>
+              </a:ext>
+              <a:ext uri="{C183D7F6-B498-43B3-948B-1728B52AA6E4}">
+                <adec:decorative xmlns:adec="http://schemas.microsoft.com/office/drawing/2017/decorative" val="0"/>
+              </a:ext>
+            </a:extLst>
+          </p:cNvPr>
+          <p:cNvSpPr>
+            <a:spLocks noGrp="1"/>
+          </p:cNvSpPr>
+          <p:nvPr>
+            <p:ph idx="1"/>
+          </p:nvPr>
+        </p:nvSpPr>
+        <p:spPr>
+          <a:xfrm>
+            <a:off x="610080" y="2877877"/>
+            <a:ext cx="3770936" cy="2519363"/>
+          </a:xfrm>
+        </p:spPr>
+        <p:txBody>
+          <a:bodyPr rtlCol="0">
+            <a:normAutofit/>
+          </a:bodyPr>
+          <a:lstStyle/>
+          <a:p>
+            <a:r>
+              <a:rPr lang="ko-KR" altLang="en-US" dirty="0"/>
+              <a:t>제품을 보낼 수 있는 트랙이 </a:t>
+            </a:r>
+            <a:r>
+              <a:rPr lang="en-US" altLang="ko-KR" dirty="0"/>
+              <a:t>2</a:t>
+            </a:r>
+            <a:r>
+              <a:rPr lang="ko-KR" altLang="en-US" dirty="0"/>
+              <a:t>개 이상일 경우 </a:t>
+            </a:r>
+            <a:r>
+              <a:rPr lang="en-US" altLang="ko-KR" dirty="0" err="1"/>
+              <a:t>ReadyMap</a:t>
+            </a:r>
+            <a:r>
+              <a:rPr lang="en-US" altLang="ko-KR" dirty="0"/>
+              <a:t> </a:t>
+            </a:r>
+            <a:r>
+              <a:rPr lang="ko-KR" altLang="en-US" dirty="0"/>
+              <a:t>여부를 파악하여 한 트랙을 지정해서 제품을 보냄</a:t>
+            </a:r>
+            <a:r>
+              <a:rPr lang="en-US" altLang="ko-KR" dirty="0"/>
+              <a:t>. </a:t>
+            </a:r>
+          </a:p>
+          <a:p>
+            <a:r>
+              <a:rPr lang="en-US" altLang="ko-KR" dirty="0" err="1"/>
+              <a:t>ReadyMap</a:t>
+            </a:r>
+            <a:r>
+              <a:rPr lang="ko-KR" altLang="en-US" dirty="0"/>
+              <a:t>이 </a:t>
+            </a:r>
+            <a:r>
+              <a:rPr lang="en-US" altLang="ko-KR" dirty="0"/>
+              <a:t>true</a:t>
+            </a:r>
+            <a:r>
+              <a:rPr lang="ko-KR" altLang="en-US" dirty="0"/>
+              <a:t>인 트랙이 </a:t>
+            </a:r>
+            <a:r>
+              <a:rPr lang="en-US" altLang="ko-KR" dirty="0"/>
+              <a:t>2</a:t>
+            </a:r>
+            <a:r>
+              <a:rPr lang="ko-KR" altLang="en-US" dirty="0"/>
+              <a:t>개 </a:t>
+            </a:r>
+            <a:r>
+              <a:rPr lang="ko-KR" altLang="en-US" dirty="0" err="1"/>
+              <a:t>이상일경우</a:t>
+            </a:r>
+            <a:r>
+              <a:rPr lang="ko-KR" altLang="en-US" dirty="0"/>
+              <a:t> 가장 적게 보낸 트랙으로 보냄</a:t>
+            </a:r>
+            <a:r>
+              <a:rPr lang="en-US" altLang="ko-KR" dirty="0"/>
+              <a:t>. </a:t>
+            </a:r>
+          </a:p>
+          <a:p>
+            <a:r>
+              <a:rPr lang="en-US" altLang="ko-KR" dirty="0"/>
+              <a:t>Receive::</a:t>
+            </a:r>
+            <a:r>
+              <a:rPr lang="en-US" altLang="ko-KR" dirty="0" err="1"/>
+              <a:t>ExtTransFn</a:t>
+            </a:r>
+            <a:r>
+              <a:rPr lang="ko-KR" altLang="en-US" dirty="0"/>
+              <a:t>에서 받을 트랙이 현재 트랙일 경우 제품을 </a:t>
+            </a:r>
+            <a:r>
+              <a:rPr lang="ko-KR" altLang="en-US" dirty="0" err="1"/>
+              <a:t>받는걸로</a:t>
+            </a:r>
+            <a:r>
+              <a:rPr lang="ko-KR" altLang="en-US" dirty="0"/>
+              <a:t> 구현 </a:t>
+            </a:r>
+          </a:p>
+        </p:txBody>
+      </p:sp>
+      <p:sp>
+        <p:nvSpPr>
+          <p:cNvPr id="6" name="날짜 개체 틀 5">
+            <a:extLst>
+              <a:ext uri="{FF2B5EF4-FFF2-40B4-BE49-F238E27FC236}">
+                <a16:creationId xmlns:a16="http://schemas.microsoft.com/office/drawing/2014/main" id="{B69DF042-37C5-4E09-AA4C-AA66649C9533}"/>
               </a:ext>
             </a:extLst>
           </p:cNvPr>
@@ -31869,35 +31097,32 @@
         </p:nvSpPr>
         <p:spPr>
           <a:xfrm>
-            <a:off x="838200" y="6356350"/>
-            <a:ext cx="2743200" cy="365125"/>
-          </a:xfrm>
-        </p:spPr>
-        <p:txBody>
-          <a:bodyPr/>
+            <a:off x="1333500" y="6356350"/>
+            <a:ext cx="985157" cy="365125"/>
+          </a:xfrm>
+        </p:spPr>
+        <p:txBody>
+          <a:bodyPr rtlCol="0"/>
           <a:lstStyle/>
           <a:p>
-            <a:r>
-              <a:rPr lang="en-US" altLang="ko-KR" noProof="0"/>
+            <a:pPr rtl="0"/>
+            <a:r>
+              <a:rPr lang="en-US" altLang="ko-KR"/>
               <a:t>20XX</a:t>
             </a:r>
             <a:r>
-              <a:rPr lang="ko-KR" altLang="en-US" noProof="0"/>
+              <a:rPr lang="ko-KR" altLang="en-US"/>
               <a:t>년</a:t>
             </a:r>
-            <a:endParaRPr lang="ko-KR" altLang="en-US" noProof="0">
-              <a:latin typeface="맑은 고딕" panose="020B0503020000020004" pitchFamily="50" charset="-127"/>
-              <a:ea typeface="맑은 고딕" panose="020B0503020000020004" pitchFamily="50" charset="-127"/>
-            </a:endParaRPr>
-          </a:p>
-        </p:txBody>
-      </p:sp>
-      <p:sp>
-        <p:nvSpPr>
-          <p:cNvPr id="17" name="바닥글 개체 틀 7">
-            <a:extLst>
-              <a:ext uri="{FF2B5EF4-FFF2-40B4-BE49-F238E27FC236}">
-                <a16:creationId xmlns:a16="http://schemas.microsoft.com/office/drawing/2014/main" id="{5A6C02ED-23BF-8B6A-34CF-B0C8C34F5C8C}"/>
+          </a:p>
+        </p:txBody>
+      </p:sp>
+      <p:sp>
+        <p:nvSpPr>
+          <p:cNvPr id="5" name="바닥글 개체 틀 4">
+            <a:extLst>
+              <a:ext uri="{FF2B5EF4-FFF2-40B4-BE49-F238E27FC236}">
+                <a16:creationId xmlns:a16="http://schemas.microsoft.com/office/drawing/2014/main" id="{AF29EA23-F34E-486A-B8B2-0C3019266975}"/>
               </a:ext>
             </a:extLst>
           </p:cNvPr>
@@ -31910,31 +31135,28 @@
         </p:nvSpPr>
         <p:spPr>
           <a:xfrm>
-            <a:off x="4038600" y="6356350"/>
-            <a:ext cx="4114800" cy="365125"/>
-          </a:xfrm>
-        </p:spPr>
-        <p:txBody>
-          <a:bodyPr/>
+            <a:off x="2669886" y="6356349"/>
+            <a:ext cx="2482842" cy="365125"/>
+          </a:xfrm>
+        </p:spPr>
+        <p:txBody>
+          <a:bodyPr rtlCol="0"/>
           <a:lstStyle/>
           <a:p>
-            <a:r>
-              <a:rPr lang="ko-KR" altLang="en-US" noProof="0" dirty="0"/>
+            <a:pPr rtl="0"/>
+            <a:r>
+              <a:rPr lang="ko-KR" altLang="en-US"/>
               <a:t>설명 자료</a:t>
             </a:r>
-            <a:endParaRPr lang="ko-KR" altLang="en-US" noProof="0" dirty="0">
-              <a:latin typeface="맑은 고딕" panose="020B0503020000020004" pitchFamily="50" charset="-127"/>
-              <a:ea typeface="맑은 고딕" panose="020B0503020000020004" pitchFamily="50" charset="-127"/>
-            </a:endParaRPr>
-          </a:p>
-        </p:txBody>
-      </p:sp>
-      <p:sp>
-        <p:nvSpPr>
-          <p:cNvPr id="18" name="슬라이드 번호 개체 틀 8">
-            <a:extLst>
-              <a:ext uri="{FF2B5EF4-FFF2-40B4-BE49-F238E27FC236}">
-                <a16:creationId xmlns:a16="http://schemas.microsoft.com/office/drawing/2014/main" id="{18C80236-2FA9-A509-7CF5-79B637CD21C8}"/>
+          </a:p>
+        </p:txBody>
+      </p:sp>
+      <p:sp>
+        <p:nvSpPr>
+          <p:cNvPr id="4" name="슬라이드 번호 개체 틀 3">
+            <a:extLst>
+              <a:ext uri="{FF2B5EF4-FFF2-40B4-BE49-F238E27FC236}">
+                <a16:creationId xmlns:a16="http://schemas.microsoft.com/office/drawing/2014/main" id="{328F602C-7F98-4C02-99D4-ED65E00D66A4}"/>
               </a:ext>
             </a:extLst>
           </p:cNvPr>
@@ -31947,146 +31169,28 @@
         </p:nvSpPr>
         <p:spPr>
           <a:xfrm>
-            <a:off x="8610600" y="6356350"/>
-            <a:ext cx="2743200" cy="365125"/>
-          </a:xfrm>
-        </p:spPr>
-        <p:txBody>
-          <a:bodyPr/>
+            <a:off x="5536305" y="6356350"/>
+            <a:ext cx="987552" cy="365125"/>
+          </a:xfrm>
+        </p:spPr>
+        <p:txBody>
+          <a:bodyPr rtlCol="0"/>
           <a:lstStyle/>
           <a:p>
-            <a:fld id="{B5CEABB6-07DC-46E8-9B57-56EC44A396E5}" type="slidenum">
-              <a:rPr lang="en-US" altLang="ko-KR" noProof="0" smtClean="0"/>
-              <a:pPr/>
+            <a:pPr rtl="0"/>
+            <a:fld id="{19B51A1E-902D-48AF-9020-955120F399B6}" type="slidenum">
+              <a:rPr lang="en-ZA" altLang="ko-KR" smtClean="0"/>
+              <a:pPr rtl="0"/>
               <a:t>26</a:t>
             </a:fld>
-            <a:endParaRPr lang="ko-KR" altLang="en-US" noProof="0">
-              <a:latin typeface="맑은 고딕" panose="020B0503020000020004" pitchFamily="50" charset="-127"/>
-              <a:ea typeface="맑은 고딕" panose="020B0503020000020004" pitchFamily="50" charset="-127"/>
-            </a:endParaRPr>
-          </a:p>
-        </p:txBody>
-      </p:sp>
-      <p:sp>
-        <p:nvSpPr>
-          <p:cNvPr id="21" name="TextBox 20">
-            <a:extLst>
-              <a:ext uri="{FF2B5EF4-FFF2-40B4-BE49-F238E27FC236}">
-                <a16:creationId xmlns:a16="http://schemas.microsoft.com/office/drawing/2014/main" id="{9C334FB6-DA9B-C76E-78B0-55A7B8D1144F}"/>
-              </a:ext>
-            </a:extLst>
-          </p:cNvPr>
-          <p:cNvSpPr txBox="1"/>
-          <p:nvPr/>
-        </p:nvSpPr>
-        <p:spPr>
-          <a:xfrm>
-            <a:off x="438793" y="2967335"/>
-            <a:ext cx="11314414" cy="923330"/>
-          </a:xfrm>
-          <a:prstGeom prst="rect">
-            <a:avLst/>
-          </a:prstGeom>
-          <a:noFill/>
-        </p:spPr>
-        <p:txBody>
-          <a:bodyPr wrap="square" rtlCol="0">
-            <a:spAutoFit/>
-          </a:bodyPr>
-          <a:lstStyle/>
-          <a:p>
-            <a:r>
-              <a:rPr lang="ko-KR" altLang="en-US" dirty="0"/>
-              <a:t>제품을 보낼 수 있는 트랙이 </a:t>
-            </a:r>
-            <a:r>
-              <a:rPr lang="en-US" altLang="ko-KR" dirty="0"/>
-              <a:t>2</a:t>
-            </a:r>
-            <a:r>
-              <a:rPr lang="ko-KR" altLang="en-US" dirty="0"/>
-              <a:t>개 이상일 경우 </a:t>
-            </a:r>
-            <a:r>
-              <a:rPr lang="en-US" altLang="ko-KR" dirty="0" err="1"/>
-              <a:t>ReadyMap</a:t>
-            </a:r>
-            <a:r>
-              <a:rPr lang="en-US" altLang="ko-KR" dirty="0"/>
-              <a:t> </a:t>
-            </a:r>
-            <a:r>
-              <a:rPr lang="ko-KR" altLang="en-US" dirty="0"/>
-              <a:t>여부를 파악하여 한 트랙을 지정해서 제품을 보냄</a:t>
-            </a:r>
-            <a:endParaRPr lang="en-US" altLang="ko-KR" dirty="0"/>
-          </a:p>
-          <a:p>
-            <a:r>
-              <a:rPr lang="en-US" altLang="ko-KR" dirty="0" err="1"/>
-              <a:t>ReadyMap</a:t>
-            </a:r>
-            <a:r>
-              <a:rPr lang="ko-KR" altLang="en-US" dirty="0"/>
-              <a:t>이 </a:t>
-            </a:r>
-            <a:r>
-              <a:rPr lang="en-US" altLang="ko-KR" dirty="0"/>
-              <a:t>true</a:t>
-            </a:r>
-            <a:r>
-              <a:rPr lang="ko-KR" altLang="en-US" dirty="0"/>
-              <a:t>인 트랙이 </a:t>
-            </a:r>
-            <a:r>
-              <a:rPr lang="en-US" altLang="ko-KR" dirty="0"/>
-              <a:t>2</a:t>
-            </a:r>
-            <a:r>
-              <a:rPr lang="ko-KR" altLang="en-US" dirty="0"/>
-              <a:t>개 </a:t>
-            </a:r>
-            <a:r>
-              <a:rPr lang="ko-KR" altLang="en-US" dirty="0" err="1"/>
-              <a:t>이상일경우</a:t>
-            </a:r>
-            <a:r>
-              <a:rPr lang="ko-KR" altLang="en-US" dirty="0"/>
-              <a:t> 가장 적게 보낸 트랙으로 보냄</a:t>
-            </a:r>
-            <a:r>
-              <a:rPr lang="en-US" altLang="ko-KR" dirty="0"/>
-              <a:t>.</a:t>
-            </a:r>
-          </a:p>
-          <a:p>
-            <a:r>
-              <a:rPr lang="en-US" altLang="ko-KR" dirty="0"/>
-              <a:t>Receive::</a:t>
-            </a:r>
-            <a:r>
-              <a:rPr lang="en-US" altLang="ko-KR" dirty="0" err="1"/>
-              <a:t>ExtTransFn</a:t>
-            </a:r>
-            <a:r>
-              <a:rPr lang="ko-KR" altLang="en-US" dirty="0"/>
-              <a:t>에서 받을 트랙이 현재 트랙일 경우 제품을 </a:t>
-            </a:r>
-            <a:r>
-              <a:rPr lang="ko-KR" altLang="en-US" dirty="0" err="1"/>
-              <a:t>받는걸로</a:t>
-            </a:r>
-            <a:r>
-              <a:rPr lang="ko-KR" altLang="en-US" dirty="0"/>
-              <a:t> 구현 </a:t>
-            </a:r>
+            <a:endParaRPr lang="ko-KR" altLang="en-ZA"/>
           </a:p>
         </p:txBody>
       </p:sp>
     </p:spTree>
     <p:extLst>
       <p:ext uri="{BB962C8B-B14F-4D97-AF65-F5344CB8AC3E}">
-        <p14:creationId xmlns:p14="http://schemas.microsoft.com/office/powerpoint/2010/main" val="3300124463"/>
+        <p14:creationId xmlns:p14="http://schemas.microsoft.com/office/powerpoint/2010/main" val="727964854"/>
       </p:ext>
     </p:extLst>
   </p:cSld>
@@ -53420,25 +52524,6 @@
 </file>
 
 <file path=customXml/item1.xml><?xml version="1.0" encoding="utf-8"?>
-<p:properties xmlns:p="http://schemas.microsoft.com/office/2006/metadata/properties" xmlns:xsi="http://www.w3.org/2001/XMLSchema-instance" xmlns:pc="http://schemas.microsoft.com/office/infopath/2007/PartnerControls">
-  <documentManagement>
-    <_ip_UnifiedCompliancePolicyUIAction xmlns="http://schemas.microsoft.com/sharepoint/v3" xsi:nil="true"/>
-    <Image xmlns="71af3243-3dd4-4a8d-8c0d-dd76da1f02a5">
-      <Url xsi:nil="true"/>
-      <Description xsi:nil="true"/>
-    </Image>
-    <Status xmlns="71af3243-3dd4-4a8d-8c0d-dd76da1f02a5">Not started</Status>
-    <_ip_UnifiedCompliancePolicyProperties xmlns="http://schemas.microsoft.com/sharepoint/v3" xsi:nil="true"/>
-    <ImageTagsTaxHTField xmlns="71af3243-3dd4-4a8d-8c0d-dd76da1f02a5">
-      <Terms xmlns="http://schemas.microsoft.com/office/infopath/2007/PartnerControls"/>
-    </ImageTagsTaxHTField>
-    <TaxCatchAll xmlns="230e9df3-be65-4c73-a93b-d1236ebd677e"/>
-    <MediaServiceKeyPoints xmlns="71af3243-3dd4-4a8d-8c0d-dd76da1f02a5" xsi:nil="true"/>
-  </documentManagement>
-</p:properties>
-</file>
-
-<file path=customXml/item2.xml><?xml version="1.0" encoding="utf-8"?>
 <ct:contentTypeSchema xmlns:ct="http://schemas.microsoft.com/office/2006/metadata/contentType" xmlns:ma="http://schemas.microsoft.com/office/2006/metadata/properties/metaAttributes" ct:_="" ma:_="" ma:contentTypeName="Document" ma:contentTypeID="0x01010079F111ED35F8CC479449609E8A0923A6" ma:contentTypeVersion="20" ma:contentTypeDescription="Create a new document." ma:contentTypeScope="" ma:versionID="1267097ee5f5874adfcc408041ae252e">
   <xsd:schema xmlns:xsd="http://www.w3.org/2001/XMLSchema" xmlns:xs="http://www.w3.org/2001/XMLSchema" xmlns:p="http://schemas.microsoft.com/office/2006/metadata/properties" xmlns:ns1="http://schemas.microsoft.com/sharepoint/v3" xmlns:ns2="71af3243-3dd4-4a8d-8c0d-dd76da1f02a5" xmlns:ns3="16c05727-aa75-4e4a-9b5f-8a80a1165891" xmlns:ns4="230e9df3-be65-4c73-a93b-d1236ebd677e" targetNamespace="http://schemas.microsoft.com/office/2006/metadata/properties" ma:root="true" ma:fieldsID="395891a93df65b14727750f2c06c306c" ns1:_="" ns2:_="" ns3:_="" ns4:_="">
     <xsd:import namespace="http://schemas.microsoft.com/sharepoint/v3"/>
@@ -53714,7 +52799,7 @@
 </ct:contentTypeSchema>
 </file>
 
-<file path=customXml/item3.xml><?xml version="1.0" encoding="utf-8"?>
+<file path=customXml/item2.xml><?xml version="1.0" encoding="utf-8"?>
 <?mso-contentType ?>
 <FormTemplates xmlns="http://schemas.microsoft.com/sharepoint/v3/contenttype/forms">
   <Display>DocumentLibraryForm</Display>
@@ -53723,19 +52808,26 @@
 </FormTemplates>
 </file>
 
-<file path=customXml/itemProps1.xml><?xml version="1.0" encoding="utf-8"?>
-<ds:datastoreItem xmlns:ds="http://schemas.openxmlformats.org/officeDocument/2006/customXml" ds:itemID="{B5BA3906-9696-4247-AC0D-DD5C26B2A70A}">
-  <ds:schemaRefs>
-    <ds:schemaRef ds:uri="http://schemas.microsoft.com/office/2006/metadata/properties"/>
-    <ds:schemaRef ds:uri="http://schemas.microsoft.com/office/infopath/2007/PartnerControls"/>
-    <ds:schemaRef ds:uri="http://schemas.microsoft.com/sharepoint/v3"/>
-    <ds:schemaRef ds:uri="71af3243-3dd4-4a8d-8c0d-dd76da1f02a5"/>
-    <ds:schemaRef ds:uri="230e9df3-be65-4c73-a93b-d1236ebd677e"/>
-  </ds:schemaRefs>
-</ds:datastoreItem>
+<file path=customXml/item3.xml><?xml version="1.0" encoding="utf-8"?>
+<p:properties xmlns:p="http://schemas.microsoft.com/office/2006/metadata/properties" xmlns:xsi="http://www.w3.org/2001/XMLSchema-instance" xmlns:pc="http://schemas.microsoft.com/office/infopath/2007/PartnerControls">
+  <documentManagement>
+    <_ip_UnifiedCompliancePolicyUIAction xmlns="http://schemas.microsoft.com/sharepoint/v3" xsi:nil="true"/>
+    <Image xmlns="71af3243-3dd4-4a8d-8c0d-dd76da1f02a5">
+      <Url xsi:nil="true"/>
+      <Description xsi:nil="true"/>
+    </Image>
+    <Status xmlns="71af3243-3dd4-4a8d-8c0d-dd76da1f02a5">Not started</Status>
+    <_ip_UnifiedCompliancePolicyProperties xmlns="http://schemas.microsoft.com/sharepoint/v3" xsi:nil="true"/>
+    <ImageTagsTaxHTField xmlns="71af3243-3dd4-4a8d-8c0d-dd76da1f02a5">
+      <Terms xmlns="http://schemas.microsoft.com/office/infopath/2007/PartnerControls"/>
+    </ImageTagsTaxHTField>
+    <TaxCatchAll xmlns="230e9df3-be65-4c73-a93b-d1236ebd677e"/>
+    <MediaServiceKeyPoints xmlns="71af3243-3dd4-4a8d-8c0d-dd76da1f02a5" xsi:nil="true"/>
+  </documentManagement>
+</p:properties>
 </file>
 
-<file path=customXml/itemProps2.xml><?xml version="1.0" encoding="utf-8"?>
+<file path=customXml/itemProps1.xml><?xml version="1.0" encoding="utf-8"?>
 <ds:datastoreItem xmlns:ds="http://schemas.openxmlformats.org/officeDocument/2006/customXml" ds:itemID="{01E84A1C-2814-43A7-9448-348326113A45}">
   <ds:schemaRefs>
     <ds:schemaRef ds:uri="http://schemas.microsoft.com/office/2006/metadata/contentType"/>
@@ -53756,10 +52848,22 @@
 </ds:datastoreItem>
 </file>
 
-<file path=customXml/itemProps3.xml><?xml version="1.0" encoding="utf-8"?>
+<file path=customXml/itemProps2.xml><?xml version="1.0" encoding="utf-8"?>
 <ds:datastoreItem xmlns:ds="http://schemas.openxmlformats.org/officeDocument/2006/customXml" ds:itemID="{2D446390-8521-40A2-A462-EA068123BED9}">
   <ds:schemaRefs>
     <ds:schemaRef ds:uri="http://schemas.microsoft.com/sharepoint/v3/contenttype/forms"/>
+  </ds:schemaRefs>
+</ds:datastoreItem>
+</file>
+
+<file path=customXml/itemProps3.xml><?xml version="1.0" encoding="utf-8"?>
+<ds:datastoreItem xmlns:ds="http://schemas.openxmlformats.org/officeDocument/2006/customXml" ds:itemID="{B5BA3906-9696-4247-AC0D-DD5C26B2A70A}">
+  <ds:schemaRefs>
+    <ds:schemaRef ds:uri="http://schemas.microsoft.com/office/2006/metadata/properties"/>
+    <ds:schemaRef ds:uri="http://schemas.microsoft.com/office/infopath/2007/PartnerControls"/>
+    <ds:schemaRef ds:uri="http://schemas.microsoft.com/sharepoint/v3"/>
+    <ds:schemaRef ds:uri="71af3243-3dd4-4a8d-8c0d-dd76da1f02a5"/>
+    <ds:schemaRef ds:uri="230e9df3-be65-4c73-a93b-d1236ebd677e"/>
   </ds:schemaRefs>
 </ds:datastoreItem>
 </file>

--- a/문서/시나리오에 따른 공정 시뮬레이션 발표 - 박민준.pptx
+++ b/문서/시나리오에 따른 공정 시뮬레이션 발표 - 박민준.pptx
@@ -23472,6 +23472,14 @@
 <file path=ppt/slides/slide16.xml><?xml version="1.0" encoding="utf-8"?>
 <p:sld xmlns:a="http://schemas.openxmlformats.org/drawingml/2006/main" xmlns:r="http://schemas.openxmlformats.org/officeDocument/2006/relationships" xmlns:p="http://schemas.openxmlformats.org/presentationml/2006/main">
   <p:cSld>
+    <p:bg>
+      <p:bgPr>
+        <a:solidFill>
+          <a:schemeClr val="accent1"/>
+        </a:solidFill>
+        <a:effectLst/>
+      </p:bgPr>
+    </p:bg>
     <p:spTree>
       <p:nvGrpSpPr>
         <p:cNvPr id="1" name=""/>
@@ -23517,7 +23525,11 @@
           <a:p>
             <a:pPr rtl="0"/>
             <a:r>
-              <a:rPr lang="ko-KR" altLang="en-US" dirty="0"/>
+              <a:rPr lang="ko-KR" altLang="en-US" dirty="0">
+                <a:solidFill>
+                  <a:schemeClr val="tx1"/>
+                </a:solidFill>
+              </a:rPr>
               <a:t>결합 자동화</a:t>
             </a:r>
           </a:p>
@@ -23556,39 +23568,75 @@
           <a:p>
             <a:pPr algn="ctr"/>
             <a:r>
-              <a:rPr lang="ko-KR" altLang="en-US" dirty="0"/>
+              <a:rPr lang="ko-KR" altLang="en-US" dirty="0">
+                <a:solidFill>
+                  <a:schemeClr val="tx1"/>
+                </a:solidFill>
+              </a:rPr>
               <a:t>결합 모델을 시나리오별로 별도로 나누지 않아도 설비 현황을 나타내는</a:t>
             </a:r>
             <a:r>
-              <a:rPr lang="en-US" altLang="ko-KR" dirty="0" err="1"/>
+              <a:rPr lang="en-US" altLang="ko-KR" dirty="0" err="1">
+                <a:solidFill>
+                  <a:schemeClr val="tx1"/>
+                </a:solidFill>
+              </a:rPr>
               <a:t>object_list</a:t>
             </a:r>
             <a:r>
-              <a:rPr lang="ko-KR" altLang="en-US" dirty="0"/>
+              <a:rPr lang="ko-KR" altLang="en-US" dirty="0">
+                <a:solidFill>
+                  <a:schemeClr val="tx1"/>
+                </a:solidFill>
+              </a:rPr>
               <a:t>를 통해 </a:t>
             </a:r>
-            <a:endParaRPr lang="en-US" altLang="ko-KR" dirty="0"/>
+            <a:endParaRPr lang="en-US" altLang="ko-KR" dirty="0">
+              <a:solidFill>
+                <a:schemeClr val="tx1"/>
+              </a:solidFill>
+            </a:endParaRPr>
           </a:p>
           <a:p>
             <a:pPr algn="ctr"/>
             <a:r>
-              <a:rPr lang="ko-KR" altLang="en-US" dirty="0"/>
+              <a:rPr lang="ko-KR" altLang="en-US" dirty="0">
+                <a:solidFill>
+                  <a:schemeClr val="tx1"/>
+                </a:solidFill>
+              </a:rPr>
               <a:t>설비 개수를 파악하고 설비 각각의 결합을 나타내는 데이터베이스인 </a:t>
             </a:r>
             <a:r>
-              <a:rPr lang="en-US" altLang="ko-KR" dirty="0" err="1"/>
+              <a:rPr lang="en-US" altLang="ko-KR" dirty="0" err="1">
+                <a:solidFill>
+                  <a:schemeClr val="tx1"/>
+                </a:solidFill>
+              </a:rPr>
               <a:t>obj_coup_list</a:t>
             </a:r>
             <a:r>
-              <a:rPr lang="ko-KR" altLang="en-US" dirty="0"/>
+              <a:rPr lang="ko-KR" altLang="en-US" dirty="0">
+                <a:solidFill>
+                  <a:schemeClr val="tx1"/>
+                </a:solidFill>
+              </a:rPr>
               <a:t>를 통해 </a:t>
             </a:r>
-            <a:endParaRPr lang="en-US" altLang="ko-KR" dirty="0"/>
+            <a:endParaRPr lang="en-US" altLang="ko-KR" dirty="0">
+              <a:solidFill>
+                <a:schemeClr val="tx1"/>
+              </a:solidFill>
+            </a:endParaRPr>
           </a:p>
           <a:p>
             <a:pPr algn="ctr"/>
             <a:r>
-              <a:rPr lang="ko-KR" altLang="en-US" dirty="0"/>
+              <a:rPr lang="ko-KR" altLang="en-US" dirty="0">
+                <a:solidFill>
+                  <a:schemeClr val="tx1"/>
+                </a:solidFill>
+              </a:rPr>
               <a:t>자동으로 결합하도록 코드 구현</a:t>
             </a:r>
           </a:p>
@@ -23718,6 +23766,14 @@
 <file path=ppt/slides/slide17.xml><?xml version="1.0" encoding="utf-8"?>
 <p:sld xmlns:a="http://schemas.openxmlformats.org/drawingml/2006/main" xmlns:r="http://schemas.openxmlformats.org/officeDocument/2006/relationships" xmlns:p="http://schemas.openxmlformats.org/presentationml/2006/main">
   <p:cSld>
+    <p:bg>
+      <p:bgPr>
+        <a:solidFill>
+          <a:schemeClr val="accent1"/>
+        </a:solidFill>
+        <a:effectLst/>
+      </p:bgPr>
+    </p:bg>
     <p:spTree>
       <p:nvGrpSpPr>
         <p:cNvPr id="1" name=""/>
@@ -24520,6 +24576,14 @@
 <file path=ppt/slides/slide18.xml><?xml version="1.0" encoding="utf-8"?>
 <p:sld xmlns:a="http://schemas.openxmlformats.org/drawingml/2006/main" xmlns:r="http://schemas.openxmlformats.org/officeDocument/2006/relationships" xmlns:p="http://schemas.openxmlformats.org/presentationml/2006/main">
   <p:cSld>
+    <p:bg>
+      <p:bgPr>
+        <a:solidFill>
+          <a:schemeClr val="accent1"/>
+        </a:solidFill>
+        <a:effectLst/>
+      </p:bgPr>
+    </p:bg>
     <p:spTree>
       <p:nvGrpSpPr>
         <p:cNvPr id="1" name=""/>
@@ -25153,6 +25217,14 @@
 <file path=ppt/slides/slide19.xml><?xml version="1.0" encoding="utf-8"?>
 <p:sld xmlns:a="http://schemas.openxmlformats.org/drawingml/2006/main" xmlns:r="http://schemas.openxmlformats.org/officeDocument/2006/relationships" xmlns:p="http://schemas.openxmlformats.org/presentationml/2006/main">
   <p:cSld>
+    <p:bg>
+      <p:bgPr>
+        <a:solidFill>
+          <a:schemeClr val="accent1"/>
+        </a:solidFill>
+        <a:effectLst/>
+      </p:bgPr>
+    </p:bg>
     <p:spTree>
       <p:nvGrpSpPr>
         <p:cNvPr id="1" name=""/>
@@ -25682,6 +25754,14 @@
 <file path=ppt/slides/slide20.xml><?xml version="1.0" encoding="utf-8"?>
 <p:sld xmlns:a="http://schemas.openxmlformats.org/drawingml/2006/main" xmlns:r="http://schemas.openxmlformats.org/officeDocument/2006/relationships" xmlns:p="http://schemas.openxmlformats.org/presentationml/2006/main">
   <p:cSld>
+    <p:bg>
+      <p:bgPr>
+        <a:solidFill>
+          <a:schemeClr val="accent1"/>
+        </a:solidFill>
+        <a:effectLst/>
+      </p:bgPr>
+    </p:bg>
     <p:spTree>
       <p:nvGrpSpPr>
         <p:cNvPr id="1" name=""/>
@@ -27366,6 +27446,14 @@
 <file path=ppt/slides/slide21.xml><?xml version="1.0" encoding="utf-8"?>
 <p:sld xmlns:a="http://schemas.openxmlformats.org/drawingml/2006/main" xmlns:r="http://schemas.openxmlformats.org/officeDocument/2006/relationships" xmlns:p="http://schemas.openxmlformats.org/presentationml/2006/main">
   <p:cSld>
+    <p:bg>
+      <p:bgPr>
+        <a:solidFill>
+          <a:schemeClr val="accent1"/>
+        </a:solidFill>
+        <a:effectLst/>
+      </p:bgPr>
+    </p:bg>
     <p:spTree>
       <p:nvGrpSpPr>
         <p:cNvPr id="1" name=""/>
@@ -28710,6 +28798,14 @@
 <file path=ppt/slides/slide22.xml><?xml version="1.0" encoding="utf-8"?>
 <p:sld xmlns:a="http://schemas.openxmlformats.org/drawingml/2006/main" xmlns:r="http://schemas.openxmlformats.org/officeDocument/2006/relationships" xmlns:p="http://schemas.openxmlformats.org/presentationml/2006/main">
   <p:cSld>
+    <p:bg>
+      <p:bgPr>
+        <a:solidFill>
+          <a:schemeClr val="accent1"/>
+        </a:solidFill>
+        <a:effectLst/>
+      </p:bgPr>
+    </p:bg>
     <p:spTree>
       <p:nvGrpSpPr>
         <p:cNvPr id="1" name=""/>
@@ -28755,26 +28851,50 @@
           <a:p>
             <a:pPr rtl="0"/>
             <a:r>
-              <a:rPr lang="ko-KR" altLang="en-US" dirty="0"/>
+              <a:rPr lang="ko-KR" altLang="en-US" dirty="0">
+                <a:solidFill>
+                  <a:schemeClr val="tx1"/>
+                </a:solidFill>
+              </a:rPr>
               <a:t>다음 설비가 </a:t>
             </a:r>
             <a:r>
-              <a:rPr lang="ko-KR" altLang="en-US" dirty="0" err="1"/>
+              <a:rPr lang="ko-KR" altLang="en-US" dirty="0" err="1">
+                <a:solidFill>
+                  <a:schemeClr val="tx1"/>
+                </a:solidFill>
+              </a:rPr>
               <a:t>받을수</a:t>
             </a:r>
             <a:r>
-              <a:rPr lang="ko-KR" altLang="en-US" dirty="0"/>
+              <a:rPr lang="ko-KR" altLang="en-US" dirty="0">
+                <a:solidFill>
+                  <a:schemeClr val="tx1"/>
+                </a:solidFill>
+              </a:rPr>
               <a:t> 있는지 결정</a:t>
             </a:r>
             <a:r>
-              <a:rPr lang="en-US" altLang="ko-KR" dirty="0"/>
+              <a:rPr lang="en-US" altLang="ko-KR" dirty="0">
+                <a:solidFill>
+                  <a:schemeClr val="tx1"/>
+                </a:solidFill>
+              </a:rPr>
               <a:t>? - </a:t>
             </a:r>
             <a:r>
-              <a:rPr lang="en-US" altLang="ko-KR" dirty="0" err="1"/>
+              <a:rPr lang="en-US" altLang="ko-KR" dirty="0" err="1">
+                <a:solidFill>
+                  <a:schemeClr val="tx1"/>
+                </a:solidFill>
+              </a:rPr>
               <a:t>ReadyMap</a:t>
             </a:r>
-            <a:endParaRPr lang="ko-KR" altLang="en-US" dirty="0"/>
+            <a:endParaRPr lang="ko-KR" altLang="en-US" dirty="0">
+              <a:solidFill>
+                <a:schemeClr val="tx1"/>
+              </a:solidFill>
+            </a:endParaRPr>
           </a:p>
         </p:txBody>
       </p:sp>
@@ -28810,39 +28930,75 @@
           <a:lstStyle/>
           <a:p>
             <a:r>
-              <a:rPr lang="ko-KR" altLang="en-US" dirty="0"/>
+              <a:rPr lang="ko-KR" altLang="en-US" dirty="0">
+                <a:solidFill>
+                  <a:schemeClr val="tx1"/>
+                </a:solidFill>
+              </a:rPr>
               <a:t>한 공정 설비에서 </a:t>
             </a:r>
             <a:r>
-              <a:rPr lang="en-US" altLang="ko-KR" dirty="0"/>
+              <a:rPr lang="en-US" altLang="ko-KR" dirty="0">
+                <a:solidFill>
+                  <a:schemeClr val="tx1"/>
+                </a:solidFill>
+              </a:rPr>
               <a:t>2</a:t>
             </a:r>
             <a:r>
-              <a:rPr lang="ko-KR" altLang="en-US" dirty="0"/>
+              <a:rPr lang="ko-KR" altLang="en-US" dirty="0">
+                <a:solidFill>
+                  <a:schemeClr val="tx1"/>
+                </a:solidFill>
+              </a:rPr>
               <a:t>개 이상의 통로로 보낼 때 혹은 트랙 </a:t>
             </a:r>
             <a:r>
-              <a:rPr lang="en-US" altLang="ko-KR" dirty="0"/>
+              <a:rPr lang="en-US" altLang="ko-KR" dirty="0">
+                <a:solidFill>
+                  <a:schemeClr val="tx1"/>
+                </a:solidFill>
+              </a:rPr>
               <a:t>2</a:t>
             </a:r>
             <a:r>
-              <a:rPr lang="ko-KR" altLang="en-US" dirty="0"/>
+              <a:rPr lang="ko-KR" altLang="en-US" dirty="0">
+                <a:solidFill>
+                  <a:schemeClr val="tx1"/>
+                </a:solidFill>
+              </a:rPr>
               <a:t>개를 받는 설비로 물건을 </a:t>
             </a:r>
             <a:r>
-              <a:rPr lang="ko-KR" altLang="en-US" dirty="0" err="1"/>
+              <a:rPr lang="ko-KR" altLang="en-US" dirty="0" err="1">
+                <a:solidFill>
+                  <a:schemeClr val="tx1"/>
+                </a:solidFill>
+              </a:rPr>
               <a:t>보낼때</a:t>
             </a:r>
             <a:r>
-              <a:rPr lang="ko-KR" altLang="en-US" dirty="0"/>
+              <a:rPr lang="ko-KR" altLang="en-US" dirty="0">
+                <a:solidFill>
+                  <a:schemeClr val="tx1"/>
+                </a:solidFill>
+              </a:rPr>
               <a:t> </a:t>
             </a:r>
             <a:r>
-              <a:rPr lang="en-US" altLang="ko-KR" dirty="0" err="1"/>
+              <a:rPr lang="en-US" altLang="ko-KR" dirty="0" err="1">
+                <a:solidFill>
+                  <a:schemeClr val="tx1"/>
+                </a:solidFill>
+              </a:rPr>
               <a:t>ReadyMap</a:t>
             </a:r>
             <a:r>
-              <a:rPr lang="ko-KR" altLang="en-US" dirty="0"/>
+              <a:rPr lang="ko-KR" altLang="en-US" dirty="0">
+                <a:solidFill>
+                  <a:schemeClr val="tx1"/>
+                </a:solidFill>
+              </a:rPr>
               <a:t>을 통해 제품을 보낼 수 있는지 파악하여 제품을 보내도록 구현</a:t>
             </a:r>
           </a:p>
@@ -28972,6 +29128,14 @@
 <file path=ppt/slides/slide23.xml><?xml version="1.0" encoding="utf-8"?>
 <p:sld xmlns:a="http://schemas.openxmlformats.org/drawingml/2006/main" xmlns:r="http://schemas.openxmlformats.org/officeDocument/2006/relationships" xmlns:p="http://schemas.openxmlformats.org/presentationml/2006/main">
   <p:cSld>
+    <p:bg>
+      <p:bgPr>
+        <a:solidFill>
+          <a:schemeClr val="accent1"/>
+        </a:solidFill>
+        <a:effectLst/>
+      </p:bgPr>
+    </p:bg>
     <p:spTree>
       <p:nvGrpSpPr>
         <p:cNvPr id="1" name=""/>
@@ -29289,6 +29453,14 @@
 <file path=ppt/slides/slide24.xml><?xml version="1.0" encoding="utf-8"?>
 <p:sld xmlns:a="http://schemas.openxmlformats.org/drawingml/2006/main" xmlns:r="http://schemas.openxmlformats.org/officeDocument/2006/relationships" xmlns:p="http://schemas.openxmlformats.org/presentationml/2006/main">
   <p:cSld>
+    <p:bg>
+      <p:bgPr>
+        <a:solidFill>
+          <a:schemeClr val="accent1"/>
+        </a:solidFill>
+        <a:effectLst/>
+      </p:bgPr>
+    </p:bg>
     <p:spTree>
       <p:nvGrpSpPr>
         <p:cNvPr id="1" name=""/>
@@ -29871,6 +30043,14 @@
 <file path=ppt/slides/slide25.xml><?xml version="1.0" encoding="utf-8"?>
 <p:sld xmlns:a="http://schemas.openxmlformats.org/drawingml/2006/main" xmlns:r="http://schemas.openxmlformats.org/officeDocument/2006/relationships" xmlns:p="http://schemas.openxmlformats.org/presentationml/2006/main">
   <p:cSld>
+    <p:bg>
+      <p:bgPr>
+        <a:solidFill>
+          <a:schemeClr val="accent1"/>
+        </a:solidFill>
+        <a:effectLst/>
+      </p:bgPr>
+    </p:bg>
     <p:spTree>
       <p:nvGrpSpPr>
         <p:cNvPr id="1" name=""/>
@@ -30056,6 +30236,12 @@
           <a:prstGeom prst="rect">
             <a:avLst/>
           </a:prstGeom>
+          <a:solidFill>
+            <a:schemeClr val="accent5">
+              <a:lumMod val="20000"/>
+              <a:lumOff val="80000"/>
+            </a:schemeClr>
+          </a:solidFill>
         </p:spPr>
         <p:style>
           <a:lnRef idx="2">
@@ -30295,6 +30481,12 @@
           <a:prstGeom prst="rect">
             <a:avLst/>
           </a:prstGeom>
+          <a:solidFill>
+            <a:schemeClr val="accent5">
+              <a:lumMod val="20000"/>
+              <a:lumOff val="80000"/>
+            </a:schemeClr>
+          </a:solidFill>
         </p:spPr>
         <p:style>
           <a:lnRef idx="2">
@@ -30476,6 +30668,12 @@
           <a:prstGeom prst="rect">
             <a:avLst/>
           </a:prstGeom>
+          <a:solidFill>
+            <a:schemeClr val="accent5">
+              <a:lumMod val="20000"/>
+              <a:lumOff val="80000"/>
+            </a:schemeClr>
+          </a:solidFill>
         </p:spPr>
         <p:style>
           <a:lnRef idx="2">
@@ -30720,6 +30918,12 @@
           <a:prstGeom prst="rect">
             <a:avLst/>
           </a:prstGeom>
+          <a:solidFill>
+            <a:schemeClr val="accent5">
+              <a:lumMod val="20000"/>
+              <a:lumOff val="80000"/>
+            </a:schemeClr>
+          </a:solidFill>
         </p:spPr>
         <p:style>
           <a:lnRef idx="2">
@@ -30897,6 +31101,14 @@
 <file path=ppt/slides/slide26.xml><?xml version="1.0" encoding="utf-8"?>
 <p:sld xmlns:a="http://schemas.openxmlformats.org/drawingml/2006/main" xmlns:r="http://schemas.openxmlformats.org/officeDocument/2006/relationships" xmlns:p="http://schemas.openxmlformats.org/presentationml/2006/main">
   <p:cSld>
+    <p:bg>
+      <p:bgPr>
+        <a:solidFill>
+          <a:schemeClr val="accent1"/>
+        </a:solidFill>
+        <a:effectLst/>
+      </p:bgPr>
+    </p:bg>
     <p:spTree>
       <p:nvGrpSpPr>
         <p:cNvPr id="1" name=""/>
@@ -30935,6 +31147,7 @@
             <a:off x="432000" y="1746000"/>
             <a:ext cx="6155321" cy="970537"/>
           </a:xfrm>
+          <a:noFill/>
         </p:spPr>
         <p:txBody>
           <a:bodyPr rtlCol="0"/>
@@ -30942,18 +31155,34 @@
           <a:p>
             <a:pPr rtl="0"/>
             <a:r>
-              <a:rPr lang="ko-KR" altLang="en-US" dirty="0"/>
+              <a:rPr lang="ko-KR" altLang="en-US" dirty="0">
+                <a:solidFill>
+                  <a:schemeClr val="tx1"/>
+                </a:solidFill>
+              </a:rPr>
               <a:t>현재 설비에서 다음 설비 결정</a:t>
             </a:r>
             <a:r>
-              <a:rPr lang="en-US" altLang="ko-KR" dirty="0"/>
+              <a:rPr lang="en-US" altLang="ko-KR" dirty="0">
+                <a:solidFill>
+                  <a:schemeClr val="tx1"/>
+                </a:solidFill>
+              </a:rPr>
               <a:t>-</a:t>
             </a:r>
             <a:r>
-              <a:rPr lang="en-US" altLang="ko-KR" dirty="0" err="1"/>
+              <a:rPr lang="en-US" altLang="ko-KR" dirty="0" err="1">
+                <a:solidFill>
+                  <a:schemeClr val="tx1"/>
+                </a:solidFill>
+              </a:rPr>
               <a:t>m_whereTargetPk</a:t>
             </a:r>
-            <a:endParaRPr lang="ko-KR" altLang="en-US" dirty="0"/>
+            <a:endParaRPr lang="ko-KR" altLang="en-US" dirty="0">
+              <a:solidFill>
+                <a:schemeClr val="tx1"/>
+              </a:solidFill>
+            </a:endParaRPr>
           </a:p>
         </p:txBody>
       </p:sp>
@@ -30989,91 +31218,175 @@
           <a:lstStyle/>
           <a:p>
             <a:r>
-              <a:rPr lang="ko-KR" altLang="en-US" dirty="0"/>
+              <a:rPr lang="ko-KR" altLang="en-US" dirty="0">
+                <a:solidFill>
+                  <a:schemeClr val="tx1"/>
+                </a:solidFill>
+              </a:rPr>
               <a:t>제품을 보낼 수 있는 트랙이 </a:t>
             </a:r>
             <a:r>
-              <a:rPr lang="en-US" altLang="ko-KR" dirty="0"/>
+              <a:rPr lang="en-US" altLang="ko-KR" dirty="0">
+                <a:solidFill>
+                  <a:schemeClr val="tx1"/>
+                </a:solidFill>
+              </a:rPr>
               <a:t>2</a:t>
             </a:r>
             <a:r>
-              <a:rPr lang="ko-KR" altLang="en-US" dirty="0"/>
+              <a:rPr lang="ko-KR" altLang="en-US" dirty="0">
+                <a:solidFill>
+                  <a:schemeClr val="tx1"/>
+                </a:solidFill>
+              </a:rPr>
               <a:t>개 이상일 경우 </a:t>
             </a:r>
             <a:r>
-              <a:rPr lang="en-US" altLang="ko-KR" dirty="0" err="1"/>
+              <a:rPr lang="en-US" altLang="ko-KR" dirty="0" err="1">
+                <a:solidFill>
+                  <a:schemeClr val="tx1"/>
+                </a:solidFill>
+              </a:rPr>
               <a:t>ReadyMap</a:t>
             </a:r>
             <a:r>
-              <a:rPr lang="en-US" altLang="ko-KR" dirty="0"/>
+              <a:rPr lang="en-US" altLang="ko-KR" dirty="0">
+                <a:solidFill>
+                  <a:schemeClr val="tx1"/>
+                </a:solidFill>
+              </a:rPr>
               <a:t> </a:t>
             </a:r>
             <a:r>
-              <a:rPr lang="ko-KR" altLang="en-US" dirty="0"/>
+              <a:rPr lang="ko-KR" altLang="en-US" dirty="0">
+                <a:solidFill>
+                  <a:schemeClr val="tx1"/>
+                </a:solidFill>
+              </a:rPr>
               <a:t>여부를 파악하여 한 트랙을 지정해서 제품을 보냄</a:t>
             </a:r>
             <a:r>
-              <a:rPr lang="en-US" altLang="ko-KR" dirty="0"/>
+              <a:rPr lang="en-US" altLang="ko-KR" dirty="0">
+                <a:solidFill>
+                  <a:schemeClr val="tx1"/>
+                </a:solidFill>
+              </a:rPr>
               <a:t>. </a:t>
             </a:r>
           </a:p>
           <a:p>
             <a:r>
-              <a:rPr lang="en-US" altLang="ko-KR" dirty="0" err="1"/>
+              <a:rPr lang="en-US" altLang="ko-KR" dirty="0" err="1">
+                <a:solidFill>
+                  <a:schemeClr val="tx1"/>
+                </a:solidFill>
+              </a:rPr>
               <a:t>ReadyMap</a:t>
             </a:r>
             <a:r>
-              <a:rPr lang="ko-KR" altLang="en-US" dirty="0"/>
+              <a:rPr lang="ko-KR" altLang="en-US" dirty="0">
+                <a:solidFill>
+                  <a:schemeClr val="tx1"/>
+                </a:solidFill>
+              </a:rPr>
               <a:t>이 </a:t>
             </a:r>
             <a:r>
-              <a:rPr lang="en-US" altLang="ko-KR" dirty="0"/>
+              <a:rPr lang="en-US" altLang="ko-KR" dirty="0">
+                <a:solidFill>
+                  <a:schemeClr val="tx1"/>
+                </a:solidFill>
+              </a:rPr>
               <a:t>true</a:t>
             </a:r>
             <a:r>
-              <a:rPr lang="ko-KR" altLang="en-US" dirty="0"/>
+              <a:rPr lang="ko-KR" altLang="en-US" dirty="0">
+                <a:solidFill>
+                  <a:schemeClr val="tx1"/>
+                </a:solidFill>
+              </a:rPr>
               <a:t>인 트랙이 </a:t>
             </a:r>
             <a:r>
-              <a:rPr lang="en-US" altLang="ko-KR" dirty="0"/>
+              <a:rPr lang="en-US" altLang="ko-KR" dirty="0">
+                <a:solidFill>
+                  <a:schemeClr val="tx1"/>
+                </a:solidFill>
+              </a:rPr>
               <a:t>2</a:t>
             </a:r>
             <a:r>
-              <a:rPr lang="ko-KR" altLang="en-US" dirty="0"/>
+              <a:rPr lang="ko-KR" altLang="en-US" dirty="0">
+                <a:solidFill>
+                  <a:schemeClr val="tx1"/>
+                </a:solidFill>
+              </a:rPr>
               <a:t>개 </a:t>
             </a:r>
             <a:r>
-              <a:rPr lang="ko-KR" altLang="en-US" dirty="0" err="1"/>
+              <a:rPr lang="ko-KR" altLang="en-US" dirty="0" err="1">
+                <a:solidFill>
+                  <a:schemeClr val="tx1"/>
+                </a:solidFill>
+              </a:rPr>
               <a:t>이상일경우</a:t>
             </a:r>
             <a:r>
-              <a:rPr lang="ko-KR" altLang="en-US" dirty="0"/>
+              <a:rPr lang="ko-KR" altLang="en-US" dirty="0">
+                <a:solidFill>
+                  <a:schemeClr val="tx1"/>
+                </a:solidFill>
+              </a:rPr>
               <a:t> 가장 적게 보낸 트랙으로 보냄</a:t>
             </a:r>
             <a:r>
-              <a:rPr lang="en-US" altLang="ko-KR" dirty="0"/>
+              <a:rPr lang="en-US" altLang="ko-KR" dirty="0">
+                <a:solidFill>
+                  <a:schemeClr val="tx1"/>
+                </a:solidFill>
+              </a:rPr>
               <a:t>. </a:t>
             </a:r>
           </a:p>
           <a:p>
             <a:r>
-              <a:rPr lang="en-US" altLang="ko-KR" dirty="0"/>
+              <a:rPr lang="en-US" altLang="ko-KR" dirty="0">
+                <a:solidFill>
+                  <a:schemeClr val="tx1"/>
+                </a:solidFill>
+              </a:rPr>
               <a:t>Receive::</a:t>
             </a:r>
             <a:r>
-              <a:rPr lang="en-US" altLang="ko-KR" dirty="0" err="1"/>
+              <a:rPr lang="en-US" altLang="ko-KR" dirty="0" err="1">
+                <a:solidFill>
+                  <a:schemeClr val="tx1"/>
+                </a:solidFill>
+              </a:rPr>
               <a:t>ExtTransFn</a:t>
             </a:r>
             <a:r>
-              <a:rPr lang="ko-KR" altLang="en-US" dirty="0"/>
+              <a:rPr lang="ko-KR" altLang="en-US" dirty="0">
+                <a:solidFill>
+                  <a:schemeClr val="tx1"/>
+                </a:solidFill>
+              </a:rPr>
               <a:t>에서 받을 트랙이 현재 트랙일 경우 제품을 </a:t>
             </a:r>
             <a:r>
-              <a:rPr lang="ko-KR" altLang="en-US" dirty="0" err="1"/>
+              <a:rPr lang="ko-KR" altLang="en-US" dirty="0" err="1">
+                <a:solidFill>
+                  <a:schemeClr val="tx1"/>
+                </a:solidFill>
+              </a:rPr>
               <a:t>받는걸로</a:t>
             </a:r>
             <a:r>
-              <a:rPr lang="ko-KR" altLang="en-US" dirty="0"/>
+              <a:rPr lang="ko-KR" altLang="en-US" dirty="0">
+                <a:solidFill>
+                  <a:schemeClr val="tx1"/>
+                </a:solidFill>
+              </a:rPr>
               <a:t> 구현 </a:t>
             </a:r>
           </a:p>
@@ -31203,6 +31516,14 @@
 <file path=ppt/slides/slide27.xml><?xml version="1.0" encoding="utf-8"?>
 <p:sld xmlns:a="http://schemas.openxmlformats.org/drawingml/2006/main" xmlns:r="http://schemas.openxmlformats.org/officeDocument/2006/relationships" xmlns:p="http://schemas.openxmlformats.org/presentationml/2006/main">
   <p:cSld>
+    <p:bg>
+      <p:bgPr>
+        <a:solidFill>
+          <a:schemeClr val="accent1"/>
+        </a:solidFill>
+        <a:effectLst/>
+      </p:bgPr>
+    </p:bg>
     <p:spTree>
       <p:nvGrpSpPr>
         <p:cNvPr id="1" name=""/>
@@ -31377,6 +31698,12 @@
           <a:prstGeom prst="rect">
             <a:avLst/>
           </a:prstGeom>
+          <a:solidFill>
+            <a:schemeClr val="accent5">
+              <a:lumMod val="20000"/>
+              <a:lumOff val="80000"/>
+            </a:schemeClr>
+          </a:solidFill>
         </p:spPr>
         <p:style>
           <a:lnRef idx="2">
@@ -31499,6 +31826,12 @@
           <a:prstGeom prst="rect">
             <a:avLst/>
           </a:prstGeom>
+          <a:solidFill>
+            <a:schemeClr val="accent5">
+              <a:lumMod val="20000"/>
+              <a:lumOff val="80000"/>
+            </a:schemeClr>
+          </a:solidFill>
         </p:spPr>
         <p:style>
           <a:lnRef idx="2">
@@ -31714,6 +32047,12 @@
           <a:prstGeom prst="rect">
             <a:avLst/>
           </a:prstGeom>
+          <a:solidFill>
+            <a:schemeClr val="accent5">
+              <a:lumMod val="20000"/>
+              <a:lumOff val="80000"/>
+            </a:schemeClr>
+          </a:solidFill>
         </p:spPr>
         <p:style>
           <a:lnRef idx="2">
@@ -31838,6 +32177,12 @@
           <a:prstGeom prst="rect">
             <a:avLst/>
           </a:prstGeom>
+          <a:solidFill>
+            <a:schemeClr val="accent5">
+              <a:lumMod val="20000"/>
+              <a:lumOff val="80000"/>
+            </a:schemeClr>
+          </a:solidFill>
         </p:spPr>
         <p:style>
           <a:lnRef idx="2">
@@ -32015,6 +32360,12 @@
           <a:prstGeom prst="rect">
             <a:avLst/>
           </a:prstGeom>
+          <a:solidFill>
+            <a:schemeClr val="accent5">
+              <a:lumMod val="20000"/>
+              <a:lumOff val="80000"/>
+            </a:schemeClr>
+          </a:solidFill>
         </p:spPr>
         <p:style>
           <a:lnRef idx="2">
@@ -52524,6 +52875,25 @@
 </file>
 
 <file path=customXml/item1.xml><?xml version="1.0" encoding="utf-8"?>
+<p:properties xmlns:p="http://schemas.microsoft.com/office/2006/metadata/properties" xmlns:xsi="http://www.w3.org/2001/XMLSchema-instance" xmlns:pc="http://schemas.microsoft.com/office/infopath/2007/PartnerControls">
+  <documentManagement>
+    <_ip_UnifiedCompliancePolicyUIAction xmlns="http://schemas.microsoft.com/sharepoint/v3" xsi:nil="true"/>
+    <Image xmlns="71af3243-3dd4-4a8d-8c0d-dd76da1f02a5">
+      <Url xsi:nil="true"/>
+      <Description xsi:nil="true"/>
+    </Image>
+    <Status xmlns="71af3243-3dd4-4a8d-8c0d-dd76da1f02a5">Not started</Status>
+    <_ip_UnifiedCompliancePolicyProperties xmlns="http://schemas.microsoft.com/sharepoint/v3" xsi:nil="true"/>
+    <ImageTagsTaxHTField xmlns="71af3243-3dd4-4a8d-8c0d-dd76da1f02a5">
+      <Terms xmlns="http://schemas.microsoft.com/office/infopath/2007/PartnerControls"/>
+    </ImageTagsTaxHTField>
+    <TaxCatchAll xmlns="230e9df3-be65-4c73-a93b-d1236ebd677e"/>
+    <MediaServiceKeyPoints xmlns="71af3243-3dd4-4a8d-8c0d-dd76da1f02a5" xsi:nil="true"/>
+  </documentManagement>
+</p:properties>
+</file>
+
+<file path=customXml/item2.xml><?xml version="1.0" encoding="utf-8"?>
 <ct:contentTypeSchema xmlns:ct="http://schemas.microsoft.com/office/2006/metadata/contentType" xmlns:ma="http://schemas.microsoft.com/office/2006/metadata/properties/metaAttributes" ct:_="" ma:_="" ma:contentTypeName="Document" ma:contentTypeID="0x01010079F111ED35F8CC479449609E8A0923A6" ma:contentTypeVersion="20" ma:contentTypeDescription="Create a new document." ma:contentTypeScope="" ma:versionID="1267097ee5f5874adfcc408041ae252e">
   <xsd:schema xmlns:xsd="http://www.w3.org/2001/XMLSchema" xmlns:xs="http://www.w3.org/2001/XMLSchema" xmlns:p="http://schemas.microsoft.com/office/2006/metadata/properties" xmlns:ns1="http://schemas.microsoft.com/sharepoint/v3" xmlns:ns2="71af3243-3dd4-4a8d-8c0d-dd76da1f02a5" xmlns:ns3="16c05727-aa75-4e4a-9b5f-8a80a1165891" xmlns:ns4="230e9df3-be65-4c73-a93b-d1236ebd677e" targetNamespace="http://schemas.microsoft.com/office/2006/metadata/properties" ma:root="true" ma:fieldsID="395891a93df65b14727750f2c06c306c" ns1:_="" ns2:_="" ns3:_="" ns4:_="">
     <xsd:import namespace="http://schemas.microsoft.com/sharepoint/v3"/>
@@ -52799,7 +53169,7 @@
 </ct:contentTypeSchema>
 </file>
 
-<file path=customXml/item2.xml><?xml version="1.0" encoding="utf-8"?>
+<file path=customXml/item3.xml><?xml version="1.0" encoding="utf-8"?>
 <?mso-contentType ?>
 <FormTemplates xmlns="http://schemas.microsoft.com/sharepoint/v3/contenttype/forms">
   <Display>DocumentLibraryForm</Display>
@@ -52808,26 +53178,19 @@
 </FormTemplates>
 </file>
 
-<file path=customXml/item3.xml><?xml version="1.0" encoding="utf-8"?>
-<p:properties xmlns:p="http://schemas.microsoft.com/office/2006/metadata/properties" xmlns:xsi="http://www.w3.org/2001/XMLSchema-instance" xmlns:pc="http://schemas.microsoft.com/office/infopath/2007/PartnerControls">
-  <documentManagement>
-    <_ip_UnifiedCompliancePolicyUIAction xmlns="http://schemas.microsoft.com/sharepoint/v3" xsi:nil="true"/>
-    <Image xmlns="71af3243-3dd4-4a8d-8c0d-dd76da1f02a5">
-      <Url xsi:nil="true"/>
-      <Description xsi:nil="true"/>
-    </Image>
-    <Status xmlns="71af3243-3dd4-4a8d-8c0d-dd76da1f02a5">Not started</Status>
-    <_ip_UnifiedCompliancePolicyProperties xmlns="http://schemas.microsoft.com/sharepoint/v3" xsi:nil="true"/>
-    <ImageTagsTaxHTField xmlns="71af3243-3dd4-4a8d-8c0d-dd76da1f02a5">
-      <Terms xmlns="http://schemas.microsoft.com/office/infopath/2007/PartnerControls"/>
-    </ImageTagsTaxHTField>
-    <TaxCatchAll xmlns="230e9df3-be65-4c73-a93b-d1236ebd677e"/>
-    <MediaServiceKeyPoints xmlns="71af3243-3dd4-4a8d-8c0d-dd76da1f02a5" xsi:nil="true"/>
-  </documentManagement>
-</p:properties>
+<file path=customXml/itemProps1.xml><?xml version="1.0" encoding="utf-8"?>
+<ds:datastoreItem xmlns:ds="http://schemas.openxmlformats.org/officeDocument/2006/customXml" ds:itemID="{B5BA3906-9696-4247-AC0D-DD5C26B2A70A}">
+  <ds:schemaRefs>
+    <ds:schemaRef ds:uri="http://schemas.microsoft.com/office/2006/metadata/properties"/>
+    <ds:schemaRef ds:uri="http://schemas.microsoft.com/office/infopath/2007/PartnerControls"/>
+    <ds:schemaRef ds:uri="http://schemas.microsoft.com/sharepoint/v3"/>
+    <ds:schemaRef ds:uri="71af3243-3dd4-4a8d-8c0d-dd76da1f02a5"/>
+    <ds:schemaRef ds:uri="230e9df3-be65-4c73-a93b-d1236ebd677e"/>
+  </ds:schemaRefs>
+</ds:datastoreItem>
 </file>
 
-<file path=customXml/itemProps1.xml><?xml version="1.0" encoding="utf-8"?>
+<file path=customXml/itemProps2.xml><?xml version="1.0" encoding="utf-8"?>
 <ds:datastoreItem xmlns:ds="http://schemas.openxmlformats.org/officeDocument/2006/customXml" ds:itemID="{01E84A1C-2814-43A7-9448-348326113A45}">
   <ds:schemaRefs>
     <ds:schemaRef ds:uri="http://schemas.microsoft.com/office/2006/metadata/contentType"/>
@@ -52848,22 +53211,10 @@
 </ds:datastoreItem>
 </file>
 
-<file path=customXml/itemProps2.xml><?xml version="1.0" encoding="utf-8"?>
+<file path=customXml/itemProps3.xml><?xml version="1.0" encoding="utf-8"?>
 <ds:datastoreItem xmlns:ds="http://schemas.openxmlformats.org/officeDocument/2006/customXml" ds:itemID="{2D446390-8521-40A2-A462-EA068123BED9}">
   <ds:schemaRefs>
     <ds:schemaRef ds:uri="http://schemas.microsoft.com/sharepoint/v3/contenttype/forms"/>
-  </ds:schemaRefs>
-</ds:datastoreItem>
-</file>
-
-<file path=customXml/itemProps3.xml><?xml version="1.0" encoding="utf-8"?>
-<ds:datastoreItem xmlns:ds="http://schemas.openxmlformats.org/officeDocument/2006/customXml" ds:itemID="{B5BA3906-9696-4247-AC0D-DD5C26B2A70A}">
-  <ds:schemaRefs>
-    <ds:schemaRef ds:uri="http://schemas.microsoft.com/office/2006/metadata/properties"/>
-    <ds:schemaRef ds:uri="http://schemas.microsoft.com/office/infopath/2007/PartnerControls"/>
-    <ds:schemaRef ds:uri="http://schemas.microsoft.com/sharepoint/v3"/>
-    <ds:schemaRef ds:uri="71af3243-3dd4-4a8d-8c0d-dd76da1f02a5"/>
-    <ds:schemaRef ds:uri="230e9df3-be65-4c73-a93b-d1236ebd677e"/>
   </ds:schemaRefs>
 </ds:datastoreItem>
 </file>

--- a/문서/시나리오에 따른 공정 시뮬레이션 발표 - 박민준.pptx
+++ b/문서/시나리오에 따른 공정 시뮬레이션 발표 - 박민준.pptx
@@ -1943,7 +1943,7 @@
                 <a:latin typeface="+mj-ea"/>
                 <a:ea typeface="+mj-ea"/>
               </a:rPr>
-              <a:t>2023-03-23</a:t>
+              <a:t>2023-03-23-Thursday</a:t>
             </a:fld>
             <a:endParaRPr lang="ko-KR" altLang="en-US" dirty="0">
               <a:latin typeface="+mj-ea"/>
@@ -2144,7 +2144,7 @@
             <a:fld id="{94A59610-D21E-4772-A7BF-F2F26E543677}" type="datetime1">
               <a:rPr lang="ko-KR" altLang="en-US" smtClean="0"/>
               <a:pPr/>
-              <a:t>2023-03-23</a:t>
+              <a:t>2023-03-23-Thursday</a:t>
             </a:fld>
             <a:endParaRPr lang="ko-KR" altLang="en-US" dirty="0"/>
           </a:p>
@@ -29301,12 +29301,118 @@
           </a:p>
         </p:txBody>
       </p:sp>
+      <p:sp>
+        <p:nvSpPr>
+          <p:cNvPr id="8" name="TextBox 7">
+            <a:extLst>
+              <a:ext uri="{FF2B5EF4-FFF2-40B4-BE49-F238E27FC236}">
+                <a16:creationId xmlns:a16="http://schemas.microsoft.com/office/drawing/2014/main" id="{28630CFD-9F07-0E9D-10F1-11789C442379}"/>
+              </a:ext>
+            </a:extLst>
+          </p:cNvPr>
+          <p:cNvSpPr txBox="1"/>
+          <p:nvPr/>
+        </p:nvSpPr>
+        <p:spPr>
+          <a:xfrm>
+            <a:off x="622745" y="1412079"/>
+            <a:ext cx="11175224" cy="646331"/>
+          </a:xfrm>
+          <a:prstGeom prst="rect">
+            <a:avLst/>
+          </a:prstGeom>
+          <a:noFill/>
+        </p:spPr>
+        <p:txBody>
+          <a:bodyPr wrap="square" rtlCol="0">
+            <a:spAutoFit/>
+          </a:bodyPr>
+          <a:lstStyle/>
+          <a:p>
+            <a:r>
+              <a:rPr lang="ko-KR" altLang="en-US" dirty="0"/>
+              <a:t>해당 모델의 다음 모델에서 제품을 받을 수 있을 경우 </a:t>
+            </a:r>
+            <a:r>
+              <a:rPr lang="en-US" altLang="ko-KR" dirty="0"/>
+              <a:t>READY,</a:t>
+            </a:r>
+            <a:r>
+              <a:rPr lang="ko-KR" altLang="en-US" dirty="0"/>
+              <a:t> 그렇지 않은 경우 </a:t>
+            </a:r>
+            <a:r>
+              <a:rPr lang="en-US" altLang="ko-KR" dirty="0"/>
+              <a:t>PAUSE </a:t>
+            </a:r>
+            <a:r>
+              <a:rPr lang="ko-KR" altLang="en-US" dirty="0"/>
+              <a:t>신호를 보냄</a:t>
+            </a:r>
+            <a:endParaRPr lang="en-US" altLang="ko-KR" dirty="0"/>
+          </a:p>
+          <a:p>
+            <a:endParaRPr lang="ko-KR" altLang="en-US" dirty="0"/>
+          </a:p>
+        </p:txBody>
+      </p:sp>
+      <p:sp>
+        <p:nvSpPr>
+          <p:cNvPr id="9" name="TextBox 8">
+            <a:extLst>
+              <a:ext uri="{FF2B5EF4-FFF2-40B4-BE49-F238E27FC236}">
+                <a16:creationId xmlns:a16="http://schemas.microsoft.com/office/drawing/2014/main" id="{281C2B35-1702-31AC-B187-A91285BDDCB1}"/>
+              </a:ext>
+            </a:extLst>
+          </p:cNvPr>
+          <p:cNvSpPr txBox="1"/>
+          <p:nvPr/>
+        </p:nvSpPr>
+        <p:spPr>
+          <a:xfrm>
+            <a:off x="1172666" y="4898069"/>
+            <a:ext cx="7650247" cy="369332"/>
+          </a:xfrm>
+          <a:prstGeom prst="rect">
+            <a:avLst/>
+          </a:prstGeom>
+          <a:noFill/>
+        </p:spPr>
+        <p:txBody>
+          <a:bodyPr wrap="square" rtlCol="0">
+            <a:spAutoFit/>
+          </a:bodyPr>
+          <a:lstStyle/>
+          <a:p>
+            <a:r>
+              <a:rPr lang="ko-KR" altLang="en-US" dirty="0"/>
+              <a:t>예시 </a:t>
+            </a:r>
+            <a:r>
+              <a:rPr lang="en-US" altLang="ko-KR" dirty="0"/>
+              <a:t>: PROC</a:t>
+            </a:r>
+            <a:r>
+              <a:rPr lang="ko-KR" altLang="en-US" dirty="0"/>
+              <a:t>과 </a:t>
+            </a:r>
+            <a:r>
+              <a:rPr lang="en-US" altLang="ko-KR" dirty="0"/>
+              <a:t>TRACK</a:t>
+            </a:r>
+            <a:r>
+              <a:rPr lang="ko-KR" altLang="en-US" dirty="0"/>
+              <a:t>의 연결 </a:t>
+            </a:r>
+          </a:p>
+        </p:txBody>
+      </p:sp>
       <p:pic>
         <p:nvPicPr>
-          <p:cNvPr id="7" name="그림 6" descr="도표, 개략도이(가) 표시된 사진&#10;&#10;자동 생성된 설명">
-            <a:extLst>
-              <a:ext uri="{FF2B5EF4-FFF2-40B4-BE49-F238E27FC236}">
-                <a16:creationId xmlns:a16="http://schemas.microsoft.com/office/drawing/2014/main" id="{F9D33B13-D898-3E1C-DECD-3559A9907584}"/>
+          <p:cNvPr id="12" name="그림 11" descr="텍스트이(가) 표시된 사진&#10;&#10;자동 생성된 설명">
+            <a:extLst>
+              <a:ext uri="{FF2B5EF4-FFF2-40B4-BE49-F238E27FC236}">
+                <a16:creationId xmlns:a16="http://schemas.microsoft.com/office/drawing/2014/main" id="{A5F96CB1-BAD5-B148-CCBA-3586EB888CD8}"/>
               </a:ext>
             </a:extLst>
           </p:cNvPr>
@@ -29323,120 +29429,14 @@
         </p:blipFill>
         <p:spPr>
           <a:xfrm>
-            <a:off x="1566000" y="2519999"/>
-            <a:ext cx="8172870" cy="2381372"/>
+            <a:off x="2219460" y="2521518"/>
+            <a:ext cx="7753079" cy="1814963"/>
           </a:xfrm>
           <a:prstGeom prst="rect">
             <a:avLst/>
           </a:prstGeom>
         </p:spPr>
       </p:pic>
-      <p:sp>
-        <p:nvSpPr>
-          <p:cNvPr id="8" name="TextBox 7">
-            <a:extLst>
-              <a:ext uri="{FF2B5EF4-FFF2-40B4-BE49-F238E27FC236}">
-                <a16:creationId xmlns:a16="http://schemas.microsoft.com/office/drawing/2014/main" id="{28630CFD-9F07-0E9D-10F1-11789C442379}"/>
-              </a:ext>
-            </a:extLst>
-          </p:cNvPr>
-          <p:cNvSpPr txBox="1"/>
-          <p:nvPr/>
-        </p:nvSpPr>
-        <p:spPr>
-          <a:xfrm>
-            <a:off x="622745" y="1412079"/>
-            <a:ext cx="11175224" cy="646331"/>
-          </a:xfrm>
-          <a:prstGeom prst="rect">
-            <a:avLst/>
-          </a:prstGeom>
-          <a:noFill/>
-        </p:spPr>
-        <p:txBody>
-          <a:bodyPr wrap="square" rtlCol="0">
-            <a:spAutoFit/>
-          </a:bodyPr>
-          <a:lstStyle/>
-          <a:p>
-            <a:r>
-              <a:rPr lang="ko-KR" altLang="en-US" dirty="0"/>
-              <a:t>해당 모델의 다음 모델에서 제품을 받을 수 있을 경우 </a:t>
-            </a:r>
-            <a:r>
-              <a:rPr lang="en-US" altLang="ko-KR" dirty="0"/>
-              <a:t>READY,</a:t>
-            </a:r>
-            <a:r>
-              <a:rPr lang="ko-KR" altLang="en-US" dirty="0"/>
-              <a:t> 그렇지 않은 경우 </a:t>
-            </a:r>
-            <a:r>
-              <a:rPr lang="en-US" altLang="ko-KR" dirty="0"/>
-              <a:t>PAUSE </a:t>
-            </a:r>
-            <a:r>
-              <a:rPr lang="ko-KR" altLang="en-US" dirty="0"/>
-              <a:t>신호를 보냄</a:t>
-            </a:r>
-            <a:endParaRPr lang="en-US" altLang="ko-KR" dirty="0"/>
-          </a:p>
-          <a:p>
-            <a:endParaRPr lang="ko-KR" altLang="en-US" dirty="0"/>
-          </a:p>
-        </p:txBody>
-      </p:sp>
-      <p:sp>
-        <p:nvSpPr>
-          <p:cNvPr id="9" name="TextBox 8">
-            <a:extLst>
-              <a:ext uri="{FF2B5EF4-FFF2-40B4-BE49-F238E27FC236}">
-                <a16:creationId xmlns:a16="http://schemas.microsoft.com/office/drawing/2014/main" id="{281C2B35-1702-31AC-B187-A91285BDDCB1}"/>
-              </a:ext>
-            </a:extLst>
-          </p:cNvPr>
-          <p:cNvSpPr txBox="1"/>
-          <p:nvPr/>
-        </p:nvSpPr>
-        <p:spPr>
-          <a:xfrm>
-            <a:off x="1172666" y="4898069"/>
-            <a:ext cx="7650247" cy="369332"/>
-          </a:xfrm>
-          <a:prstGeom prst="rect">
-            <a:avLst/>
-          </a:prstGeom>
-          <a:noFill/>
-        </p:spPr>
-        <p:txBody>
-          <a:bodyPr wrap="square" rtlCol="0">
-            <a:spAutoFit/>
-          </a:bodyPr>
-          <a:lstStyle/>
-          <a:p>
-            <a:r>
-              <a:rPr lang="ko-KR" altLang="en-US" dirty="0"/>
-              <a:t>예시 </a:t>
-            </a:r>
-            <a:r>
-              <a:rPr lang="en-US" altLang="ko-KR" dirty="0"/>
-              <a:t>: PROC</a:t>
-            </a:r>
-            <a:r>
-              <a:rPr lang="ko-KR" altLang="en-US" dirty="0"/>
-              <a:t>과 </a:t>
-            </a:r>
-            <a:r>
-              <a:rPr lang="en-US" altLang="ko-KR" dirty="0"/>
-              <a:t>TRACK</a:t>
-            </a:r>
-            <a:r>
-              <a:rPr lang="ko-KR" altLang="en-US" dirty="0"/>
-              <a:t>의 연결 </a:t>
-            </a:r>
-          </a:p>
-        </p:txBody>
-      </p:sp>
     </p:spTree>
     <p:extLst>
       <p:ext uri="{BB962C8B-B14F-4D97-AF65-F5344CB8AC3E}">
@@ -52875,25 +52875,6 @@
 </file>
 
 <file path=customXml/item1.xml><?xml version="1.0" encoding="utf-8"?>
-<p:properties xmlns:p="http://schemas.microsoft.com/office/2006/metadata/properties" xmlns:xsi="http://www.w3.org/2001/XMLSchema-instance" xmlns:pc="http://schemas.microsoft.com/office/infopath/2007/PartnerControls">
-  <documentManagement>
-    <_ip_UnifiedCompliancePolicyUIAction xmlns="http://schemas.microsoft.com/sharepoint/v3" xsi:nil="true"/>
-    <Image xmlns="71af3243-3dd4-4a8d-8c0d-dd76da1f02a5">
-      <Url xsi:nil="true"/>
-      <Description xsi:nil="true"/>
-    </Image>
-    <Status xmlns="71af3243-3dd4-4a8d-8c0d-dd76da1f02a5">Not started</Status>
-    <_ip_UnifiedCompliancePolicyProperties xmlns="http://schemas.microsoft.com/sharepoint/v3" xsi:nil="true"/>
-    <ImageTagsTaxHTField xmlns="71af3243-3dd4-4a8d-8c0d-dd76da1f02a5">
-      <Terms xmlns="http://schemas.microsoft.com/office/infopath/2007/PartnerControls"/>
-    </ImageTagsTaxHTField>
-    <TaxCatchAll xmlns="230e9df3-be65-4c73-a93b-d1236ebd677e"/>
-    <MediaServiceKeyPoints xmlns="71af3243-3dd4-4a8d-8c0d-dd76da1f02a5" xsi:nil="true"/>
-  </documentManagement>
-</p:properties>
-</file>
-
-<file path=customXml/item2.xml><?xml version="1.0" encoding="utf-8"?>
 <ct:contentTypeSchema xmlns:ct="http://schemas.microsoft.com/office/2006/metadata/contentType" xmlns:ma="http://schemas.microsoft.com/office/2006/metadata/properties/metaAttributes" ct:_="" ma:_="" ma:contentTypeName="Document" ma:contentTypeID="0x01010079F111ED35F8CC479449609E8A0923A6" ma:contentTypeVersion="20" ma:contentTypeDescription="Create a new document." ma:contentTypeScope="" ma:versionID="1267097ee5f5874adfcc408041ae252e">
   <xsd:schema xmlns:xsd="http://www.w3.org/2001/XMLSchema" xmlns:xs="http://www.w3.org/2001/XMLSchema" xmlns:p="http://schemas.microsoft.com/office/2006/metadata/properties" xmlns:ns1="http://schemas.microsoft.com/sharepoint/v3" xmlns:ns2="71af3243-3dd4-4a8d-8c0d-dd76da1f02a5" xmlns:ns3="16c05727-aa75-4e4a-9b5f-8a80a1165891" xmlns:ns4="230e9df3-be65-4c73-a93b-d1236ebd677e" targetNamespace="http://schemas.microsoft.com/office/2006/metadata/properties" ma:root="true" ma:fieldsID="395891a93df65b14727750f2c06c306c" ns1:_="" ns2:_="" ns3:_="" ns4:_="">
     <xsd:import namespace="http://schemas.microsoft.com/sharepoint/v3"/>
@@ -53169,7 +53150,7 @@
 </ct:contentTypeSchema>
 </file>
 
-<file path=customXml/item3.xml><?xml version="1.0" encoding="utf-8"?>
+<file path=customXml/item2.xml><?xml version="1.0" encoding="utf-8"?>
 <?mso-contentType ?>
 <FormTemplates xmlns="http://schemas.microsoft.com/sharepoint/v3/contenttype/forms">
   <Display>DocumentLibraryForm</Display>
@@ -53178,19 +53159,26 @@
 </FormTemplates>
 </file>
 
-<file path=customXml/itemProps1.xml><?xml version="1.0" encoding="utf-8"?>
-<ds:datastoreItem xmlns:ds="http://schemas.openxmlformats.org/officeDocument/2006/customXml" ds:itemID="{B5BA3906-9696-4247-AC0D-DD5C26B2A70A}">
-  <ds:schemaRefs>
-    <ds:schemaRef ds:uri="http://schemas.microsoft.com/office/2006/metadata/properties"/>
-    <ds:schemaRef ds:uri="http://schemas.microsoft.com/office/infopath/2007/PartnerControls"/>
-    <ds:schemaRef ds:uri="http://schemas.microsoft.com/sharepoint/v3"/>
-    <ds:schemaRef ds:uri="71af3243-3dd4-4a8d-8c0d-dd76da1f02a5"/>
-    <ds:schemaRef ds:uri="230e9df3-be65-4c73-a93b-d1236ebd677e"/>
-  </ds:schemaRefs>
-</ds:datastoreItem>
+<file path=customXml/item3.xml><?xml version="1.0" encoding="utf-8"?>
+<p:properties xmlns:p="http://schemas.microsoft.com/office/2006/metadata/properties" xmlns:xsi="http://www.w3.org/2001/XMLSchema-instance" xmlns:pc="http://schemas.microsoft.com/office/infopath/2007/PartnerControls">
+  <documentManagement>
+    <_ip_UnifiedCompliancePolicyUIAction xmlns="http://schemas.microsoft.com/sharepoint/v3" xsi:nil="true"/>
+    <Image xmlns="71af3243-3dd4-4a8d-8c0d-dd76da1f02a5">
+      <Url xsi:nil="true"/>
+      <Description xsi:nil="true"/>
+    </Image>
+    <Status xmlns="71af3243-3dd4-4a8d-8c0d-dd76da1f02a5">Not started</Status>
+    <_ip_UnifiedCompliancePolicyProperties xmlns="http://schemas.microsoft.com/sharepoint/v3" xsi:nil="true"/>
+    <ImageTagsTaxHTField xmlns="71af3243-3dd4-4a8d-8c0d-dd76da1f02a5">
+      <Terms xmlns="http://schemas.microsoft.com/office/infopath/2007/PartnerControls"/>
+    </ImageTagsTaxHTField>
+    <TaxCatchAll xmlns="230e9df3-be65-4c73-a93b-d1236ebd677e"/>
+    <MediaServiceKeyPoints xmlns="71af3243-3dd4-4a8d-8c0d-dd76da1f02a5" xsi:nil="true"/>
+  </documentManagement>
+</p:properties>
 </file>
 
-<file path=customXml/itemProps2.xml><?xml version="1.0" encoding="utf-8"?>
+<file path=customXml/itemProps1.xml><?xml version="1.0" encoding="utf-8"?>
 <ds:datastoreItem xmlns:ds="http://schemas.openxmlformats.org/officeDocument/2006/customXml" ds:itemID="{01E84A1C-2814-43A7-9448-348326113A45}">
   <ds:schemaRefs>
     <ds:schemaRef ds:uri="http://schemas.microsoft.com/office/2006/metadata/contentType"/>
@@ -53211,10 +53199,22 @@
 </ds:datastoreItem>
 </file>
 
-<file path=customXml/itemProps3.xml><?xml version="1.0" encoding="utf-8"?>
+<file path=customXml/itemProps2.xml><?xml version="1.0" encoding="utf-8"?>
 <ds:datastoreItem xmlns:ds="http://schemas.openxmlformats.org/officeDocument/2006/customXml" ds:itemID="{2D446390-8521-40A2-A462-EA068123BED9}">
   <ds:schemaRefs>
     <ds:schemaRef ds:uri="http://schemas.microsoft.com/sharepoint/v3/contenttype/forms"/>
+  </ds:schemaRefs>
+</ds:datastoreItem>
+</file>
+
+<file path=customXml/itemProps3.xml><?xml version="1.0" encoding="utf-8"?>
+<ds:datastoreItem xmlns:ds="http://schemas.openxmlformats.org/officeDocument/2006/customXml" ds:itemID="{B5BA3906-9696-4247-AC0D-DD5C26B2A70A}">
+  <ds:schemaRefs>
+    <ds:schemaRef ds:uri="http://schemas.microsoft.com/office/2006/metadata/properties"/>
+    <ds:schemaRef ds:uri="http://schemas.microsoft.com/office/infopath/2007/PartnerControls"/>
+    <ds:schemaRef ds:uri="http://schemas.microsoft.com/sharepoint/v3"/>
+    <ds:schemaRef ds:uri="71af3243-3dd4-4a8d-8c0d-dd76da1f02a5"/>
+    <ds:schemaRef ds:uri="230e9df3-be65-4c73-a93b-d1236ebd677e"/>
   </ds:schemaRefs>
 </ds:datastoreItem>
 </file>

--- a/문서/시나리오에 따른 공정 시뮬레이션 발표 - 박민준.pptx
+++ b/문서/시나리오에 따른 공정 시뮬레이션 발표 - 박민준.pptx
@@ -1943,7 +1943,7 @@
                 <a:latin typeface="+mj-ea"/>
                 <a:ea typeface="+mj-ea"/>
               </a:rPr>
-              <a:t>2023-03-23-Thursday</a:t>
+              <a:t>2023-03-23</a:t>
             </a:fld>
             <a:endParaRPr lang="ko-KR" altLang="en-US" dirty="0">
               <a:latin typeface="+mj-ea"/>
@@ -2144,7 +2144,7 @@
             <a:fld id="{94A59610-D21E-4772-A7BF-F2F26E543677}" type="datetime1">
               <a:rPr lang="ko-KR" altLang="en-US" smtClean="0"/>
               <a:pPr/>
-              <a:t>2023-03-23-Thursday</a:t>
+              <a:t>2023-03-23</a:t>
             </a:fld>
             <a:endParaRPr lang="ko-KR" altLang="en-US" dirty="0"/>
           </a:p>
@@ -25373,36 +25373,6 @@
           </a:p>
         </p:txBody>
       </p:sp>
-      <p:pic>
-        <p:nvPicPr>
-          <p:cNvPr id="7" name="그림 6" descr="텍스트이(가) 표시된 사진&#10;&#10;자동 생성된 설명">
-            <a:extLst>
-              <a:ext uri="{FF2B5EF4-FFF2-40B4-BE49-F238E27FC236}">
-                <a16:creationId xmlns:a16="http://schemas.microsoft.com/office/drawing/2014/main" id="{693DD64D-2252-5A81-2F39-71F2A26625C8}"/>
-              </a:ext>
-            </a:extLst>
-          </p:cNvPr>
-          <p:cNvPicPr>
-            <a:picLocks noChangeAspect="1"/>
-          </p:cNvPicPr>
-          <p:nvPr/>
-        </p:nvPicPr>
-        <p:blipFill>
-          <a:blip r:embed="rId2"/>
-          <a:stretch>
-            <a:fillRect/>
-          </a:stretch>
-        </p:blipFill>
-        <p:spPr>
-          <a:xfrm>
-            <a:off x="139590" y="2375683"/>
-            <a:ext cx="11786206" cy="3600635"/>
-          </a:xfrm>
-          <a:prstGeom prst="rect">
-            <a:avLst/>
-          </a:prstGeom>
-        </p:spPr>
-      </p:pic>
       <p:sp>
         <p:nvSpPr>
           <p:cNvPr id="8" name="TextBox 7">
@@ -25418,7 +25388,7 @@
         <p:spPr>
           <a:xfrm>
             <a:off x="1306800" y="1440000"/>
-            <a:ext cx="11048036" cy="923330"/>
+            <a:ext cx="11048036" cy="1200329"/>
           </a:xfrm>
           <a:prstGeom prst="rect">
             <a:avLst/>
@@ -25450,8 +25420,1753 @@
           <a:p>
             <a:r>
               <a:rPr lang="ko-KR" altLang="en-US" dirty="0"/>
-              <a:t>받는 모델이 여러 개일 경우인 경우에 대응하기 위해 </a:t>
-            </a:r>
+              <a:t>받는 모델이 여러 개일 경우인 경우에 포트번호에 대응하기 위해 </a:t>
+            </a:r>
+            <a:r>
+              <a:rPr lang="en-US" altLang="ko-KR" dirty="0" err="1"/>
+              <a:t>subIdx</a:t>
+            </a:r>
+            <a:r>
+              <a:rPr lang="ko-KR" altLang="en-US" dirty="0"/>
+              <a:t>를 추가하였다</a:t>
+            </a:r>
+            <a:r>
+              <a:rPr lang="en-US" altLang="ko-KR" dirty="0"/>
+              <a:t>.</a:t>
+            </a:r>
+          </a:p>
+          <a:p>
+            <a:r>
+              <a:rPr lang="en-US" altLang="ko-KR" dirty="0" err="1"/>
+              <a:t>subIdx</a:t>
+            </a:r>
+            <a:r>
+              <a:rPr lang="ko-KR" altLang="en-US" dirty="0"/>
+              <a:t>는 받는 모델의 맵 크기</a:t>
+            </a:r>
+            <a:r>
+              <a:rPr lang="en-US" altLang="ko-KR" dirty="0"/>
+              <a:t>-1</a:t>
+            </a:r>
+            <a:r>
+              <a:rPr lang="ko-KR" altLang="en-US" dirty="0"/>
+              <a:t>이며 </a:t>
+            </a:r>
+            <a:r>
+              <a:rPr lang="en-US" altLang="ko-KR" dirty="0"/>
+              <a:t>0</a:t>
+            </a:r>
+            <a:r>
+              <a:rPr lang="ko-KR" altLang="en-US" dirty="0"/>
+              <a:t>부터 받는 모델이 같은 커플정보가 추가될수록 </a:t>
+            </a:r>
+            <a:r>
+              <a:rPr lang="en-US" altLang="ko-KR" dirty="0"/>
+              <a:t>1</a:t>
+            </a:r>
+            <a:r>
+              <a:rPr lang="ko-KR" altLang="en-US" dirty="0"/>
+              <a:t>씩 증가된다</a:t>
+            </a:r>
+            <a:r>
+              <a:rPr lang="en-US" altLang="ko-KR" dirty="0"/>
+              <a:t>.</a:t>
+            </a:r>
+            <a:endParaRPr lang="ko-KR" altLang="en-US" dirty="0"/>
+          </a:p>
+        </p:txBody>
+      </p:sp>
+      <p:sp>
+        <p:nvSpPr>
+          <p:cNvPr id="3" name="TextBox 2">
+            <a:extLst>
+              <a:ext uri="{FF2B5EF4-FFF2-40B4-BE49-F238E27FC236}">
+                <a16:creationId xmlns:a16="http://schemas.microsoft.com/office/drawing/2014/main" id="{71167F27-B2B0-1430-4314-7A24BE8FFA57}"/>
+              </a:ext>
+            </a:extLst>
+          </p:cNvPr>
+          <p:cNvSpPr txBox="1"/>
+          <p:nvPr/>
+        </p:nvSpPr>
+        <p:spPr>
+          <a:xfrm>
+            <a:off x="0" y="2721210"/>
+            <a:ext cx="12192000" cy="3293209"/>
+          </a:xfrm>
+          <a:prstGeom prst="rect">
+            <a:avLst/>
+          </a:prstGeom>
+          <a:noFill/>
+        </p:spPr>
+        <p:txBody>
+          <a:bodyPr wrap="square" rtlCol="0">
+            <a:spAutoFit/>
+          </a:bodyPr>
+          <a:lstStyle/>
+          <a:p>
+            <a:r>
+              <a:rPr lang="en-US" altLang="ko-KR" sz="1600" dirty="0">
+                <a:solidFill>
+                  <a:srgbClr val="6F008A"/>
+                </a:solidFill>
+                <a:latin typeface="돋움체" panose="020B0609000101010101" pitchFamily="49" charset="-127"/>
+                <a:ea typeface="돋움체" panose="020B0609000101010101" pitchFamily="49" charset="-127"/>
+              </a:rPr>
+              <a:t>GLOBAL_VAR</a:t>
+            </a:r>
+            <a:r>
+              <a:rPr lang="en-US" altLang="ko-KR" sz="1600" dirty="0">
+                <a:solidFill>
+                  <a:srgbClr val="000000"/>
+                </a:solidFill>
+                <a:latin typeface="돋움체" panose="020B0609000101010101" pitchFamily="49" charset="-127"/>
+                <a:ea typeface="돋움체" panose="020B0609000101010101" pitchFamily="49" charset="-127"/>
+              </a:rPr>
+              <a:t>-&gt;</a:t>
+            </a:r>
+            <a:r>
+              <a:rPr lang="en-US" altLang="ko-KR" sz="1600" dirty="0" err="1">
+                <a:solidFill>
+                  <a:srgbClr val="000000"/>
+                </a:solidFill>
+                <a:latin typeface="돋움체" panose="020B0609000101010101" pitchFamily="49" charset="-127"/>
+                <a:ea typeface="돋움체" panose="020B0609000101010101" pitchFamily="49" charset="-127"/>
+              </a:rPr>
+              <a:t>pgconn</a:t>
+            </a:r>
+            <a:r>
+              <a:rPr lang="en-US" altLang="ko-KR" sz="1600" dirty="0">
+                <a:solidFill>
+                  <a:srgbClr val="000000"/>
+                </a:solidFill>
+                <a:latin typeface="돋움체" panose="020B0609000101010101" pitchFamily="49" charset="-127"/>
+                <a:ea typeface="돋움체" panose="020B0609000101010101" pitchFamily="49" charset="-127"/>
+              </a:rPr>
+              <a:t>-&gt;</a:t>
+            </a:r>
+            <a:r>
+              <a:rPr lang="en-US" altLang="ko-KR" sz="1600" dirty="0" err="1">
+                <a:solidFill>
+                  <a:srgbClr val="000000"/>
+                </a:solidFill>
+                <a:latin typeface="돋움체" panose="020B0609000101010101" pitchFamily="49" charset="-127"/>
+                <a:ea typeface="돋움체" panose="020B0609000101010101" pitchFamily="49" charset="-127"/>
+              </a:rPr>
+              <a:t>SendQuery</a:t>
+            </a:r>
+            <a:r>
+              <a:rPr lang="en-US" altLang="ko-KR" sz="1600" dirty="0">
+                <a:solidFill>
+                  <a:srgbClr val="000000"/>
+                </a:solidFill>
+                <a:latin typeface="돋움체" panose="020B0609000101010101" pitchFamily="49" charset="-127"/>
+                <a:ea typeface="돋움체" panose="020B0609000101010101" pitchFamily="49" charset="-127"/>
+              </a:rPr>
+              <a:t>(</a:t>
+            </a:r>
+            <a:r>
+              <a:rPr lang="en-US" altLang="ko-KR" sz="1600" dirty="0">
+                <a:solidFill>
+                  <a:srgbClr val="A31515"/>
+                </a:solidFill>
+                <a:latin typeface="돋움체" panose="020B0609000101010101" pitchFamily="49" charset="-127"/>
+                <a:ea typeface="돋움체" panose="020B0609000101010101" pitchFamily="49" charset="-127"/>
+              </a:rPr>
+              <a:t>"SELECT </a:t>
+            </a:r>
+            <a:r>
+              <a:rPr lang="en-US" altLang="ko-KR" sz="1600" dirty="0" err="1">
+                <a:solidFill>
+                  <a:srgbClr val="A31515"/>
+                </a:solidFill>
+                <a:latin typeface="돋움체" panose="020B0609000101010101" pitchFamily="49" charset="-127"/>
+                <a:ea typeface="돋움체" panose="020B0609000101010101" pitchFamily="49" charset="-127"/>
+              </a:rPr>
+              <a:t>p.send_object_id</a:t>
+            </a:r>
+            <a:r>
+              <a:rPr lang="en-US" altLang="ko-KR" sz="1600" dirty="0">
+                <a:solidFill>
+                  <a:srgbClr val="A31515"/>
+                </a:solidFill>
+                <a:latin typeface="돋움체" panose="020B0609000101010101" pitchFamily="49" charset="-127"/>
+                <a:ea typeface="돋움체" panose="020B0609000101010101" pitchFamily="49" charset="-127"/>
+              </a:rPr>
+              <a:t>, </a:t>
+            </a:r>
+            <a:r>
+              <a:rPr lang="en-US" altLang="ko-KR" sz="1600" dirty="0" err="1">
+                <a:solidFill>
+                  <a:srgbClr val="A31515"/>
+                </a:solidFill>
+                <a:latin typeface="돋움체" panose="020B0609000101010101" pitchFamily="49" charset="-127"/>
+                <a:ea typeface="돋움체" panose="020B0609000101010101" pitchFamily="49" charset="-127"/>
+              </a:rPr>
+              <a:t>send_obj.object_type</a:t>
+            </a:r>
+            <a:r>
+              <a:rPr lang="en-US" altLang="ko-KR" sz="1600" dirty="0">
+                <a:solidFill>
+                  <a:srgbClr val="A31515"/>
+                </a:solidFill>
+                <a:latin typeface="돋움체" panose="020B0609000101010101" pitchFamily="49" charset="-127"/>
+                <a:ea typeface="돋움체" panose="020B0609000101010101" pitchFamily="49" charset="-127"/>
+              </a:rPr>
+              <a:t>, </a:t>
+            </a:r>
+            <a:r>
+              <a:rPr lang="en-US" altLang="ko-KR" sz="1600" dirty="0" err="1">
+                <a:solidFill>
+                  <a:srgbClr val="A31515"/>
+                </a:solidFill>
+                <a:latin typeface="돋움체" panose="020B0609000101010101" pitchFamily="49" charset="-127"/>
+                <a:ea typeface="돋움체" panose="020B0609000101010101" pitchFamily="49" charset="-127"/>
+              </a:rPr>
+              <a:t>p.receive_object_id</a:t>
+            </a:r>
+            <a:r>
+              <a:rPr lang="en-US" altLang="ko-KR" sz="1600" dirty="0">
+                <a:solidFill>
+                  <a:srgbClr val="A31515"/>
+                </a:solidFill>
+                <a:latin typeface="돋움체" panose="020B0609000101010101" pitchFamily="49" charset="-127"/>
+                <a:ea typeface="돋움체" panose="020B0609000101010101" pitchFamily="49" charset="-127"/>
+              </a:rPr>
+              <a:t>, </a:t>
+            </a:r>
+            <a:r>
+              <a:rPr lang="en-US" altLang="ko-KR" sz="1600" dirty="0" err="1">
+                <a:solidFill>
+                  <a:srgbClr val="A31515"/>
+                </a:solidFill>
+                <a:latin typeface="돋움체" panose="020B0609000101010101" pitchFamily="49" charset="-127"/>
+                <a:ea typeface="돋움체" panose="020B0609000101010101" pitchFamily="49" charset="-127"/>
+              </a:rPr>
+              <a:t>receive_obj.object_type</a:t>
+            </a:r>
+            <a:r>
+              <a:rPr lang="en-US" altLang="ko-KR" sz="1600" dirty="0">
+                <a:solidFill>
+                  <a:srgbClr val="A31515"/>
+                </a:solidFill>
+                <a:latin typeface="돋움체" panose="020B0609000101010101" pitchFamily="49" charset="-127"/>
+                <a:ea typeface="돋움체" panose="020B0609000101010101" pitchFamily="49" charset="-127"/>
+              </a:rPr>
+              <a:t> FROM \"</a:t>
+            </a:r>
+            <a:r>
+              <a:rPr lang="en-US" altLang="ko-KR" sz="1600" dirty="0" err="1">
+                <a:solidFill>
+                  <a:srgbClr val="A31515"/>
+                </a:solidFill>
+                <a:latin typeface="돋움체" panose="020B0609000101010101" pitchFamily="49" charset="-127"/>
+                <a:ea typeface="돋움체" panose="020B0609000101010101" pitchFamily="49" charset="-127"/>
+              </a:rPr>
+              <a:t>obj_coup_list</a:t>
+            </a:r>
+            <a:r>
+              <a:rPr lang="en-US" altLang="ko-KR" sz="1600" dirty="0">
+                <a:solidFill>
+                  <a:srgbClr val="A31515"/>
+                </a:solidFill>
+                <a:latin typeface="돋움체" panose="020B0609000101010101" pitchFamily="49" charset="-127"/>
+                <a:ea typeface="돋움체" panose="020B0609000101010101" pitchFamily="49" charset="-127"/>
+              </a:rPr>
+              <a:t>\”………."</a:t>
+            </a:r>
+            <a:r>
+              <a:rPr lang="en-US" altLang="ko-KR" sz="1600" dirty="0">
+                <a:solidFill>
+                  <a:srgbClr val="000000"/>
+                </a:solidFill>
+                <a:latin typeface="돋움체" panose="020B0609000101010101" pitchFamily="49" charset="-127"/>
+                <a:ea typeface="돋움체" panose="020B0609000101010101" pitchFamily="49" charset="-127"/>
+              </a:rPr>
+              <a:t>);//</a:t>
+            </a:r>
+            <a:r>
+              <a:rPr lang="ko-KR" altLang="en-US" sz="1600" dirty="0">
+                <a:solidFill>
+                  <a:srgbClr val="000000"/>
+                </a:solidFill>
+                <a:latin typeface="돋움체" panose="020B0609000101010101" pitchFamily="49" charset="-127"/>
+                <a:ea typeface="돋움체" panose="020B0609000101010101" pitchFamily="49" charset="-127"/>
+              </a:rPr>
+              <a:t>쿼리문으로 해당 커플현황 가져옴</a:t>
+            </a:r>
+            <a:endParaRPr lang="en-US" altLang="ko-KR" sz="1600" dirty="0">
+              <a:solidFill>
+                <a:srgbClr val="000000"/>
+              </a:solidFill>
+              <a:latin typeface="돋움체" panose="020B0609000101010101" pitchFamily="49" charset="-127"/>
+              <a:ea typeface="돋움체" panose="020B0609000101010101" pitchFamily="49" charset="-127"/>
+            </a:endParaRPr>
+          </a:p>
+          <a:p>
+            <a:r>
+              <a:rPr lang="en-US" altLang="ko-KR" sz="1600" dirty="0" err="1">
+                <a:solidFill>
+                  <a:srgbClr val="000000"/>
+                </a:solidFill>
+                <a:latin typeface="돋움체" panose="020B0609000101010101" pitchFamily="49" charset="-127"/>
+                <a:ea typeface="돋움체" panose="020B0609000101010101" pitchFamily="49" charset="-127"/>
+              </a:rPr>
+              <a:t>tuplesCount</a:t>
+            </a:r>
+            <a:r>
+              <a:rPr lang="en-US" altLang="ko-KR" sz="1600" dirty="0">
+                <a:solidFill>
+                  <a:srgbClr val="000000"/>
+                </a:solidFill>
+                <a:latin typeface="돋움체" panose="020B0609000101010101" pitchFamily="49" charset="-127"/>
+                <a:ea typeface="돋움체" panose="020B0609000101010101" pitchFamily="49" charset="-127"/>
+              </a:rPr>
+              <a:t> = </a:t>
+            </a:r>
+            <a:r>
+              <a:rPr lang="en-US" altLang="ko-KR" sz="1600" dirty="0" err="1">
+                <a:solidFill>
+                  <a:srgbClr val="000000"/>
+                </a:solidFill>
+                <a:latin typeface="돋움체" panose="020B0609000101010101" pitchFamily="49" charset="-127"/>
+                <a:ea typeface="돋움체" panose="020B0609000101010101" pitchFamily="49" charset="-127"/>
+              </a:rPr>
+              <a:t>PQntuples</a:t>
+            </a:r>
+            <a:r>
+              <a:rPr lang="en-US" altLang="ko-KR" sz="1600" dirty="0">
+                <a:solidFill>
+                  <a:srgbClr val="000000"/>
+                </a:solidFill>
+                <a:latin typeface="돋움체" panose="020B0609000101010101" pitchFamily="49" charset="-127"/>
+                <a:ea typeface="돋움체" panose="020B0609000101010101" pitchFamily="49" charset="-127"/>
+              </a:rPr>
+              <a:t>(</a:t>
+            </a:r>
+            <a:r>
+              <a:rPr lang="en-US" altLang="ko-KR" sz="1600" dirty="0">
+                <a:solidFill>
+                  <a:srgbClr val="6F008A"/>
+                </a:solidFill>
+                <a:latin typeface="돋움체" panose="020B0609000101010101" pitchFamily="49" charset="-127"/>
+                <a:ea typeface="돋움체" panose="020B0609000101010101" pitchFamily="49" charset="-127"/>
+              </a:rPr>
+              <a:t>GLOBAL_VAR</a:t>
+            </a:r>
+            <a:r>
+              <a:rPr lang="en-US" altLang="ko-KR" sz="1600" dirty="0">
+                <a:solidFill>
+                  <a:srgbClr val="000000"/>
+                </a:solidFill>
+                <a:latin typeface="돋움체" panose="020B0609000101010101" pitchFamily="49" charset="-127"/>
+                <a:ea typeface="돋움체" panose="020B0609000101010101" pitchFamily="49" charset="-127"/>
+              </a:rPr>
+              <a:t>-&gt;</a:t>
+            </a:r>
+            <a:r>
+              <a:rPr lang="en-US" altLang="ko-KR" sz="1600" dirty="0" err="1">
+                <a:solidFill>
+                  <a:srgbClr val="000000"/>
+                </a:solidFill>
+                <a:latin typeface="돋움체" panose="020B0609000101010101" pitchFamily="49" charset="-127"/>
+                <a:ea typeface="돋움체" panose="020B0609000101010101" pitchFamily="49" charset="-127"/>
+              </a:rPr>
+              <a:t>pgconn</a:t>
+            </a:r>
+            <a:r>
+              <a:rPr lang="en-US" altLang="ko-KR" sz="1600" dirty="0">
+                <a:solidFill>
+                  <a:srgbClr val="000000"/>
+                </a:solidFill>
+                <a:latin typeface="돋움체" panose="020B0609000101010101" pitchFamily="49" charset="-127"/>
+                <a:ea typeface="돋움체" panose="020B0609000101010101" pitchFamily="49" charset="-127"/>
+              </a:rPr>
+              <a:t>-&gt;</a:t>
+            </a:r>
+            <a:r>
+              <a:rPr lang="en-US" altLang="ko-KR" sz="1600" dirty="0" err="1">
+                <a:solidFill>
+                  <a:srgbClr val="000000"/>
+                </a:solidFill>
+                <a:latin typeface="돋움체" panose="020B0609000101010101" pitchFamily="49" charset="-127"/>
+                <a:ea typeface="돋움체" panose="020B0609000101010101" pitchFamily="49" charset="-127"/>
+              </a:rPr>
+              <a:t>GetSQLResult</a:t>
+            </a:r>
+            <a:r>
+              <a:rPr lang="en-US" altLang="ko-KR" sz="1600" dirty="0">
+                <a:solidFill>
+                  <a:srgbClr val="000000"/>
+                </a:solidFill>
+                <a:latin typeface="돋움체" panose="020B0609000101010101" pitchFamily="49" charset="-127"/>
+                <a:ea typeface="돋움체" panose="020B0609000101010101" pitchFamily="49" charset="-127"/>
+              </a:rPr>
+              <a:t>());//</a:t>
+            </a:r>
+            <a:r>
+              <a:rPr lang="ko-KR" altLang="en-US" sz="1600" dirty="0">
+                <a:solidFill>
+                  <a:srgbClr val="000000"/>
+                </a:solidFill>
+                <a:latin typeface="돋움체" panose="020B0609000101010101" pitchFamily="49" charset="-127"/>
+                <a:ea typeface="돋움체" panose="020B0609000101010101" pitchFamily="49" charset="-127"/>
+              </a:rPr>
+              <a:t>해당 커플현황 개수 </a:t>
+            </a:r>
+            <a:r>
+              <a:rPr lang="ko-KR" altLang="en-US" sz="1600" dirty="0" err="1">
+                <a:solidFill>
+                  <a:srgbClr val="000000"/>
+                </a:solidFill>
+                <a:latin typeface="돋움체" panose="020B0609000101010101" pitchFamily="49" charset="-127"/>
+                <a:ea typeface="돋움체" panose="020B0609000101010101" pitchFamily="49" charset="-127"/>
+              </a:rPr>
+              <a:t>받아옴</a:t>
+            </a:r>
+            <a:endParaRPr lang="en-US" altLang="ko-KR" sz="1600" dirty="0">
+              <a:solidFill>
+                <a:srgbClr val="000000"/>
+              </a:solidFill>
+              <a:latin typeface="돋움체" panose="020B0609000101010101" pitchFamily="49" charset="-127"/>
+              <a:ea typeface="돋움체" panose="020B0609000101010101" pitchFamily="49" charset="-127"/>
+            </a:endParaRPr>
+          </a:p>
+          <a:p>
+            <a:r>
+              <a:rPr lang="en-US" altLang="ko-KR" sz="1600" dirty="0">
+                <a:solidFill>
+                  <a:srgbClr val="0000FF"/>
+                </a:solidFill>
+                <a:latin typeface="돋움체" panose="020B0609000101010101" pitchFamily="49" charset="-127"/>
+                <a:ea typeface="돋움체" panose="020B0609000101010101" pitchFamily="49" charset="-127"/>
+              </a:rPr>
+              <a:t>for</a:t>
+            </a:r>
+            <a:r>
+              <a:rPr lang="en-US" altLang="ko-KR" sz="1600" dirty="0">
+                <a:solidFill>
+                  <a:srgbClr val="000000"/>
+                </a:solidFill>
+                <a:latin typeface="돋움체" panose="020B0609000101010101" pitchFamily="49" charset="-127"/>
+                <a:ea typeface="돋움체" panose="020B0609000101010101" pitchFamily="49" charset="-127"/>
+              </a:rPr>
+              <a:t> (</a:t>
+            </a:r>
+            <a:r>
+              <a:rPr lang="en-US" altLang="ko-KR" sz="1600" dirty="0">
+                <a:solidFill>
+                  <a:srgbClr val="0000FF"/>
+                </a:solidFill>
+                <a:latin typeface="돋움체" panose="020B0609000101010101" pitchFamily="49" charset="-127"/>
+                <a:ea typeface="돋움체" panose="020B0609000101010101" pitchFamily="49" charset="-127"/>
+              </a:rPr>
+              <a:t>int</a:t>
+            </a:r>
+            <a:r>
+              <a:rPr lang="en-US" altLang="ko-KR" sz="1600" dirty="0">
+                <a:solidFill>
+                  <a:srgbClr val="000000"/>
+                </a:solidFill>
+                <a:latin typeface="돋움체" panose="020B0609000101010101" pitchFamily="49" charset="-127"/>
+                <a:ea typeface="돋움체" panose="020B0609000101010101" pitchFamily="49" charset="-127"/>
+              </a:rPr>
+              <a:t> </a:t>
+            </a:r>
+            <a:r>
+              <a:rPr lang="en-US" altLang="ko-KR" sz="1600" dirty="0" err="1">
+                <a:solidFill>
+                  <a:srgbClr val="000000"/>
+                </a:solidFill>
+                <a:latin typeface="돋움체" panose="020B0609000101010101" pitchFamily="49" charset="-127"/>
+                <a:ea typeface="돋움체" panose="020B0609000101010101" pitchFamily="49" charset="-127"/>
+              </a:rPr>
+              <a:t>i</a:t>
+            </a:r>
+            <a:r>
+              <a:rPr lang="en-US" altLang="ko-KR" sz="1600" dirty="0">
+                <a:solidFill>
+                  <a:srgbClr val="000000"/>
+                </a:solidFill>
+                <a:latin typeface="돋움체" panose="020B0609000101010101" pitchFamily="49" charset="-127"/>
+                <a:ea typeface="돋움체" panose="020B0609000101010101" pitchFamily="49" charset="-127"/>
+              </a:rPr>
+              <a:t> = 0; </a:t>
+            </a:r>
+            <a:r>
+              <a:rPr lang="en-US" altLang="ko-KR" sz="1600" dirty="0" err="1">
+                <a:solidFill>
+                  <a:srgbClr val="000000"/>
+                </a:solidFill>
+                <a:latin typeface="돋움체" panose="020B0609000101010101" pitchFamily="49" charset="-127"/>
+                <a:ea typeface="돋움체" panose="020B0609000101010101" pitchFamily="49" charset="-127"/>
+              </a:rPr>
+              <a:t>i</a:t>
+            </a:r>
+            <a:r>
+              <a:rPr lang="en-US" altLang="ko-KR" sz="1600" dirty="0">
+                <a:solidFill>
+                  <a:srgbClr val="000000"/>
+                </a:solidFill>
+                <a:latin typeface="돋움체" panose="020B0609000101010101" pitchFamily="49" charset="-127"/>
+                <a:ea typeface="돋움체" panose="020B0609000101010101" pitchFamily="49" charset="-127"/>
+              </a:rPr>
+              <a:t> &lt; </a:t>
+            </a:r>
+            <a:r>
+              <a:rPr lang="en-US" altLang="ko-KR" sz="1600" dirty="0" err="1">
+                <a:solidFill>
+                  <a:srgbClr val="000000"/>
+                </a:solidFill>
+                <a:latin typeface="돋움체" panose="020B0609000101010101" pitchFamily="49" charset="-127"/>
+                <a:ea typeface="돋움체" panose="020B0609000101010101" pitchFamily="49" charset="-127"/>
+              </a:rPr>
+              <a:t>tuplesCount</a:t>
+            </a:r>
+            <a:r>
+              <a:rPr lang="en-US" altLang="ko-KR" sz="1600" dirty="0">
+                <a:solidFill>
+                  <a:srgbClr val="000000"/>
+                </a:solidFill>
+                <a:latin typeface="돋움체" panose="020B0609000101010101" pitchFamily="49" charset="-127"/>
+                <a:ea typeface="돋움체" panose="020B0609000101010101" pitchFamily="49" charset="-127"/>
+              </a:rPr>
+              <a:t>; </a:t>
+            </a:r>
+            <a:r>
+              <a:rPr lang="en-US" altLang="ko-KR" sz="1600" dirty="0" err="1">
+                <a:solidFill>
+                  <a:srgbClr val="000000"/>
+                </a:solidFill>
+                <a:latin typeface="돋움체" panose="020B0609000101010101" pitchFamily="49" charset="-127"/>
+                <a:ea typeface="돋움체" panose="020B0609000101010101" pitchFamily="49" charset="-127"/>
+              </a:rPr>
+              <a:t>i</a:t>
+            </a:r>
+            <a:r>
+              <a:rPr lang="en-US" altLang="ko-KR" sz="1600" dirty="0">
+                <a:solidFill>
+                  <a:srgbClr val="000000"/>
+                </a:solidFill>
+                <a:latin typeface="돋움체" panose="020B0609000101010101" pitchFamily="49" charset="-127"/>
+                <a:ea typeface="돋움체" panose="020B0609000101010101" pitchFamily="49" charset="-127"/>
+              </a:rPr>
+              <a:t>++) {//</a:t>
+            </a:r>
+            <a:r>
+              <a:rPr lang="ko-KR" altLang="en-US" sz="1600" dirty="0">
+                <a:solidFill>
+                  <a:srgbClr val="000000"/>
+                </a:solidFill>
+                <a:latin typeface="돋움체" panose="020B0609000101010101" pitchFamily="49" charset="-127"/>
+                <a:ea typeface="돋움체" panose="020B0609000101010101" pitchFamily="49" charset="-127"/>
+              </a:rPr>
+              <a:t>커플현황 개수만큼 반복</a:t>
+            </a:r>
+            <a:endParaRPr lang="en-US" altLang="ko-KR" sz="1600" dirty="0">
+              <a:solidFill>
+                <a:srgbClr val="000000"/>
+              </a:solidFill>
+              <a:latin typeface="돋움체" panose="020B0609000101010101" pitchFamily="49" charset="-127"/>
+              <a:ea typeface="돋움체" panose="020B0609000101010101" pitchFamily="49" charset="-127"/>
+            </a:endParaRPr>
+          </a:p>
+          <a:p>
+            <a:r>
+              <a:rPr lang="en-US" altLang="ko-KR" sz="1600" dirty="0">
+                <a:solidFill>
+                  <a:srgbClr val="6F008A"/>
+                </a:solidFill>
+                <a:latin typeface="돋움체" panose="020B0609000101010101" pitchFamily="49" charset="-127"/>
+                <a:ea typeface="돋움체" panose="020B0609000101010101" pitchFamily="49" charset="-127"/>
+              </a:rPr>
+              <a:t>GLOBAL_VAR</a:t>
+            </a:r>
+            <a:r>
+              <a:rPr lang="en-US" altLang="ko-KR" sz="1600" dirty="0">
+                <a:solidFill>
+                  <a:srgbClr val="000000"/>
+                </a:solidFill>
+                <a:latin typeface="돋움체" panose="020B0609000101010101" pitchFamily="49" charset="-127"/>
+                <a:ea typeface="돋움체" panose="020B0609000101010101" pitchFamily="49" charset="-127"/>
+              </a:rPr>
+              <a:t>-&gt;</a:t>
+            </a:r>
+            <a:r>
+              <a:rPr lang="en-US" altLang="ko-KR" sz="1600" dirty="0" err="1">
+                <a:solidFill>
+                  <a:srgbClr val="000000"/>
+                </a:solidFill>
+                <a:latin typeface="돋움체" panose="020B0609000101010101" pitchFamily="49" charset="-127"/>
+                <a:ea typeface="돋움체" panose="020B0609000101010101" pitchFamily="49" charset="-127"/>
+              </a:rPr>
+              <a:t>pgconn</a:t>
+            </a:r>
+            <a:r>
+              <a:rPr lang="en-US" altLang="ko-KR" sz="1600" dirty="0">
+                <a:solidFill>
+                  <a:srgbClr val="000000"/>
+                </a:solidFill>
+                <a:latin typeface="돋움체" panose="020B0609000101010101" pitchFamily="49" charset="-127"/>
+                <a:ea typeface="돋움체" panose="020B0609000101010101" pitchFamily="49" charset="-127"/>
+              </a:rPr>
+              <a:t>-&gt;</a:t>
+            </a:r>
+            <a:r>
+              <a:rPr lang="en-US" altLang="ko-KR" sz="1600" dirty="0" err="1">
+                <a:solidFill>
+                  <a:srgbClr val="000000"/>
+                </a:solidFill>
+                <a:latin typeface="돋움체" panose="020B0609000101010101" pitchFamily="49" charset="-127"/>
+                <a:ea typeface="돋움체" panose="020B0609000101010101" pitchFamily="49" charset="-127"/>
+              </a:rPr>
+              <a:t>SendQuery</a:t>
+            </a:r>
+            <a:r>
+              <a:rPr lang="en-US" altLang="ko-KR" sz="1600" dirty="0">
+                <a:solidFill>
+                  <a:srgbClr val="000000"/>
+                </a:solidFill>
+                <a:latin typeface="돋움체" panose="020B0609000101010101" pitchFamily="49" charset="-127"/>
+                <a:ea typeface="돋움체" panose="020B0609000101010101" pitchFamily="49" charset="-127"/>
+              </a:rPr>
+              <a:t>(</a:t>
+            </a:r>
+            <a:r>
+              <a:rPr lang="en-US" altLang="ko-KR" sz="1600" dirty="0">
+                <a:solidFill>
+                  <a:srgbClr val="A31515"/>
+                </a:solidFill>
+                <a:latin typeface="돋움체" panose="020B0609000101010101" pitchFamily="49" charset="-127"/>
+                <a:ea typeface="돋움체" panose="020B0609000101010101" pitchFamily="49" charset="-127"/>
+              </a:rPr>
+              <a:t>"SELECT </a:t>
+            </a:r>
+            <a:r>
+              <a:rPr lang="en-US" altLang="ko-KR" sz="1600" dirty="0" err="1">
+                <a:solidFill>
+                  <a:srgbClr val="A31515"/>
+                </a:solidFill>
+                <a:latin typeface="돋움체" panose="020B0609000101010101" pitchFamily="49" charset="-127"/>
+                <a:ea typeface="돋움체" panose="020B0609000101010101" pitchFamily="49" charset="-127"/>
+              </a:rPr>
+              <a:t>p.send_object_id</a:t>
+            </a:r>
+            <a:r>
+              <a:rPr lang="en-US" altLang="ko-KR" sz="1600" dirty="0">
+                <a:solidFill>
+                  <a:srgbClr val="A31515"/>
+                </a:solidFill>
+                <a:latin typeface="돋움체" panose="020B0609000101010101" pitchFamily="49" charset="-127"/>
+                <a:ea typeface="돋움체" panose="020B0609000101010101" pitchFamily="49" charset="-127"/>
+              </a:rPr>
+              <a:t>, </a:t>
+            </a:r>
+            <a:r>
+              <a:rPr lang="en-US" altLang="ko-KR" sz="1600" dirty="0" err="1">
+                <a:solidFill>
+                  <a:srgbClr val="A31515"/>
+                </a:solidFill>
+                <a:latin typeface="돋움체" panose="020B0609000101010101" pitchFamily="49" charset="-127"/>
+                <a:ea typeface="돋움체" panose="020B0609000101010101" pitchFamily="49" charset="-127"/>
+              </a:rPr>
+              <a:t>send_obj.object_type</a:t>
+            </a:r>
+            <a:r>
+              <a:rPr lang="en-US" altLang="ko-KR" sz="1600" dirty="0">
+                <a:solidFill>
+                  <a:srgbClr val="A31515"/>
+                </a:solidFill>
+                <a:latin typeface="돋움체" panose="020B0609000101010101" pitchFamily="49" charset="-127"/>
+                <a:ea typeface="돋움체" panose="020B0609000101010101" pitchFamily="49" charset="-127"/>
+              </a:rPr>
+              <a:t>, </a:t>
+            </a:r>
+            <a:r>
+              <a:rPr lang="en-US" altLang="ko-KR" sz="1600" dirty="0" err="1">
+                <a:solidFill>
+                  <a:srgbClr val="A31515"/>
+                </a:solidFill>
+                <a:latin typeface="돋움체" panose="020B0609000101010101" pitchFamily="49" charset="-127"/>
+                <a:ea typeface="돋움체" panose="020B0609000101010101" pitchFamily="49" charset="-127"/>
+              </a:rPr>
+              <a:t>p.receive_object_id</a:t>
+            </a:r>
+            <a:r>
+              <a:rPr lang="en-US" altLang="ko-KR" sz="1600" dirty="0">
+                <a:solidFill>
+                  <a:srgbClr val="A31515"/>
+                </a:solidFill>
+                <a:latin typeface="돋움체" panose="020B0609000101010101" pitchFamily="49" charset="-127"/>
+                <a:ea typeface="돋움체" panose="020B0609000101010101" pitchFamily="49" charset="-127"/>
+              </a:rPr>
+              <a:t>, </a:t>
+            </a:r>
+            <a:r>
+              <a:rPr lang="en-US" altLang="ko-KR" sz="1600" dirty="0" err="1">
+                <a:solidFill>
+                  <a:srgbClr val="A31515"/>
+                </a:solidFill>
+                <a:latin typeface="돋움체" panose="020B0609000101010101" pitchFamily="49" charset="-127"/>
+                <a:ea typeface="돋움체" panose="020B0609000101010101" pitchFamily="49" charset="-127"/>
+              </a:rPr>
+              <a:t>receive_obj.object_type</a:t>
+            </a:r>
+            <a:r>
+              <a:rPr lang="en-US" altLang="ko-KR" sz="1600" dirty="0">
+                <a:solidFill>
+                  <a:srgbClr val="A31515"/>
+                </a:solidFill>
+                <a:latin typeface="돋움체" panose="020B0609000101010101" pitchFamily="49" charset="-127"/>
+                <a:ea typeface="돋움체" panose="020B0609000101010101" pitchFamily="49" charset="-127"/>
+              </a:rPr>
+              <a:t> FROM \"</a:t>
+            </a:r>
+            <a:r>
+              <a:rPr lang="en-US" altLang="ko-KR" sz="1600" dirty="0" err="1">
+                <a:solidFill>
+                  <a:srgbClr val="A31515"/>
+                </a:solidFill>
+                <a:latin typeface="돋움체" panose="020B0609000101010101" pitchFamily="49" charset="-127"/>
+                <a:ea typeface="돋움체" panose="020B0609000101010101" pitchFamily="49" charset="-127"/>
+              </a:rPr>
+              <a:t>obj_coup_list</a:t>
+            </a:r>
+            <a:r>
+              <a:rPr lang="en-US" altLang="ko-KR" sz="1600" dirty="0">
+                <a:solidFill>
+                  <a:srgbClr val="A31515"/>
+                </a:solidFill>
+                <a:latin typeface="돋움체" panose="020B0609000101010101" pitchFamily="49" charset="-127"/>
+                <a:ea typeface="돋움체" panose="020B0609000101010101" pitchFamily="49" charset="-127"/>
+              </a:rPr>
+              <a:t>"</a:t>
+            </a:r>
+            <a:r>
+              <a:rPr lang="en-US" altLang="ko-KR" sz="1600" dirty="0">
+                <a:solidFill>
+                  <a:srgbClr val="000000"/>
+                </a:solidFill>
+                <a:latin typeface="돋움체" panose="020B0609000101010101" pitchFamily="49" charset="-127"/>
+                <a:ea typeface="돋움체" panose="020B0609000101010101" pitchFamily="49" charset="-127"/>
+              </a:rPr>
+              <a:t> </a:t>
+            </a:r>
+            <a:r>
+              <a:rPr lang="en-US" altLang="ko-KR" sz="1600" dirty="0">
+                <a:solidFill>
+                  <a:srgbClr val="008080"/>
+                </a:solidFill>
+                <a:latin typeface="돋움체" panose="020B0609000101010101" pitchFamily="49" charset="-127"/>
+                <a:ea typeface="돋움체" panose="020B0609000101010101" pitchFamily="49" charset="-127"/>
+              </a:rPr>
+              <a:t>+</a:t>
+            </a:r>
+            <a:r>
+              <a:rPr lang="en-US" altLang="ko-KR" sz="1600" dirty="0">
+                <a:solidFill>
+                  <a:srgbClr val="000000"/>
+                </a:solidFill>
+                <a:latin typeface="돋움체" panose="020B0609000101010101" pitchFamily="49" charset="-127"/>
+                <a:ea typeface="돋움체" panose="020B0609000101010101" pitchFamily="49" charset="-127"/>
+              </a:rPr>
+              <a:t> …………..</a:t>
+            </a:r>
+            <a:r>
+              <a:rPr lang="en-US" altLang="ko-KR" sz="1600" dirty="0">
+                <a:solidFill>
+                  <a:srgbClr val="A31515"/>
+                </a:solidFill>
+                <a:latin typeface="돋움체" panose="020B0609000101010101" pitchFamily="49" charset="-127"/>
+                <a:ea typeface="돋움체" panose="020B0609000101010101" pitchFamily="49" charset="-127"/>
+              </a:rPr>
+              <a:t>"</a:t>
+            </a:r>
+            <a:r>
+              <a:rPr lang="en-US" altLang="ko-KR" sz="1600" dirty="0">
+                <a:solidFill>
+                  <a:srgbClr val="000000"/>
+                </a:solidFill>
+                <a:latin typeface="돋움체" panose="020B0609000101010101" pitchFamily="49" charset="-127"/>
+                <a:ea typeface="돋움체" panose="020B0609000101010101" pitchFamily="49" charset="-127"/>
+              </a:rPr>
+              <a:t>);</a:t>
+            </a:r>
+          </a:p>
+          <a:p>
+            <a:r>
+              <a:rPr lang="en-US" altLang="ko-KR" sz="1600" dirty="0" err="1">
+                <a:solidFill>
+                  <a:srgbClr val="000000"/>
+                </a:solidFill>
+                <a:latin typeface="돋움체" panose="020B0609000101010101" pitchFamily="49" charset="-127"/>
+                <a:ea typeface="돋움체" panose="020B0609000101010101" pitchFamily="49" charset="-127"/>
+              </a:rPr>
+              <a:t>sendNum</a:t>
+            </a:r>
+            <a:r>
+              <a:rPr lang="en-US" altLang="ko-KR" sz="1600" dirty="0">
+                <a:solidFill>
+                  <a:srgbClr val="000000"/>
+                </a:solidFill>
+                <a:latin typeface="돋움체" panose="020B0609000101010101" pitchFamily="49" charset="-127"/>
+                <a:ea typeface="돋움체" panose="020B0609000101010101" pitchFamily="49" charset="-127"/>
+              </a:rPr>
+              <a:t> = std::</a:t>
+            </a:r>
+            <a:r>
+              <a:rPr lang="en-US" altLang="ko-KR" sz="1600" dirty="0" err="1">
+                <a:solidFill>
+                  <a:srgbClr val="000000"/>
+                </a:solidFill>
+                <a:latin typeface="돋움체" panose="020B0609000101010101" pitchFamily="49" charset="-127"/>
+                <a:ea typeface="돋움체" panose="020B0609000101010101" pitchFamily="49" charset="-127"/>
+              </a:rPr>
+              <a:t>stoi</a:t>
+            </a:r>
+            <a:r>
+              <a:rPr lang="en-US" altLang="ko-KR" sz="1600" dirty="0">
+                <a:solidFill>
+                  <a:srgbClr val="000000"/>
+                </a:solidFill>
+                <a:latin typeface="돋움체" panose="020B0609000101010101" pitchFamily="49" charset="-127"/>
+                <a:ea typeface="돋움체" panose="020B0609000101010101" pitchFamily="49" charset="-127"/>
+              </a:rPr>
+              <a:t>(</a:t>
+            </a:r>
+            <a:r>
+              <a:rPr lang="en-US" altLang="ko-KR" sz="1600" dirty="0" err="1">
+                <a:solidFill>
+                  <a:srgbClr val="000000"/>
+                </a:solidFill>
+                <a:latin typeface="돋움체" panose="020B0609000101010101" pitchFamily="49" charset="-127"/>
+                <a:ea typeface="돋움체" panose="020B0609000101010101" pitchFamily="49" charset="-127"/>
+              </a:rPr>
+              <a:t>PQgetvalue</a:t>
+            </a:r>
+            <a:r>
+              <a:rPr lang="en-US" altLang="ko-KR" sz="1600" dirty="0">
+                <a:solidFill>
+                  <a:srgbClr val="000000"/>
+                </a:solidFill>
+                <a:latin typeface="돋움체" panose="020B0609000101010101" pitchFamily="49" charset="-127"/>
+                <a:ea typeface="돋움체" panose="020B0609000101010101" pitchFamily="49" charset="-127"/>
+              </a:rPr>
+              <a:t>(</a:t>
+            </a:r>
+            <a:r>
+              <a:rPr lang="en-US" altLang="ko-KR" sz="1600" dirty="0">
+                <a:solidFill>
+                  <a:srgbClr val="6F008A"/>
+                </a:solidFill>
+                <a:latin typeface="돋움체" panose="020B0609000101010101" pitchFamily="49" charset="-127"/>
+                <a:ea typeface="돋움체" panose="020B0609000101010101" pitchFamily="49" charset="-127"/>
+              </a:rPr>
+              <a:t>GLOBAL_VAR</a:t>
+            </a:r>
+            <a:r>
+              <a:rPr lang="en-US" altLang="ko-KR" sz="1600" dirty="0">
+                <a:solidFill>
+                  <a:srgbClr val="000000"/>
+                </a:solidFill>
+                <a:latin typeface="돋움체" panose="020B0609000101010101" pitchFamily="49" charset="-127"/>
+                <a:ea typeface="돋움체" panose="020B0609000101010101" pitchFamily="49" charset="-127"/>
+              </a:rPr>
+              <a:t>-&gt;</a:t>
+            </a:r>
+            <a:r>
+              <a:rPr lang="en-US" altLang="ko-KR" sz="1600" dirty="0" err="1">
+                <a:solidFill>
+                  <a:srgbClr val="000000"/>
+                </a:solidFill>
+                <a:latin typeface="돋움체" panose="020B0609000101010101" pitchFamily="49" charset="-127"/>
+                <a:ea typeface="돋움체" panose="020B0609000101010101" pitchFamily="49" charset="-127"/>
+              </a:rPr>
+              <a:t>pgconn</a:t>
+            </a:r>
+            <a:r>
+              <a:rPr lang="en-US" altLang="ko-KR" sz="1600" dirty="0">
+                <a:solidFill>
+                  <a:srgbClr val="000000"/>
+                </a:solidFill>
+                <a:latin typeface="돋움체" panose="020B0609000101010101" pitchFamily="49" charset="-127"/>
+                <a:ea typeface="돋움체" panose="020B0609000101010101" pitchFamily="49" charset="-127"/>
+              </a:rPr>
+              <a:t>-&gt;</a:t>
+            </a:r>
+            <a:r>
+              <a:rPr lang="en-US" altLang="ko-KR" sz="1600" dirty="0" err="1">
+                <a:solidFill>
+                  <a:srgbClr val="000000"/>
+                </a:solidFill>
+                <a:latin typeface="돋움체" panose="020B0609000101010101" pitchFamily="49" charset="-127"/>
+                <a:ea typeface="돋움체" panose="020B0609000101010101" pitchFamily="49" charset="-127"/>
+              </a:rPr>
+              <a:t>GetSQLResult</a:t>
+            </a:r>
+            <a:r>
+              <a:rPr lang="en-US" altLang="ko-KR" sz="1600" dirty="0">
+                <a:solidFill>
+                  <a:srgbClr val="000000"/>
+                </a:solidFill>
+                <a:latin typeface="돋움체" panose="020B0609000101010101" pitchFamily="49" charset="-127"/>
+                <a:ea typeface="돋움체" panose="020B0609000101010101" pitchFamily="49" charset="-127"/>
+              </a:rPr>
+              <a:t>(), </a:t>
+            </a:r>
+            <a:r>
+              <a:rPr lang="en-US" altLang="ko-KR" sz="1600" dirty="0" err="1">
+                <a:solidFill>
+                  <a:srgbClr val="000000"/>
+                </a:solidFill>
+                <a:latin typeface="돋움체" panose="020B0609000101010101" pitchFamily="49" charset="-127"/>
+                <a:ea typeface="돋움체" panose="020B0609000101010101" pitchFamily="49" charset="-127"/>
+              </a:rPr>
+              <a:t>i</a:t>
+            </a:r>
+            <a:r>
+              <a:rPr lang="en-US" altLang="ko-KR" sz="1600" dirty="0">
+                <a:solidFill>
+                  <a:srgbClr val="000000"/>
+                </a:solidFill>
+                <a:latin typeface="돋움체" panose="020B0609000101010101" pitchFamily="49" charset="-127"/>
+                <a:ea typeface="돋움체" panose="020B0609000101010101" pitchFamily="49" charset="-127"/>
+              </a:rPr>
+              <a:t>, 0));</a:t>
+            </a:r>
+          </a:p>
+          <a:p>
+            <a:r>
+              <a:rPr lang="en-US" altLang="ko-KR" sz="1600" dirty="0" err="1">
+                <a:solidFill>
+                  <a:srgbClr val="000000"/>
+                </a:solidFill>
+                <a:latin typeface="돋움체" panose="020B0609000101010101" pitchFamily="49" charset="-127"/>
+                <a:ea typeface="돋움체" panose="020B0609000101010101" pitchFamily="49" charset="-127"/>
+              </a:rPr>
+              <a:t>sendType</a:t>
+            </a:r>
+            <a:r>
+              <a:rPr lang="en-US" altLang="ko-KR" sz="1600" dirty="0">
+                <a:solidFill>
+                  <a:srgbClr val="000000"/>
+                </a:solidFill>
+                <a:latin typeface="돋움체" panose="020B0609000101010101" pitchFamily="49" charset="-127"/>
+                <a:ea typeface="돋움체" panose="020B0609000101010101" pitchFamily="49" charset="-127"/>
+              </a:rPr>
+              <a:t> </a:t>
+            </a:r>
+            <a:r>
+              <a:rPr lang="en-US" altLang="ko-KR" sz="1600" dirty="0">
+                <a:solidFill>
+                  <a:srgbClr val="008080"/>
+                </a:solidFill>
+                <a:latin typeface="돋움체" panose="020B0609000101010101" pitchFamily="49" charset="-127"/>
+                <a:ea typeface="돋움체" panose="020B0609000101010101" pitchFamily="49" charset="-127"/>
+              </a:rPr>
+              <a:t>=</a:t>
+            </a:r>
+            <a:r>
+              <a:rPr lang="en-US" altLang="ko-KR" sz="1600" dirty="0">
+                <a:solidFill>
+                  <a:srgbClr val="000000"/>
+                </a:solidFill>
+                <a:latin typeface="돋움체" panose="020B0609000101010101" pitchFamily="49" charset="-127"/>
+                <a:ea typeface="돋움체" panose="020B0609000101010101" pitchFamily="49" charset="-127"/>
+              </a:rPr>
+              <a:t> </a:t>
+            </a:r>
+            <a:r>
+              <a:rPr lang="en-US" altLang="ko-KR" sz="1600" dirty="0" err="1">
+                <a:solidFill>
+                  <a:srgbClr val="000000"/>
+                </a:solidFill>
+                <a:latin typeface="돋움체" panose="020B0609000101010101" pitchFamily="49" charset="-127"/>
+                <a:ea typeface="돋움체" panose="020B0609000101010101" pitchFamily="49" charset="-127"/>
+              </a:rPr>
+              <a:t>PQgetvalue</a:t>
+            </a:r>
+            <a:r>
+              <a:rPr lang="en-US" altLang="ko-KR" sz="1600" dirty="0">
+                <a:solidFill>
+                  <a:srgbClr val="000000"/>
+                </a:solidFill>
+                <a:latin typeface="돋움체" panose="020B0609000101010101" pitchFamily="49" charset="-127"/>
+                <a:ea typeface="돋움체" panose="020B0609000101010101" pitchFamily="49" charset="-127"/>
+              </a:rPr>
+              <a:t>(</a:t>
+            </a:r>
+            <a:r>
+              <a:rPr lang="en-US" altLang="ko-KR" sz="1600" dirty="0">
+                <a:solidFill>
+                  <a:srgbClr val="6F008A"/>
+                </a:solidFill>
+                <a:latin typeface="돋움체" panose="020B0609000101010101" pitchFamily="49" charset="-127"/>
+                <a:ea typeface="돋움체" panose="020B0609000101010101" pitchFamily="49" charset="-127"/>
+              </a:rPr>
+              <a:t>GLOBAL_VAR</a:t>
+            </a:r>
+            <a:r>
+              <a:rPr lang="en-US" altLang="ko-KR" sz="1600" dirty="0">
+                <a:solidFill>
+                  <a:srgbClr val="000000"/>
+                </a:solidFill>
+                <a:latin typeface="돋움체" panose="020B0609000101010101" pitchFamily="49" charset="-127"/>
+                <a:ea typeface="돋움체" panose="020B0609000101010101" pitchFamily="49" charset="-127"/>
+              </a:rPr>
+              <a:t>-&gt;</a:t>
+            </a:r>
+            <a:r>
+              <a:rPr lang="en-US" altLang="ko-KR" sz="1600" dirty="0" err="1">
+                <a:solidFill>
+                  <a:srgbClr val="000000"/>
+                </a:solidFill>
+                <a:latin typeface="돋움체" panose="020B0609000101010101" pitchFamily="49" charset="-127"/>
+                <a:ea typeface="돋움체" panose="020B0609000101010101" pitchFamily="49" charset="-127"/>
+              </a:rPr>
+              <a:t>pgconn</a:t>
+            </a:r>
+            <a:r>
+              <a:rPr lang="en-US" altLang="ko-KR" sz="1600" dirty="0">
+                <a:solidFill>
+                  <a:srgbClr val="000000"/>
+                </a:solidFill>
+                <a:latin typeface="돋움체" panose="020B0609000101010101" pitchFamily="49" charset="-127"/>
+                <a:ea typeface="돋움체" panose="020B0609000101010101" pitchFamily="49" charset="-127"/>
+              </a:rPr>
+              <a:t>-&gt;</a:t>
+            </a:r>
+            <a:r>
+              <a:rPr lang="en-US" altLang="ko-KR" sz="1600" dirty="0" err="1">
+                <a:solidFill>
+                  <a:srgbClr val="000000"/>
+                </a:solidFill>
+                <a:latin typeface="돋움체" panose="020B0609000101010101" pitchFamily="49" charset="-127"/>
+                <a:ea typeface="돋움체" panose="020B0609000101010101" pitchFamily="49" charset="-127"/>
+              </a:rPr>
+              <a:t>GetSQLResult</a:t>
+            </a:r>
+            <a:r>
+              <a:rPr lang="en-US" altLang="ko-KR" sz="1600" dirty="0">
+                <a:solidFill>
+                  <a:srgbClr val="000000"/>
+                </a:solidFill>
+                <a:latin typeface="돋움체" panose="020B0609000101010101" pitchFamily="49" charset="-127"/>
+                <a:ea typeface="돋움체" panose="020B0609000101010101" pitchFamily="49" charset="-127"/>
+              </a:rPr>
+              <a:t>(), </a:t>
+            </a:r>
+            <a:r>
+              <a:rPr lang="en-US" altLang="ko-KR" sz="1600" dirty="0" err="1">
+                <a:solidFill>
+                  <a:srgbClr val="000000"/>
+                </a:solidFill>
+                <a:latin typeface="돋움체" panose="020B0609000101010101" pitchFamily="49" charset="-127"/>
+                <a:ea typeface="돋움체" panose="020B0609000101010101" pitchFamily="49" charset="-127"/>
+              </a:rPr>
+              <a:t>i</a:t>
+            </a:r>
+            <a:r>
+              <a:rPr lang="en-US" altLang="ko-KR" sz="1600" dirty="0">
+                <a:solidFill>
+                  <a:srgbClr val="000000"/>
+                </a:solidFill>
+                <a:latin typeface="돋움체" panose="020B0609000101010101" pitchFamily="49" charset="-127"/>
+                <a:ea typeface="돋움체" panose="020B0609000101010101" pitchFamily="49" charset="-127"/>
+              </a:rPr>
+              <a:t>, 1);</a:t>
+            </a:r>
+          </a:p>
+          <a:p>
+            <a:r>
+              <a:rPr lang="en-US" altLang="ko-KR" sz="1600" dirty="0" err="1">
+                <a:solidFill>
+                  <a:srgbClr val="000000"/>
+                </a:solidFill>
+                <a:latin typeface="돋움체" panose="020B0609000101010101" pitchFamily="49" charset="-127"/>
+                <a:ea typeface="돋움체" panose="020B0609000101010101" pitchFamily="49" charset="-127"/>
+              </a:rPr>
+              <a:t>receiveNum</a:t>
+            </a:r>
+            <a:r>
+              <a:rPr lang="en-US" altLang="ko-KR" sz="1600" dirty="0">
+                <a:solidFill>
+                  <a:srgbClr val="000000"/>
+                </a:solidFill>
+                <a:latin typeface="돋움체" panose="020B0609000101010101" pitchFamily="49" charset="-127"/>
+                <a:ea typeface="돋움체" panose="020B0609000101010101" pitchFamily="49" charset="-127"/>
+              </a:rPr>
+              <a:t> = std::</a:t>
+            </a:r>
+            <a:r>
+              <a:rPr lang="en-US" altLang="ko-KR" sz="1600" dirty="0" err="1">
+                <a:solidFill>
+                  <a:srgbClr val="000000"/>
+                </a:solidFill>
+                <a:latin typeface="돋움체" panose="020B0609000101010101" pitchFamily="49" charset="-127"/>
+                <a:ea typeface="돋움체" panose="020B0609000101010101" pitchFamily="49" charset="-127"/>
+              </a:rPr>
+              <a:t>stoi</a:t>
+            </a:r>
+            <a:r>
+              <a:rPr lang="en-US" altLang="ko-KR" sz="1600" dirty="0">
+                <a:solidFill>
+                  <a:srgbClr val="000000"/>
+                </a:solidFill>
+                <a:latin typeface="돋움체" panose="020B0609000101010101" pitchFamily="49" charset="-127"/>
+                <a:ea typeface="돋움체" panose="020B0609000101010101" pitchFamily="49" charset="-127"/>
+              </a:rPr>
+              <a:t>(</a:t>
+            </a:r>
+            <a:r>
+              <a:rPr lang="en-US" altLang="ko-KR" sz="1600" dirty="0" err="1">
+                <a:solidFill>
+                  <a:srgbClr val="000000"/>
+                </a:solidFill>
+                <a:latin typeface="돋움체" panose="020B0609000101010101" pitchFamily="49" charset="-127"/>
+                <a:ea typeface="돋움체" panose="020B0609000101010101" pitchFamily="49" charset="-127"/>
+              </a:rPr>
+              <a:t>PQgetvalue</a:t>
+            </a:r>
+            <a:r>
+              <a:rPr lang="en-US" altLang="ko-KR" sz="1600" dirty="0">
+                <a:solidFill>
+                  <a:srgbClr val="000000"/>
+                </a:solidFill>
+                <a:latin typeface="돋움체" panose="020B0609000101010101" pitchFamily="49" charset="-127"/>
+                <a:ea typeface="돋움체" panose="020B0609000101010101" pitchFamily="49" charset="-127"/>
+              </a:rPr>
+              <a:t>(</a:t>
+            </a:r>
+            <a:r>
+              <a:rPr lang="en-US" altLang="ko-KR" sz="1600" dirty="0">
+                <a:solidFill>
+                  <a:srgbClr val="6F008A"/>
+                </a:solidFill>
+                <a:latin typeface="돋움체" panose="020B0609000101010101" pitchFamily="49" charset="-127"/>
+                <a:ea typeface="돋움체" panose="020B0609000101010101" pitchFamily="49" charset="-127"/>
+              </a:rPr>
+              <a:t>GLOBAL_VAR</a:t>
+            </a:r>
+            <a:r>
+              <a:rPr lang="en-US" altLang="ko-KR" sz="1600" dirty="0">
+                <a:solidFill>
+                  <a:srgbClr val="000000"/>
+                </a:solidFill>
+                <a:latin typeface="돋움체" panose="020B0609000101010101" pitchFamily="49" charset="-127"/>
+                <a:ea typeface="돋움체" panose="020B0609000101010101" pitchFamily="49" charset="-127"/>
+              </a:rPr>
+              <a:t>-&gt;</a:t>
+            </a:r>
+            <a:r>
+              <a:rPr lang="en-US" altLang="ko-KR" sz="1600" dirty="0" err="1">
+                <a:solidFill>
+                  <a:srgbClr val="000000"/>
+                </a:solidFill>
+                <a:latin typeface="돋움체" panose="020B0609000101010101" pitchFamily="49" charset="-127"/>
+                <a:ea typeface="돋움체" panose="020B0609000101010101" pitchFamily="49" charset="-127"/>
+              </a:rPr>
+              <a:t>pgconn</a:t>
+            </a:r>
+            <a:r>
+              <a:rPr lang="en-US" altLang="ko-KR" sz="1600" dirty="0">
+                <a:solidFill>
+                  <a:srgbClr val="000000"/>
+                </a:solidFill>
+                <a:latin typeface="돋움체" panose="020B0609000101010101" pitchFamily="49" charset="-127"/>
+                <a:ea typeface="돋움체" panose="020B0609000101010101" pitchFamily="49" charset="-127"/>
+              </a:rPr>
+              <a:t>-&gt;</a:t>
+            </a:r>
+            <a:r>
+              <a:rPr lang="en-US" altLang="ko-KR" sz="1600" dirty="0" err="1">
+                <a:solidFill>
+                  <a:srgbClr val="000000"/>
+                </a:solidFill>
+                <a:latin typeface="돋움체" panose="020B0609000101010101" pitchFamily="49" charset="-127"/>
+                <a:ea typeface="돋움체" panose="020B0609000101010101" pitchFamily="49" charset="-127"/>
+              </a:rPr>
+              <a:t>GetSQLResult</a:t>
+            </a:r>
+            <a:r>
+              <a:rPr lang="en-US" altLang="ko-KR" sz="1600" dirty="0">
+                <a:solidFill>
+                  <a:srgbClr val="000000"/>
+                </a:solidFill>
+                <a:latin typeface="돋움체" panose="020B0609000101010101" pitchFamily="49" charset="-127"/>
+                <a:ea typeface="돋움체" panose="020B0609000101010101" pitchFamily="49" charset="-127"/>
+              </a:rPr>
+              <a:t>(), </a:t>
+            </a:r>
+            <a:r>
+              <a:rPr lang="en-US" altLang="ko-KR" sz="1600" dirty="0" err="1">
+                <a:solidFill>
+                  <a:srgbClr val="000000"/>
+                </a:solidFill>
+                <a:latin typeface="돋움체" panose="020B0609000101010101" pitchFamily="49" charset="-127"/>
+                <a:ea typeface="돋움체" panose="020B0609000101010101" pitchFamily="49" charset="-127"/>
+              </a:rPr>
+              <a:t>i</a:t>
+            </a:r>
+            <a:r>
+              <a:rPr lang="en-US" altLang="ko-KR" sz="1600" dirty="0">
+                <a:solidFill>
+                  <a:srgbClr val="000000"/>
+                </a:solidFill>
+                <a:latin typeface="돋움체" panose="020B0609000101010101" pitchFamily="49" charset="-127"/>
+                <a:ea typeface="돋움체" panose="020B0609000101010101" pitchFamily="49" charset="-127"/>
+              </a:rPr>
+              <a:t>, 2));</a:t>
+            </a:r>
+          </a:p>
+          <a:p>
+            <a:r>
+              <a:rPr lang="en-US" altLang="ko-KR" sz="1600" dirty="0" err="1">
+                <a:solidFill>
+                  <a:srgbClr val="000000"/>
+                </a:solidFill>
+                <a:latin typeface="돋움체" panose="020B0609000101010101" pitchFamily="49" charset="-127"/>
+                <a:ea typeface="돋움체" panose="020B0609000101010101" pitchFamily="49" charset="-127"/>
+              </a:rPr>
+              <a:t>receiveType</a:t>
+            </a:r>
+            <a:r>
+              <a:rPr lang="en-US" altLang="ko-KR" sz="1600" dirty="0">
+                <a:solidFill>
+                  <a:srgbClr val="000000"/>
+                </a:solidFill>
+                <a:latin typeface="돋움체" panose="020B0609000101010101" pitchFamily="49" charset="-127"/>
+                <a:ea typeface="돋움체" panose="020B0609000101010101" pitchFamily="49" charset="-127"/>
+              </a:rPr>
+              <a:t> </a:t>
+            </a:r>
+            <a:r>
+              <a:rPr lang="en-US" altLang="ko-KR" sz="1600" dirty="0">
+                <a:solidFill>
+                  <a:srgbClr val="008080"/>
+                </a:solidFill>
+                <a:latin typeface="돋움체" panose="020B0609000101010101" pitchFamily="49" charset="-127"/>
+                <a:ea typeface="돋움체" panose="020B0609000101010101" pitchFamily="49" charset="-127"/>
+              </a:rPr>
+              <a:t>=</a:t>
+            </a:r>
+            <a:r>
+              <a:rPr lang="en-US" altLang="ko-KR" sz="1600" dirty="0">
+                <a:solidFill>
+                  <a:srgbClr val="000000"/>
+                </a:solidFill>
+                <a:latin typeface="돋움체" panose="020B0609000101010101" pitchFamily="49" charset="-127"/>
+                <a:ea typeface="돋움체" panose="020B0609000101010101" pitchFamily="49" charset="-127"/>
+              </a:rPr>
+              <a:t> </a:t>
+            </a:r>
+            <a:r>
+              <a:rPr lang="en-US" altLang="ko-KR" sz="1600" dirty="0" err="1">
+                <a:solidFill>
+                  <a:srgbClr val="000000"/>
+                </a:solidFill>
+                <a:latin typeface="돋움체" panose="020B0609000101010101" pitchFamily="49" charset="-127"/>
+                <a:ea typeface="돋움체" panose="020B0609000101010101" pitchFamily="49" charset="-127"/>
+              </a:rPr>
+              <a:t>PQgetvalue</a:t>
+            </a:r>
+            <a:r>
+              <a:rPr lang="en-US" altLang="ko-KR" sz="1600" dirty="0">
+                <a:solidFill>
+                  <a:srgbClr val="000000"/>
+                </a:solidFill>
+                <a:latin typeface="돋움체" panose="020B0609000101010101" pitchFamily="49" charset="-127"/>
+                <a:ea typeface="돋움체" panose="020B0609000101010101" pitchFamily="49" charset="-127"/>
+              </a:rPr>
+              <a:t>(</a:t>
+            </a:r>
+            <a:r>
+              <a:rPr lang="en-US" altLang="ko-KR" sz="1600" dirty="0">
+                <a:solidFill>
+                  <a:srgbClr val="6F008A"/>
+                </a:solidFill>
+                <a:latin typeface="돋움체" panose="020B0609000101010101" pitchFamily="49" charset="-127"/>
+                <a:ea typeface="돋움체" panose="020B0609000101010101" pitchFamily="49" charset="-127"/>
+              </a:rPr>
+              <a:t>GLOBAL_VAR</a:t>
+            </a:r>
+            <a:r>
+              <a:rPr lang="en-US" altLang="ko-KR" sz="1600" dirty="0">
+                <a:solidFill>
+                  <a:srgbClr val="000000"/>
+                </a:solidFill>
+                <a:latin typeface="돋움체" panose="020B0609000101010101" pitchFamily="49" charset="-127"/>
+                <a:ea typeface="돋움체" panose="020B0609000101010101" pitchFamily="49" charset="-127"/>
+              </a:rPr>
+              <a:t>-&gt;</a:t>
+            </a:r>
+            <a:r>
+              <a:rPr lang="en-US" altLang="ko-KR" sz="1600" dirty="0" err="1">
+                <a:solidFill>
+                  <a:srgbClr val="000000"/>
+                </a:solidFill>
+                <a:latin typeface="돋움체" panose="020B0609000101010101" pitchFamily="49" charset="-127"/>
+                <a:ea typeface="돋움체" panose="020B0609000101010101" pitchFamily="49" charset="-127"/>
+              </a:rPr>
+              <a:t>pgconn</a:t>
+            </a:r>
+            <a:r>
+              <a:rPr lang="en-US" altLang="ko-KR" sz="1600" dirty="0">
+                <a:solidFill>
+                  <a:srgbClr val="000000"/>
+                </a:solidFill>
+                <a:latin typeface="돋움체" panose="020B0609000101010101" pitchFamily="49" charset="-127"/>
+                <a:ea typeface="돋움체" panose="020B0609000101010101" pitchFamily="49" charset="-127"/>
+              </a:rPr>
+              <a:t>-&gt;</a:t>
+            </a:r>
+            <a:r>
+              <a:rPr lang="en-US" altLang="ko-KR" sz="1600" dirty="0" err="1">
+                <a:solidFill>
+                  <a:srgbClr val="000000"/>
+                </a:solidFill>
+                <a:latin typeface="돋움체" panose="020B0609000101010101" pitchFamily="49" charset="-127"/>
+                <a:ea typeface="돋움체" panose="020B0609000101010101" pitchFamily="49" charset="-127"/>
+              </a:rPr>
+              <a:t>GetSQLResult</a:t>
+            </a:r>
+            <a:r>
+              <a:rPr lang="en-US" altLang="ko-KR" sz="1600" dirty="0">
+                <a:solidFill>
+                  <a:srgbClr val="000000"/>
+                </a:solidFill>
+                <a:latin typeface="돋움체" panose="020B0609000101010101" pitchFamily="49" charset="-127"/>
+                <a:ea typeface="돋움체" panose="020B0609000101010101" pitchFamily="49" charset="-127"/>
+              </a:rPr>
+              <a:t>(), </a:t>
+            </a:r>
+            <a:r>
+              <a:rPr lang="en-US" altLang="ko-KR" sz="1600" dirty="0" err="1">
+                <a:solidFill>
+                  <a:srgbClr val="000000"/>
+                </a:solidFill>
+                <a:latin typeface="돋움체" panose="020B0609000101010101" pitchFamily="49" charset="-127"/>
+                <a:ea typeface="돋움체" panose="020B0609000101010101" pitchFamily="49" charset="-127"/>
+              </a:rPr>
+              <a:t>i</a:t>
+            </a:r>
+            <a:r>
+              <a:rPr lang="en-US" altLang="ko-KR" sz="1600" dirty="0">
+                <a:solidFill>
+                  <a:srgbClr val="000000"/>
+                </a:solidFill>
+                <a:latin typeface="돋움체" panose="020B0609000101010101" pitchFamily="49" charset="-127"/>
+                <a:ea typeface="돋움체" panose="020B0609000101010101" pitchFamily="49" charset="-127"/>
+              </a:rPr>
+              <a:t>, 3);//</a:t>
+            </a:r>
+            <a:r>
+              <a:rPr lang="ko-KR" altLang="en-US" sz="1600" dirty="0">
+                <a:solidFill>
+                  <a:srgbClr val="000000"/>
+                </a:solidFill>
+                <a:latin typeface="돋움체" panose="020B0609000101010101" pitchFamily="49" charset="-127"/>
+                <a:ea typeface="돋움체" panose="020B0609000101010101" pitchFamily="49" charset="-127"/>
+              </a:rPr>
+              <a:t>쿼리문으로 </a:t>
+            </a:r>
+            <a:r>
+              <a:rPr lang="ko-KR" altLang="en-US" sz="1600" dirty="0" err="1">
+                <a:solidFill>
+                  <a:srgbClr val="000000"/>
+                </a:solidFill>
+                <a:latin typeface="돋움체" panose="020B0609000101010101" pitchFamily="49" charset="-127"/>
+                <a:ea typeface="돋움체" panose="020B0609000101010101" pitchFamily="49" charset="-127"/>
+              </a:rPr>
+              <a:t>보내는모델과</a:t>
+            </a:r>
+            <a:r>
+              <a:rPr lang="ko-KR" altLang="en-US" sz="1600" dirty="0">
+                <a:solidFill>
+                  <a:srgbClr val="000000"/>
+                </a:solidFill>
+                <a:latin typeface="돋움체" panose="020B0609000101010101" pitchFamily="49" charset="-127"/>
+                <a:ea typeface="돋움체" panose="020B0609000101010101" pitchFamily="49" charset="-127"/>
+              </a:rPr>
+              <a:t> </a:t>
+            </a:r>
+            <a:r>
+              <a:rPr lang="ko-KR" altLang="en-US" sz="1600" dirty="0" err="1">
+                <a:solidFill>
+                  <a:srgbClr val="000000"/>
+                </a:solidFill>
+                <a:latin typeface="돋움체" panose="020B0609000101010101" pitchFamily="49" charset="-127"/>
+                <a:ea typeface="돋움체" panose="020B0609000101010101" pitchFamily="49" charset="-127"/>
+              </a:rPr>
+              <a:t>받는모델의</a:t>
+            </a:r>
+            <a:r>
+              <a:rPr lang="ko-KR" altLang="en-US" sz="1600" dirty="0">
+                <a:solidFill>
+                  <a:srgbClr val="000000"/>
+                </a:solidFill>
+                <a:latin typeface="돋움체" panose="020B0609000101010101" pitchFamily="49" charset="-127"/>
+                <a:ea typeface="돋움체" panose="020B0609000101010101" pitchFamily="49" charset="-127"/>
+              </a:rPr>
+              <a:t> 정보 가져옴</a:t>
+            </a:r>
+            <a:endParaRPr lang="en-US" altLang="ko-KR" sz="1600" dirty="0">
+              <a:solidFill>
+                <a:srgbClr val="000000"/>
+              </a:solidFill>
+              <a:latin typeface="돋움체" panose="020B0609000101010101" pitchFamily="49" charset="-127"/>
+              <a:ea typeface="돋움체" panose="020B0609000101010101" pitchFamily="49" charset="-127"/>
+            </a:endParaRPr>
+          </a:p>
+          <a:p>
+            <a:r>
+              <a:rPr lang="en-US" altLang="ko-KR" sz="1600" dirty="0" err="1">
+                <a:solidFill>
+                  <a:srgbClr val="000000"/>
+                </a:solidFill>
+                <a:latin typeface="돋움체" panose="020B0609000101010101" pitchFamily="49" charset="-127"/>
+                <a:ea typeface="돋움체" panose="020B0609000101010101" pitchFamily="49" charset="-127"/>
+              </a:rPr>
+              <a:t>pushMap</a:t>
+            </a:r>
+            <a:r>
+              <a:rPr lang="en-US" altLang="ko-KR" sz="1600" dirty="0">
+                <a:solidFill>
+                  <a:srgbClr val="000000"/>
+                </a:solidFill>
+                <a:latin typeface="돋움체" panose="020B0609000101010101" pitchFamily="49" charset="-127"/>
+                <a:ea typeface="돋움체" panose="020B0609000101010101" pitchFamily="49" charset="-127"/>
+              </a:rPr>
+              <a:t>(</a:t>
+            </a:r>
+            <a:r>
+              <a:rPr lang="en-US" altLang="ko-KR" sz="1600" dirty="0" err="1">
+                <a:solidFill>
+                  <a:srgbClr val="000000"/>
+                </a:solidFill>
+                <a:latin typeface="돋움체" panose="020B0609000101010101" pitchFamily="49" charset="-127"/>
+                <a:ea typeface="돋움체" panose="020B0609000101010101" pitchFamily="49" charset="-127"/>
+              </a:rPr>
+              <a:t>receiveNum</a:t>
+            </a:r>
+            <a:r>
+              <a:rPr lang="en-US" altLang="ko-KR" sz="1600" dirty="0">
+                <a:solidFill>
+                  <a:srgbClr val="000000"/>
+                </a:solidFill>
+                <a:latin typeface="돋움체" panose="020B0609000101010101" pitchFamily="49" charset="-127"/>
+                <a:ea typeface="돋움체" panose="020B0609000101010101" pitchFamily="49" charset="-127"/>
+              </a:rPr>
+              <a:t>, </a:t>
+            </a:r>
+            <a:r>
+              <a:rPr lang="en-US" altLang="ko-KR" sz="1600" dirty="0" err="1">
+                <a:solidFill>
+                  <a:srgbClr val="000000"/>
+                </a:solidFill>
+                <a:latin typeface="돋움체" panose="020B0609000101010101" pitchFamily="49" charset="-127"/>
+                <a:ea typeface="돋움체" panose="020B0609000101010101" pitchFamily="49" charset="-127"/>
+              </a:rPr>
+              <a:t>sendNum</a:t>
+            </a:r>
+            <a:r>
+              <a:rPr lang="en-US" altLang="ko-KR" sz="1600" dirty="0">
+                <a:solidFill>
+                  <a:srgbClr val="000000"/>
+                </a:solidFill>
+                <a:latin typeface="돋움체" panose="020B0609000101010101" pitchFamily="49" charset="-127"/>
+                <a:ea typeface="돋움체" panose="020B0609000101010101" pitchFamily="49" charset="-127"/>
+              </a:rPr>
+              <a:t>);//</a:t>
+            </a:r>
+            <a:r>
+              <a:rPr lang="ko-KR" altLang="en-US" sz="1600" dirty="0" err="1">
+                <a:solidFill>
+                  <a:srgbClr val="000000"/>
+                </a:solidFill>
+                <a:latin typeface="돋움체" panose="020B0609000101010101" pitchFamily="49" charset="-127"/>
+                <a:ea typeface="돋움체" panose="020B0609000101010101" pitchFamily="49" charset="-127"/>
+              </a:rPr>
+              <a:t>받는모델과</a:t>
+            </a:r>
+            <a:r>
+              <a:rPr lang="ko-KR" altLang="en-US" sz="1600" dirty="0">
+                <a:solidFill>
+                  <a:srgbClr val="000000"/>
+                </a:solidFill>
+                <a:latin typeface="돋움체" panose="020B0609000101010101" pitchFamily="49" charset="-127"/>
+                <a:ea typeface="돋움체" panose="020B0609000101010101" pitchFamily="49" charset="-127"/>
+              </a:rPr>
+              <a:t> </a:t>
+            </a:r>
+            <a:r>
+              <a:rPr lang="ko-KR" altLang="en-US" sz="1600" dirty="0" err="1">
+                <a:solidFill>
+                  <a:srgbClr val="000000"/>
+                </a:solidFill>
+                <a:latin typeface="돋움체" panose="020B0609000101010101" pitchFamily="49" charset="-127"/>
+                <a:ea typeface="돋움체" panose="020B0609000101010101" pitchFamily="49" charset="-127"/>
+              </a:rPr>
+              <a:t>보내는모델</a:t>
+            </a:r>
+            <a:r>
+              <a:rPr lang="ko-KR" altLang="en-US" sz="1600" dirty="0">
+                <a:solidFill>
+                  <a:srgbClr val="000000"/>
+                </a:solidFill>
+                <a:latin typeface="돋움체" panose="020B0609000101010101" pitchFamily="49" charset="-127"/>
+                <a:ea typeface="돋움체" panose="020B0609000101010101" pitchFamily="49" charset="-127"/>
+              </a:rPr>
+              <a:t> 커플정보 </a:t>
+            </a:r>
+            <a:r>
+              <a:rPr lang="ko-KR" altLang="en-US" sz="1600" dirty="0" err="1">
+                <a:solidFill>
+                  <a:srgbClr val="000000"/>
+                </a:solidFill>
+                <a:latin typeface="돋움체" panose="020B0609000101010101" pitchFamily="49" charset="-127"/>
+                <a:ea typeface="돋움체" panose="020B0609000101010101" pitchFamily="49" charset="-127"/>
+              </a:rPr>
+              <a:t>맵에</a:t>
+            </a:r>
+            <a:r>
+              <a:rPr lang="ko-KR" altLang="en-US" sz="1600" dirty="0">
+                <a:solidFill>
+                  <a:srgbClr val="000000"/>
+                </a:solidFill>
+                <a:latin typeface="돋움체" panose="020B0609000101010101" pitchFamily="49" charset="-127"/>
+                <a:ea typeface="돋움체" panose="020B0609000101010101" pitchFamily="49" charset="-127"/>
+              </a:rPr>
+              <a:t> 추가</a:t>
+            </a:r>
+            <a:endParaRPr lang="en-US" altLang="ko-KR" sz="1600" dirty="0">
+              <a:solidFill>
+                <a:srgbClr val="000000"/>
+              </a:solidFill>
+              <a:latin typeface="돋움체" panose="020B0609000101010101" pitchFamily="49" charset="-127"/>
+              <a:ea typeface="돋움체" panose="020B0609000101010101" pitchFamily="49" charset="-127"/>
+            </a:endParaRPr>
+          </a:p>
+          <a:p>
+            <a:r>
+              <a:rPr lang="en-US" altLang="ko-KR" sz="1600" dirty="0" err="1">
+                <a:solidFill>
+                  <a:srgbClr val="000000"/>
+                </a:solidFill>
+                <a:latin typeface="돋움체" panose="020B0609000101010101" pitchFamily="49" charset="-127"/>
+                <a:ea typeface="돋움체" panose="020B0609000101010101" pitchFamily="49" charset="-127"/>
+              </a:rPr>
+              <a:t>subIdx</a:t>
+            </a:r>
+            <a:r>
+              <a:rPr lang="en-US" altLang="ko-KR" sz="1600" dirty="0">
+                <a:solidFill>
+                  <a:srgbClr val="000000"/>
+                </a:solidFill>
+                <a:latin typeface="돋움체" panose="020B0609000101010101" pitchFamily="49" charset="-127"/>
+                <a:ea typeface="돋움체" panose="020B0609000101010101" pitchFamily="49" charset="-127"/>
+              </a:rPr>
+              <a:t> = receiveNumMap.at(</a:t>
+            </a:r>
+            <a:r>
+              <a:rPr lang="en-US" altLang="ko-KR" sz="1600" dirty="0" err="1">
+                <a:solidFill>
+                  <a:srgbClr val="000000"/>
+                </a:solidFill>
+                <a:latin typeface="돋움체" panose="020B0609000101010101" pitchFamily="49" charset="-127"/>
+                <a:ea typeface="돋움체" panose="020B0609000101010101" pitchFamily="49" charset="-127"/>
+              </a:rPr>
+              <a:t>receiveNum</a:t>
+            </a:r>
+            <a:r>
+              <a:rPr lang="en-US" altLang="ko-KR" sz="1600" dirty="0">
+                <a:solidFill>
+                  <a:srgbClr val="000000"/>
+                </a:solidFill>
+                <a:latin typeface="돋움체" panose="020B0609000101010101" pitchFamily="49" charset="-127"/>
+                <a:ea typeface="돋움체" panose="020B0609000101010101" pitchFamily="49" charset="-127"/>
+              </a:rPr>
+              <a:t>).size() - 1;//Receive </a:t>
+            </a:r>
+            <a:r>
+              <a:rPr lang="ko-KR" altLang="en-US" sz="1600" dirty="0" err="1">
+                <a:solidFill>
+                  <a:srgbClr val="000000"/>
+                </a:solidFill>
+                <a:latin typeface="돋움체" panose="020B0609000101010101" pitchFamily="49" charset="-127"/>
+                <a:ea typeface="돋움체" panose="020B0609000101010101" pitchFamily="49" charset="-127"/>
+              </a:rPr>
+              <a:t>여러개일시</a:t>
+            </a:r>
+            <a:r>
+              <a:rPr lang="ko-KR" altLang="en-US" sz="1600" dirty="0">
+                <a:solidFill>
+                  <a:srgbClr val="000000"/>
+                </a:solidFill>
+                <a:latin typeface="돋움체" panose="020B0609000101010101" pitchFamily="49" charset="-127"/>
+                <a:ea typeface="돋움체" panose="020B0609000101010101" pitchFamily="49" charset="-127"/>
+              </a:rPr>
+              <a:t> 포트정보 반영을 위한 </a:t>
+            </a:r>
+            <a:r>
+              <a:rPr lang="en-US" altLang="ko-KR" sz="1600" dirty="0" err="1">
+                <a:solidFill>
+                  <a:srgbClr val="000000"/>
+                </a:solidFill>
+                <a:latin typeface="돋움체" panose="020B0609000101010101" pitchFamily="49" charset="-127"/>
+                <a:ea typeface="돋움체" panose="020B0609000101010101" pitchFamily="49" charset="-127"/>
+              </a:rPr>
+              <a:t>subIdx</a:t>
+            </a:r>
+            <a:r>
+              <a:rPr lang="en-US" altLang="ko-KR" sz="1600" dirty="0">
+                <a:solidFill>
+                  <a:srgbClr val="000000"/>
+                </a:solidFill>
+                <a:latin typeface="돋움체" panose="020B0609000101010101" pitchFamily="49" charset="-127"/>
+                <a:ea typeface="돋움체" panose="020B0609000101010101" pitchFamily="49" charset="-127"/>
+              </a:rPr>
+              <a:t>. 0</a:t>
+            </a:r>
+            <a:r>
+              <a:rPr lang="ko-KR" altLang="en-US" sz="1600" dirty="0">
+                <a:solidFill>
+                  <a:srgbClr val="000000"/>
+                </a:solidFill>
+                <a:latin typeface="돋움체" panose="020B0609000101010101" pitchFamily="49" charset="-127"/>
+                <a:ea typeface="돋움체" panose="020B0609000101010101" pitchFamily="49" charset="-127"/>
+              </a:rPr>
+              <a:t>부터 시작</a:t>
+            </a:r>
+            <a:endParaRPr lang="en-US" altLang="ko-KR" sz="1600" dirty="0">
+              <a:solidFill>
+                <a:srgbClr val="000000"/>
+              </a:solidFill>
+              <a:latin typeface="돋움체" panose="020B0609000101010101" pitchFamily="49" charset="-127"/>
+              <a:ea typeface="돋움체" panose="020B0609000101010101" pitchFamily="49" charset="-127"/>
+            </a:endParaRPr>
+          </a:p>
+          <a:p>
+            <a:r>
+              <a:rPr lang="en-US" altLang="ko-KR" sz="1600" dirty="0">
+                <a:solidFill>
+                  <a:srgbClr val="000000"/>
+                </a:solidFill>
+                <a:latin typeface="돋움체" panose="020B0609000101010101" pitchFamily="49" charset="-127"/>
+                <a:ea typeface="돋움체" panose="020B0609000101010101" pitchFamily="49" charset="-127"/>
+              </a:rPr>
+              <a:t>coups(</a:t>
+            </a:r>
+            <a:r>
+              <a:rPr lang="en-US" altLang="ko-KR" sz="1600" dirty="0" err="1">
+                <a:solidFill>
+                  <a:srgbClr val="000000"/>
+                </a:solidFill>
+                <a:latin typeface="돋움체" panose="020B0609000101010101" pitchFamily="49" charset="-127"/>
+                <a:ea typeface="돋움체" panose="020B0609000101010101" pitchFamily="49" charset="-127"/>
+              </a:rPr>
+              <a:t>subIdx</a:t>
+            </a:r>
+            <a:r>
+              <a:rPr lang="en-US" altLang="ko-KR" sz="1600" dirty="0">
+                <a:solidFill>
+                  <a:srgbClr val="000000"/>
+                </a:solidFill>
+                <a:latin typeface="돋움체" panose="020B0609000101010101" pitchFamily="49" charset="-127"/>
+                <a:ea typeface="돋움체" panose="020B0609000101010101" pitchFamily="49" charset="-127"/>
+              </a:rPr>
+              <a:t>, </a:t>
+            </a:r>
+            <a:r>
+              <a:rPr lang="en-US" altLang="ko-KR" sz="1600" dirty="0" err="1">
+                <a:solidFill>
+                  <a:srgbClr val="000000"/>
+                </a:solidFill>
+                <a:latin typeface="돋움체" panose="020B0609000101010101" pitchFamily="49" charset="-127"/>
+                <a:ea typeface="돋움체" panose="020B0609000101010101" pitchFamily="49" charset="-127"/>
+              </a:rPr>
+              <a:t>sendNum</a:t>
+            </a:r>
+            <a:r>
+              <a:rPr lang="en-US" altLang="ko-KR" sz="1600" dirty="0">
+                <a:solidFill>
+                  <a:srgbClr val="000000"/>
+                </a:solidFill>
+                <a:latin typeface="돋움체" panose="020B0609000101010101" pitchFamily="49" charset="-127"/>
+                <a:ea typeface="돋움체" panose="020B0609000101010101" pitchFamily="49" charset="-127"/>
+              </a:rPr>
+              <a:t>, </a:t>
+            </a:r>
+            <a:r>
+              <a:rPr lang="en-US" altLang="ko-KR" sz="1600" dirty="0" err="1">
+                <a:solidFill>
+                  <a:srgbClr val="000000"/>
+                </a:solidFill>
+                <a:latin typeface="돋움체" panose="020B0609000101010101" pitchFamily="49" charset="-127"/>
+                <a:ea typeface="돋움체" panose="020B0609000101010101" pitchFamily="49" charset="-127"/>
+              </a:rPr>
+              <a:t>sendType</a:t>
+            </a:r>
+            <a:r>
+              <a:rPr lang="en-US" altLang="ko-KR" sz="1600" dirty="0">
+                <a:solidFill>
+                  <a:srgbClr val="000000"/>
+                </a:solidFill>
+                <a:latin typeface="돋움체" panose="020B0609000101010101" pitchFamily="49" charset="-127"/>
+                <a:ea typeface="돋움체" panose="020B0609000101010101" pitchFamily="49" charset="-127"/>
+              </a:rPr>
+              <a:t>, </a:t>
+            </a:r>
+            <a:r>
+              <a:rPr lang="en-US" altLang="ko-KR" sz="1600" dirty="0" err="1">
+                <a:solidFill>
+                  <a:srgbClr val="000000"/>
+                </a:solidFill>
+                <a:latin typeface="돋움체" panose="020B0609000101010101" pitchFamily="49" charset="-127"/>
+                <a:ea typeface="돋움체" panose="020B0609000101010101" pitchFamily="49" charset="-127"/>
+              </a:rPr>
+              <a:t>receiveNum</a:t>
+            </a:r>
+            <a:r>
+              <a:rPr lang="en-US" altLang="ko-KR" sz="1600" dirty="0">
+                <a:solidFill>
+                  <a:srgbClr val="000000"/>
+                </a:solidFill>
+                <a:latin typeface="돋움체" panose="020B0609000101010101" pitchFamily="49" charset="-127"/>
+                <a:ea typeface="돋움체" panose="020B0609000101010101" pitchFamily="49" charset="-127"/>
+              </a:rPr>
+              <a:t>, </a:t>
+            </a:r>
+            <a:r>
+              <a:rPr lang="en-US" altLang="ko-KR" sz="1600" dirty="0" err="1">
+                <a:solidFill>
+                  <a:srgbClr val="000000"/>
+                </a:solidFill>
+                <a:latin typeface="돋움체" panose="020B0609000101010101" pitchFamily="49" charset="-127"/>
+                <a:ea typeface="돋움체" panose="020B0609000101010101" pitchFamily="49" charset="-127"/>
+              </a:rPr>
+              <a:t>receiveType</a:t>
+            </a:r>
+            <a:r>
+              <a:rPr lang="en-US" altLang="ko-KR" sz="1600" dirty="0">
+                <a:solidFill>
+                  <a:srgbClr val="000000"/>
+                </a:solidFill>
+                <a:latin typeface="돋움체" panose="020B0609000101010101" pitchFamily="49" charset="-127"/>
+                <a:ea typeface="돋움체" panose="020B0609000101010101" pitchFamily="49" charset="-127"/>
+              </a:rPr>
+              <a:t>);//coups</a:t>
+            </a:r>
+            <a:r>
+              <a:rPr lang="ko-KR" altLang="en-US" sz="1600" dirty="0">
+                <a:solidFill>
+                  <a:srgbClr val="000000"/>
+                </a:solidFill>
+                <a:latin typeface="돋움체" panose="020B0609000101010101" pitchFamily="49" charset="-127"/>
+                <a:ea typeface="돋움체" panose="020B0609000101010101" pitchFamily="49" charset="-127"/>
+              </a:rPr>
+              <a:t>에 각각 정보 등록</a:t>
+            </a:r>
+            <a:endParaRPr lang="ko-KR" altLang="en-US" sz="1600" dirty="0"/>
           </a:p>
         </p:txBody>
       </p:sp>
@@ -52875,6 +54590,34 @@
 </file>
 
 <file path=customXml/item1.xml><?xml version="1.0" encoding="utf-8"?>
+<?mso-contentType ?>
+<FormTemplates xmlns="http://schemas.microsoft.com/sharepoint/v3/contenttype/forms">
+  <Display>DocumentLibraryForm</Display>
+  <Edit>DocumentLibraryForm</Edit>
+  <New>DocumentLibraryForm</New>
+</FormTemplates>
+</file>
+
+<file path=customXml/item2.xml><?xml version="1.0" encoding="utf-8"?>
+<p:properties xmlns:p="http://schemas.microsoft.com/office/2006/metadata/properties" xmlns:xsi="http://www.w3.org/2001/XMLSchema-instance" xmlns:pc="http://schemas.microsoft.com/office/infopath/2007/PartnerControls">
+  <documentManagement>
+    <_ip_UnifiedCompliancePolicyUIAction xmlns="http://schemas.microsoft.com/sharepoint/v3" xsi:nil="true"/>
+    <Image xmlns="71af3243-3dd4-4a8d-8c0d-dd76da1f02a5">
+      <Url xsi:nil="true"/>
+      <Description xsi:nil="true"/>
+    </Image>
+    <Status xmlns="71af3243-3dd4-4a8d-8c0d-dd76da1f02a5">Not started</Status>
+    <_ip_UnifiedCompliancePolicyProperties xmlns="http://schemas.microsoft.com/sharepoint/v3" xsi:nil="true"/>
+    <ImageTagsTaxHTField xmlns="71af3243-3dd4-4a8d-8c0d-dd76da1f02a5">
+      <Terms xmlns="http://schemas.microsoft.com/office/infopath/2007/PartnerControls"/>
+    </ImageTagsTaxHTField>
+    <TaxCatchAll xmlns="230e9df3-be65-4c73-a93b-d1236ebd677e"/>
+    <MediaServiceKeyPoints xmlns="71af3243-3dd4-4a8d-8c0d-dd76da1f02a5" xsi:nil="true"/>
+  </documentManagement>
+</p:properties>
+</file>
+
+<file path=customXml/item3.xml><?xml version="1.0" encoding="utf-8"?>
 <ct:contentTypeSchema xmlns:ct="http://schemas.microsoft.com/office/2006/metadata/contentType" xmlns:ma="http://schemas.microsoft.com/office/2006/metadata/properties/metaAttributes" ct:_="" ma:_="" ma:contentTypeName="Document" ma:contentTypeID="0x01010079F111ED35F8CC479449609E8A0923A6" ma:contentTypeVersion="20" ma:contentTypeDescription="Create a new document." ma:contentTypeScope="" ma:versionID="1267097ee5f5874adfcc408041ae252e">
   <xsd:schema xmlns:xsd="http://www.w3.org/2001/XMLSchema" xmlns:xs="http://www.w3.org/2001/XMLSchema" xmlns:p="http://schemas.microsoft.com/office/2006/metadata/properties" xmlns:ns1="http://schemas.microsoft.com/sharepoint/v3" xmlns:ns2="71af3243-3dd4-4a8d-8c0d-dd76da1f02a5" xmlns:ns3="16c05727-aa75-4e4a-9b5f-8a80a1165891" xmlns:ns4="230e9df3-be65-4c73-a93b-d1236ebd677e" targetNamespace="http://schemas.microsoft.com/office/2006/metadata/properties" ma:root="true" ma:fieldsID="395891a93df65b14727750f2c06c306c" ns1:_="" ns2:_="" ns3:_="" ns4:_="">
     <xsd:import namespace="http://schemas.microsoft.com/sharepoint/v3"/>
@@ -53150,35 +54893,27 @@
 </ct:contentTypeSchema>
 </file>
 
-<file path=customXml/item2.xml><?xml version="1.0" encoding="utf-8"?>
-<?mso-contentType ?>
-<FormTemplates xmlns="http://schemas.microsoft.com/sharepoint/v3/contenttype/forms">
-  <Display>DocumentLibraryForm</Display>
-  <Edit>DocumentLibraryForm</Edit>
-  <New>DocumentLibraryForm</New>
-</FormTemplates>
+<file path=customXml/itemProps1.xml><?xml version="1.0" encoding="utf-8"?>
+<ds:datastoreItem xmlns:ds="http://schemas.openxmlformats.org/officeDocument/2006/customXml" ds:itemID="{2D446390-8521-40A2-A462-EA068123BED9}">
+  <ds:schemaRefs>
+    <ds:schemaRef ds:uri="http://schemas.microsoft.com/sharepoint/v3/contenttype/forms"/>
+  </ds:schemaRefs>
+</ds:datastoreItem>
 </file>
 
-<file path=customXml/item3.xml><?xml version="1.0" encoding="utf-8"?>
-<p:properties xmlns:p="http://schemas.microsoft.com/office/2006/metadata/properties" xmlns:xsi="http://www.w3.org/2001/XMLSchema-instance" xmlns:pc="http://schemas.microsoft.com/office/infopath/2007/PartnerControls">
-  <documentManagement>
-    <_ip_UnifiedCompliancePolicyUIAction xmlns="http://schemas.microsoft.com/sharepoint/v3" xsi:nil="true"/>
-    <Image xmlns="71af3243-3dd4-4a8d-8c0d-dd76da1f02a5">
-      <Url xsi:nil="true"/>
-      <Description xsi:nil="true"/>
-    </Image>
-    <Status xmlns="71af3243-3dd4-4a8d-8c0d-dd76da1f02a5">Not started</Status>
-    <_ip_UnifiedCompliancePolicyProperties xmlns="http://schemas.microsoft.com/sharepoint/v3" xsi:nil="true"/>
-    <ImageTagsTaxHTField xmlns="71af3243-3dd4-4a8d-8c0d-dd76da1f02a5">
-      <Terms xmlns="http://schemas.microsoft.com/office/infopath/2007/PartnerControls"/>
-    </ImageTagsTaxHTField>
-    <TaxCatchAll xmlns="230e9df3-be65-4c73-a93b-d1236ebd677e"/>
-    <MediaServiceKeyPoints xmlns="71af3243-3dd4-4a8d-8c0d-dd76da1f02a5" xsi:nil="true"/>
-  </documentManagement>
-</p:properties>
+<file path=customXml/itemProps2.xml><?xml version="1.0" encoding="utf-8"?>
+<ds:datastoreItem xmlns:ds="http://schemas.openxmlformats.org/officeDocument/2006/customXml" ds:itemID="{B5BA3906-9696-4247-AC0D-DD5C26B2A70A}">
+  <ds:schemaRefs>
+    <ds:schemaRef ds:uri="http://schemas.microsoft.com/office/2006/metadata/properties"/>
+    <ds:schemaRef ds:uri="http://schemas.microsoft.com/office/infopath/2007/PartnerControls"/>
+    <ds:schemaRef ds:uri="http://schemas.microsoft.com/sharepoint/v3"/>
+    <ds:schemaRef ds:uri="71af3243-3dd4-4a8d-8c0d-dd76da1f02a5"/>
+    <ds:schemaRef ds:uri="230e9df3-be65-4c73-a93b-d1236ebd677e"/>
+  </ds:schemaRefs>
+</ds:datastoreItem>
 </file>
 
-<file path=customXml/itemProps1.xml><?xml version="1.0" encoding="utf-8"?>
+<file path=customXml/itemProps3.xml><?xml version="1.0" encoding="utf-8"?>
 <ds:datastoreItem xmlns:ds="http://schemas.openxmlformats.org/officeDocument/2006/customXml" ds:itemID="{01E84A1C-2814-43A7-9448-348326113A45}">
   <ds:schemaRefs>
     <ds:schemaRef ds:uri="http://schemas.microsoft.com/office/2006/metadata/contentType"/>
@@ -53199,26 +54934,6 @@
 </ds:datastoreItem>
 </file>
 
-<file path=customXml/itemProps2.xml><?xml version="1.0" encoding="utf-8"?>
-<ds:datastoreItem xmlns:ds="http://schemas.openxmlformats.org/officeDocument/2006/customXml" ds:itemID="{2D446390-8521-40A2-A462-EA068123BED9}">
-  <ds:schemaRefs>
-    <ds:schemaRef ds:uri="http://schemas.microsoft.com/sharepoint/v3/contenttype/forms"/>
-  </ds:schemaRefs>
-</ds:datastoreItem>
-</file>
-
-<file path=customXml/itemProps3.xml><?xml version="1.0" encoding="utf-8"?>
-<ds:datastoreItem xmlns:ds="http://schemas.openxmlformats.org/officeDocument/2006/customXml" ds:itemID="{B5BA3906-9696-4247-AC0D-DD5C26B2A70A}">
-  <ds:schemaRefs>
-    <ds:schemaRef ds:uri="http://schemas.microsoft.com/office/2006/metadata/properties"/>
-    <ds:schemaRef ds:uri="http://schemas.microsoft.com/office/infopath/2007/PartnerControls"/>
-    <ds:schemaRef ds:uri="http://schemas.microsoft.com/sharepoint/v3"/>
-    <ds:schemaRef ds:uri="71af3243-3dd4-4a8d-8c0d-dd76da1f02a5"/>
-    <ds:schemaRef ds:uri="230e9df3-be65-4c73-a93b-d1236ebd677e"/>
-  </ds:schemaRefs>
-</ds:datastoreItem>
-</file>
-
 <file path=docMetadata/LabelInfo.xml><?xml version="1.0" encoding="utf-8"?>
 <clbl:labelList xmlns:clbl="http://schemas.microsoft.com/office/2020/mipLabelMetadata">
   <clbl:label id="{f42aa342-8706-4288-bd11-ebb85995028c}" enabled="1" method="Standard" siteId="{72f988bf-86f1-41af-91ab-2d7cd011db47}" removed="0"/>
